--- a/presentation.pptx
+++ b/presentation.pptx
@@ -5,7 +5,7 @@
     <p:sldMasterId id="2147483686" r:id="rId1"/>
   </p:sldMasterIdLst>
   <p:notesMasterIdLst>
-    <p:notesMasterId r:id="rId17"/>
+    <p:notesMasterId r:id="rId19"/>
   </p:notesMasterIdLst>
   <p:sldIdLst>
     <p:sldId id="256" r:id="rId2"/>
@@ -19,37 +19,39 @@
     <p:sldId id="264" r:id="rId10"/>
     <p:sldId id="313" r:id="rId11"/>
     <p:sldId id="314" r:id="rId12"/>
-    <p:sldId id="315" r:id="rId13"/>
-    <p:sldId id="316" r:id="rId14"/>
-    <p:sldId id="317" r:id="rId15"/>
-    <p:sldId id="318" r:id="rId16"/>
+    <p:sldId id="319" r:id="rId13"/>
+    <p:sldId id="320" r:id="rId14"/>
+    <p:sldId id="315" r:id="rId15"/>
+    <p:sldId id="316" r:id="rId16"/>
+    <p:sldId id="317" r:id="rId17"/>
+    <p:sldId id="318" r:id="rId18"/>
   </p:sldIdLst>
   <p:sldSz cx="9144000" cy="5143500" type="screen16x9"/>
   <p:notesSz cx="6858000" cy="9144000"/>
   <p:embeddedFontLst>
     <p:embeddedFont>
       <p:font typeface="Bebas Neue" panose="020B0606020202050201" pitchFamily="34" charset="0"/>
-      <p:regular r:id="rId18"/>
+      <p:regular r:id="rId20"/>
     </p:embeddedFont>
     <p:embeddedFont>
       <p:font typeface="Cairo" panose="020B0604020202020204" charset="-78"/>
-      <p:regular r:id="rId19"/>
-      <p:bold r:id="rId20"/>
+      <p:regular r:id="rId21"/>
+      <p:bold r:id="rId22"/>
     </p:embeddedFont>
     <p:embeddedFont>
       <p:font typeface="Delius Swash Caps" panose="020B0604020202020204" charset="0"/>
-      <p:regular r:id="rId21"/>
+      <p:regular r:id="rId23"/>
     </p:embeddedFont>
     <p:embeddedFont>
       <p:font typeface="Electrolize" panose="020B0604020202020204" charset="0"/>
-      <p:regular r:id="rId22"/>
+      <p:regular r:id="rId24"/>
     </p:embeddedFont>
     <p:embeddedFont>
       <p:font typeface="Montserrat" panose="00000500000000000000" pitchFamily="2" charset="0"/>
-      <p:regular r:id="rId23"/>
-      <p:bold r:id="rId24"/>
-      <p:italic r:id="rId25"/>
-      <p:boldItalic r:id="rId26"/>
+      <p:regular r:id="rId25"/>
+      <p:bold r:id="rId26"/>
+      <p:italic r:id="rId27"/>
+      <p:boldItalic r:id="rId28"/>
     </p:embeddedFont>
   </p:embeddedFontLst>
   <p:defaultTextStyle>
@@ -281,6 +283,11 @@
       </a:defRPr>
     </a:lvl9pPr>
   </p:defaultTextStyle>
+  <p:extLst>
+    <p:ext uri="{EFAFB233-063F-42B5-8137-9DF3F51BA10A}">
+      <p15:sldGuideLst xmlns:p15="http://schemas.microsoft.com/office/powerpoint/2012/main"/>
+    </p:ext>
+  </p:extLst>
 </p:presentation>
 </file>
 
@@ -1088,6 +1095,260 @@
   <p:cSld>
     <p:spTree>
       <p:nvGrpSpPr>
+        <p:cNvPr id="1" name="Shape 261">
+          <a:extLst>
+            <a:ext uri="{FF2B5EF4-FFF2-40B4-BE49-F238E27FC236}">
+              <a16:creationId xmlns:a16="http://schemas.microsoft.com/office/drawing/2014/main" id="{9AFF4278-F180-2C12-CAAF-CDAC076EBA5E}"/>
+            </a:ext>
+          </a:extLst>
+        </p:cNvPr>
+        <p:cNvGrpSpPr/>
+        <p:nvPr/>
+      </p:nvGrpSpPr>
+      <p:grpSpPr>
+        <a:xfrm>
+          <a:off x="0" y="0"/>
+          <a:ext cx="0" cy="0"/>
+          <a:chOff x="0" y="0"/>
+          <a:chExt cx="0" cy="0"/>
+        </a:xfrm>
+      </p:grpSpPr>
+      <p:sp>
+        <p:nvSpPr>
+          <p:cNvPr id="262" name="Google Shape;262;g158b4bebab1_0_0:notes">
+            <a:extLst>
+              <a:ext uri="{FF2B5EF4-FFF2-40B4-BE49-F238E27FC236}">
+                <a16:creationId xmlns:a16="http://schemas.microsoft.com/office/drawing/2014/main" id="{A9A336C0-77D0-2EA2-E5DE-5E6CEA30B90F}"/>
+              </a:ext>
+            </a:extLst>
+          </p:cNvPr>
+          <p:cNvSpPr>
+            <a:spLocks noGrp="1" noRot="1" noChangeAspect="1"/>
+          </p:cNvSpPr>
+          <p:nvPr>
+            <p:ph type="sldImg" idx="2"/>
+          </p:nvPr>
+        </p:nvSpPr>
+        <p:spPr>
+          <a:xfrm>
+            <a:off x="381000" y="685800"/>
+            <a:ext cx="6096000" cy="3429000"/>
+          </a:xfrm>
+          <a:custGeom>
+            <a:avLst/>
+            <a:gdLst/>
+            <a:ahLst/>
+            <a:cxnLst/>
+            <a:rect l="l" t="t" r="r" b="b"/>
+            <a:pathLst>
+              <a:path w="120000" h="120000" extrusionOk="0">
+                <a:moveTo>
+                  <a:pt x="0" y="0"/>
+                </a:moveTo>
+                <a:lnTo>
+                  <a:pt x="120000" y="0"/>
+                </a:lnTo>
+                <a:lnTo>
+                  <a:pt x="120000" y="120000"/>
+                </a:lnTo>
+                <a:lnTo>
+                  <a:pt x="0" y="120000"/>
+                </a:lnTo>
+                <a:close/>
+              </a:path>
+            </a:pathLst>
+          </a:custGeom>
+        </p:spPr>
+      </p:sp>
+      <p:sp>
+        <p:nvSpPr>
+          <p:cNvPr id="263" name="Google Shape;263;g158b4bebab1_0_0:notes">
+            <a:extLst>
+              <a:ext uri="{FF2B5EF4-FFF2-40B4-BE49-F238E27FC236}">
+                <a16:creationId xmlns:a16="http://schemas.microsoft.com/office/drawing/2014/main" id="{73592986-E3A8-8475-0E47-DE2F7D9A3C25}"/>
+              </a:ext>
+            </a:extLst>
+          </p:cNvPr>
+          <p:cNvSpPr txBox="1">
+            <a:spLocks noGrp="1"/>
+          </p:cNvSpPr>
+          <p:nvPr>
+            <p:ph type="body" idx="1"/>
+          </p:nvPr>
+        </p:nvSpPr>
+        <p:spPr>
+          <a:xfrm>
+            <a:off x="685800" y="4343400"/>
+            <a:ext cx="5486400" cy="4114800"/>
+          </a:xfrm>
+          <a:prstGeom prst="rect">
+            <a:avLst/>
+          </a:prstGeom>
+        </p:spPr>
+        <p:txBody>
+          <a:bodyPr spcFirstLastPara="1" wrap="square" lIns="91425" tIns="91425" rIns="91425" bIns="91425" anchor="t" anchorCtr="0">
+            <a:noAutofit/>
+          </a:bodyPr>
+          <a:lstStyle/>
+          <a:p>
+            <a:pPr marL="0" lvl="0" indent="0" algn="l" rtl="0">
+              <a:spcBef>
+                <a:spcPts val="0"/>
+              </a:spcBef>
+              <a:spcAft>
+                <a:spcPts val="0"/>
+              </a:spcAft>
+              <a:buNone/>
+            </a:pPr>
+            <a:endParaRPr/>
+          </a:p>
+        </p:txBody>
+      </p:sp>
+    </p:spTree>
+    <p:extLst>
+      <p:ext uri="{BB962C8B-B14F-4D97-AF65-F5344CB8AC3E}">
+        <p14:creationId xmlns:p14="http://schemas.microsoft.com/office/powerpoint/2010/main" val="3070450858"/>
+      </p:ext>
+    </p:extLst>
+  </p:cSld>
+  <p:clrMapOvr>
+    <a:masterClrMapping/>
+  </p:clrMapOvr>
+</p:notes>
+</file>
+
+<file path=ppt/notesSlides/notesSlide13.xml><?xml version="1.0" encoding="utf-8"?>
+<p:notes xmlns:a="http://schemas.openxmlformats.org/drawingml/2006/main" xmlns:r="http://schemas.openxmlformats.org/officeDocument/2006/relationships" xmlns:p="http://schemas.openxmlformats.org/presentationml/2006/main" showMasterSp="0" showMasterPhAnim="0">
+  <p:cSld>
+    <p:spTree>
+      <p:nvGrpSpPr>
+        <p:cNvPr id="1" name="Shape 261">
+          <a:extLst>
+            <a:ext uri="{FF2B5EF4-FFF2-40B4-BE49-F238E27FC236}">
+              <a16:creationId xmlns:a16="http://schemas.microsoft.com/office/drawing/2014/main" id="{D010CE05-4B0B-E7A6-6D73-35958B9003D2}"/>
+            </a:ext>
+          </a:extLst>
+        </p:cNvPr>
+        <p:cNvGrpSpPr/>
+        <p:nvPr/>
+      </p:nvGrpSpPr>
+      <p:grpSpPr>
+        <a:xfrm>
+          <a:off x="0" y="0"/>
+          <a:ext cx="0" cy="0"/>
+          <a:chOff x="0" y="0"/>
+          <a:chExt cx="0" cy="0"/>
+        </a:xfrm>
+      </p:grpSpPr>
+      <p:sp>
+        <p:nvSpPr>
+          <p:cNvPr id="262" name="Google Shape;262;g158b4bebab1_0_0:notes">
+            <a:extLst>
+              <a:ext uri="{FF2B5EF4-FFF2-40B4-BE49-F238E27FC236}">
+                <a16:creationId xmlns:a16="http://schemas.microsoft.com/office/drawing/2014/main" id="{A82520A4-B072-F78F-629A-0CBA38E3A19A}"/>
+              </a:ext>
+            </a:extLst>
+          </p:cNvPr>
+          <p:cNvSpPr>
+            <a:spLocks noGrp="1" noRot="1" noChangeAspect="1"/>
+          </p:cNvSpPr>
+          <p:nvPr>
+            <p:ph type="sldImg" idx="2"/>
+          </p:nvPr>
+        </p:nvSpPr>
+        <p:spPr>
+          <a:xfrm>
+            <a:off x="381000" y="685800"/>
+            <a:ext cx="6096000" cy="3429000"/>
+          </a:xfrm>
+          <a:custGeom>
+            <a:avLst/>
+            <a:gdLst/>
+            <a:ahLst/>
+            <a:cxnLst/>
+            <a:rect l="l" t="t" r="r" b="b"/>
+            <a:pathLst>
+              <a:path w="120000" h="120000" extrusionOk="0">
+                <a:moveTo>
+                  <a:pt x="0" y="0"/>
+                </a:moveTo>
+                <a:lnTo>
+                  <a:pt x="120000" y="0"/>
+                </a:lnTo>
+                <a:lnTo>
+                  <a:pt x="120000" y="120000"/>
+                </a:lnTo>
+                <a:lnTo>
+                  <a:pt x="0" y="120000"/>
+                </a:lnTo>
+                <a:close/>
+              </a:path>
+            </a:pathLst>
+          </a:custGeom>
+        </p:spPr>
+      </p:sp>
+      <p:sp>
+        <p:nvSpPr>
+          <p:cNvPr id="263" name="Google Shape;263;g158b4bebab1_0_0:notes">
+            <a:extLst>
+              <a:ext uri="{FF2B5EF4-FFF2-40B4-BE49-F238E27FC236}">
+                <a16:creationId xmlns:a16="http://schemas.microsoft.com/office/drawing/2014/main" id="{AFFDE823-3CF2-3AC1-6FCB-C49B85E1AF52}"/>
+              </a:ext>
+            </a:extLst>
+          </p:cNvPr>
+          <p:cNvSpPr txBox="1">
+            <a:spLocks noGrp="1"/>
+          </p:cNvSpPr>
+          <p:nvPr>
+            <p:ph type="body" idx="1"/>
+          </p:nvPr>
+        </p:nvSpPr>
+        <p:spPr>
+          <a:xfrm>
+            <a:off x="685800" y="4343400"/>
+            <a:ext cx="5486400" cy="4114800"/>
+          </a:xfrm>
+          <a:prstGeom prst="rect">
+            <a:avLst/>
+          </a:prstGeom>
+        </p:spPr>
+        <p:txBody>
+          <a:bodyPr spcFirstLastPara="1" wrap="square" lIns="91425" tIns="91425" rIns="91425" bIns="91425" anchor="t" anchorCtr="0">
+            <a:noAutofit/>
+          </a:bodyPr>
+          <a:lstStyle/>
+          <a:p>
+            <a:pPr marL="0" lvl="0" indent="0" algn="l" rtl="0">
+              <a:spcBef>
+                <a:spcPts val="0"/>
+              </a:spcBef>
+              <a:spcAft>
+                <a:spcPts val="0"/>
+              </a:spcAft>
+              <a:buNone/>
+            </a:pPr>
+            <a:endParaRPr/>
+          </a:p>
+        </p:txBody>
+      </p:sp>
+    </p:spTree>
+    <p:extLst>
+      <p:ext uri="{BB962C8B-B14F-4D97-AF65-F5344CB8AC3E}">
+        <p14:creationId xmlns:p14="http://schemas.microsoft.com/office/powerpoint/2010/main" val="3523052320"/>
+      </p:ext>
+    </p:extLst>
+  </p:cSld>
+  <p:clrMapOvr>
+    <a:masterClrMapping/>
+  </p:clrMapOvr>
+</p:notes>
+</file>
+
+<file path=ppt/notesSlides/notesSlide14.xml><?xml version="1.0" encoding="utf-8"?>
+<p:notes xmlns:a="http://schemas.openxmlformats.org/drawingml/2006/main" xmlns:r="http://schemas.openxmlformats.org/officeDocument/2006/relationships" xmlns:p="http://schemas.openxmlformats.org/presentationml/2006/main" showMasterSp="0" showMasterPhAnim="0">
+  <p:cSld>
+    <p:spTree>
+      <p:nvGrpSpPr>
         <p:cNvPr id="1" name="Shape 246">
           <a:extLst>
             <a:ext uri="{FF2B5EF4-FFF2-40B4-BE49-F238E27FC236}">
@@ -1210,7 +1471,7 @@
 </p:notes>
 </file>
 
-<file path=ppt/notesSlides/notesSlide13.xml><?xml version="1.0" encoding="utf-8"?>
+<file path=ppt/notesSlides/notesSlide15.xml><?xml version="1.0" encoding="utf-8"?>
 <p:notes xmlns:a="http://schemas.openxmlformats.org/drawingml/2006/main" xmlns:r="http://schemas.openxmlformats.org/officeDocument/2006/relationships" xmlns:p="http://schemas.openxmlformats.org/presentationml/2006/main" showMasterSp="0" showMasterPhAnim="0">
   <p:cSld>
     <p:spTree>
@@ -1337,7 +1598,7 @@
 </p:notes>
 </file>
 
-<file path=ppt/notesSlides/notesSlide14.xml><?xml version="1.0" encoding="utf-8"?>
+<file path=ppt/notesSlides/notesSlide16.xml><?xml version="1.0" encoding="utf-8"?>
 <p:notes xmlns:a="http://schemas.openxmlformats.org/drawingml/2006/main" xmlns:r="http://schemas.openxmlformats.org/officeDocument/2006/relationships" xmlns:p="http://schemas.openxmlformats.org/presentationml/2006/main" showMasterSp="0" showMasterPhAnim="0">
   <p:cSld>
     <p:spTree>
@@ -1464,7 +1725,7 @@
 </p:notes>
 </file>
 
-<file path=ppt/notesSlides/notesSlide15.xml><?xml version="1.0" encoding="utf-8"?>
+<file path=ppt/notesSlides/notesSlide17.xml><?xml version="1.0" encoding="utf-8"?>
 <p:notes xmlns:a="http://schemas.openxmlformats.org/drawingml/2006/main" xmlns:r="http://schemas.openxmlformats.org/officeDocument/2006/relationships" xmlns:p="http://schemas.openxmlformats.org/presentationml/2006/main" showMasterSp="0" showMasterPhAnim="0">
   <p:cSld>
     <p:spTree>
@@ -10175,6 +10436,459 @@
   <p:cSld>
     <p:spTree>
       <p:nvGrpSpPr>
+        <p:cNvPr id="1" name="Shape 264">
+          <a:extLst>
+            <a:ext uri="{FF2B5EF4-FFF2-40B4-BE49-F238E27FC236}">
+              <a16:creationId xmlns:a16="http://schemas.microsoft.com/office/drawing/2014/main" id="{DFFC6CE0-35A2-09F2-FCCD-1171419408F2}"/>
+            </a:ext>
+          </a:extLst>
+        </p:cNvPr>
+        <p:cNvGrpSpPr/>
+        <p:nvPr/>
+      </p:nvGrpSpPr>
+      <p:grpSpPr>
+        <a:xfrm>
+          <a:off x="0" y="0"/>
+          <a:ext cx="0" cy="0"/>
+          <a:chOff x="0" y="0"/>
+          <a:chExt cx="0" cy="0"/>
+        </a:xfrm>
+      </p:grpSpPr>
+      <p:sp>
+        <p:nvSpPr>
+          <p:cNvPr id="266" name="Google Shape;266;p47">
+            <a:extLst>
+              <a:ext uri="{FF2B5EF4-FFF2-40B4-BE49-F238E27FC236}">
+                <a16:creationId xmlns:a16="http://schemas.microsoft.com/office/drawing/2014/main" id="{DA685C59-3E01-1A89-D06D-197F397065AA}"/>
+              </a:ext>
+            </a:extLst>
+          </p:cNvPr>
+          <p:cNvSpPr txBox="1">
+            <a:spLocks noGrp="1"/>
+          </p:cNvSpPr>
+          <p:nvPr>
+            <p:ph type="title"/>
+          </p:nvPr>
+        </p:nvSpPr>
+        <p:spPr>
+          <a:xfrm>
+            <a:off x="435982" y="521225"/>
+            <a:ext cx="7704000" cy="572700"/>
+          </a:xfrm>
+          <a:prstGeom prst="rect">
+            <a:avLst/>
+          </a:prstGeom>
+        </p:spPr>
+        <p:txBody>
+          <a:bodyPr spcFirstLastPara="1" wrap="square" lIns="91425" tIns="91425" rIns="91425" bIns="91425" anchor="t" anchorCtr="0">
+            <a:noAutofit/>
+          </a:bodyPr>
+          <a:lstStyle/>
+          <a:p>
+            <a:pPr marL="342900" lvl="0" indent="-342900">
+              <a:buFont typeface="Wingdings" panose="05000000000000000000" pitchFamily="2" charset="2"/>
+              <a:buChar char="ü"/>
+            </a:pPr>
+            <a:r>
+              <a:rPr lang="en-US" sz="1800" b="1" dirty="0">
+                <a:solidFill>
+                  <a:schemeClr val="accent3">
+                    <a:lumMod val="25000"/>
+                  </a:schemeClr>
+                </a:solidFill>
+              </a:rPr>
+              <a:t>The buyers are the same adapted for multiple products</a:t>
+            </a:r>
+            <a:endParaRPr sz="1800" b="1" dirty="0">
+              <a:solidFill>
+                <a:schemeClr val="accent3">
+                  <a:lumMod val="25000"/>
+                </a:schemeClr>
+              </a:solidFill>
+            </a:endParaRPr>
+          </a:p>
+        </p:txBody>
+      </p:sp>
+      <p:pic>
+        <p:nvPicPr>
+          <p:cNvPr id="4" name="Picture 3" descr="A computer screen shot of a program&#10;&#10;AI-generated content may be incorrect.">
+            <a:extLst>
+              <a:ext uri="{FF2B5EF4-FFF2-40B4-BE49-F238E27FC236}">
+                <a16:creationId xmlns:a16="http://schemas.microsoft.com/office/drawing/2014/main" id="{6A89C2B2-4ADB-58C2-29BA-2DF130019E05}"/>
+              </a:ext>
+            </a:extLst>
+          </p:cNvPr>
+          <p:cNvPicPr>
+            <a:picLocks noChangeAspect="1"/>
+          </p:cNvPicPr>
+          <p:nvPr/>
+        </p:nvPicPr>
+        <p:blipFill>
+          <a:blip r:embed="rId3"/>
+          <a:stretch>
+            <a:fillRect/>
+          </a:stretch>
+        </p:blipFill>
+        <p:spPr>
+          <a:xfrm>
+            <a:off x="1489901" y="1055975"/>
+            <a:ext cx="4379271" cy="3882597"/>
+          </a:xfrm>
+          <a:prstGeom prst="rect">
+            <a:avLst/>
+          </a:prstGeom>
+        </p:spPr>
+      </p:pic>
+    </p:spTree>
+    <p:extLst>
+      <p:ext uri="{BB962C8B-B14F-4D97-AF65-F5344CB8AC3E}">
+        <p14:creationId xmlns:p14="http://schemas.microsoft.com/office/powerpoint/2010/main" val="2015142544"/>
+      </p:ext>
+    </p:extLst>
+  </p:cSld>
+  <p:clrMapOvr>
+    <a:masterClrMapping/>
+  </p:clrMapOvr>
+</p:sld>
+</file>
+
+<file path=ppt/slides/slide13.xml><?xml version="1.0" encoding="utf-8"?>
+<p:sld xmlns:a="http://schemas.openxmlformats.org/drawingml/2006/main" xmlns:r="http://schemas.openxmlformats.org/officeDocument/2006/relationships" xmlns:p="http://schemas.openxmlformats.org/presentationml/2006/main">
+  <p:cSld>
+    <p:spTree>
+      <p:nvGrpSpPr>
+        <p:cNvPr id="1" name="Shape 264">
+          <a:extLst>
+            <a:ext uri="{FF2B5EF4-FFF2-40B4-BE49-F238E27FC236}">
+              <a16:creationId xmlns:a16="http://schemas.microsoft.com/office/drawing/2014/main" id="{50D71A40-5B08-98BA-2E4E-FABCE52DDB32}"/>
+            </a:ext>
+          </a:extLst>
+        </p:cNvPr>
+        <p:cNvGrpSpPr/>
+        <p:nvPr/>
+      </p:nvGrpSpPr>
+      <p:grpSpPr>
+        <a:xfrm>
+          <a:off x="0" y="0"/>
+          <a:ext cx="0" cy="0"/>
+          <a:chOff x="0" y="0"/>
+          <a:chExt cx="0" cy="0"/>
+        </a:xfrm>
+      </p:grpSpPr>
+      <p:sp>
+        <p:nvSpPr>
+          <p:cNvPr id="5" name="Google Shape;266;p47">
+            <a:extLst>
+              <a:ext uri="{FF2B5EF4-FFF2-40B4-BE49-F238E27FC236}">
+                <a16:creationId xmlns:a16="http://schemas.microsoft.com/office/drawing/2014/main" id="{AB32B1AA-378B-729F-4D9E-367FF7731644}"/>
+              </a:ext>
+            </a:extLst>
+          </p:cNvPr>
+          <p:cNvSpPr txBox="1">
+            <a:spLocks/>
+          </p:cNvSpPr>
+          <p:nvPr/>
+        </p:nvSpPr>
+        <p:spPr>
+          <a:xfrm>
+            <a:off x="402962" y="356229"/>
+            <a:ext cx="7704000" cy="572700"/>
+          </a:xfrm>
+          <a:prstGeom prst="rect">
+            <a:avLst/>
+          </a:prstGeom>
+          <a:noFill/>
+          <a:ln>
+            <a:noFill/>
+          </a:ln>
+        </p:spPr>
+        <p:txBody>
+          <a:bodyPr spcFirstLastPara="1" wrap="square" lIns="91425" tIns="91425" rIns="91425" bIns="91425" anchor="t" anchorCtr="0">
+            <a:noAutofit/>
+          </a:bodyPr>
+          <a:lstStyle>
+            <a:defPPr marR="0" lvl="0" algn="l" rtl="0">
+              <a:lnSpc>
+                <a:spcPct val="100000"/>
+              </a:lnSpc>
+              <a:spcBef>
+                <a:spcPts val="0"/>
+              </a:spcBef>
+              <a:spcAft>
+                <a:spcPts val="0"/>
+              </a:spcAft>
+            </a:defPPr>
+            <a:lvl1pPr marR="0" lvl="0" algn="l" rtl="0">
+              <a:lnSpc>
+                <a:spcPct val="100000"/>
+              </a:lnSpc>
+              <a:spcBef>
+                <a:spcPts val="0"/>
+              </a:spcBef>
+              <a:spcAft>
+                <a:spcPts val="0"/>
+              </a:spcAft>
+              <a:buClr>
+                <a:schemeClr val="dk1"/>
+              </a:buClr>
+              <a:buSzPts val="3500"/>
+              <a:buFont typeface="Electrolize"/>
+              <a:buNone/>
+              <a:defRPr sz="3500" b="0" i="0" u="none" strike="noStrike" cap="none">
+                <a:solidFill>
+                  <a:schemeClr val="dk1"/>
+                </a:solidFill>
+                <a:latin typeface="Electrolize"/>
+                <a:ea typeface="Electrolize"/>
+                <a:cs typeface="Electrolize"/>
+                <a:sym typeface="Electrolize"/>
+              </a:defRPr>
+            </a:lvl1pPr>
+            <a:lvl2pPr marR="0" lvl="1" algn="l" rtl="0">
+              <a:lnSpc>
+                <a:spcPct val="100000"/>
+              </a:lnSpc>
+              <a:spcBef>
+                <a:spcPts val="0"/>
+              </a:spcBef>
+              <a:spcAft>
+                <a:spcPts val="0"/>
+              </a:spcAft>
+              <a:buClr>
+                <a:schemeClr val="dk1"/>
+              </a:buClr>
+              <a:buSzPts val="3500"/>
+              <a:buFont typeface="Electrolize"/>
+              <a:buNone/>
+              <a:defRPr sz="3500" b="0" i="0" u="none" strike="noStrike" cap="none">
+                <a:solidFill>
+                  <a:schemeClr val="dk1"/>
+                </a:solidFill>
+                <a:latin typeface="Electrolize"/>
+                <a:ea typeface="Electrolize"/>
+                <a:cs typeface="Electrolize"/>
+                <a:sym typeface="Electrolize"/>
+              </a:defRPr>
+            </a:lvl2pPr>
+            <a:lvl3pPr marR="0" lvl="2" algn="l" rtl="0">
+              <a:lnSpc>
+                <a:spcPct val="100000"/>
+              </a:lnSpc>
+              <a:spcBef>
+                <a:spcPts val="0"/>
+              </a:spcBef>
+              <a:spcAft>
+                <a:spcPts val="0"/>
+              </a:spcAft>
+              <a:buClr>
+                <a:schemeClr val="dk1"/>
+              </a:buClr>
+              <a:buSzPts val="3500"/>
+              <a:buFont typeface="Electrolize"/>
+              <a:buNone/>
+              <a:defRPr sz="3500" b="0" i="0" u="none" strike="noStrike" cap="none">
+                <a:solidFill>
+                  <a:schemeClr val="dk1"/>
+                </a:solidFill>
+                <a:latin typeface="Electrolize"/>
+                <a:ea typeface="Electrolize"/>
+                <a:cs typeface="Electrolize"/>
+                <a:sym typeface="Electrolize"/>
+              </a:defRPr>
+            </a:lvl3pPr>
+            <a:lvl4pPr marR="0" lvl="3" algn="l" rtl="0">
+              <a:lnSpc>
+                <a:spcPct val="100000"/>
+              </a:lnSpc>
+              <a:spcBef>
+                <a:spcPts val="0"/>
+              </a:spcBef>
+              <a:spcAft>
+                <a:spcPts val="0"/>
+              </a:spcAft>
+              <a:buClr>
+                <a:schemeClr val="dk1"/>
+              </a:buClr>
+              <a:buSzPts val="3500"/>
+              <a:buFont typeface="Electrolize"/>
+              <a:buNone/>
+              <a:defRPr sz="3500" b="0" i="0" u="none" strike="noStrike" cap="none">
+                <a:solidFill>
+                  <a:schemeClr val="dk1"/>
+                </a:solidFill>
+                <a:latin typeface="Electrolize"/>
+                <a:ea typeface="Electrolize"/>
+                <a:cs typeface="Electrolize"/>
+                <a:sym typeface="Electrolize"/>
+              </a:defRPr>
+            </a:lvl4pPr>
+            <a:lvl5pPr marR="0" lvl="4" algn="l" rtl="0">
+              <a:lnSpc>
+                <a:spcPct val="100000"/>
+              </a:lnSpc>
+              <a:spcBef>
+                <a:spcPts val="0"/>
+              </a:spcBef>
+              <a:spcAft>
+                <a:spcPts val="0"/>
+              </a:spcAft>
+              <a:buClr>
+                <a:schemeClr val="dk1"/>
+              </a:buClr>
+              <a:buSzPts val="3500"/>
+              <a:buFont typeface="Electrolize"/>
+              <a:buNone/>
+              <a:defRPr sz="3500" b="0" i="0" u="none" strike="noStrike" cap="none">
+                <a:solidFill>
+                  <a:schemeClr val="dk1"/>
+                </a:solidFill>
+                <a:latin typeface="Electrolize"/>
+                <a:ea typeface="Electrolize"/>
+                <a:cs typeface="Electrolize"/>
+                <a:sym typeface="Electrolize"/>
+              </a:defRPr>
+            </a:lvl5pPr>
+            <a:lvl6pPr marR="0" lvl="5" algn="l" rtl="0">
+              <a:lnSpc>
+                <a:spcPct val="100000"/>
+              </a:lnSpc>
+              <a:spcBef>
+                <a:spcPts val="0"/>
+              </a:spcBef>
+              <a:spcAft>
+                <a:spcPts val="0"/>
+              </a:spcAft>
+              <a:buClr>
+                <a:schemeClr val="dk1"/>
+              </a:buClr>
+              <a:buSzPts val="3500"/>
+              <a:buFont typeface="Electrolize"/>
+              <a:buNone/>
+              <a:defRPr sz="3500" b="0" i="0" u="none" strike="noStrike" cap="none">
+                <a:solidFill>
+                  <a:schemeClr val="dk1"/>
+                </a:solidFill>
+                <a:latin typeface="Electrolize"/>
+                <a:ea typeface="Electrolize"/>
+                <a:cs typeface="Electrolize"/>
+                <a:sym typeface="Electrolize"/>
+              </a:defRPr>
+            </a:lvl6pPr>
+            <a:lvl7pPr marR="0" lvl="6" algn="l" rtl="0">
+              <a:lnSpc>
+                <a:spcPct val="100000"/>
+              </a:lnSpc>
+              <a:spcBef>
+                <a:spcPts val="0"/>
+              </a:spcBef>
+              <a:spcAft>
+                <a:spcPts val="0"/>
+              </a:spcAft>
+              <a:buClr>
+                <a:schemeClr val="dk1"/>
+              </a:buClr>
+              <a:buSzPts val="3500"/>
+              <a:buFont typeface="Electrolize"/>
+              <a:buNone/>
+              <a:defRPr sz="3500" b="0" i="0" u="none" strike="noStrike" cap="none">
+                <a:solidFill>
+                  <a:schemeClr val="dk1"/>
+                </a:solidFill>
+                <a:latin typeface="Electrolize"/>
+                <a:ea typeface="Electrolize"/>
+                <a:cs typeface="Electrolize"/>
+                <a:sym typeface="Electrolize"/>
+              </a:defRPr>
+            </a:lvl7pPr>
+            <a:lvl8pPr marR="0" lvl="7" algn="l" rtl="0">
+              <a:lnSpc>
+                <a:spcPct val="100000"/>
+              </a:lnSpc>
+              <a:spcBef>
+                <a:spcPts val="0"/>
+              </a:spcBef>
+              <a:spcAft>
+                <a:spcPts val="0"/>
+              </a:spcAft>
+              <a:buClr>
+                <a:schemeClr val="dk1"/>
+              </a:buClr>
+              <a:buSzPts val="3500"/>
+              <a:buFont typeface="Electrolize"/>
+              <a:buNone/>
+              <a:defRPr sz="3500" b="0" i="0" u="none" strike="noStrike" cap="none">
+                <a:solidFill>
+                  <a:schemeClr val="dk1"/>
+                </a:solidFill>
+                <a:latin typeface="Electrolize"/>
+                <a:ea typeface="Electrolize"/>
+                <a:cs typeface="Electrolize"/>
+                <a:sym typeface="Electrolize"/>
+              </a:defRPr>
+            </a:lvl8pPr>
+            <a:lvl9pPr marR="0" lvl="8" algn="l" rtl="0">
+              <a:lnSpc>
+                <a:spcPct val="100000"/>
+              </a:lnSpc>
+              <a:spcBef>
+                <a:spcPts val="0"/>
+              </a:spcBef>
+              <a:spcAft>
+                <a:spcPts val="0"/>
+              </a:spcAft>
+              <a:buClr>
+                <a:schemeClr val="dk1"/>
+              </a:buClr>
+              <a:buSzPts val="3500"/>
+              <a:buFont typeface="Electrolize"/>
+              <a:buNone/>
+              <a:defRPr sz="3500" b="0" i="0" u="none" strike="noStrike" cap="none">
+                <a:solidFill>
+                  <a:schemeClr val="dk1"/>
+                </a:solidFill>
+                <a:latin typeface="Electrolize"/>
+                <a:ea typeface="Electrolize"/>
+                <a:cs typeface="Electrolize"/>
+                <a:sym typeface="Electrolize"/>
+              </a:defRPr>
+            </a:lvl9pPr>
+          </a:lstStyle>
+          <a:p>
+            <a:pPr marL="285750" indent="-285750">
+              <a:buFont typeface="Wingdings" panose="05000000000000000000" pitchFamily="2" charset="2"/>
+              <a:buChar char="ü"/>
+            </a:pPr>
+            <a:r>
+              <a:rPr lang="en-US" sz="1800" b="1" dirty="0">
+                <a:solidFill>
+                  <a:schemeClr val="accent3">
+                    <a:lumMod val="25000"/>
+                  </a:schemeClr>
+                </a:solidFill>
+              </a:rPr>
+              <a:t>Build a pricing strategy extending the combinatorial UCB1                                 to handle the budget</a:t>
+            </a:r>
+          </a:p>
+        </p:txBody>
+      </p:sp>
+    </p:spTree>
+    <p:extLst>
+      <p:ext uri="{BB962C8B-B14F-4D97-AF65-F5344CB8AC3E}">
+        <p14:creationId xmlns:p14="http://schemas.microsoft.com/office/powerpoint/2010/main" val="2415143499"/>
+      </p:ext>
+    </p:extLst>
+  </p:cSld>
+  <p:clrMapOvr>
+    <a:masterClrMapping/>
+  </p:clrMapOvr>
+</p:sld>
+</file>
+
+<file path=ppt/slides/slide14.xml><?xml version="1.0" encoding="utf-8"?>
+<p:sld xmlns:a="http://schemas.openxmlformats.org/drawingml/2006/main" xmlns:r="http://schemas.openxmlformats.org/officeDocument/2006/relationships" xmlns:p="http://schemas.openxmlformats.org/presentationml/2006/main">
+  <p:cSld>
+    <p:spTree>
+      <p:nvGrpSpPr>
         <p:cNvPr id="1" name="Shape 249">
           <a:extLst>
             <a:ext uri="{FF2B5EF4-FFF2-40B4-BE49-F238E27FC236}">
@@ -10363,7 +11077,7 @@
 </p:sld>
 </file>
 
-<file path=ppt/slides/slide13.xml><?xml version="1.0" encoding="utf-8"?>
+<file path=ppt/slides/slide15.xml><?xml version="1.0" encoding="utf-8"?>
 <p:sld xmlns:a="http://schemas.openxmlformats.org/drawingml/2006/main" xmlns:r="http://schemas.openxmlformats.org/officeDocument/2006/relationships" xmlns:p="http://schemas.openxmlformats.org/presentationml/2006/main">
   <p:cSld>
     <p:spTree>
@@ -10556,7 +11270,7 @@
 </p:sld>
 </file>
 
-<file path=ppt/slides/slide14.xml><?xml version="1.0" encoding="utf-8"?>
+<file path=ppt/slides/slide16.xml><?xml version="1.0" encoding="utf-8"?>
 <p:sld xmlns:a="http://schemas.openxmlformats.org/drawingml/2006/main" xmlns:r="http://schemas.openxmlformats.org/officeDocument/2006/relationships" xmlns:p="http://schemas.openxmlformats.org/presentationml/2006/main">
   <p:cSld>
     <p:spTree>
@@ -10729,7 +11443,7 @@
 </p:sld>
 </file>
 
-<file path=ppt/slides/slide15.xml><?xml version="1.0" encoding="utf-8"?>
+<file path=ppt/slides/slide17.xml><?xml version="1.0" encoding="utf-8"?>
 <p:sld xmlns:a="http://schemas.openxmlformats.org/drawingml/2006/main" xmlns:r="http://schemas.openxmlformats.org/officeDocument/2006/relationships" xmlns:p="http://schemas.openxmlformats.org/presentationml/2006/main">
   <p:cSld>
     <p:spTree>

--- a/presentation.pptx
+++ b/presentation.pptx
@@ -5,53 +5,34 @@
     <p:sldMasterId id="2147483686" r:id="rId1"/>
   </p:sldMasterIdLst>
   <p:notesMasterIdLst>
-    <p:notesMasterId r:id="rId19"/>
+    <p:notesMasterId r:id="rId11"/>
   </p:notesMasterIdLst>
   <p:sldIdLst>
     <p:sldId id="256" r:id="rId2"/>
     <p:sldId id="258" r:id="rId3"/>
     <p:sldId id="259" r:id="rId4"/>
     <p:sldId id="260" r:id="rId5"/>
-    <p:sldId id="262" r:id="rId6"/>
-    <p:sldId id="312" r:id="rId7"/>
-    <p:sldId id="311" r:id="rId8"/>
-    <p:sldId id="263" r:id="rId9"/>
-    <p:sldId id="264" r:id="rId10"/>
-    <p:sldId id="313" r:id="rId11"/>
-    <p:sldId id="314" r:id="rId12"/>
-    <p:sldId id="319" r:id="rId13"/>
-    <p:sldId id="320" r:id="rId14"/>
-    <p:sldId id="315" r:id="rId15"/>
-    <p:sldId id="316" r:id="rId16"/>
-    <p:sldId id="317" r:id="rId17"/>
-    <p:sldId id="318" r:id="rId18"/>
+    <p:sldId id="314" r:id="rId6"/>
+    <p:sldId id="315" r:id="rId7"/>
+    <p:sldId id="316" r:id="rId8"/>
+    <p:sldId id="317" r:id="rId9"/>
+    <p:sldId id="318" r:id="rId10"/>
   </p:sldIdLst>
   <p:sldSz cx="9144000" cy="5143500" type="screen16x9"/>
   <p:notesSz cx="6858000" cy="9144000"/>
   <p:embeddedFontLst>
     <p:embeddedFont>
       <p:font typeface="Bebas Neue" panose="020B0606020202050201" pitchFamily="34" charset="0"/>
-      <p:regular r:id="rId20"/>
+      <p:regular r:id="rId12"/>
     </p:embeddedFont>
     <p:embeddedFont>
       <p:font typeface="Cairo" panose="020B0604020202020204" charset="-78"/>
-      <p:regular r:id="rId21"/>
-      <p:bold r:id="rId22"/>
-    </p:embeddedFont>
-    <p:embeddedFont>
-      <p:font typeface="Delius Swash Caps" panose="020B0604020202020204" charset="0"/>
-      <p:regular r:id="rId23"/>
+      <p:regular r:id="rId13"/>
+      <p:bold r:id="rId14"/>
     </p:embeddedFont>
     <p:embeddedFont>
       <p:font typeface="Electrolize" panose="020B0604020202020204" charset="0"/>
-      <p:regular r:id="rId24"/>
-    </p:embeddedFont>
-    <p:embeddedFont>
-      <p:font typeface="Montserrat" panose="00000500000000000000" pitchFamily="2" charset="0"/>
-      <p:regular r:id="rId25"/>
-      <p:bold r:id="rId26"/>
-      <p:italic r:id="rId27"/>
-      <p:boldItalic r:id="rId28"/>
+      <p:regular r:id="rId15"/>
     </p:embeddedFont>
   </p:embeddedFontLst>
   <p:defaultTextStyle>
@@ -836,18 +817,12 @@
 </p:notes>
 </file>
 
-<file path=ppt/notesSlides/notesSlide10.xml><?xml version="1.0" encoding="utf-8"?>
+<file path=ppt/notesSlides/notesSlide2.xml><?xml version="1.0" encoding="utf-8"?>
 <p:notes xmlns:a="http://schemas.openxmlformats.org/drawingml/2006/main" xmlns:r="http://schemas.openxmlformats.org/officeDocument/2006/relationships" xmlns:p="http://schemas.openxmlformats.org/presentationml/2006/main" showMasterSp="0" showMasterPhAnim="0">
   <p:cSld>
     <p:spTree>
       <p:nvGrpSpPr>
-        <p:cNvPr id="1" name="Shape 288">
-          <a:extLst>
-            <a:ext uri="{FF2B5EF4-FFF2-40B4-BE49-F238E27FC236}">
-              <a16:creationId xmlns:a16="http://schemas.microsoft.com/office/drawing/2014/main" id="{51CF0DAE-0F0A-3A69-4394-EE45D7086270}"/>
-            </a:ext>
-          </a:extLst>
-        </p:cNvPr>
+        <p:cNvPr id="1" name="Shape 226"/>
         <p:cNvGrpSpPr/>
         <p:nvPr/>
       </p:nvGrpSpPr>
@@ -861,13 +836,7 @@
       </p:grpSpPr>
       <p:sp>
         <p:nvSpPr>
-          <p:cNvPr id="289" name="Google Shape;289;g158b4bebab1_0_5:notes">
-            <a:extLst>
-              <a:ext uri="{FF2B5EF4-FFF2-40B4-BE49-F238E27FC236}">
-                <a16:creationId xmlns:a16="http://schemas.microsoft.com/office/drawing/2014/main" id="{95FE6D1F-2923-2DE0-99B5-3FA799BD6D11}"/>
-              </a:ext>
-            </a:extLst>
-          </p:cNvPr>
+          <p:cNvPr id="227" name="Google Shape;227;g1224a59d8d2_0_4:notes"/>
           <p:cNvSpPr>
             <a:spLocks noGrp="1" noRot="1" noChangeAspect="1"/>
           </p:cNvSpPr>
@@ -908,13 +877,7 @@
       </p:sp>
       <p:sp>
         <p:nvSpPr>
-          <p:cNvPr id="290" name="Google Shape;290;g158b4bebab1_0_5:notes">
-            <a:extLst>
-              <a:ext uri="{FF2B5EF4-FFF2-40B4-BE49-F238E27FC236}">
-                <a16:creationId xmlns:a16="http://schemas.microsoft.com/office/drawing/2014/main" id="{D3ACB495-56E5-34DE-57D1-116D67FDBB1C}"/>
-              </a:ext>
-            </a:extLst>
-          </p:cNvPr>
+          <p:cNvPr id="228" name="Google Shape;228;g1224a59d8d2_0_4:notes"/>
           <p:cNvSpPr txBox="1">
             <a:spLocks noGrp="1"/>
           </p:cNvSpPr>
@@ -951,11 +914,6 @@
         </p:txBody>
       </p:sp>
     </p:spTree>
-    <p:extLst>
-      <p:ext uri="{BB962C8B-B14F-4D97-AF65-F5344CB8AC3E}">
-        <p14:creationId xmlns:p14="http://schemas.microsoft.com/office/powerpoint/2010/main" val="1009262203"/>
-      </p:ext>
-    </p:extLst>
   </p:cSld>
   <p:clrMapOvr>
     <a:masterClrMapping/>
@@ -963,7 +921,215 @@
 </p:notes>
 </file>
 
-<file path=ppt/notesSlides/notesSlide11.xml><?xml version="1.0" encoding="utf-8"?>
+<file path=ppt/notesSlides/notesSlide3.xml><?xml version="1.0" encoding="utf-8"?>
+<p:notes xmlns:a="http://schemas.openxmlformats.org/drawingml/2006/main" xmlns:r="http://schemas.openxmlformats.org/officeDocument/2006/relationships" xmlns:p="http://schemas.openxmlformats.org/presentationml/2006/main" showMasterSp="0" showMasterPhAnim="0">
+  <p:cSld>
+    <p:spTree>
+      <p:nvGrpSpPr>
+        <p:cNvPr id="1" name="Shape 240"/>
+        <p:cNvGrpSpPr/>
+        <p:nvPr/>
+      </p:nvGrpSpPr>
+      <p:grpSpPr>
+        <a:xfrm>
+          <a:off x="0" y="0"/>
+          <a:ext cx="0" cy="0"/>
+          <a:chOff x="0" y="0"/>
+          <a:chExt cx="0" cy="0"/>
+        </a:xfrm>
+      </p:grpSpPr>
+      <p:sp>
+        <p:nvSpPr>
+          <p:cNvPr id="241" name="Google Shape;241;g1584b0b1bd8_0_0:notes"/>
+          <p:cNvSpPr>
+            <a:spLocks noGrp="1" noRot="1" noChangeAspect="1"/>
+          </p:cNvSpPr>
+          <p:nvPr>
+            <p:ph type="sldImg" idx="2"/>
+          </p:nvPr>
+        </p:nvSpPr>
+        <p:spPr>
+          <a:xfrm>
+            <a:off x="381000" y="685800"/>
+            <a:ext cx="6096000" cy="3429000"/>
+          </a:xfrm>
+          <a:custGeom>
+            <a:avLst/>
+            <a:gdLst/>
+            <a:ahLst/>
+            <a:cxnLst/>
+            <a:rect l="l" t="t" r="r" b="b"/>
+            <a:pathLst>
+              <a:path w="120000" h="120000" extrusionOk="0">
+                <a:moveTo>
+                  <a:pt x="0" y="0"/>
+                </a:moveTo>
+                <a:lnTo>
+                  <a:pt x="120000" y="0"/>
+                </a:lnTo>
+                <a:lnTo>
+                  <a:pt x="120000" y="120000"/>
+                </a:lnTo>
+                <a:lnTo>
+                  <a:pt x="0" y="120000"/>
+                </a:lnTo>
+                <a:close/>
+              </a:path>
+            </a:pathLst>
+          </a:custGeom>
+        </p:spPr>
+      </p:sp>
+      <p:sp>
+        <p:nvSpPr>
+          <p:cNvPr id="242" name="Google Shape;242;g1584b0b1bd8_0_0:notes"/>
+          <p:cNvSpPr txBox="1">
+            <a:spLocks noGrp="1"/>
+          </p:cNvSpPr>
+          <p:nvPr>
+            <p:ph type="body" idx="1"/>
+          </p:nvPr>
+        </p:nvSpPr>
+        <p:spPr>
+          <a:xfrm>
+            <a:off x="685800" y="4343400"/>
+            <a:ext cx="5486400" cy="4114800"/>
+          </a:xfrm>
+          <a:prstGeom prst="rect">
+            <a:avLst/>
+          </a:prstGeom>
+        </p:spPr>
+        <p:txBody>
+          <a:bodyPr spcFirstLastPara="1" wrap="square" lIns="91425" tIns="91425" rIns="91425" bIns="91425" anchor="t" anchorCtr="0">
+            <a:noAutofit/>
+          </a:bodyPr>
+          <a:lstStyle/>
+          <a:p>
+            <a:pPr marL="0" lvl="0" indent="0" algn="l" rtl="0">
+              <a:spcBef>
+                <a:spcPts val="0"/>
+              </a:spcBef>
+              <a:spcAft>
+                <a:spcPts val="0"/>
+              </a:spcAft>
+              <a:buNone/>
+            </a:pPr>
+            <a:endParaRPr/>
+          </a:p>
+        </p:txBody>
+      </p:sp>
+    </p:spTree>
+  </p:cSld>
+  <p:clrMapOvr>
+    <a:masterClrMapping/>
+  </p:clrMapOvr>
+</p:notes>
+</file>
+
+<file path=ppt/notesSlides/notesSlide4.xml><?xml version="1.0" encoding="utf-8"?>
+<p:notes xmlns:a="http://schemas.openxmlformats.org/drawingml/2006/main" xmlns:r="http://schemas.openxmlformats.org/officeDocument/2006/relationships" xmlns:p="http://schemas.openxmlformats.org/presentationml/2006/main" showMasterSp="0" showMasterPhAnim="0">
+  <p:cSld>
+    <p:spTree>
+      <p:nvGrpSpPr>
+        <p:cNvPr id="1" name="Shape 246"/>
+        <p:cNvGrpSpPr/>
+        <p:nvPr/>
+      </p:nvGrpSpPr>
+      <p:grpSpPr>
+        <a:xfrm>
+          <a:off x="0" y="0"/>
+          <a:ext cx="0" cy="0"/>
+          <a:chOff x="0" y="0"/>
+          <a:chExt cx="0" cy="0"/>
+        </a:xfrm>
+      </p:grpSpPr>
+      <p:sp>
+        <p:nvSpPr>
+          <p:cNvPr id="247" name="Google Shape;247;g1224a59d8d2_0_20:notes"/>
+          <p:cNvSpPr>
+            <a:spLocks noGrp="1" noRot="1" noChangeAspect="1"/>
+          </p:cNvSpPr>
+          <p:nvPr>
+            <p:ph type="sldImg" idx="2"/>
+          </p:nvPr>
+        </p:nvSpPr>
+        <p:spPr>
+          <a:xfrm>
+            <a:off x="381000" y="685800"/>
+            <a:ext cx="6096000" cy="3429000"/>
+          </a:xfrm>
+          <a:custGeom>
+            <a:avLst/>
+            <a:gdLst/>
+            <a:ahLst/>
+            <a:cxnLst/>
+            <a:rect l="l" t="t" r="r" b="b"/>
+            <a:pathLst>
+              <a:path w="120000" h="120000" extrusionOk="0">
+                <a:moveTo>
+                  <a:pt x="0" y="0"/>
+                </a:moveTo>
+                <a:lnTo>
+                  <a:pt x="120000" y="0"/>
+                </a:lnTo>
+                <a:lnTo>
+                  <a:pt x="120000" y="120000"/>
+                </a:lnTo>
+                <a:lnTo>
+                  <a:pt x="0" y="120000"/>
+                </a:lnTo>
+                <a:close/>
+              </a:path>
+            </a:pathLst>
+          </a:custGeom>
+        </p:spPr>
+      </p:sp>
+      <p:sp>
+        <p:nvSpPr>
+          <p:cNvPr id="248" name="Google Shape;248;g1224a59d8d2_0_20:notes"/>
+          <p:cNvSpPr txBox="1">
+            <a:spLocks noGrp="1"/>
+          </p:cNvSpPr>
+          <p:nvPr>
+            <p:ph type="body" idx="1"/>
+          </p:nvPr>
+        </p:nvSpPr>
+        <p:spPr>
+          <a:xfrm>
+            <a:off x="685800" y="4343400"/>
+            <a:ext cx="5486400" cy="4114800"/>
+          </a:xfrm>
+          <a:prstGeom prst="rect">
+            <a:avLst/>
+          </a:prstGeom>
+        </p:spPr>
+        <p:txBody>
+          <a:bodyPr spcFirstLastPara="1" wrap="square" lIns="91425" tIns="91425" rIns="91425" bIns="91425" anchor="t" anchorCtr="0">
+            <a:noAutofit/>
+          </a:bodyPr>
+          <a:lstStyle/>
+          <a:p>
+            <a:pPr marL="0" lvl="0" indent="0" algn="l" rtl="0">
+              <a:spcBef>
+                <a:spcPts val="0"/>
+              </a:spcBef>
+              <a:spcAft>
+                <a:spcPts val="0"/>
+              </a:spcAft>
+              <a:buNone/>
+            </a:pPr>
+            <a:endParaRPr/>
+          </a:p>
+        </p:txBody>
+      </p:sp>
+    </p:spTree>
+  </p:cSld>
+  <p:clrMapOvr>
+    <a:masterClrMapping/>
+  </p:clrMapOvr>
+</p:notes>
+</file>
+
+<file path=ppt/notesSlides/notesSlide5.xml><?xml version="1.0" encoding="utf-8"?>
 <p:notes xmlns:a="http://schemas.openxmlformats.org/drawingml/2006/main" xmlns:r="http://schemas.openxmlformats.org/officeDocument/2006/relationships" xmlns:p="http://schemas.openxmlformats.org/presentationml/2006/main" showMasterSp="0" showMasterPhAnim="0">
   <p:cSld>
     <p:spTree>
@@ -1090,261 +1256,7 @@
 </p:notes>
 </file>
 
-<file path=ppt/notesSlides/notesSlide12.xml><?xml version="1.0" encoding="utf-8"?>
-<p:notes xmlns:a="http://schemas.openxmlformats.org/drawingml/2006/main" xmlns:r="http://schemas.openxmlformats.org/officeDocument/2006/relationships" xmlns:p="http://schemas.openxmlformats.org/presentationml/2006/main" showMasterSp="0" showMasterPhAnim="0">
-  <p:cSld>
-    <p:spTree>
-      <p:nvGrpSpPr>
-        <p:cNvPr id="1" name="Shape 261">
-          <a:extLst>
-            <a:ext uri="{FF2B5EF4-FFF2-40B4-BE49-F238E27FC236}">
-              <a16:creationId xmlns:a16="http://schemas.microsoft.com/office/drawing/2014/main" id="{9AFF4278-F180-2C12-CAAF-CDAC076EBA5E}"/>
-            </a:ext>
-          </a:extLst>
-        </p:cNvPr>
-        <p:cNvGrpSpPr/>
-        <p:nvPr/>
-      </p:nvGrpSpPr>
-      <p:grpSpPr>
-        <a:xfrm>
-          <a:off x="0" y="0"/>
-          <a:ext cx="0" cy="0"/>
-          <a:chOff x="0" y="0"/>
-          <a:chExt cx="0" cy="0"/>
-        </a:xfrm>
-      </p:grpSpPr>
-      <p:sp>
-        <p:nvSpPr>
-          <p:cNvPr id="262" name="Google Shape;262;g158b4bebab1_0_0:notes">
-            <a:extLst>
-              <a:ext uri="{FF2B5EF4-FFF2-40B4-BE49-F238E27FC236}">
-                <a16:creationId xmlns:a16="http://schemas.microsoft.com/office/drawing/2014/main" id="{A9A336C0-77D0-2EA2-E5DE-5E6CEA30B90F}"/>
-              </a:ext>
-            </a:extLst>
-          </p:cNvPr>
-          <p:cNvSpPr>
-            <a:spLocks noGrp="1" noRot="1" noChangeAspect="1"/>
-          </p:cNvSpPr>
-          <p:nvPr>
-            <p:ph type="sldImg" idx="2"/>
-          </p:nvPr>
-        </p:nvSpPr>
-        <p:spPr>
-          <a:xfrm>
-            <a:off x="381000" y="685800"/>
-            <a:ext cx="6096000" cy="3429000"/>
-          </a:xfrm>
-          <a:custGeom>
-            <a:avLst/>
-            <a:gdLst/>
-            <a:ahLst/>
-            <a:cxnLst/>
-            <a:rect l="l" t="t" r="r" b="b"/>
-            <a:pathLst>
-              <a:path w="120000" h="120000" extrusionOk="0">
-                <a:moveTo>
-                  <a:pt x="0" y="0"/>
-                </a:moveTo>
-                <a:lnTo>
-                  <a:pt x="120000" y="0"/>
-                </a:lnTo>
-                <a:lnTo>
-                  <a:pt x="120000" y="120000"/>
-                </a:lnTo>
-                <a:lnTo>
-                  <a:pt x="0" y="120000"/>
-                </a:lnTo>
-                <a:close/>
-              </a:path>
-            </a:pathLst>
-          </a:custGeom>
-        </p:spPr>
-      </p:sp>
-      <p:sp>
-        <p:nvSpPr>
-          <p:cNvPr id="263" name="Google Shape;263;g158b4bebab1_0_0:notes">
-            <a:extLst>
-              <a:ext uri="{FF2B5EF4-FFF2-40B4-BE49-F238E27FC236}">
-                <a16:creationId xmlns:a16="http://schemas.microsoft.com/office/drawing/2014/main" id="{73592986-E3A8-8475-0E47-DE2F7D9A3C25}"/>
-              </a:ext>
-            </a:extLst>
-          </p:cNvPr>
-          <p:cNvSpPr txBox="1">
-            <a:spLocks noGrp="1"/>
-          </p:cNvSpPr>
-          <p:nvPr>
-            <p:ph type="body" idx="1"/>
-          </p:nvPr>
-        </p:nvSpPr>
-        <p:spPr>
-          <a:xfrm>
-            <a:off x="685800" y="4343400"/>
-            <a:ext cx="5486400" cy="4114800"/>
-          </a:xfrm>
-          <a:prstGeom prst="rect">
-            <a:avLst/>
-          </a:prstGeom>
-        </p:spPr>
-        <p:txBody>
-          <a:bodyPr spcFirstLastPara="1" wrap="square" lIns="91425" tIns="91425" rIns="91425" bIns="91425" anchor="t" anchorCtr="0">
-            <a:noAutofit/>
-          </a:bodyPr>
-          <a:lstStyle/>
-          <a:p>
-            <a:pPr marL="0" lvl="0" indent="0" algn="l" rtl="0">
-              <a:spcBef>
-                <a:spcPts val="0"/>
-              </a:spcBef>
-              <a:spcAft>
-                <a:spcPts val="0"/>
-              </a:spcAft>
-              <a:buNone/>
-            </a:pPr>
-            <a:endParaRPr/>
-          </a:p>
-        </p:txBody>
-      </p:sp>
-    </p:spTree>
-    <p:extLst>
-      <p:ext uri="{BB962C8B-B14F-4D97-AF65-F5344CB8AC3E}">
-        <p14:creationId xmlns:p14="http://schemas.microsoft.com/office/powerpoint/2010/main" val="3070450858"/>
-      </p:ext>
-    </p:extLst>
-  </p:cSld>
-  <p:clrMapOvr>
-    <a:masterClrMapping/>
-  </p:clrMapOvr>
-</p:notes>
-</file>
-
-<file path=ppt/notesSlides/notesSlide13.xml><?xml version="1.0" encoding="utf-8"?>
-<p:notes xmlns:a="http://schemas.openxmlformats.org/drawingml/2006/main" xmlns:r="http://schemas.openxmlformats.org/officeDocument/2006/relationships" xmlns:p="http://schemas.openxmlformats.org/presentationml/2006/main" showMasterSp="0" showMasterPhAnim="0">
-  <p:cSld>
-    <p:spTree>
-      <p:nvGrpSpPr>
-        <p:cNvPr id="1" name="Shape 261">
-          <a:extLst>
-            <a:ext uri="{FF2B5EF4-FFF2-40B4-BE49-F238E27FC236}">
-              <a16:creationId xmlns:a16="http://schemas.microsoft.com/office/drawing/2014/main" id="{D010CE05-4B0B-E7A6-6D73-35958B9003D2}"/>
-            </a:ext>
-          </a:extLst>
-        </p:cNvPr>
-        <p:cNvGrpSpPr/>
-        <p:nvPr/>
-      </p:nvGrpSpPr>
-      <p:grpSpPr>
-        <a:xfrm>
-          <a:off x="0" y="0"/>
-          <a:ext cx="0" cy="0"/>
-          <a:chOff x="0" y="0"/>
-          <a:chExt cx="0" cy="0"/>
-        </a:xfrm>
-      </p:grpSpPr>
-      <p:sp>
-        <p:nvSpPr>
-          <p:cNvPr id="262" name="Google Shape;262;g158b4bebab1_0_0:notes">
-            <a:extLst>
-              <a:ext uri="{FF2B5EF4-FFF2-40B4-BE49-F238E27FC236}">
-                <a16:creationId xmlns:a16="http://schemas.microsoft.com/office/drawing/2014/main" id="{A82520A4-B072-F78F-629A-0CBA38E3A19A}"/>
-              </a:ext>
-            </a:extLst>
-          </p:cNvPr>
-          <p:cNvSpPr>
-            <a:spLocks noGrp="1" noRot="1" noChangeAspect="1"/>
-          </p:cNvSpPr>
-          <p:nvPr>
-            <p:ph type="sldImg" idx="2"/>
-          </p:nvPr>
-        </p:nvSpPr>
-        <p:spPr>
-          <a:xfrm>
-            <a:off x="381000" y="685800"/>
-            <a:ext cx="6096000" cy="3429000"/>
-          </a:xfrm>
-          <a:custGeom>
-            <a:avLst/>
-            <a:gdLst/>
-            <a:ahLst/>
-            <a:cxnLst/>
-            <a:rect l="l" t="t" r="r" b="b"/>
-            <a:pathLst>
-              <a:path w="120000" h="120000" extrusionOk="0">
-                <a:moveTo>
-                  <a:pt x="0" y="0"/>
-                </a:moveTo>
-                <a:lnTo>
-                  <a:pt x="120000" y="0"/>
-                </a:lnTo>
-                <a:lnTo>
-                  <a:pt x="120000" y="120000"/>
-                </a:lnTo>
-                <a:lnTo>
-                  <a:pt x="0" y="120000"/>
-                </a:lnTo>
-                <a:close/>
-              </a:path>
-            </a:pathLst>
-          </a:custGeom>
-        </p:spPr>
-      </p:sp>
-      <p:sp>
-        <p:nvSpPr>
-          <p:cNvPr id="263" name="Google Shape;263;g158b4bebab1_0_0:notes">
-            <a:extLst>
-              <a:ext uri="{FF2B5EF4-FFF2-40B4-BE49-F238E27FC236}">
-                <a16:creationId xmlns:a16="http://schemas.microsoft.com/office/drawing/2014/main" id="{AFFDE823-3CF2-3AC1-6FCB-C49B85E1AF52}"/>
-              </a:ext>
-            </a:extLst>
-          </p:cNvPr>
-          <p:cNvSpPr txBox="1">
-            <a:spLocks noGrp="1"/>
-          </p:cNvSpPr>
-          <p:nvPr>
-            <p:ph type="body" idx="1"/>
-          </p:nvPr>
-        </p:nvSpPr>
-        <p:spPr>
-          <a:xfrm>
-            <a:off x="685800" y="4343400"/>
-            <a:ext cx="5486400" cy="4114800"/>
-          </a:xfrm>
-          <a:prstGeom prst="rect">
-            <a:avLst/>
-          </a:prstGeom>
-        </p:spPr>
-        <p:txBody>
-          <a:bodyPr spcFirstLastPara="1" wrap="square" lIns="91425" tIns="91425" rIns="91425" bIns="91425" anchor="t" anchorCtr="0">
-            <a:noAutofit/>
-          </a:bodyPr>
-          <a:lstStyle/>
-          <a:p>
-            <a:pPr marL="0" lvl="0" indent="0" algn="l" rtl="0">
-              <a:spcBef>
-                <a:spcPts val="0"/>
-              </a:spcBef>
-              <a:spcAft>
-                <a:spcPts val="0"/>
-              </a:spcAft>
-              <a:buNone/>
-            </a:pPr>
-            <a:endParaRPr/>
-          </a:p>
-        </p:txBody>
-      </p:sp>
-    </p:spTree>
-    <p:extLst>
-      <p:ext uri="{BB962C8B-B14F-4D97-AF65-F5344CB8AC3E}">
-        <p14:creationId xmlns:p14="http://schemas.microsoft.com/office/powerpoint/2010/main" val="3523052320"/>
-      </p:ext>
-    </p:extLst>
-  </p:cSld>
-  <p:clrMapOvr>
-    <a:masterClrMapping/>
-  </p:clrMapOvr>
-</p:notes>
-</file>
-
-<file path=ppt/notesSlides/notesSlide14.xml><?xml version="1.0" encoding="utf-8"?>
+<file path=ppt/notesSlides/notesSlide6.xml><?xml version="1.0" encoding="utf-8"?>
 <p:notes xmlns:a="http://schemas.openxmlformats.org/drawingml/2006/main" xmlns:r="http://schemas.openxmlformats.org/officeDocument/2006/relationships" xmlns:p="http://schemas.openxmlformats.org/presentationml/2006/main" showMasterSp="0" showMasterPhAnim="0">
   <p:cSld>
     <p:spTree>
@@ -1471,7 +1383,7 @@
 </p:notes>
 </file>
 
-<file path=ppt/notesSlides/notesSlide15.xml><?xml version="1.0" encoding="utf-8"?>
+<file path=ppt/notesSlides/notesSlide7.xml><?xml version="1.0" encoding="utf-8"?>
 <p:notes xmlns:a="http://schemas.openxmlformats.org/drawingml/2006/main" xmlns:r="http://schemas.openxmlformats.org/officeDocument/2006/relationships" xmlns:p="http://schemas.openxmlformats.org/presentationml/2006/main" showMasterSp="0" showMasterPhAnim="0">
   <p:cSld>
     <p:spTree>
@@ -1598,7 +1510,7 @@
 </p:notes>
 </file>
 
-<file path=ppt/notesSlides/notesSlide16.xml><?xml version="1.0" encoding="utf-8"?>
+<file path=ppt/notesSlides/notesSlide8.xml><?xml version="1.0" encoding="utf-8"?>
 <p:notes xmlns:a="http://schemas.openxmlformats.org/drawingml/2006/main" xmlns:r="http://schemas.openxmlformats.org/officeDocument/2006/relationships" xmlns:p="http://schemas.openxmlformats.org/presentationml/2006/main" showMasterSp="0" showMasterPhAnim="0">
   <p:cSld>
     <p:spTree>
@@ -1725,7 +1637,7 @@
 </p:notes>
 </file>
 
-<file path=ppt/notesSlides/notesSlide17.xml><?xml version="1.0" encoding="utf-8"?>
+<file path=ppt/notesSlides/notesSlide9.xml><?xml version="1.0" encoding="utf-8"?>
 <p:notes xmlns:a="http://schemas.openxmlformats.org/drawingml/2006/main" xmlns:r="http://schemas.openxmlformats.org/officeDocument/2006/relationships" xmlns:p="http://schemas.openxmlformats.org/presentationml/2006/main" showMasterSp="0" showMasterPhAnim="0">
   <p:cSld>
     <p:spTree>
@@ -1852,884 +1764,6 @@
 </p:notes>
 </file>
 
-<file path=ppt/notesSlides/notesSlide2.xml><?xml version="1.0" encoding="utf-8"?>
-<p:notes xmlns:a="http://schemas.openxmlformats.org/drawingml/2006/main" xmlns:r="http://schemas.openxmlformats.org/officeDocument/2006/relationships" xmlns:p="http://schemas.openxmlformats.org/presentationml/2006/main" showMasterSp="0" showMasterPhAnim="0">
-  <p:cSld>
-    <p:spTree>
-      <p:nvGrpSpPr>
-        <p:cNvPr id="1" name="Shape 226"/>
-        <p:cNvGrpSpPr/>
-        <p:nvPr/>
-      </p:nvGrpSpPr>
-      <p:grpSpPr>
-        <a:xfrm>
-          <a:off x="0" y="0"/>
-          <a:ext cx="0" cy="0"/>
-          <a:chOff x="0" y="0"/>
-          <a:chExt cx="0" cy="0"/>
-        </a:xfrm>
-      </p:grpSpPr>
-      <p:sp>
-        <p:nvSpPr>
-          <p:cNvPr id="227" name="Google Shape;227;g1224a59d8d2_0_4:notes"/>
-          <p:cNvSpPr>
-            <a:spLocks noGrp="1" noRot="1" noChangeAspect="1"/>
-          </p:cNvSpPr>
-          <p:nvPr>
-            <p:ph type="sldImg" idx="2"/>
-          </p:nvPr>
-        </p:nvSpPr>
-        <p:spPr>
-          <a:xfrm>
-            <a:off x="381000" y="685800"/>
-            <a:ext cx="6096000" cy="3429000"/>
-          </a:xfrm>
-          <a:custGeom>
-            <a:avLst/>
-            <a:gdLst/>
-            <a:ahLst/>
-            <a:cxnLst/>
-            <a:rect l="l" t="t" r="r" b="b"/>
-            <a:pathLst>
-              <a:path w="120000" h="120000" extrusionOk="0">
-                <a:moveTo>
-                  <a:pt x="0" y="0"/>
-                </a:moveTo>
-                <a:lnTo>
-                  <a:pt x="120000" y="0"/>
-                </a:lnTo>
-                <a:lnTo>
-                  <a:pt x="120000" y="120000"/>
-                </a:lnTo>
-                <a:lnTo>
-                  <a:pt x="0" y="120000"/>
-                </a:lnTo>
-                <a:close/>
-              </a:path>
-            </a:pathLst>
-          </a:custGeom>
-        </p:spPr>
-      </p:sp>
-      <p:sp>
-        <p:nvSpPr>
-          <p:cNvPr id="228" name="Google Shape;228;g1224a59d8d2_0_4:notes"/>
-          <p:cNvSpPr txBox="1">
-            <a:spLocks noGrp="1"/>
-          </p:cNvSpPr>
-          <p:nvPr>
-            <p:ph type="body" idx="1"/>
-          </p:nvPr>
-        </p:nvSpPr>
-        <p:spPr>
-          <a:xfrm>
-            <a:off x="685800" y="4343400"/>
-            <a:ext cx="5486400" cy="4114800"/>
-          </a:xfrm>
-          <a:prstGeom prst="rect">
-            <a:avLst/>
-          </a:prstGeom>
-        </p:spPr>
-        <p:txBody>
-          <a:bodyPr spcFirstLastPara="1" wrap="square" lIns="91425" tIns="91425" rIns="91425" bIns="91425" anchor="t" anchorCtr="0">
-            <a:noAutofit/>
-          </a:bodyPr>
-          <a:lstStyle/>
-          <a:p>
-            <a:pPr marL="0" lvl="0" indent="0" algn="l" rtl="0">
-              <a:spcBef>
-                <a:spcPts val="0"/>
-              </a:spcBef>
-              <a:spcAft>
-                <a:spcPts val="0"/>
-              </a:spcAft>
-              <a:buNone/>
-            </a:pPr>
-            <a:endParaRPr/>
-          </a:p>
-        </p:txBody>
-      </p:sp>
-    </p:spTree>
-  </p:cSld>
-  <p:clrMapOvr>
-    <a:masterClrMapping/>
-  </p:clrMapOvr>
-</p:notes>
-</file>
-
-<file path=ppt/notesSlides/notesSlide3.xml><?xml version="1.0" encoding="utf-8"?>
-<p:notes xmlns:a="http://schemas.openxmlformats.org/drawingml/2006/main" xmlns:r="http://schemas.openxmlformats.org/officeDocument/2006/relationships" xmlns:p="http://schemas.openxmlformats.org/presentationml/2006/main" showMasterSp="0" showMasterPhAnim="0">
-  <p:cSld>
-    <p:spTree>
-      <p:nvGrpSpPr>
-        <p:cNvPr id="1" name="Shape 240"/>
-        <p:cNvGrpSpPr/>
-        <p:nvPr/>
-      </p:nvGrpSpPr>
-      <p:grpSpPr>
-        <a:xfrm>
-          <a:off x="0" y="0"/>
-          <a:ext cx="0" cy="0"/>
-          <a:chOff x="0" y="0"/>
-          <a:chExt cx="0" cy="0"/>
-        </a:xfrm>
-      </p:grpSpPr>
-      <p:sp>
-        <p:nvSpPr>
-          <p:cNvPr id="241" name="Google Shape;241;g1584b0b1bd8_0_0:notes"/>
-          <p:cNvSpPr>
-            <a:spLocks noGrp="1" noRot="1" noChangeAspect="1"/>
-          </p:cNvSpPr>
-          <p:nvPr>
-            <p:ph type="sldImg" idx="2"/>
-          </p:nvPr>
-        </p:nvSpPr>
-        <p:spPr>
-          <a:xfrm>
-            <a:off x="381000" y="685800"/>
-            <a:ext cx="6096000" cy="3429000"/>
-          </a:xfrm>
-          <a:custGeom>
-            <a:avLst/>
-            <a:gdLst/>
-            <a:ahLst/>
-            <a:cxnLst/>
-            <a:rect l="l" t="t" r="r" b="b"/>
-            <a:pathLst>
-              <a:path w="120000" h="120000" extrusionOk="0">
-                <a:moveTo>
-                  <a:pt x="0" y="0"/>
-                </a:moveTo>
-                <a:lnTo>
-                  <a:pt x="120000" y="0"/>
-                </a:lnTo>
-                <a:lnTo>
-                  <a:pt x="120000" y="120000"/>
-                </a:lnTo>
-                <a:lnTo>
-                  <a:pt x="0" y="120000"/>
-                </a:lnTo>
-                <a:close/>
-              </a:path>
-            </a:pathLst>
-          </a:custGeom>
-        </p:spPr>
-      </p:sp>
-      <p:sp>
-        <p:nvSpPr>
-          <p:cNvPr id="242" name="Google Shape;242;g1584b0b1bd8_0_0:notes"/>
-          <p:cNvSpPr txBox="1">
-            <a:spLocks noGrp="1"/>
-          </p:cNvSpPr>
-          <p:nvPr>
-            <p:ph type="body" idx="1"/>
-          </p:nvPr>
-        </p:nvSpPr>
-        <p:spPr>
-          <a:xfrm>
-            <a:off x="685800" y="4343400"/>
-            <a:ext cx="5486400" cy="4114800"/>
-          </a:xfrm>
-          <a:prstGeom prst="rect">
-            <a:avLst/>
-          </a:prstGeom>
-        </p:spPr>
-        <p:txBody>
-          <a:bodyPr spcFirstLastPara="1" wrap="square" lIns="91425" tIns="91425" rIns="91425" bIns="91425" anchor="t" anchorCtr="0">
-            <a:noAutofit/>
-          </a:bodyPr>
-          <a:lstStyle/>
-          <a:p>
-            <a:pPr marL="0" lvl="0" indent="0" algn="l" rtl="0">
-              <a:spcBef>
-                <a:spcPts val="0"/>
-              </a:spcBef>
-              <a:spcAft>
-                <a:spcPts val="0"/>
-              </a:spcAft>
-              <a:buNone/>
-            </a:pPr>
-            <a:endParaRPr/>
-          </a:p>
-        </p:txBody>
-      </p:sp>
-    </p:spTree>
-  </p:cSld>
-  <p:clrMapOvr>
-    <a:masterClrMapping/>
-  </p:clrMapOvr>
-</p:notes>
-</file>
-
-<file path=ppt/notesSlides/notesSlide4.xml><?xml version="1.0" encoding="utf-8"?>
-<p:notes xmlns:a="http://schemas.openxmlformats.org/drawingml/2006/main" xmlns:r="http://schemas.openxmlformats.org/officeDocument/2006/relationships" xmlns:p="http://schemas.openxmlformats.org/presentationml/2006/main" showMasterSp="0" showMasterPhAnim="0">
-  <p:cSld>
-    <p:spTree>
-      <p:nvGrpSpPr>
-        <p:cNvPr id="1" name="Shape 246"/>
-        <p:cNvGrpSpPr/>
-        <p:nvPr/>
-      </p:nvGrpSpPr>
-      <p:grpSpPr>
-        <a:xfrm>
-          <a:off x="0" y="0"/>
-          <a:ext cx="0" cy="0"/>
-          <a:chOff x="0" y="0"/>
-          <a:chExt cx="0" cy="0"/>
-        </a:xfrm>
-      </p:grpSpPr>
-      <p:sp>
-        <p:nvSpPr>
-          <p:cNvPr id="247" name="Google Shape;247;g1224a59d8d2_0_20:notes"/>
-          <p:cNvSpPr>
-            <a:spLocks noGrp="1" noRot="1" noChangeAspect="1"/>
-          </p:cNvSpPr>
-          <p:nvPr>
-            <p:ph type="sldImg" idx="2"/>
-          </p:nvPr>
-        </p:nvSpPr>
-        <p:spPr>
-          <a:xfrm>
-            <a:off x="381000" y="685800"/>
-            <a:ext cx="6096000" cy="3429000"/>
-          </a:xfrm>
-          <a:custGeom>
-            <a:avLst/>
-            <a:gdLst/>
-            <a:ahLst/>
-            <a:cxnLst/>
-            <a:rect l="l" t="t" r="r" b="b"/>
-            <a:pathLst>
-              <a:path w="120000" h="120000" extrusionOk="0">
-                <a:moveTo>
-                  <a:pt x="0" y="0"/>
-                </a:moveTo>
-                <a:lnTo>
-                  <a:pt x="120000" y="0"/>
-                </a:lnTo>
-                <a:lnTo>
-                  <a:pt x="120000" y="120000"/>
-                </a:lnTo>
-                <a:lnTo>
-                  <a:pt x="0" y="120000"/>
-                </a:lnTo>
-                <a:close/>
-              </a:path>
-            </a:pathLst>
-          </a:custGeom>
-        </p:spPr>
-      </p:sp>
-      <p:sp>
-        <p:nvSpPr>
-          <p:cNvPr id="248" name="Google Shape;248;g1224a59d8d2_0_20:notes"/>
-          <p:cNvSpPr txBox="1">
-            <a:spLocks noGrp="1"/>
-          </p:cNvSpPr>
-          <p:nvPr>
-            <p:ph type="body" idx="1"/>
-          </p:nvPr>
-        </p:nvSpPr>
-        <p:spPr>
-          <a:xfrm>
-            <a:off x="685800" y="4343400"/>
-            <a:ext cx="5486400" cy="4114800"/>
-          </a:xfrm>
-          <a:prstGeom prst="rect">
-            <a:avLst/>
-          </a:prstGeom>
-        </p:spPr>
-        <p:txBody>
-          <a:bodyPr spcFirstLastPara="1" wrap="square" lIns="91425" tIns="91425" rIns="91425" bIns="91425" anchor="t" anchorCtr="0">
-            <a:noAutofit/>
-          </a:bodyPr>
-          <a:lstStyle/>
-          <a:p>
-            <a:pPr marL="0" lvl="0" indent="0" algn="l" rtl="0">
-              <a:spcBef>
-                <a:spcPts val="0"/>
-              </a:spcBef>
-              <a:spcAft>
-                <a:spcPts val="0"/>
-              </a:spcAft>
-              <a:buNone/>
-            </a:pPr>
-            <a:endParaRPr/>
-          </a:p>
-        </p:txBody>
-      </p:sp>
-    </p:spTree>
-  </p:cSld>
-  <p:clrMapOvr>
-    <a:masterClrMapping/>
-  </p:clrMapOvr>
-</p:notes>
-</file>
-
-<file path=ppt/notesSlides/notesSlide5.xml><?xml version="1.0" encoding="utf-8"?>
-<p:notes xmlns:a="http://schemas.openxmlformats.org/drawingml/2006/main" xmlns:r="http://schemas.openxmlformats.org/officeDocument/2006/relationships" xmlns:p="http://schemas.openxmlformats.org/presentationml/2006/main" showMasterSp="0" showMasterPhAnim="0">
-  <p:cSld>
-    <p:spTree>
-      <p:nvGrpSpPr>
-        <p:cNvPr id="1" name="Shape 261"/>
-        <p:cNvGrpSpPr/>
-        <p:nvPr/>
-      </p:nvGrpSpPr>
-      <p:grpSpPr>
-        <a:xfrm>
-          <a:off x="0" y="0"/>
-          <a:ext cx="0" cy="0"/>
-          <a:chOff x="0" y="0"/>
-          <a:chExt cx="0" cy="0"/>
-        </a:xfrm>
-      </p:grpSpPr>
-      <p:sp>
-        <p:nvSpPr>
-          <p:cNvPr id="262" name="Google Shape;262;g158b4bebab1_0_0:notes"/>
-          <p:cNvSpPr>
-            <a:spLocks noGrp="1" noRot="1" noChangeAspect="1"/>
-          </p:cNvSpPr>
-          <p:nvPr>
-            <p:ph type="sldImg" idx="2"/>
-          </p:nvPr>
-        </p:nvSpPr>
-        <p:spPr>
-          <a:xfrm>
-            <a:off x="381000" y="685800"/>
-            <a:ext cx="6096000" cy="3429000"/>
-          </a:xfrm>
-          <a:custGeom>
-            <a:avLst/>
-            <a:gdLst/>
-            <a:ahLst/>
-            <a:cxnLst/>
-            <a:rect l="l" t="t" r="r" b="b"/>
-            <a:pathLst>
-              <a:path w="120000" h="120000" extrusionOk="0">
-                <a:moveTo>
-                  <a:pt x="0" y="0"/>
-                </a:moveTo>
-                <a:lnTo>
-                  <a:pt x="120000" y="0"/>
-                </a:lnTo>
-                <a:lnTo>
-                  <a:pt x="120000" y="120000"/>
-                </a:lnTo>
-                <a:lnTo>
-                  <a:pt x="0" y="120000"/>
-                </a:lnTo>
-                <a:close/>
-              </a:path>
-            </a:pathLst>
-          </a:custGeom>
-        </p:spPr>
-      </p:sp>
-      <p:sp>
-        <p:nvSpPr>
-          <p:cNvPr id="263" name="Google Shape;263;g158b4bebab1_0_0:notes"/>
-          <p:cNvSpPr txBox="1">
-            <a:spLocks noGrp="1"/>
-          </p:cNvSpPr>
-          <p:nvPr>
-            <p:ph type="body" idx="1"/>
-          </p:nvPr>
-        </p:nvSpPr>
-        <p:spPr>
-          <a:xfrm>
-            <a:off x="685800" y="4343400"/>
-            <a:ext cx="5486400" cy="4114800"/>
-          </a:xfrm>
-          <a:prstGeom prst="rect">
-            <a:avLst/>
-          </a:prstGeom>
-        </p:spPr>
-        <p:txBody>
-          <a:bodyPr spcFirstLastPara="1" wrap="square" lIns="91425" tIns="91425" rIns="91425" bIns="91425" anchor="t" anchorCtr="0">
-            <a:noAutofit/>
-          </a:bodyPr>
-          <a:lstStyle/>
-          <a:p>
-            <a:pPr marL="0" lvl="0" indent="0" algn="l" rtl="0">
-              <a:spcBef>
-                <a:spcPts val="0"/>
-              </a:spcBef>
-              <a:spcAft>
-                <a:spcPts val="0"/>
-              </a:spcAft>
-              <a:buNone/>
-            </a:pPr>
-            <a:endParaRPr/>
-          </a:p>
-        </p:txBody>
-      </p:sp>
-    </p:spTree>
-  </p:cSld>
-  <p:clrMapOvr>
-    <a:masterClrMapping/>
-  </p:clrMapOvr>
-</p:notes>
-</file>
-
-<file path=ppt/notesSlides/notesSlide6.xml><?xml version="1.0" encoding="utf-8"?>
-<p:notes xmlns:a="http://schemas.openxmlformats.org/drawingml/2006/main" xmlns:r="http://schemas.openxmlformats.org/officeDocument/2006/relationships" xmlns:p="http://schemas.openxmlformats.org/presentationml/2006/main" showMasterSp="0" showMasterPhAnim="0">
-  <p:cSld>
-    <p:spTree>
-      <p:nvGrpSpPr>
-        <p:cNvPr id="1" name="Shape 261">
-          <a:extLst>
-            <a:ext uri="{FF2B5EF4-FFF2-40B4-BE49-F238E27FC236}">
-              <a16:creationId xmlns:a16="http://schemas.microsoft.com/office/drawing/2014/main" id="{C943D6C1-1F9D-02B6-EAEA-2322AF1B2697}"/>
-            </a:ext>
-          </a:extLst>
-        </p:cNvPr>
-        <p:cNvGrpSpPr/>
-        <p:nvPr/>
-      </p:nvGrpSpPr>
-      <p:grpSpPr>
-        <a:xfrm>
-          <a:off x="0" y="0"/>
-          <a:ext cx="0" cy="0"/>
-          <a:chOff x="0" y="0"/>
-          <a:chExt cx="0" cy="0"/>
-        </a:xfrm>
-      </p:grpSpPr>
-      <p:sp>
-        <p:nvSpPr>
-          <p:cNvPr id="262" name="Google Shape;262;g158b4bebab1_0_0:notes">
-            <a:extLst>
-              <a:ext uri="{FF2B5EF4-FFF2-40B4-BE49-F238E27FC236}">
-                <a16:creationId xmlns:a16="http://schemas.microsoft.com/office/drawing/2014/main" id="{C599F835-50AD-65F8-E88C-79FF226C43B8}"/>
-              </a:ext>
-            </a:extLst>
-          </p:cNvPr>
-          <p:cNvSpPr>
-            <a:spLocks noGrp="1" noRot="1" noChangeAspect="1"/>
-          </p:cNvSpPr>
-          <p:nvPr>
-            <p:ph type="sldImg" idx="2"/>
-          </p:nvPr>
-        </p:nvSpPr>
-        <p:spPr>
-          <a:xfrm>
-            <a:off x="381000" y="685800"/>
-            <a:ext cx="6096000" cy="3429000"/>
-          </a:xfrm>
-          <a:custGeom>
-            <a:avLst/>
-            <a:gdLst/>
-            <a:ahLst/>
-            <a:cxnLst/>
-            <a:rect l="l" t="t" r="r" b="b"/>
-            <a:pathLst>
-              <a:path w="120000" h="120000" extrusionOk="0">
-                <a:moveTo>
-                  <a:pt x="0" y="0"/>
-                </a:moveTo>
-                <a:lnTo>
-                  <a:pt x="120000" y="0"/>
-                </a:lnTo>
-                <a:lnTo>
-                  <a:pt x="120000" y="120000"/>
-                </a:lnTo>
-                <a:lnTo>
-                  <a:pt x="0" y="120000"/>
-                </a:lnTo>
-                <a:close/>
-              </a:path>
-            </a:pathLst>
-          </a:custGeom>
-        </p:spPr>
-      </p:sp>
-      <p:sp>
-        <p:nvSpPr>
-          <p:cNvPr id="263" name="Google Shape;263;g158b4bebab1_0_0:notes">
-            <a:extLst>
-              <a:ext uri="{FF2B5EF4-FFF2-40B4-BE49-F238E27FC236}">
-                <a16:creationId xmlns:a16="http://schemas.microsoft.com/office/drawing/2014/main" id="{63AA164D-6902-BDB8-1B8C-5E6DAF753321}"/>
-              </a:ext>
-            </a:extLst>
-          </p:cNvPr>
-          <p:cNvSpPr txBox="1">
-            <a:spLocks noGrp="1"/>
-          </p:cNvSpPr>
-          <p:nvPr>
-            <p:ph type="body" idx="1"/>
-          </p:nvPr>
-        </p:nvSpPr>
-        <p:spPr>
-          <a:xfrm>
-            <a:off x="685800" y="4343400"/>
-            <a:ext cx="5486400" cy="4114800"/>
-          </a:xfrm>
-          <a:prstGeom prst="rect">
-            <a:avLst/>
-          </a:prstGeom>
-        </p:spPr>
-        <p:txBody>
-          <a:bodyPr spcFirstLastPara="1" wrap="square" lIns="91425" tIns="91425" rIns="91425" bIns="91425" anchor="t" anchorCtr="0">
-            <a:noAutofit/>
-          </a:bodyPr>
-          <a:lstStyle/>
-          <a:p>
-            <a:pPr marL="0" lvl="0" indent="0" algn="l" rtl="0">
-              <a:spcBef>
-                <a:spcPts val="0"/>
-              </a:spcBef>
-              <a:spcAft>
-                <a:spcPts val="0"/>
-              </a:spcAft>
-              <a:buNone/>
-            </a:pPr>
-            <a:endParaRPr/>
-          </a:p>
-        </p:txBody>
-      </p:sp>
-    </p:spTree>
-    <p:extLst>
-      <p:ext uri="{BB962C8B-B14F-4D97-AF65-F5344CB8AC3E}">
-        <p14:creationId xmlns:p14="http://schemas.microsoft.com/office/powerpoint/2010/main" val="2487339006"/>
-      </p:ext>
-    </p:extLst>
-  </p:cSld>
-  <p:clrMapOvr>
-    <a:masterClrMapping/>
-  </p:clrMapOvr>
-</p:notes>
-</file>
-
-<file path=ppt/notesSlides/notesSlide7.xml><?xml version="1.0" encoding="utf-8"?>
-<p:notes xmlns:a="http://schemas.openxmlformats.org/drawingml/2006/main" xmlns:r="http://schemas.openxmlformats.org/officeDocument/2006/relationships" xmlns:p="http://schemas.openxmlformats.org/presentationml/2006/main" showMasterSp="0" showMasterPhAnim="0">
-  <p:cSld>
-    <p:spTree>
-      <p:nvGrpSpPr>
-        <p:cNvPr id="1" name="Shape 261">
-          <a:extLst>
-            <a:ext uri="{FF2B5EF4-FFF2-40B4-BE49-F238E27FC236}">
-              <a16:creationId xmlns:a16="http://schemas.microsoft.com/office/drawing/2014/main" id="{0AAC3C66-86EA-607D-51E7-36E8A5260CA6}"/>
-            </a:ext>
-          </a:extLst>
-        </p:cNvPr>
-        <p:cNvGrpSpPr/>
-        <p:nvPr/>
-      </p:nvGrpSpPr>
-      <p:grpSpPr>
-        <a:xfrm>
-          <a:off x="0" y="0"/>
-          <a:ext cx="0" cy="0"/>
-          <a:chOff x="0" y="0"/>
-          <a:chExt cx="0" cy="0"/>
-        </a:xfrm>
-      </p:grpSpPr>
-      <p:sp>
-        <p:nvSpPr>
-          <p:cNvPr id="262" name="Google Shape;262;g158b4bebab1_0_0:notes">
-            <a:extLst>
-              <a:ext uri="{FF2B5EF4-FFF2-40B4-BE49-F238E27FC236}">
-                <a16:creationId xmlns:a16="http://schemas.microsoft.com/office/drawing/2014/main" id="{74199788-A6BA-9C6C-CF73-2C74B818AA99}"/>
-              </a:ext>
-            </a:extLst>
-          </p:cNvPr>
-          <p:cNvSpPr>
-            <a:spLocks noGrp="1" noRot="1" noChangeAspect="1"/>
-          </p:cNvSpPr>
-          <p:nvPr>
-            <p:ph type="sldImg" idx="2"/>
-          </p:nvPr>
-        </p:nvSpPr>
-        <p:spPr>
-          <a:xfrm>
-            <a:off x="381000" y="685800"/>
-            <a:ext cx="6096000" cy="3429000"/>
-          </a:xfrm>
-          <a:custGeom>
-            <a:avLst/>
-            <a:gdLst/>
-            <a:ahLst/>
-            <a:cxnLst/>
-            <a:rect l="l" t="t" r="r" b="b"/>
-            <a:pathLst>
-              <a:path w="120000" h="120000" extrusionOk="0">
-                <a:moveTo>
-                  <a:pt x="0" y="0"/>
-                </a:moveTo>
-                <a:lnTo>
-                  <a:pt x="120000" y="0"/>
-                </a:lnTo>
-                <a:lnTo>
-                  <a:pt x="120000" y="120000"/>
-                </a:lnTo>
-                <a:lnTo>
-                  <a:pt x="0" y="120000"/>
-                </a:lnTo>
-                <a:close/>
-              </a:path>
-            </a:pathLst>
-          </a:custGeom>
-        </p:spPr>
-      </p:sp>
-      <p:sp>
-        <p:nvSpPr>
-          <p:cNvPr id="263" name="Google Shape;263;g158b4bebab1_0_0:notes">
-            <a:extLst>
-              <a:ext uri="{FF2B5EF4-FFF2-40B4-BE49-F238E27FC236}">
-                <a16:creationId xmlns:a16="http://schemas.microsoft.com/office/drawing/2014/main" id="{9E48859C-9C9C-542D-681E-603834DB7669}"/>
-              </a:ext>
-            </a:extLst>
-          </p:cNvPr>
-          <p:cNvSpPr txBox="1">
-            <a:spLocks noGrp="1"/>
-          </p:cNvSpPr>
-          <p:nvPr>
-            <p:ph type="body" idx="1"/>
-          </p:nvPr>
-        </p:nvSpPr>
-        <p:spPr>
-          <a:xfrm>
-            <a:off x="685800" y="4343400"/>
-            <a:ext cx="5486400" cy="4114800"/>
-          </a:xfrm>
-          <a:prstGeom prst="rect">
-            <a:avLst/>
-          </a:prstGeom>
-        </p:spPr>
-        <p:txBody>
-          <a:bodyPr spcFirstLastPara="1" wrap="square" lIns="91425" tIns="91425" rIns="91425" bIns="91425" anchor="t" anchorCtr="0">
-            <a:noAutofit/>
-          </a:bodyPr>
-          <a:lstStyle/>
-          <a:p>
-            <a:pPr marL="0" lvl="0" indent="0" algn="l" rtl="0">
-              <a:spcBef>
-                <a:spcPts val="0"/>
-              </a:spcBef>
-              <a:spcAft>
-                <a:spcPts val="0"/>
-              </a:spcAft>
-              <a:buNone/>
-            </a:pPr>
-            <a:endParaRPr/>
-          </a:p>
-        </p:txBody>
-      </p:sp>
-    </p:spTree>
-    <p:extLst>
-      <p:ext uri="{BB962C8B-B14F-4D97-AF65-F5344CB8AC3E}">
-        <p14:creationId xmlns:p14="http://schemas.microsoft.com/office/powerpoint/2010/main" val="2825325602"/>
-      </p:ext>
-    </p:extLst>
-  </p:cSld>
-  <p:clrMapOvr>
-    <a:masterClrMapping/>
-  </p:clrMapOvr>
-</p:notes>
-</file>
-
-<file path=ppt/notesSlides/notesSlide8.xml><?xml version="1.0" encoding="utf-8"?>
-<p:notes xmlns:a="http://schemas.openxmlformats.org/drawingml/2006/main" xmlns:r="http://schemas.openxmlformats.org/officeDocument/2006/relationships" xmlns:p="http://schemas.openxmlformats.org/presentationml/2006/main" showMasterSp="0" showMasterPhAnim="0">
-  <p:cSld>
-    <p:spTree>
-      <p:nvGrpSpPr>
-        <p:cNvPr id="1" name="Shape 267"/>
-        <p:cNvGrpSpPr/>
-        <p:nvPr/>
-      </p:nvGrpSpPr>
-      <p:grpSpPr>
-        <a:xfrm>
-          <a:off x="0" y="0"/>
-          <a:ext cx="0" cy="0"/>
-          <a:chOff x="0" y="0"/>
-          <a:chExt cx="0" cy="0"/>
-        </a:xfrm>
-      </p:grpSpPr>
-      <p:sp>
-        <p:nvSpPr>
-          <p:cNvPr id="268" name="Google Shape;268;g11c6b7313e0_0_278:notes"/>
-          <p:cNvSpPr>
-            <a:spLocks noGrp="1" noRot="1" noChangeAspect="1"/>
-          </p:cNvSpPr>
-          <p:nvPr>
-            <p:ph type="sldImg" idx="2"/>
-          </p:nvPr>
-        </p:nvSpPr>
-        <p:spPr>
-          <a:xfrm>
-            <a:off x="381000" y="685800"/>
-            <a:ext cx="6096000" cy="3429000"/>
-          </a:xfrm>
-          <a:custGeom>
-            <a:avLst/>
-            <a:gdLst/>
-            <a:ahLst/>
-            <a:cxnLst/>
-            <a:rect l="l" t="t" r="r" b="b"/>
-            <a:pathLst>
-              <a:path w="120000" h="120000" extrusionOk="0">
-                <a:moveTo>
-                  <a:pt x="0" y="0"/>
-                </a:moveTo>
-                <a:lnTo>
-                  <a:pt x="120000" y="0"/>
-                </a:lnTo>
-                <a:lnTo>
-                  <a:pt x="120000" y="120000"/>
-                </a:lnTo>
-                <a:lnTo>
-                  <a:pt x="0" y="120000"/>
-                </a:lnTo>
-                <a:close/>
-              </a:path>
-            </a:pathLst>
-          </a:custGeom>
-        </p:spPr>
-      </p:sp>
-      <p:sp>
-        <p:nvSpPr>
-          <p:cNvPr id="269" name="Google Shape;269;g11c6b7313e0_0_278:notes"/>
-          <p:cNvSpPr txBox="1">
-            <a:spLocks noGrp="1"/>
-          </p:cNvSpPr>
-          <p:nvPr>
-            <p:ph type="body" idx="1"/>
-          </p:nvPr>
-        </p:nvSpPr>
-        <p:spPr>
-          <a:xfrm>
-            <a:off x="685800" y="4343400"/>
-            <a:ext cx="5486400" cy="4114800"/>
-          </a:xfrm>
-          <a:prstGeom prst="rect">
-            <a:avLst/>
-          </a:prstGeom>
-        </p:spPr>
-        <p:txBody>
-          <a:bodyPr spcFirstLastPara="1" wrap="square" lIns="91425" tIns="91425" rIns="91425" bIns="91425" anchor="t" anchorCtr="0">
-            <a:noAutofit/>
-          </a:bodyPr>
-          <a:lstStyle/>
-          <a:p>
-            <a:pPr marL="0" lvl="0" indent="0" algn="l" rtl="0">
-              <a:spcBef>
-                <a:spcPts val="0"/>
-              </a:spcBef>
-              <a:spcAft>
-                <a:spcPts val="0"/>
-              </a:spcAft>
-              <a:buNone/>
-            </a:pPr>
-            <a:endParaRPr/>
-          </a:p>
-        </p:txBody>
-      </p:sp>
-    </p:spTree>
-  </p:cSld>
-  <p:clrMapOvr>
-    <a:masterClrMapping/>
-  </p:clrMapOvr>
-</p:notes>
-</file>
-
-<file path=ppt/notesSlides/notesSlide9.xml><?xml version="1.0" encoding="utf-8"?>
-<p:notes xmlns:a="http://schemas.openxmlformats.org/drawingml/2006/main" xmlns:r="http://schemas.openxmlformats.org/officeDocument/2006/relationships" xmlns:p="http://schemas.openxmlformats.org/presentationml/2006/main" showMasterSp="0" showMasterPhAnim="0">
-  <p:cSld>
-    <p:spTree>
-      <p:nvGrpSpPr>
-        <p:cNvPr id="1" name="Shape 288"/>
-        <p:cNvGrpSpPr/>
-        <p:nvPr/>
-      </p:nvGrpSpPr>
-      <p:grpSpPr>
-        <a:xfrm>
-          <a:off x="0" y="0"/>
-          <a:ext cx="0" cy="0"/>
-          <a:chOff x="0" y="0"/>
-          <a:chExt cx="0" cy="0"/>
-        </a:xfrm>
-      </p:grpSpPr>
-      <p:sp>
-        <p:nvSpPr>
-          <p:cNvPr id="289" name="Google Shape;289;g158b4bebab1_0_5:notes"/>
-          <p:cNvSpPr>
-            <a:spLocks noGrp="1" noRot="1" noChangeAspect="1"/>
-          </p:cNvSpPr>
-          <p:nvPr>
-            <p:ph type="sldImg" idx="2"/>
-          </p:nvPr>
-        </p:nvSpPr>
-        <p:spPr>
-          <a:xfrm>
-            <a:off x="381000" y="685800"/>
-            <a:ext cx="6096000" cy="3429000"/>
-          </a:xfrm>
-          <a:custGeom>
-            <a:avLst/>
-            <a:gdLst/>
-            <a:ahLst/>
-            <a:cxnLst/>
-            <a:rect l="l" t="t" r="r" b="b"/>
-            <a:pathLst>
-              <a:path w="120000" h="120000" extrusionOk="0">
-                <a:moveTo>
-                  <a:pt x="0" y="0"/>
-                </a:moveTo>
-                <a:lnTo>
-                  <a:pt x="120000" y="0"/>
-                </a:lnTo>
-                <a:lnTo>
-                  <a:pt x="120000" y="120000"/>
-                </a:lnTo>
-                <a:lnTo>
-                  <a:pt x="0" y="120000"/>
-                </a:lnTo>
-                <a:close/>
-              </a:path>
-            </a:pathLst>
-          </a:custGeom>
-        </p:spPr>
-      </p:sp>
-      <p:sp>
-        <p:nvSpPr>
-          <p:cNvPr id="290" name="Google Shape;290;g158b4bebab1_0_5:notes"/>
-          <p:cNvSpPr txBox="1">
-            <a:spLocks noGrp="1"/>
-          </p:cNvSpPr>
-          <p:nvPr>
-            <p:ph type="body" idx="1"/>
-          </p:nvPr>
-        </p:nvSpPr>
-        <p:spPr>
-          <a:xfrm>
-            <a:off x="685800" y="4343400"/>
-            <a:ext cx="5486400" cy="4114800"/>
-          </a:xfrm>
-          <a:prstGeom prst="rect">
-            <a:avLst/>
-          </a:prstGeom>
-        </p:spPr>
-        <p:txBody>
-          <a:bodyPr spcFirstLastPara="1" wrap="square" lIns="91425" tIns="91425" rIns="91425" bIns="91425" anchor="t" anchorCtr="0">
-            <a:noAutofit/>
-          </a:bodyPr>
-          <a:lstStyle/>
-          <a:p>
-            <a:pPr marL="0" lvl="0" indent="0" algn="l" rtl="0">
-              <a:spcBef>
-                <a:spcPts val="0"/>
-              </a:spcBef>
-              <a:spcAft>
-                <a:spcPts val="0"/>
-              </a:spcAft>
-              <a:buNone/>
-            </a:pPr>
-            <a:endParaRPr/>
-          </a:p>
-        </p:txBody>
-      </p:sp>
-    </p:spTree>
-  </p:cSld>
-  <p:clrMapOvr>
-    <a:masterClrMapping/>
-  </p:clrMapOvr>
-</p:notes>
-</file>
-
 <file path=ppt/slideLayouts/slideLayout1.xml><?xml version="1.0" encoding="utf-8"?>
 <p:sldLayout xmlns:a="http://schemas.openxmlformats.org/drawingml/2006/main" xmlns:r="http://schemas.openxmlformats.org/officeDocument/2006/relationships" xmlns:p="http://schemas.openxmlformats.org/presentationml/2006/main" matchingName="Title slide" type="title">
   <p:cSld name="TITLE">
@@ -3072,59 +2106,6 @@
           </a:p>
         </p:txBody>
       </p:sp>
-    </p:spTree>
-  </p:cSld>
-  <p:clrMapOvr>
-    <a:masterClrMapping/>
-  </p:clrMapOvr>
-</p:sldLayout>
-</file>
-
-<file path=ppt/slideLayouts/slideLayout10.xml><?xml version="1.0" encoding="utf-8"?>
-<p:sldLayout xmlns:a="http://schemas.openxmlformats.org/drawingml/2006/main" xmlns:r="http://schemas.openxmlformats.org/officeDocument/2006/relationships" xmlns:p="http://schemas.openxmlformats.org/presentationml/2006/main" matchingName="Background 1">
-  <p:cSld name="BLANK_1_1_1_1_1_1_1_1">
-    <p:spTree>
-      <p:nvGrpSpPr>
-        <p:cNvPr id="1" name="Shape 198"/>
-        <p:cNvGrpSpPr/>
-        <p:nvPr/>
-      </p:nvGrpSpPr>
-      <p:grpSpPr>
-        <a:xfrm>
-          <a:off x="0" y="0"/>
-          <a:ext cx="0" cy="0"/>
-          <a:chOff x="0" y="0"/>
-          <a:chExt cx="0" cy="0"/>
-        </a:xfrm>
-      </p:grpSpPr>
-      <p:pic>
-        <p:nvPicPr>
-          <p:cNvPr id="199" name="Google Shape;199;p35"/>
-          <p:cNvPicPr preferRelativeResize="0"/>
-          <p:nvPr/>
-        </p:nvPicPr>
-        <p:blipFill>
-          <a:blip r:embed="rId2">
-            <a:alphaModFix/>
-          </a:blip>
-          <a:stretch>
-            <a:fillRect/>
-          </a:stretch>
-        </p:blipFill>
-        <p:spPr>
-          <a:xfrm flipH="1">
-            <a:off x="0" y="0"/>
-            <a:ext cx="9144000" cy="5143500"/>
-          </a:xfrm>
-          <a:prstGeom prst="rect">
-            <a:avLst/>
-          </a:prstGeom>
-          <a:noFill/>
-          <a:ln>
-            <a:noFill/>
-          </a:ln>
-        </p:spPr>
-      </p:pic>
     </p:spTree>
   </p:cSld>
   <p:clrMapOvr>
@@ -3608,1363 +2589,6 @@
 </file>
 
 <file path=ppt/slideLayouts/slideLayout3.xml><?xml version="1.0" encoding="utf-8"?>
-<p:sldLayout xmlns:a="http://schemas.openxmlformats.org/drawingml/2006/main" xmlns:r="http://schemas.openxmlformats.org/officeDocument/2006/relationships" xmlns:p="http://schemas.openxmlformats.org/presentationml/2006/main" matchingName="Title and two columns" type="twoColTx">
-  <p:cSld name="TITLE_AND_TWO_COLUMNS">
-    <p:spTree>
-      <p:nvGrpSpPr>
-        <p:cNvPr id="1" name="Shape 22"/>
-        <p:cNvGrpSpPr/>
-        <p:nvPr/>
-      </p:nvGrpSpPr>
-      <p:grpSpPr>
-        <a:xfrm>
-          <a:off x="0" y="0"/>
-          <a:ext cx="0" cy="0"/>
-          <a:chOff x="0" y="0"/>
-          <a:chExt cx="0" cy="0"/>
-        </a:xfrm>
-      </p:grpSpPr>
-      <p:pic>
-        <p:nvPicPr>
-          <p:cNvPr id="23" name="Google Shape;23;p5"/>
-          <p:cNvPicPr preferRelativeResize="0"/>
-          <p:nvPr/>
-        </p:nvPicPr>
-        <p:blipFill rotWithShape="1">
-          <a:blip r:embed="rId2">
-            <a:alphaModFix/>
-          </a:blip>
-          <a:srcRect l="2733" b="2733"/>
-          <a:stretch/>
-        </p:blipFill>
-        <p:spPr>
-          <a:xfrm rot="10800000" flipH="1">
-            <a:off x="0" y="0"/>
-            <a:ext cx="9144000" cy="5143500"/>
-          </a:xfrm>
-          <a:prstGeom prst="rect">
-            <a:avLst/>
-          </a:prstGeom>
-          <a:noFill/>
-          <a:ln>
-            <a:noFill/>
-          </a:ln>
-        </p:spPr>
-      </p:pic>
-      <p:sp>
-        <p:nvSpPr>
-          <p:cNvPr id="24" name="Google Shape;24;p5"/>
-          <p:cNvSpPr txBox="1">
-            <a:spLocks noGrp="1"/>
-          </p:cNvSpPr>
-          <p:nvPr>
-            <p:ph type="subTitle" idx="1"/>
-          </p:nvPr>
-        </p:nvSpPr>
-        <p:spPr>
-          <a:xfrm>
-            <a:off x="5032675" y="3209974"/>
-            <a:ext cx="2190000" cy="716700"/>
-          </a:xfrm>
-          <a:prstGeom prst="rect">
-            <a:avLst/>
-          </a:prstGeom>
-        </p:spPr>
-        <p:txBody>
-          <a:bodyPr spcFirstLastPara="1" wrap="square" lIns="91425" tIns="91425" rIns="91425" bIns="91425" anchor="t" anchorCtr="0">
-            <a:noAutofit/>
-          </a:bodyPr>
-          <a:lstStyle>
-            <a:lvl1pPr lvl="0" algn="ctr" rtl="0">
-              <a:lnSpc>
-                <a:spcPct val="100000"/>
-              </a:lnSpc>
-              <a:spcBef>
-                <a:spcPts val="0"/>
-              </a:spcBef>
-              <a:spcAft>
-                <a:spcPts val="0"/>
-              </a:spcAft>
-              <a:buClr>
-                <a:schemeClr val="dk1"/>
-              </a:buClr>
-              <a:buSzPts val="1400"/>
-              <a:buNone/>
-              <a:defRPr sz="1400"/>
-            </a:lvl1pPr>
-            <a:lvl2pPr lvl="1" rtl="0">
-              <a:spcBef>
-                <a:spcPts val="0"/>
-              </a:spcBef>
-              <a:spcAft>
-                <a:spcPts val="0"/>
-              </a:spcAft>
-              <a:buClr>
-                <a:schemeClr val="dk1"/>
-              </a:buClr>
-              <a:buSzPts val="1400"/>
-              <a:buNone/>
-              <a:defRPr sz="1400">
-                <a:solidFill>
-                  <a:schemeClr val="dk1"/>
-                </a:solidFill>
-              </a:defRPr>
-            </a:lvl2pPr>
-            <a:lvl3pPr lvl="2" rtl="0">
-              <a:spcBef>
-                <a:spcPts val="1600"/>
-              </a:spcBef>
-              <a:spcAft>
-                <a:spcPts val="0"/>
-              </a:spcAft>
-              <a:buClr>
-                <a:schemeClr val="dk1"/>
-              </a:buClr>
-              <a:buSzPts val="1400"/>
-              <a:buNone/>
-              <a:defRPr sz="1400">
-                <a:solidFill>
-                  <a:schemeClr val="dk1"/>
-                </a:solidFill>
-              </a:defRPr>
-            </a:lvl3pPr>
-            <a:lvl4pPr lvl="3" rtl="0">
-              <a:spcBef>
-                <a:spcPts val="1600"/>
-              </a:spcBef>
-              <a:spcAft>
-                <a:spcPts val="0"/>
-              </a:spcAft>
-              <a:buClr>
-                <a:schemeClr val="dk1"/>
-              </a:buClr>
-              <a:buSzPts val="1400"/>
-              <a:buNone/>
-              <a:defRPr sz="1400">
-                <a:solidFill>
-                  <a:schemeClr val="dk1"/>
-                </a:solidFill>
-              </a:defRPr>
-            </a:lvl4pPr>
-            <a:lvl5pPr lvl="4" rtl="0">
-              <a:spcBef>
-                <a:spcPts val="1600"/>
-              </a:spcBef>
-              <a:spcAft>
-                <a:spcPts val="0"/>
-              </a:spcAft>
-              <a:buClr>
-                <a:schemeClr val="dk1"/>
-              </a:buClr>
-              <a:buSzPts val="1400"/>
-              <a:buNone/>
-              <a:defRPr sz="1400">
-                <a:solidFill>
-                  <a:schemeClr val="dk1"/>
-                </a:solidFill>
-              </a:defRPr>
-            </a:lvl5pPr>
-            <a:lvl6pPr lvl="5" rtl="0">
-              <a:spcBef>
-                <a:spcPts val="1600"/>
-              </a:spcBef>
-              <a:spcAft>
-                <a:spcPts val="0"/>
-              </a:spcAft>
-              <a:buClr>
-                <a:schemeClr val="dk1"/>
-              </a:buClr>
-              <a:buSzPts val="1400"/>
-              <a:buNone/>
-              <a:defRPr sz="1400">
-                <a:solidFill>
-                  <a:schemeClr val="dk1"/>
-                </a:solidFill>
-              </a:defRPr>
-            </a:lvl6pPr>
-            <a:lvl7pPr lvl="6" rtl="0">
-              <a:spcBef>
-                <a:spcPts val="1600"/>
-              </a:spcBef>
-              <a:spcAft>
-                <a:spcPts val="0"/>
-              </a:spcAft>
-              <a:buClr>
-                <a:schemeClr val="dk1"/>
-              </a:buClr>
-              <a:buSzPts val="1400"/>
-              <a:buNone/>
-              <a:defRPr sz="1400">
-                <a:solidFill>
-                  <a:schemeClr val="dk1"/>
-                </a:solidFill>
-              </a:defRPr>
-            </a:lvl7pPr>
-            <a:lvl8pPr lvl="7" rtl="0">
-              <a:spcBef>
-                <a:spcPts val="1600"/>
-              </a:spcBef>
-              <a:spcAft>
-                <a:spcPts val="0"/>
-              </a:spcAft>
-              <a:buClr>
-                <a:schemeClr val="dk1"/>
-              </a:buClr>
-              <a:buSzPts val="1400"/>
-              <a:buNone/>
-              <a:defRPr sz="1400">
-                <a:solidFill>
-                  <a:schemeClr val="dk1"/>
-                </a:solidFill>
-              </a:defRPr>
-            </a:lvl8pPr>
-            <a:lvl9pPr lvl="8" rtl="0">
-              <a:spcBef>
-                <a:spcPts val="1600"/>
-              </a:spcBef>
-              <a:spcAft>
-                <a:spcPts val="1600"/>
-              </a:spcAft>
-              <a:buClr>
-                <a:schemeClr val="dk1"/>
-              </a:buClr>
-              <a:buSzPts val="1400"/>
-              <a:buNone/>
-              <a:defRPr sz="1400">
-                <a:solidFill>
-                  <a:schemeClr val="dk1"/>
-                </a:solidFill>
-              </a:defRPr>
-            </a:lvl9pPr>
-          </a:lstStyle>
-          <a:p>
-            <a:endParaRPr/>
-          </a:p>
-        </p:txBody>
-      </p:sp>
-      <p:sp>
-        <p:nvSpPr>
-          <p:cNvPr id="25" name="Google Shape;25;p5"/>
-          <p:cNvSpPr txBox="1">
-            <a:spLocks noGrp="1"/>
-          </p:cNvSpPr>
-          <p:nvPr>
-            <p:ph type="subTitle" idx="2"/>
-          </p:nvPr>
-        </p:nvSpPr>
-        <p:spPr>
-          <a:xfrm>
-            <a:off x="5032675" y="2876175"/>
-            <a:ext cx="2190000" cy="410100"/>
-          </a:xfrm>
-          <a:prstGeom prst="rect">
-            <a:avLst/>
-          </a:prstGeom>
-        </p:spPr>
-        <p:txBody>
-          <a:bodyPr spcFirstLastPara="1" wrap="square" lIns="91425" tIns="91425" rIns="91425" bIns="91425" anchor="b" anchorCtr="0">
-            <a:noAutofit/>
-          </a:bodyPr>
-          <a:lstStyle>
-            <a:lvl1pPr lvl="0" algn="ctr" rtl="0">
-              <a:spcBef>
-                <a:spcPts val="0"/>
-              </a:spcBef>
-              <a:spcAft>
-                <a:spcPts val="0"/>
-              </a:spcAft>
-              <a:buClr>
-                <a:schemeClr val="dk1"/>
-              </a:buClr>
-              <a:buSzPts val="2500"/>
-              <a:buFont typeface="Delius Swash Caps"/>
-              <a:buNone/>
-              <a:defRPr sz="2300">
-                <a:latin typeface="Electrolize"/>
-                <a:ea typeface="Electrolize"/>
-                <a:cs typeface="Electrolize"/>
-                <a:sym typeface="Electrolize"/>
-              </a:defRPr>
-            </a:lvl1pPr>
-            <a:lvl2pPr lvl="1" rtl="0">
-              <a:spcBef>
-                <a:spcPts val="0"/>
-              </a:spcBef>
-              <a:spcAft>
-                <a:spcPts val="0"/>
-              </a:spcAft>
-              <a:buClr>
-                <a:schemeClr val="dk1"/>
-              </a:buClr>
-              <a:buSzPts val="2500"/>
-              <a:buFont typeface="Delius Swash Caps"/>
-              <a:buNone/>
-              <a:defRPr sz="2500">
-                <a:solidFill>
-                  <a:schemeClr val="dk1"/>
-                </a:solidFill>
-                <a:latin typeface="Delius Swash Caps"/>
-                <a:ea typeface="Delius Swash Caps"/>
-                <a:cs typeface="Delius Swash Caps"/>
-                <a:sym typeface="Delius Swash Caps"/>
-              </a:defRPr>
-            </a:lvl2pPr>
-            <a:lvl3pPr lvl="2" rtl="0">
-              <a:spcBef>
-                <a:spcPts val="1600"/>
-              </a:spcBef>
-              <a:spcAft>
-                <a:spcPts val="0"/>
-              </a:spcAft>
-              <a:buClr>
-                <a:schemeClr val="dk1"/>
-              </a:buClr>
-              <a:buSzPts val="2500"/>
-              <a:buFont typeface="Delius Swash Caps"/>
-              <a:buNone/>
-              <a:defRPr sz="2500">
-                <a:solidFill>
-                  <a:schemeClr val="dk1"/>
-                </a:solidFill>
-                <a:latin typeface="Delius Swash Caps"/>
-                <a:ea typeface="Delius Swash Caps"/>
-                <a:cs typeface="Delius Swash Caps"/>
-                <a:sym typeface="Delius Swash Caps"/>
-              </a:defRPr>
-            </a:lvl3pPr>
-            <a:lvl4pPr lvl="3" rtl="0">
-              <a:spcBef>
-                <a:spcPts val="1600"/>
-              </a:spcBef>
-              <a:spcAft>
-                <a:spcPts val="0"/>
-              </a:spcAft>
-              <a:buClr>
-                <a:schemeClr val="dk1"/>
-              </a:buClr>
-              <a:buSzPts val="2500"/>
-              <a:buFont typeface="Delius Swash Caps"/>
-              <a:buNone/>
-              <a:defRPr sz="2500">
-                <a:solidFill>
-                  <a:schemeClr val="dk1"/>
-                </a:solidFill>
-                <a:latin typeface="Delius Swash Caps"/>
-                <a:ea typeface="Delius Swash Caps"/>
-                <a:cs typeface="Delius Swash Caps"/>
-                <a:sym typeface="Delius Swash Caps"/>
-              </a:defRPr>
-            </a:lvl4pPr>
-            <a:lvl5pPr lvl="4" rtl="0">
-              <a:spcBef>
-                <a:spcPts val="1600"/>
-              </a:spcBef>
-              <a:spcAft>
-                <a:spcPts val="0"/>
-              </a:spcAft>
-              <a:buClr>
-                <a:schemeClr val="dk1"/>
-              </a:buClr>
-              <a:buSzPts val="2500"/>
-              <a:buFont typeface="Delius Swash Caps"/>
-              <a:buNone/>
-              <a:defRPr sz="2500">
-                <a:solidFill>
-                  <a:schemeClr val="dk1"/>
-                </a:solidFill>
-                <a:latin typeface="Delius Swash Caps"/>
-                <a:ea typeface="Delius Swash Caps"/>
-                <a:cs typeface="Delius Swash Caps"/>
-                <a:sym typeface="Delius Swash Caps"/>
-              </a:defRPr>
-            </a:lvl5pPr>
-            <a:lvl6pPr lvl="5" rtl="0">
-              <a:spcBef>
-                <a:spcPts val="1600"/>
-              </a:spcBef>
-              <a:spcAft>
-                <a:spcPts val="0"/>
-              </a:spcAft>
-              <a:buClr>
-                <a:schemeClr val="dk1"/>
-              </a:buClr>
-              <a:buSzPts val="2500"/>
-              <a:buFont typeface="Delius Swash Caps"/>
-              <a:buNone/>
-              <a:defRPr sz="2500">
-                <a:solidFill>
-                  <a:schemeClr val="dk1"/>
-                </a:solidFill>
-                <a:latin typeface="Delius Swash Caps"/>
-                <a:ea typeface="Delius Swash Caps"/>
-                <a:cs typeface="Delius Swash Caps"/>
-                <a:sym typeface="Delius Swash Caps"/>
-              </a:defRPr>
-            </a:lvl6pPr>
-            <a:lvl7pPr lvl="6" rtl="0">
-              <a:spcBef>
-                <a:spcPts val="1600"/>
-              </a:spcBef>
-              <a:spcAft>
-                <a:spcPts val="0"/>
-              </a:spcAft>
-              <a:buClr>
-                <a:schemeClr val="dk1"/>
-              </a:buClr>
-              <a:buSzPts val="2500"/>
-              <a:buFont typeface="Delius Swash Caps"/>
-              <a:buNone/>
-              <a:defRPr sz="2500">
-                <a:solidFill>
-                  <a:schemeClr val="dk1"/>
-                </a:solidFill>
-                <a:latin typeface="Delius Swash Caps"/>
-                <a:ea typeface="Delius Swash Caps"/>
-                <a:cs typeface="Delius Swash Caps"/>
-                <a:sym typeface="Delius Swash Caps"/>
-              </a:defRPr>
-            </a:lvl7pPr>
-            <a:lvl8pPr lvl="7" rtl="0">
-              <a:spcBef>
-                <a:spcPts val="1600"/>
-              </a:spcBef>
-              <a:spcAft>
-                <a:spcPts val="0"/>
-              </a:spcAft>
-              <a:buClr>
-                <a:schemeClr val="dk1"/>
-              </a:buClr>
-              <a:buSzPts val="2500"/>
-              <a:buFont typeface="Delius Swash Caps"/>
-              <a:buNone/>
-              <a:defRPr sz="2500">
-                <a:solidFill>
-                  <a:schemeClr val="dk1"/>
-                </a:solidFill>
-                <a:latin typeface="Delius Swash Caps"/>
-                <a:ea typeface="Delius Swash Caps"/>
-                <a:cs typeface="Delius Swash Caps"/>
-                <a:sym typeface="Delius Swash Caps"/>
-              </a:defRPr>
-            </a:lvl8pPr>
-            <a:lvl9pPr lvl="8" rtl="0">
-              <a:spcBef>
-                <a:spcPts val="1600"/>
-              </a:spcBef>
-              <a:spcAft>
-                <a:spcPts val="1600"/>
-              </a:spcAft>
-              <a:buClr>
-                <a:schemeClr val="dk1"/>
-              </a:buClr>
-              <a:buSzPts val="2500"/>
-              <a:buFont typeface="Delius Swash Caps"/>
-              <a:buNone/>
-              <a:defRPr sz="2500">
-                <a:solidFill>
-                  <a:schemeClr val="dk1"/>
-                </a:solidFill>
-                <a:latin typeface="Delius Swash Caps"/>
-                <a:ea typeface="Delius Swash Caps"/>
-                <a:cs typeface="Delius Swash Caps"/>
-                <a:sym typeface="Delius Swash Caps"/>
-              </a:defRPr>
-            </a:lvl9pPr>
-          </a:lstStyle>
-          <a:p>
-            <a:endParaRPr/>
-          </a:p>
-        </p:txBody>
-      </p:sp>
-      <p:sp>
-        <p:nvSpPr>
-          <p:cNvPr id="26" name="Google Shape;26;p5"/>
-          <p:cNvSpPr txBox="1">
-            <a:spLocks noGrp="1"/>
-          </p:cNvSpPr>
-          <p:nvPr>
-            <p:ph type="subTitle" idx="3"/>
-          </p:nvPr>
-        </p:nvSpPr>
-        <p:spPr>
-          <a:xfrm>
-            <a:off x="1921300" y="3209974"/>
-            <a:ext cx="2190000" cy="716700"/>
-          </a:xfrm>
-          <a:prstGeom prst="rect">
-            <a:avLst/>
-          </a:prstGeom>
-        </p:spPr>
-        <p:txBody>
-          <a:bodyPr spcFirstLastPara="1" wrap="square" lIns="91425" tIns="91425" rIns="91425" bIns="91425" anchor="t" anchorCtr="0">
-            <a:noAutofit/>
-          </a:bodyPr>
-          <a:lstStyle>
-            <a:lvl1pPr lvl="0" algn="ctr" rtl="0">
-              <a:lnSpc>
-                <a:spcPct val="100000"/>
-              </a:lnSpc>
-              <a:spcBef>
-                <a:spcPts val="0"/>
-              </a:spcBef>
-              <a:spcAft>
-                <a:spcPts val="0"/>
-              </a:spcAft>
-              <a:buClr>
-                <a:schemeClr val="dk1"/>
-              </a:buClr>
-              <a:buSzPts val="1400"/>
-              <a:buNone/>
-              <a:defRPr sz="1400"/>
-            </a:lvl1pPr>
-            <a:lvl2pPr lvl="1" rtl="0">
-              <a:spcBef>
-                <a:spcPts val="0"/>
-              </a:spcBef>
-              <a:spcAft>
-                <a:spcPts val="0"/>
-              </a:spcAft>
-              <a:buClr>
-                <a:schemeClr val="dk1"/>
-              </a:buClr>
-              <a:buSzPts val="1400"/>
-              <a:buNone/>
-              <a:defRPr sz="1400">
-                <a:solidFill>
-                  <a:schemeClr val="dk1"/>
-                </a:solidFill>
-              </a:defRPr>
-            </a:lvl2pPr>
-            <a:lvl3pPr lvl="2" rtl="0">
-              <a:spcBef>
-                <a:spcPts val="1600"/>
-              </a:spcBef>
-              <a:spcAft>
-                <a:spcPts val="0"/>
-              </a:spcAft>
-              <a:buClr>
-                <a:schemeClr val="dk1"/>
-              </a:buClr>
-              <a:buSzPts val="1400"/>
-              <a:buNone/>
-              <a:defRPr sz="1400">
-                <a:solidFill>
-                  <a:schemeClr val="dk1"/>
-                </a:solidFill>
-              </a:defRPr>
-            </a:lvl3pPr>
-            <a:lvl4pPr lvl="3" rtl="0">
-              <a:spcBef>
-                <a:spcPts val="1600"/>
-              </a:spcBef>
-              <a:spcAft>
-                <a:spcPts val="0"/>
-              </a:spcAft>
-              <a:buClr>
-                <a:schemeClr val="dk1"/>
-              </a:buClr>
-              <a:buSzPts val="1400"/>
-              <a:buNone/>
-              <a:defRPr sz="1400">
-                <a:solidFill>
-                  <a:schemeClr val="dk1"/>
-                </a:solidFill>
-              </a:defRPr>
-            </a:lvl4pPr>
-            <a:lvl5pPr lvl="4" rtl="0">
-              <a:spcBef>
-                <a:spcPts val="1600"/>
-              </a:spcBef>
-              <a:spcAft>
-                <a:spcPts val="0"/>
-              </a:spcAft>
-              <a:buClr>
-                <a:schemeClr val="dk1"/>
-              </a:buClr>
-              <a:buSzPts val="1400"/>
-              <a:buNone/>
-              <a:defRPr sz="1400">
-                <a:solidFill>
-                  <a:schemeClr val="dk1"/>
-                </a:solidFill>
-              </a:defRPr>
-            </a:lvl5pPr>
-            <a:lvl6pPr lvl="5" rtl="0">
-              <a:spcBef>
-                <a:spcPts val="1600"/>
-              </a:spcBef>
-              <a:spcAft>
-                <a:spcPts val="0"/>
-              </a:spcAft>
-              <a:buClr>
-                <a:schemeClr val="dk1"/>
-              </a:buClr>
-              <a:buSzPts val="1400"/>
-              <a:buNone/>
-              <a:defRPr sz="1400">
-                <a:solidFill>
-                  <a:schemeClr val="dk1"/>
-                </a:solidFill>
-              </a:defRPr>
-            </a:lvl6pPr>
-            <a:lvl7pPr lvl="6" rtl="0">
-              <a:spcBef>
-                <a:spcPts val="1600"/>
-              </a:spcBef>
-              <a:spcAft>
-                <a:spcPts val="0"/>
-              </a:spcAft>
-              <a:buClr>
-                <a:schemeClr val="dk1"/>
-              </a:buClr>
-              <a:buSzPts val="1400"/>
-              <a:buNone/>
-              <a:defRPr sz="1400">
-                <a:solidFill>
-                  <a:schemeClr val="dk1"/>
-                </a:solidFill>
-              </a:defRPr>
-            </a:lvl7pPr>
-            <a:lvl8pPr lvl="7" rtl="0">
-              <a:spcBef>
-                <a:spcPts val="1600"/>
-              </a:spcBef>
-              <a:spcAft>
-                <a:spcPts val="0"/>
-              </a:spcAft>
-              <a:buClr>
-                <a:schemeClr val="dk1"/>
-              </a:buClr>
-              <a:buSzPts val="1400"/>
-              <a:buNone/>
-              <a:defRPr sz="1400">
-                <a:solidFill>
-                  <a:schemeClr val="dk1"/>
-                </a:solidFill>
-              </a:defRPr>
-            </a:lvl8pPr>
-            <a:lvl9pPr lvl="8" rtl="0">
-              <a:spcBef>
-                <a:spcPts val="1600"/>
-              </a:spcBef>
-              <a:spcAft>
-                <a:spcPts val="1600"/>
-              </a:spcAft>
-              <a:buClr>
-                <a:schemeClr val="dk1"/>
-              </a:buClr>
-              <a:buSzPts val="1400"/>
-              <a:buNone/>
-              <a:defRPr sz="1400">
-                <a:solidFill>
-                  <a:schemeClr val="dk1"/>
-                </a:solidFill>
-              </a:defRPr>
-            </a:lvl9pPr>
-          </a:lstStyle>
-          <a:p>
-            <a:endParaRPr/>
-          </a:p>
-        </p:txBody>
-      </p:sp>
-      <p:sp>
-        <p:nvSpPr>
-          <p:cNvPr id="27" name="Google Shape;27;p5"/>
-          <p:cNvSpPr txBox="1">
-            <a:spLocks noGrp="1"/>
-          </p:cNvSpPr>
-          <p:nvPr>
-            <p:ph type="subTitle" idx="4"/>
-          </p:nvPr>
-        </p:nvSpPr>
-        <p:spPr>
-          <a:xfrm>
-            <a:off x="1921300" y="2876175"/>
-            <a:ext cx="2190000" cy="410100"/>
-          </a:xfrm>
-          <a:prstGeom prst="rect">
-            <a:avLst/>
-          </a:prstGeom>
-        </p:spPr>
-        <p:txBody>
-          <a:bodyPr spcFirstLastPara="1" wrap="square" lIns="91425" tIns="91425" rIns="91425" bIns="91425" anchor="b" anchorCtr="0">
-            <a:noAutofit/>
-          </a:bodyPr>
-          <a:lstStyle>
-            <a:lvl1pPr lvl="0" algn="ctr" rtl="0">
-              <a:spcBef>
-                <a:spcPts val="0"/>
-              </a:spcBef>
-              <a:spcAft>
-                <a:spcPts val="0"/>
-              </a:spcAft>
-              <a:buClr>
-                <a:schemeClr val="dk1"/>
-              </a:buClr>
-              <a:buSzPts val="2500"/>
-              <a:buFont typeface="Delius Swash Caps"/>
-              <a:buNone/>
-              <a:defRPr sz="2300">
-                <a:latin typeface="Electrolize"/>
-                <a:ea typeface="Electrolize"/>
-                <a:cs typeface="Electrolize"/>
-                <a:sym typeface="Electrolize"/>
-              </a:defRPr>
-            </a:lvl1pPr>
-            <a:lvl2pPr lvl="1" rtl="0">
-              <a:spcBef>
-                <a:spcPts val="0"/>
-              </a:spcBef>
-              <a:spcAft>
-                <a:spcPts val="0"/>
-              </a:spcAft>
-              <a:buClr>
-                <a:schemeClr val="dk1"/>
-              </a:buClr>
-              <a:buSzPts val="2500"/>
-              <a:buFont typeface="Delius Swash Caps"/>
-              <a:buNone/>
-              <a:defRPr sz="2500">
-                <a:solidFill>
-                  <a:schemeClr val="dk1"/>
-                </a:solidFill>
-                <a:latin typeface="Delius Swash Caps"/>
-                <a:ea typeface="Delius Swash Caps"/>
-                <a:cs typeface="Delius Swash Caps"/>
-                <a:sym typeface="Delius Swash Caps"/>
-              </a:defRPr>
-            </a:lvl2pPr>
-            <a:lvl3pPr lvl="2" rtl="0">
-              <a:spcBef>
-                <a:spcPts val="1600"/>
-              </a:spcBef>
-              <a:spcAft>
-                <a:spcPts val="0"/>
-              </a:spcAft>
-              <a:buClr>
-                <a:schemeClr val="dk1"/>
-              </a:buClr>
-              <a:buSzPts val="2500"/>
-              <a:buFont typeface="Delius Swash Caps"/>
-              <a:buNone/>
-              <a:defRPr sz="2500">
-                <a:solidFill>
-                  <a:schemeClr val="dk1"/>
-                </a:solidFill>
-                <a:latin typeface="Delius Swash Caps"/>
-                <a:ea typeface="Delius Swash Caps"/>
-                <a:cs typeface="Delius Swash Caps"/>
-                <a:sym typeface="Delius Swash Caps"/>
-              </a:defRPr>
-            </a:lvl3pPr>
-            <a:lvl4pPr lvl="3" rtl="0">
-              <a:spcBef>
-                <a:spcPts val="1600"/>
-              </a:spcBef>
-              <a:spcAft>
-                <a:spcPts val="0"/>
-              </a:spcAft>
-              <a:buClr>
-                <a:schemeClr val="dk1"/>
-              </a:buClr>
-              <a:buSzPts val="2500"/>
-              <a:buFont typeface="Delius Swash Caps"/>
-              <a:buNone/>
-              <a:defRPr sz="2500">
-                <a:solidFill>
-                  <a:schemeClr val="dk1"/>
-                </a:solidFill>
-                <a:latin typeface="Delius Swash Caps"/>
-                <a:ea typeface="Delius Swash Caps"/>
-                <a:cs typeface="Delius Swash Caps"/>
-                <a:sym typeface="Delius Swash Caps"/>
-              </a:defRPr>
-            </a:lvl4pPr>
-            <a:lvl5pPr lvl="4" rtl="0">
-              <a:spcBef>
-                <a:spcPts val="1600"/>
-              </a:spcBef>
-              <a:spcAft>
-                <a:spcPts val="0"/>
-              </a:spcAft>
-              <a:buClr>
-                <a:schemeClr val="dk1"/>
-              </a:buClr>
-              <a:buSzPts val="2500"/>
-              <a:buFont typeface="Delius Swash Caps"/>
-              <a:buNone/>
-              <a:defRPr sz="2500">
-                <a:solidFill>
-                  <a:schemeClr val="dk1"/>
-                </a:solidFill>
-                <a:latin typeface="Delius Swash Caps"/>
-                <a:ea typeface="Delius Swash Caps"/>
-                <a:cs typeface="Delius Swash Caps"/>
-                <a:sym typeface="Delius Swash Caps"/>
-              </a:defRPr>
-            </a:lvl5pPr>
-            <a:lvl6pPr lvl="5" rtl="0">
-              <a:spcBef>
-                <a:spcPts val="1600"/>
-              </a:spcBef>
-              <a:spcAft>
-                <a:spcPts val="0"/>
-              </a:spcAft>
-              <a:buClr>
-                <a:schemeClr val="dk1"/>
-              </a:buClr>
-              <a:buSzPts val="2500"/>
-              <a:buFont typeface="Delius Swash Caps"/>
-              <a:buNone/>
-              <a:defRPr sz="2500">
-                <a:solidFill>
-                  <a:schemeClr val="dk1"/>
-                </a:solidFill>
-                <a:latin typeface="Delius Swash Caps"/>
-                <a:ea typeface="Delius Swash Caps"/>
-                <a:cs typeface="Delius Swash Caps"/>
-                <a:sym typeface="Delius Swash Caps"/>
-              </a:defRPr>
-            </a:lvl6pPr>
-            <a:lvl7pPr lvl="6" rtl="0">
-              <a:spcBef>
-                <a:spcPts val="1600"/>
-              </a:spcBef>
-              <a:spcAft>
-                <a:spcPts val="0"/>
-              </a:spcAft>
-              <a:buClr>
-                <a:schemeClr val="dk1"/>
-              </a:buClr>
-              <a:buSzPts val="2500"/>
-              <a:buFont typeface="Delius Swash Caps"/>
-              <a:buNone/>
-              <a:defRPr sz="2500">
-                <a:solidFill>
-                  <a:schemeClr val="dk1"/>
-                </a:solidFill>
-                <a:latin typeface="Delius Swash Caps"/>
-                <a:ea typeface="Delius Swash Caps"/>
-                <a:cs typeface="Delius Swash Caps"/>
-                <a:sym typeface="Delius Swash Caps"/>
-              </a:defRPr>
-            </a:lvl7pPr>
-            <a:lvl8pPr lvl="7" rtl="0">
-              <a:spcBef>
-                <a:spcPts val="1600"/>
-              </a:spcBef>
-              <a:spcAft>
-                <a:spcPts val="0"/>
-              </a:spcAft>
-              <a:buClr>
-                <a:schemeClr val="dk1"/>
-              </a:buClr>
-              <a:buSzPts val="2500"/>
-              <a:buFont typeface="Delius Swash Caps"/>
-              <a:buNone/>
-              <a:defRPr sz="2500">
-                <a:solidFill>
-                  <a:schemeClr val="dk1"/>
-                </a:solidFill>
-                <a:latin typeface="Delius Swash Caps"/>
-                <a:ea typeface="Delius Swash Caps"/>
-                <a:cs typeface="Delius Swash Caps"/>
-                <a:sym typeface="Delius Swash Caps"/>
-              </a:defRPr>
-            </a:lvl8pPr>
-            <a:lvl9pPr lvl="8" rtl="0">
-              <a:spcBef>
-                <a:spcPts val="1600"/>
-              </a:spcBef>
-              <a:spcAft>
-                <a:spcPts val="1600"/>
-              </a:spcAft>
-              <a:buClr>
-                <a:schemeClr val="dk1"/>
-              </a:buClr>
-              <a:buSzPts val="2500"/>
-              <a:buFont typeface="Delius Swash Caps"/>
-              <a:buNone/>
-              <a:defRPr sz="2500">
-                <a:solidFill>
-                  <a:schemeClr val="dk1"/>
-                </a:solidFill>
-                <a:latin typeface="Delius Swash Caps"/>
-                <a:ea typeface="Delius Swash Caps"/>
-                <a:cs typeface="Delius Swash Caps"/>
-                <a:sym typeface="Delius Swash Caps"/>
-              </a:defRPr>
-            </a:lvl9pPr>
-          </a:lstStyle>
-          <a:p>
-            <a:endParaRPr/>
-          </a:p>
-        </p:txBody>
-      </p:sp>
-      <p:sp>
-        <p:nvSpPr>
-          <p:cNvPr id="28" name="Google Shape;28;p5"/>
-          <p:cNvSpPr txBox="1">
-            <a:spLocks noGrp="1"/>
-          </p:cNvSpPr>
-          <p:nvPr>
-            <p:ph type="title"/>
-          </p:nvPr>
-        </p:nvSpPr>
-        <p:spPr>
-          <a:xfrm>
-            <a:off x="720000" y="521225"/>
-            <a:ext cx="7704000" cy="572700"/>
-          </a:xfrm>
-          <a:prstGeom prst="rect">
-            <a:avLst/>
-          </a:prstGeom>
-        </p:spPr>
-        <p:txBody>
-          <a:bodyPr spcFirstLastPara="1" wrap="square" lIns="91425" tIns="91425" rIns="91425" bIns="91425" anchor="t" anchorCtr="0">
-            <a:noAutofit/>
-          </a:bodyPr>
-          <a:lstStyle>
-            <a:lvl1pPr lvl="0" rtl="0">
-              <a:spcBef>
-                <a:spcPts val="0"/>
-              </a:spcBef>
-              <a:spcAft>
-                <a:spcPts val="0"/>
-              </a:spcAft>
-              <a:buSzPts val="3500"/>
-              <a:buNone/>
-              <a:defRPr/>
-            </a:lvl1pPr>
-            <a:lvl2pPr lvl="1" rtl="0">
-              <a:spcBef>
-                <a:spcPts val="0"/>
-              </a:spcBef>
-              <a:spcAft>
-                <a:spcPts val="0"/>
-              </a:spcAft>
-              <a:buSzPts val="3500"/>
-              <a:buNone/>
-              <a:defRPr/>
-            </a:lvl2pPr>
-            <a:lvl3pPr lvl="2" rtl="0">
-              <a:spcBef>
-                <a:spcPts val="0"/>
-              </a:spcBef>
-              <a:spcAft>
-                <a:spcPts val="0"/>
-              </a:spcAft>
-              <a:buSzPts val="3500"/>
-              <a:buNone/>
-              <a:defRPr/>
-            </a:lvl3pPr>
-            <a:lvl4pPr lvl="3" rtl="0">
-              <a:spcBef>
-                <a:spcPts val="0"/>
-              </a:spcBef>
-              <a:spcAft>
-                <a:spcPts val="0"/>
-              </a:spcAft>
-              <a:buSzPts val="3500"/>
-              <a:buNone/>
-              <a:defRPr/>
-            </a:lvl4pPr>
-            <a:lvl5pPr lvl="4" rtl="0">
-              <a:spcBef>
-                <a:spcPts val="0"/>
-              </a:spcBef>
-              <a:spcAft>
-                <a:spcPts val="0"/>
-              </a:spcAft>
-              <a:buSzPts val="3500"/>
-              <a:buNone/>
-              <a:defRPr/>
-            </a:lvl5pPr>
-            <a:lvl6pPr lvl="5" rtl="0">
-              <a:spcBef>
-                <a:spcPts val="0"/>
-              </a:spcBef>
-              <a:spcAft>
-                <a:spcPts val="0"/>
-              </a:spcAft>
-              <a:buSzPts val="3500"/>
-              <a:buNone/>
-              <a:defRPr/>
-            </a:lvl6pPr>
-            <a:lvl7pPr lvl="6" rtl="0">
-              <a:spcBef>
-                <a:spcPts val="0"/>
-              </a:spcBef>
-              <a:spcAft>
-                <a:spcPts val="0"/>
-              </a:spcAft>
-              <a:buSzPts val="3500"/>
-              <a:buNone/>
-              <a:defRPr/>
-            </a:lvl7pPr>
-            <a:lvl8pPr lvl="7" rtl="0">
-              <a:spcBef>
-                <a:spcPts val="0"/>
-              </a:spcBef>
-              <a:spcAft>
-                <a:spcPts val="0"/>
-              </a:spcAft>
-              <a:buSzPts val="3500"/>
-              <a:buNone/>
-              <a:defRPr/>
-            </a:lvl8pPr>
-            <a:lvl9pPr lvl="8" rtl="0">
-              <a:spcBef>
-                <a:spcPts val="0"/>
-              </a:spcBef>
-              <a:spcAft>
-                <a:spcPts val="0"/>
-              </a:spcAft>
-              <a:buSzPts val="3500"/>
-              <a:buNone/>
-              <a:defRPr/>
-            </a:lvl9pPr>
-          </a:lstStyle>
-          <a:p>
-            <a:endParaRPr/>
-          </a:p>
-        </p:txBody>
-      </p:sp>
-    </p:spTree>
-  </p:cSld>
-  <p:clrMapOvr>
-    <a:masterClrMapping/>
-  </p:clrMapOvr>
-</p:sldLayout>
-</file>
-
-<file path=ppt/slideLayouts/slideLayout4.xml><?xml version="1.0" encoding="utf-8"?>
-<p:sldLayout xmlns:a="http://schemas.openxmlformats.org/drawingml/2006/main" xmlns:r="http://schemas.openxmlformats.org/officeDocument/2006/relationships" xmlns:p="http://schemas.openxmlformats.org/presentationml/2006/main" matchingName="One column text">
-  <p:cSld name="ONE_COLUMN_TEXT">
-    <p:spTree>
-      <p:nvGrpSpPr>
-        <p:cNvPr id="1" name="Shape 32"/>
-        <p:cNvGrpSpPr/>
-        <p:nvPr/>
-      </p:nvGrpSpPr>
-      <p:grpSpPr>
-        <a:xfrm>
-          <a:off x="0" y="0"/>
-          <a:ext cx="0" cy="0"/>
-          <a:chOff x="0" y="0"/>
-          <a:chExt cx="0" cy="0"/>
-        </a:xfrm>
-      </p:grpSpPr>
-      <p:pic>
-        <p:nvPicPr>
-          <p:cNvPr id="33" name="Google Shape;33;p7"/>
-          <p:cNvPicPr preferRelativeResize="0"/>
-          <p:nvPr/>
-        </p:nvPicPr>
-        <p:blipFill>
-          <a:blip r:embed="rId2">
-            <a:alphaModFix/>
-          </a:blip>
-          <a:stretch>
-            <a:fillRect/>
-          </a:stretch>
-        </p:blipFill>
-        <p:spPr>
-          <a:xfrm>
-            <a:off x="0" y="0"/>
-            <a:ext cx="9144000" cy="5143500"/>
-          </a:xfrm>
-          <a:prstGeom prst="rect">
-            <a:avLst/>
-          </a:prstGeom>
-          <a:noFill/>
-          <a:ln>
-            <a:noFill/>
-          </a:ln>
-        </p:spPr>
-      </p:pic>
-      <p:sp>
-        <p:nvSpPr>
-          <p:cNvPr id="34" name="Google Shape;34;p7"/>
-          <p:cNvSpPr txBox="1">
-            <a:spLocks noGrp="1"/>
-          </p:cNvSpPr>
-          <p:nvPr>
-            <p:ph type="body" idx="1"/>
-          </p:nvPr>
-        </p:nvSpPr>
-        <p:spPr>
-          <a:xfrm>
-            <a:off x="2215050" y="1531850"/>
-            <a:ext cx="4713900" cy="2519700"/>
-          </a:xfrm>
-          <a:prstGeom prst="rect">
-            <a:avLst/>
-          </a:prstGeom>
-        </p:spPr>
-        <p:txBody>
-          <a:bodyPr spcFirstLastPara="1" wrap="square" lIns="91425" tIns="91425" rIns="91425" bIns="91425" anchor="t" anchorCtr="0">
-            <a:noAutofit/>
-          </a:bodyPr>
-          <a:lstStyle>
-            <a:lvl1pPr marL="457200" lvl="0" indent="-317500" rtl="0">
-              <a:lnSpc>
-                <a:spcPct val="100000"/>
-              </a:lnSpc>
-              <a:spcBef>
-                <a:spcPts val="0"/>
-              </a:spcBef>
-              <a:spcAft>
-                <a:spcPts val="0"/>
-              </a:spcAft>
-              <a:buSzPts val="1400"/>
-              <a:buFont typeface="Montserrat"/>
-              <a:buChar char="●"/>
-              <a:defRPr sz="1400"/>
-            </a:lvl1pPr>
-            <a:lvl2pPr marL="914400" lvl="1" indent="-317500" rtl="0">
-              <a:lnSpc>
-                <a:spcPct val="100000"/>
-              </a:lnSpc>
-              <a:spcBef>
-                <a:spcPts val="1600"/>
-              </a:spcBef>
-              <a:spcAft>
-                <a:spcPts val="0"/>
-              </a:spcAft>
-              <a:buSzPts val="1400"/>
-              <a:buFont typeface="Montserrat"/>
-              <a:buChar char="○"/>
-              <a:defRPr sz="1400"/>
-            </a:lvl2pPr>
-            <a:lvl3pPr marL="1371600" lvl="2" indent="-317500" rtl="0">
-              <a:spcBef>
-                <a:spcPts val="1600"/>
-              </a:spcBef>
-              <a:spcAft>
-                <a:spcPts val="0"/>
-              </a:spcAft>
-              <a:buSzPts val="1400"/>
-              <a:buFont typeface="Montserrat"/>
-              <a:buChar char="■"/>
-              <a:defRPr sz="1400"/>
-            </a:lvl3pPr>
-            <a:lvl4pPr marL="1828800" lvl="3" indent="-317500" rtl="0">
-              <a:spcBef>
-                <a:spcPts val="1600"/>
-              </a:spcBef>
-              <a:spcAft>
-                <a:spcPts val="0"/>
-              </a:spcAft>
-              <a:buSzPts val="1400"/>
-              <a:buFont typeface="Montserrat"/>
-              <a:buChar char="●"/>
-              <a:defRPr sz="1400"/>
-            </a:lvl4pPr>
-            <a:lvl5pPr marL="2286000" lvl="4" indent="-317500" rtl="0">
-              <a:spcBef>
-                <a:spcPts val="1600"/>
-              </a:spcBef>
-              <a:spcAft>
-                <a:spcPts val="0"/>
-              </a:spcAft>
-              <a:buSzPts val="1400"/>
-              <a:buFont typeface="Montserrat"/>
-              <a:buChar char="○"/>
-              <a:defRPr sz="1400"/>
-            </a:lvl5pPr>
-            <a:lvl6pPr marL="2743200" lvl="5" indent="-317500" rtl="0">
-              <a:spcBef>
-                <a:spcPts val="1600"/>
-              </a:spcBef>
-              <a:spcAft>
-                <a:spcPts val="0"/>
-              </a:spcAft>
-              <a:buSzPts val="1400"/>
-              <a:buFont typeface="Montserrat"/>
-              <a:buChar char="■"/>
-              <a:defRPr sz="1400"/>
-            </a:lvl6pPr>
-            <a:lvl7pPr marL="3200400" lvl="6" indent="-317500" rtl="0">
-              <a:spcBef>
-                <a:spcPts val="1600"/>
-              </a:spcBef>
-              <a:spcAft>
-                <a:spcPts val="0"/>
-              </a:spcAft>
-              <a:buSzPts val="1400"/>
-              <a:buFont typeface="Montserrat"/>
-              <a:buChar char="●"/>
-              <a:defRPr sz="1400"/>
-            </a:lvl7pPr>
-            <a:lvl8pPr marL="3657600" lvl="7" indent="-317500" rtl="0">
-              <a:spcBef>
-                <a:spcPts val="1600"/>
-              </a:spcBef>
-              <a:spcAft>
-                <a:spcPts val="0"/>
-              </a:spcAft>
-              <a:buSzPts val="1400"/>
-              <a:buFont typeface="Montserrat"/>
-              <a:buChar char="○"/>
-              <a:defRPr sz="1400"/>
-            </a:lvl8pPr>
-            <a:lvl9pPr marL="4114800" lvl="8" indent="-317500" rtl="0">
-              <a:spcBef>
-                <a:spcPts val="1600"/>
-              </a:spcBef>
-              <a:spcAft>
-                <a:spcPts val="1600"/>
-              </a:spcAft>
-              <a:buSzPts val="1400"/>
-              <a:buFont typeface="Montserrat"/>
-              <a:buChar char="■"/>
-              <a:defRPr sz="1400"/>
-            </a:lvl9pPr>
-          </a:lstStyle>
-          <a:p>
-            <a:endParaRPr/>
-          </a:p>
-        </p:txBody>
-      </p:sp>
-      <p:sp>
-        <p:nvSpPr>
-          <p:cNvPr id="35" name="Google Shape;35;p7"/>
-          <p:cNvSpPr txBox="1">
-            <a:spLocks noGrp="1"/>
-          </p:cNvSpPr>
-          <p:nvPr>
-            <p:ph type="title"/>
-          </p:nvPr>
-        </p:nvSpPr>
-        <p:spPr>
-          <a:xfrm>
-            <a:off x="720000" y="521225"/>
-            <a:ext cx="7704000" cy="572700"/>
-          </a:xfrm>
-          <a:prstGeom prst="rect">
-            <a:avLst/>
-          </a:prstGeom>
-        </p:spPr>
-        <p:txBody>
-          <a:bodyPr spcFirstLastPara="1" wrap="square" lIns="91425" tIns="91425" rIns="91425" bIns="91425" anchor="t" anchorCtr="0">
-            <a:noAutofit/>
-          </a:bodyPr>
-          <a:lstStyle>
-            <a:lvl1pPr lvl="0" rtl="0">
-              <a:spcBef>
-                <a:spcPts val="0"/>
-              </a:spcBef>
-              <a:spcAft>
-                <a:spcPts val="0"/>
-              </a:spcAft>
-              <a:buSzPts val="3500"/>
-              <a:buNone/>
-              <a:defRPr/>
-            </a:lvl1pPr>
-            <a:lvl2pPr lvl="1" rtl="0">
-              <a:spcBef>
-                <a:spcPts val="0"/>
-              </a:spcBef>
-              <a:spcAft>
-                <a:spcPts val="0"/>
-              </a:spcAft>
-              <a:buSzPts val="3500"/>
-              <a:buNone/>
-              <a:defRPr/>
-            </a:lvl2pPr>
-            <a:lvl3pPr lvl="2" rtl="0">
-              <a:spcBef>
-                <a:spcPts val="0"/>
-              </a:spcBef>
-              <a:spcAft>
-                <a:spcPts val="0"/>
-              </a:spcAft>
-              <a:buSzPts val="3500"/>
-              <a:buNone/>
-              <a:defRPr/>
-            </a:lvl3pPr>
-            <a:lvl4pPr lvl="3" rtl="0">
-              <a:spcBef>
-                <a:spcPts val="0"/>
-              </a:spcBef>
-              <a:spcAft>
-                <a:spcPts val="0"/>
-              </a:spcAft>
-              <a:buSzPts val="3500"/>
-              <a:buNone/>
-              <a:defRPr/>
-            </a:lvl4pPr>
-            <a:lvl5pPr lvl="4" rtl="0">
-              <a:spcBef>
-                <a:spcPts val="0"/>
-              </a:spcBef>
-              <a:spcAft>
-                <a:spcPts val="0"/>
-              </a:spcAft>
-              <a:buSzPts val="3500"/>
-              <a:buNone/>
-              <a:defRPr/>
-            </a:lvl5pPr>
-            <a:lvl6pPr lvl="5" rtl="0">
-              <a:spcBef>
-                <a:spcPts val="0"/>
-              </a:spcBef>
-              <a:spcAft>
-                <a:spcPts val="0"/>
-              </a:spcAft>
-              <a:buSzPts val="3500"/>
-              <a:buNone/>
-              <a:defRPr/>
-            </a:lvl6pPr>
-            <a:lvl7pPr lvl="6" rtl="0">
-              <a:spcBef>
-                <a:spcPts val="0"/>
-              </a:spcBef>
-              <a:spcAft>
-                <a:spcPts val="0"/>
-              </a:spcAft>
-              <a:buSzPts val="3500"/>
-              <a:buNone/>
-              <a:defRPr/>
-            </a:lvl7pPr>
-            <a:lvl8pPr lvl="7" rtl="0">
-              <a:spcBef>
-                <a:spcPts val="0"/>
-              </a:spcBef>
-              <a:spcAft>
-                <a:spcPts val="0"/>
-              </a:spcAft>
-              <a:buSzPts val="3500"/>
-              <a:buNone/>
-              <a:defRPr/>
-            </a:lvl8pPr>
-            <a:lvl9pPr lvl="8" rtl="0">
-              <a:spcBef>
-                <a:spcPts val="0"/>
-              </a:spcBef>
-              <a:spcAft>
-                <a:spcPts val="0"/>
-              </a:spcAft>
-              <a:buSzPts val="3500"/>
-              <a:buNone/>
-              <a:defRPr/>
-            </a:lvl9pPr>
-          </a:lstStyle>
-          <a:p>
-            <a:endParaRPr/>
-          </a:p>
-        </p:txBody>
-      </p:sp>
-    </p:spTree>
-  </p:cSld>
-  <p:clrMapOvr>
-    <a:masterClrMapping/>
-  </p:clrMapOvr>
-</p:sldLayout>
-</file>
-
-<file path=ppt/slideLayouts/slideLayout5.xml><?xml version="1.0" encoding="utf-8"?>
 <p:sldLayout xmlns:a="http://schemas.openxmlformats.org/drawingml/2006/main" xmlns:r="http://schemas.openxmlformats.org/officeDocument/2006/relationships" xmlns:p="http://schemas.openxmlformats.org/presentationml/2006/main" matchingName="Blank" type="blank">
   <p:cSld name="BLANK">
     <p:spTree>
@@ -4989,7 +2613,7 @@
 </p:sldLayout>
 </file>
 
-<file path=ppt/slideLayouts/slideLayout6.xml><?xml version="1.0" encoding="utf-8"?>
+<file path=ppt/slideLayouts/slideLayout4.xml><?xml version="1.0" encoding="utf-8"?>
 <p:sldLayout xmlns:a="http://schemas.openxmlformats.org/drawingml/2006/main" xmlns:r="http://schemas.openxmlformats.org/officeDocument/2006/relationships" xmlns:p="http://schemas.openxmlformats.org/presentationml/2006/main" matchingName="Table of contents">
   <p:cSld name="BLANK_1_2">
     <p:spTree>
@@ -6833,7 +4457,7 @@
 </p:sldLayout>
 </file>
 
-<file path=ppt/slideLayouts/slideLayout7.xml><?xml version="1.0" encoding="utf-8"?>
+<file path=ppt/slideLayouts/slideLayout5.xml><?xml version="1.0" encoding="utf-8"?>
 <p:sldLayout xmlns:a="http://schemas.openxmlformats.org/drawingml/2006/main" xmlns:r="http://schemas.openxmlformats.org/officeDocument/2006/relationships" xmlns:p="http://schemas.openxmlformats.org/presentationml/2006/main" matchingName="Title and text 1">
   <p:cSld name="CUSTOM_9_1_1_1_1">
     <p:spTree>
@@ -7171,1469 +4795,7 @@
 </p:sldLayout>
 </file>
 
-<file path=ppt/slideLayouts/slideLayout8.xml><?xml version="1.0" encoding="utf-8"?>
-<p:sldLayout xmlns:a="http://schemas.openxmlformats.org/drawingml/2006/main" xmlns:r="http://schemas.openxmlformats.org/officeDocument/2006/relationships" xmlns:p="http://schemas.openxmlformats.org/presentationml/2006/main" matchingName="Title and three columns">
-  <p:cSld name="BLANK_1_1_1_2">
-    <p:spTree>
-      <p:nvGrpSpPr>
-        <p:cNvPr id="1" name="Shape 109"/>
-        <p:cNvGrpSpPr/>
-        <p:nvPr/>
-      </p:nvGrpSpPr>
-      <p:grpSpPr>
-        <a:xfrm>
-          <a:off x="0" y="0"/>
-          <a:ext cx="0" cy="0"/>
-          <a:chOff x="0" y="0"/>
-          <a:chExt cx="0" cy="0"/>
-        </a:xfrm>
-      </p:grpSpPr>
-      <p:pic>
-        <p:nvPicPr>
-          <p:cNvPr id="110" name="Google Shape;110;p25"/>
-          <p:cNvPicPr preferRelativeResize="0"/>
-          <p:nvPr/>
-        </p:nvPicPr>
-        <p:blipFill rotWithShape="1">
-          <a:blip r:embed="rId2">
-            <a:alphaModFix/>
-          </a:blip>
-          <a:srcRect l="5891" t="6362" r="6833" b="6362"/>
-          <a:stretch/>
-        </p:blipFill>
-        <p:spPr>
-          <a:xfrm>
-            <a:off x="0" y="0"/>
-            <a:ext cx="9144000" cy="5143500"/>
-          </a:xfrm>
-          <a:prstGeom prst="rect">
-            <a:avLst/>
-          </a:prstGeom>
-          <a:noFill/>
-          <a:ln>
-            <a:noFill/>
-          </a:ln>
-        </p:spPr>
-      </p:pic>
-      <p:sp>
-        <p:nvSpPr>
-          <p:cNvPr id="111" name="Google Shape;111;p25"/>
-          <p:cNvSpPr txBox="1">
-            <a:spLocks noGrp="1"/>
-          </p:cNvSpPr>
-          <p:nvPr>
-            <p:ph type="subTitle" idx="1"/>
-          </p:nvPr>
-        </p:nvSpPr>
-        <p:spPr>
-          <a:xfrm>
-            <a:off x="720000" y="2764950"/>
-            <a:ext cx="2336400" cy="412800"/>
-          </a:xfrm>
-          <a:prstGeom prst="rect">
-            <a:avLst/>
-          </a:prstGeom>
-          <a:ln>
-            <a:noFill/>
-          </a:ln>
-        </p:spPr>
-        <p:txBody>
-          <a:bodyPr spcFirstLastPara="1" wrap="square" lIns="91425" tIns="91425" rIns="91425" bIns="91425" anchor="b" anchorCtr="0">
-            <a:noAutofit/>
-          </a:bodyPr>
-          <a:lstStyle>
-            <a:lvl1pPr lvl="0" algn="ctr" rtl="0">
-              <a:lnSpc>
-                <a:spcPct val="100000"/>
-              </a:lnSpc>
-              <a:spcBef>
-                <a:spcPts val="0"/>
-              </a:spcBef>
-              <a:spcAft>
-                <a:spcPts val="0"/>
-              </a:spcAft>
-              <a:buClr>
-                <a:schemeClr val="dk1"/>
-              </a:buClr>
-              <a:buSzPts val="2400"/>
-              <a:buFont typeface="Bebas Neue"/>
-              <a:buNone/>
-              <a:defRPr sz="2300">
-                <a:solidFill>
-                  <a:schemeClr val="dk1"/>
-                </a:solidFill>
-                <a:latin typeface="Electrolize"/>
-                <a:ea typeface="Electrolize"/>
-                <a:cs typeface="Electrolize"/>
-                <a:sym typeface="Electrolize"/>
-              </a:defRPr>
-            </a:lvl1pPr>
-            <a:lvl2pPr lvl="1" algn="ctr" rtl="0">
-              <a:lnSpc>
-                <a:spcPct val="100000"/>
-              </a:lnSpc>
-              <a:spcBef>
-                <a:spcPts val="0"/>
-              </a:spcBef>
-              <a:spcAft>
-                <a:spcPts val="0"/>
-              </a:spcAft>
-              <a:buClr>
-                <a:schemeClr val="dk1"/>
-              </a:buClr>
-              <a:buSzPts val="2400"/>
-              <a:buFont typeface="Bebas Neue"/>
-              <a:buNone/>
-              <a:defRPr sz="2400">
-                <a:solidFill>
-                  <a:schemeClr val="dk1"/>
-                </a:solidFill>
-                <a:latin typeface="Bebas Neue"/>
-                <a:ea typeface="Bebas Neue"/>
-                <a:cs typeface="Bebas Neue"/>
-                <a:sym typeface="Bebas Neue"/>
-              </a:defRPr>
-            </a:lvl2pPr>
-            <a:lvl3pPr lvl="2" algn="ctr" rtl="0">
-              <a:lnSpc>
-                <a:spcPct val="100000"/>
-              </a:lnSpc>
-              <a:spcBef>
-                <a:spcPts val="0"/>
-              </a:spcBef>
-              <a:spcAft>
-                <a:spcPts val="0"/>
-              </a:spcAft>
-              <a:buClr>
-                <a:schemeClr val="dk1"/>
-              </a:buClr>
-              <a:buSzPts val="2400"/>
-              <a:buFont typeface="Bebas Neue"/>
-              <a:buNone/>
-              <a:defRPr sz="2400">
-                <a:solidFill>
-                  <a:schemeClr val="dk1"/>
-                </a:solidFill>
-                <a:latin typeface="Bebas Neue"/>
-                <a:ea typeface="Bebas Neue"/>
-                <a:cs typeface="Bebas Neue"/>
-                <a:sym typeface="Bebas Neue"/>
-              </a:defRPr>
-            </a:lvl3pPr>
-            <a:lvl4pPr lvl="3" algn="ctr" rtl="0">
-              <a:lnSpc>
-                <a:spcPct val="100000"/>
-              </a:lnSpc>
-              <a:spcBef>
-                <a:spcPts val="0"/>
-              </a:spcBef>
-              <a:spcAft>
-                <a:spcPts val="0"/>
-              </a:spcAft>
-              <a:buClr>
-                <a:schemeClr val="dk1"/>
-              </a:buClr>
-              <a:buSzPts val="2400"/>
-              <a:buFont typeface="Bebas Neue"/>
-              <a:buNone/>
-              <a:defRPr sz="2400">
-                <a:solidFill>
-                  <a:schemeClr val="dk1"/>
-                </a:solidFill>
-                <a:latin typeface="Bebas Neue"/>
-                <a:ea typeface="Bebas Neue"/>
-                <a:cs typeface="Bebas Neue"/>
-                <a:sym typeface="Bebas Neue"/>
-              </a:defRPr>
-            </a:lvl4pPr>
-            <a:lvl5pPr lvl="4" algn="ctr" rtl="0">
-              <a:lnSpc>
-                <a:spcPct val="100000"/>
-              </a:lnSpc>
-              <a:spcBef>
-                <a:spcPts val="0"/>
-              </a:spcBef>
-              <a:spcAft>
-                <a:spcPts val="0"/>
-              </a:spcAft>
-              <a:buClr>
-                <a:schemeClr val="dk1"/>
-              </a:buClr>
-              <a:buSzPts val="2400"/>
-              <a:buFont typeface="Bebas Neue"/>
-              <a:buNone/>
-              <a:defRPr sz="2400">
-                <a:solidFill>
-                  <a:schemeClr val="dk1"/>
-                </a:solidFill>
-                <a:latin typeface="Bebas Neue"/>
-                <a:ea typeface="Bebas Neue"/>
-                <a:cs typeface="Bebas Neue"/>
-                <a:sym typeface="Bebas Neue"/>
-              </a:defRPr>
-            </a:lvl5pPr>
-            <a:lvl6pPr lvl="5" algn="ctr" rtl="0">
-              <a:lnSpc>
-                <a:spcPct val="100000"/>
-              </a:lnSpc>
-              <a:spcBef>
-                <a:spcPts val="0"/>
-              </a:spcBef>
-              <a:spcAft>
-                <a:spcPts val="0"/>
-              </a:spcAft>
-              <a:buClr>
-                <a:schemeClr val="dk1"/>
-              </a:buClr>
-              <a:buSzPts val="2400"/>
-              <a:buFont typeface="Bebas Neue"/>
-              <a:buNone/>
-              <a:defRPr sz="2400">
-                <a:solidFill>
-                  <a:schemeClr val="dk1"/>
-                </a:solidFill>
-                <a:latin typeface="Bebas Neue"/>
-                <a:ea typeface="Bebas Neue"/>
-                <a:cs typeface="Bebas Neue"/>
-                <a:sym typeface="Bebas Neue"/>
-              </a:defRPr>
-            </a:lvl6pPr>
-            <a:lvl7pPr lvl="6" algn="ctr" rtl="0">
-              <a:lnSpc>
-                <a:spcPct val="100000"/>
-              </a:lnSpc>
-              <a:spcBef>
-                <a:spcPts val="0"/>
-              </a:spcBef>
-              <a:spcAft>
-                <a:spcPts val="0"/>
-              </a:spcAft>
-              <a:buClr>
-                <a:schemeClr val="dk1"/>
-              </a:buClr>
-              <a:buSzPts val="2400"/>
-              <a:buFont typeface="Bebas Neue"/>
-              <a:buNone/>
-              <a:defRPr sz="2400">
-                <a:solidFill>
-                  <a:schemeClr val="dk1"/>
-                </a:solidFill>
-                <a:latin typeface="Bebas Neue"/>
-                <a:ea typeface="Bebas Neue"/>
-                <a:cs typeface="Bebas Neue"/>
-                <a:sym typeface="Bebas Neue"/>
-              </a:defRPr>
-            </a:lvl7pPr>
-            <a:lvl8pPr lvl="7" algn="ctr" rtl="0">
-              <a:lnSpc>
-                <a:spcPct val="100000"/>
-              </a:lnSpc>
-              <a:spcBef>
-                <a:spcPts val="0"/>
-              </a:spcBef>
-              <a:spcAft>
-                <a:spcPts val="0"/>
-              </a:spcAft>
-              <a:buClr>
-                <a:schemeClr val="dk1"/>
-              </a:buClr>
-              <a:buSzPts val="2400"/>
-              <a:buFont typeface="Bebas Neue"/>
-              <a:buNone/>
-              <a:defRPr sz="2400">
-                <a:solidFill>
-                  <a:schemeClr val="dk1"/>
-                </a:solidFill>
-                <a:latin typeface="Bebas Neue"/>
-                <a:ea typeface="Bebas Neue"/>
-                <a:cs typeface="Bebas Neue"/>
-                <a:sym typeface="Bebas Neue"/>
-              </a:defRPr>
-            </a:lvl8pPr>
-            <a:lvl9pPr lvl="8" algn="ctr" rtl="0">
-              <a:lnSpc>
-                <a:spcPct val="100000"/>
-              </a:lnSpc>
-              <a:spcBef>
-                <a:spcPts val="0"/>
-              </a:spcBef>
-              <a:spcAft>
-                <a:spcPts val="0"/>
-              </a:spcAft>
-              <a:buClr>
-                <a:schemeClr val="dk1"/>
-              </a:buClr>
-              <a:buSzPts val="2400"/>
-              <a:buFont typeface="Bebas Neue"/>
-              <a:buNone/>
-              <a:defRPr sz="2400">
-                <a:solidFill>
-                  <a:schemeClr val="dk1"/>
-                </a:solidFill>
-                <a:latin typeface="Bebas Neue"/>
-                <a:ea typeface="Bebas Neue"/>
-                <a:cs typeface="Bebas Neue"/>
-                <a:sym typeface="Bebas Neue"/>
-              </a:defRPr>
-            </a:lvl9pPr>
-          </a:lstStyle>
-          <a:p>
-            <a:endParaRPr/>
-          </a:p>
-        </p:txBody>
-      </p:sp>
-      <p:sp>
-        <p:nvSpPr>
-          <p:cNvPr id="112" name="Google Shape;112;p25"/>
-          <p:cNvSpPr txBox="1">
-            <a:spLocks noGrp="1"/>
-          </p:cNvSpPr>
-          <p:nvPr>
-            <p:ph type="subTitle" idx="2"/>
-          </p:nvPr>
-        </p:nvSpPr>
-        <p:spPr>
-          <a:xfrm>
-            <a:off x="720000" y="3086058"/>
-            <a:ext cx="2336400" cy="799800"/>
-          </a:xfrm>
-          <a:prstGeom prst="rect">
-            <a:avLst/>
-          </a:prstGeom>
-        </p:spPr>
-        <p:txBody>
-          <a:bodyPr spcFirstLastPara="1" wrap="square" lIns="91425" tIns="91425" rIns="91425" bIns="91425" anchor="t" anchorCtr="0">
-            <a:noAutofit/>
-          </a:bodyPr>
-          <a:lstStyle>
-            <a:lvl1pPr lvl="0" algn="ctr" rtl="0">
-              <a:lnSpc>
-                <a:spcPct val="100000"/>
-              </a:lnSpc>
-              <a:spcBef>
-                <a:spcPts val="0"/>
-              </a:spcBef>
-              <a:spcAft>
-                <a:spcPts val="0"/>
-              </a:spcAft>
-              <a:buSzPts val="1400"/>
-              <a:buNone/>
-              <a:defRPr sz="1400">
-                <a:solidFill>
-                  <a:schemeClr val="dk1"/>
-                </a:solidFill>
-              </a:defRPr>
-            </a:lvl1pPr>
-            <a:lvl2pPr lvl="1" algn="ctr" rtl="0">
-              <a:lnSpc>
-                <a:spcPct val="100000"/>
-              </a:lnSpc>
-              <a:spcBef>
-                <a:spcPts val="0"/>
-              </a:spcBef>
-              <a:spcAft>
-                <a:spcPts val="0"/>
-              </a:spcAft>
-              <a:buSzPts val="1400"/>
-              <a:buNone/>
-              <a:defRPr/>
-            </a:lvl2pPr>
-            <a:lvl3pPr lvl="2" algn="ctr" rtl="0">
-              <a:lnSpc>
-                <a:spcPct val="100000"/>
-              </a:lnSpc>
-              <a:spcBef>
-                <a:spcPts val="0"/>
-              </a:spcBef>
-              <a:spcAft>
-                <a:spcPts val="0"/>
-              </a:spcAft>
-              <a:buSzPts val="1400"/>
-              <a:buNone/>
-              <a:defRPr/>
-            </a:lvl3pPr>
-            <a:lvl4pPr lvl="3" algn="ctr" rtl="0">
-              <a:lnSpc>
-                <a:spcPct val="100000"/>
-              </a:lnSpc>
-              <a:spcBef>
-                <a:spcPts val="0"/>
-              </a:spcBef>
-              <a:spcAft>
-                <a:spcPts val="0"/>
-              </a:spcAft>
-              <a:buSzPts val="1400"/>
-              <a:buNone/>
-              <a:defRPr/>
-            </a:lvl4pPr>
-            <a:lvl5pPr lvl="4" algn="ctr" rtl="0">
-              <a:lnSpc>
-                <a:spcPct val="100000"/>
-              </a:lnSpc>
-              <a:spcBef>
-                <a:spcPts val="0"/>
-              </a:spcBef>
-              <a:spcAft>
-                <a:spcPts val="0"/>
-              </a:spcAft>
-              <a:buSzPts val="1400"/>
-              <a:buNone/>
-              <a:defRPr/>
-            </a:lvl5pPr>
-            <a:lvl6pPr lvl="5" algn="ctr" rtl="0">
-              <a:lnSpc>
-                <a:spcPct val="100000"/>
-              </a:lnSpc>
-              <a:spcBef>
-                <a:spcPts val="0"/>
-              </a:spcBef>
-              <a:spcAft>
-                <a:spcPts val="0"/>
-              </a:spcAft>
-              <a:buSzPts val="1400"/>
-              <a:buNone/>
-              <a:defRPr/>
-            </a:lvl6pPr>
-            <a:lvl7pPr lvl="6" algn="ctr" rtl="0">
-              <a:lnSpc>
-                <a:spcPct val="100000"/>
-              </a:lnSpc>
-              <a:spcBef>
-                <a:spcPts val="0"/>
-              </a:spcBef>
-              <a:spcAft>
-                <a:spcPts val="0"/>
-              </a:spcAft>
-              <a:buSzPts val="1400"/>
-              <a:buNone/>
-              <a:defRPr/>
-            </a:lvl7pPr>
-            <a:lvl8pPr lvl="7" algn="ctr" rtl="0">
-              <a:lnSpc>
-                <a:spcPct val="100000"/>
-              </a:lnSpc>
-              <a:spcBef>
-                <a:spcPts val="0"/>
-              </a:spcBef>
-              <a:spcAft>
-                <a:spcPts val="0"/>
-              </a:spcAft>
-              <a:buSzPts val="1400"/>
-              <a:buNone/>
-              <a:defRPr/>
-            </a:lvl8pPr>
-            <a:lvl9pPr lvl="8" algn="ctr" rtl="0">
-              <a:lnSpc>
-                <a:spcPct val="100000"/>
-              </a:lnSpc>
-              <a:spcBef>
-                <a:spcPts val="0"/>
-              </a:spcBef>
-              <a:spcAft>
-                <a:spcPts val="0"/>
-              </a:spcAft>
-              <a:buSzPts val="1400"/>
-              <a:buNone/>
-              <a:defRPr/>
-            </a:lvl9pPr>
-          </a:lstStyle>
-          <a:p>
-            <a:endParaRPr/>
-          </a:p>
-        </p:txBody>
-      </p:sp>
-      <p:sp>
-        <p:nvSpPr>
-          <p:cNvPr id="113" name="Google Shape;113;p25"/>
-          <p:cNvSpPr txBox="1">
-            <a:spLocks noGrp="1"/>
-          </p:cNvSpPr>
-          <p:nvPr>
-            <p:ph type="subTitle" idx="3"/>
-          </p:nvPr>
-        </p:nvSpPr>
-        <p:spPr>
-          <a:xfrm>
-            <a:off x="3403800" y="3086058"/>
-            <a:ext cx="2336400" cy="799800"/>
-          </a:xfrm>
-          <a:prstGeom prst="rect">
-            <a:avLst/>
-          </a:prstGeom>
-        </p:spPr>
-        <p:txBody>
-          <a:bodyPr spcFirstLastPara="1" wrap="square" lIns="91425" tIns="91425" rIns="91425" bIns="91425" anchor="t" anchorCtr="0">
-            <a:noAutofit/>
-          </a:bodyPr>
-          <a:lstStyle>
-            <a:lvl1pPr lvl="0" algn="ctr" rtl="0">
-              <a:lnSpc>
-                <a:spcPct val="100000"/>
-              </a:lnSpc>
-              <a:spcBef>
-                <a:spcPts val="0"/>
-              </a:spcBef>
-              <a:spcAft>
-                <a:spcPts val="0"/>
-              </a:spcAft>
-              <a:buSzPts val="1400"/>
-              <a:buNone/>
-              <a:defRPr sz="1400">
-                <a:solidFill>
-                  <a:schemeClr val="dk1"/>
-                </a:solidFill>
-              </a:defRPr>
-            </a:lvl1pPr>
-            <a:lvl2pPr lvl="1" algn="ctr" rtl="0">
-              <a:lnSpc>
-                <a:spcPct val="100000"/>
-              </a:lnSpc>
-              <a:spcBef>
-                <a:spcPts val="0"/>
-              </a:spcBef>
-              <a:spcAft>
-                <a:spcPts val="0"/>
-              </a:spcAft>
-              <a:buSzPts val="1400"/>
-              <a:buNone/>
-              <a:defRPr/>
-            </a:lvl2pPr>
-            <a:lvl3pPr lvl="2" algn="ctr" rtl="0">
-              <a:lnSpc>
-                <a:spcPct val="100000"/>
-              </a:lnSpc>
-              <a:spcBef>
-                <a:spcPts val="0"/>
-              </a:spcBef>
-              <a:spcAft>
-                <a:spcPts val="0"/>
-              </a:spcAft>
-              <a:buSzPts val="1400"/>
-              <a:buNone/>
-              <a:defRPr/>
-            </a:lvl3pPr>
-            <a:lvl4pPr lvl="3" algn="ctr" rtl="0">
-              <a:lnSpc>
-                <a:spcPct val="100000"/>
-              </a:lnSpc>
-              <a:spcBef>
-                <a:spcPts val="0"/>
-              </a:spcBef>
-              <a:spcAft>
-                <a:spcPts val="0"/>
-              </a:spcAft>
-              <a:buSzPts val="1400"/>
-              <a:buNone/>
-              <a:defRPr/>
-            </a:lvl4pPr>
-            <a:lvl5pPr lvl="4" algn="ctr" rtl="0">
-              <a:lnSpc>
-                <a:spcPct val="100000"/>
-              </a:lnSpc>
-              <a:spcBef>
-                <a:spcPts val="0"/>
-              </a:spcBef>
-              <a:spcAft>
-                <a:spcPts val="0"/>
-              </a:spcAft>
-              <a:buSzPts val="1400"/>
-              <a:buNone/>
-              <a:defRPr/>
-            </a:lvl5pPr>
-            <a:lvl6pPr lvl="5" algn="ctr" rtl="0">
-              <a:lnSpc>
-                <a:spcPct val="100000"/>
-              </a:lnSpc>
-              <a:spcBef>
-                <a:spcPts val="0"/>
-              </a:spcBef>
-              <a:spcAft>
-                <a:spcPts val="0"/>
-              </a:spcAft>
-              <a:buSzPts val="1400"/>
-              <a:buNone/>
-              <a:defRPr/>
-            </a:lvl6pPr>
-            <a:lvl7pPr lvl="6" algn="ctr" rtl="0">
-              <a:lnSpc>
-                <a:spcPct val="100000"/>
-              </a:lnSpc>
-              <a:spcBef>
-                <a:spcPts val="0"/>
-              </a:spcBef>
-              <a:spcAft>
-                <a:spcPts val="0"/>
-              </a:spcAft>
-              <a:buSzPts val="1400"/>
-              <a:buNone/>
-              <a:defRPr/>
-            </a:lvl7pPr>
-            <a:lvl8pPr lvl="7" algn="ctr" rtl="0">
-              <a:lnSpc>
-                <a:spcPct val="100000"/>
-              </a:lnSpc>
-              <a:spcBef>
-                <a:spcPts val="0"/>
-              </a:spcBef>
-              <a:spcAft>
-                <a:spcPts val="0"/>
-              </a:spcAft>
-              <a:buSzPts val="1400"/>
-              <a:buNone/>
-              <a:defRPr/>
-            </a:lvl8pPr>
-            <a:lvl9pPr lvl="8" algn="ctr" rtl="0">
-              <a:lnSpc>
-                <a:spcPct val="100000"/>
-              </a:lnSpc>
-              <a:spcBef>
-                <a:spcPts val="0"/>
-              </a:spcBef>
-              <a:spcAft>
-                <a:spcPts val="0"/>
-              </a:spcAft>
-              <a:buSzPts val="1400"/>
-              <a:buNone/>
-              <a:defRPr/>
-            </a:lvl9pPr>
-          </a:lstStyle>
-          <a:p>
-            <a:endParaRPr/>
-          </a:p>
-        </p:txBody>
-      </p:sp>
-      <p:sp>
-        <p:nvSpPr>
-          <p:cNvPr id="114" name="Google Shape;114;p25"/>
-          <p:cNvSpPr txBox="1">
-            <a:spLocks noGrp="1"/>
-          </p:cNvSpPr>
-          <p:nvPr>
-            <p:ph type="subTitle" idx="4"/>
-          </p:nvPr>
-        </p:nvSpPr>
-        <p:spPr>
-          <a:xfrm>
-            <a:off x="6087600" y="3086058"/>
-            <a:ext cx="2336400" cy="799800"/>
-          </a:xfrm>
-          <a:prstGeom prst="rect">
-            <a:avLst/>
-          </a:prstGeom>
-        </p:spPr>
-        <p:txBody>
-          <a:bodyPr spcFirstLastPara="1" wrap="square" lIns="91425" tIns="91425" rIns="91425" bIns="91425" anchor="t" anchorCtr="0">
-            <a:noAutofit/>
-          </a:bodyPr>
-          <a:lstStyle>
-            <a:lvl1pPr lvl="0" algn="ctr" rtl="0">
-              <a:lnSpc>
-                <a:spcPct val="100000"/>
-              </a:lnSpc>
-              <a:spcBef>
-                <a:spcPts val="0"/>
-              </a:spcBef>
-              <a:spcAft>
-                <a:spcPts val="0"/>
-              </a:spcAft>
-              <a:buSzPts val="1400"/>
-              <a:buNone/>
-              <a:defRPr sz="1400">
-                <a:solidFill>
-                  <a:schemeClr val="dk1"/>
-                </a:solidFill>
-              </a:defRPr>
-            </a:lvl1pPr>
-            <a:lvl2pPr lvl="1" algn="ctr" rtl="0">
-              <a:lnSpc>
-                <a:spcPct val="100000"/>
-              </a:lnSpc>
-              <a:spcBef>
-                <a:spcPts val="0"/>
-              </a:spcBef>
-              <a:spcAft>
-                <a:spcPts val="0"/>
-              </a:spcAft>
-              <a:buSzPts val="1400"/>
-              <a:buNone/>
-              <a:defRPr/>
-            </a:lvl2pPr>
-            <a:lvl3pPr lvl="2" algn="ctr" rtl="0">
-              <a:lnSpc>
-                <a:spcPct val="100000"/>
-              </a:lnSpc>
-              <a:spcBef>
-                <a:spcPts val="0"/>
-              </a:spcBef>
-              <a:spcAft>
-                <a:spcPts val="0"/>
-              </a:spcAft>
-              <a:buSzPts val="1400"/>
-              <a:buNone/>
-              <a:defRPr/>
-            </a:lvl3pPr>
-            <a:lvl4pPr lvl="3" algn="ctr" rtl="0">
-              <a:lnSpc>
-                <a:spcPct val="100000"/>
-              </a:lnSpc>
-              <a:spcBef>
-                <a:spcPts val="0"/>
-              </a:spcBef>
-              <a:spcAft>
-                <a:spcPts val="0"/>
-              </a:spcAft>
-              <a:buSzPts val="1400"/>
-              <a:buNone/>
-              <a:defRPr/>
-            </a:lvl4pPr>
-            <a:lvl5pPr lvl="4" algn="ctr" rtl="0">
-              <a:lnSpc>
-                <a:spcPct val="100000"/>
-              </a:lnSpc>
-              <a:spcBef>
-                <a:spcPts val="0"/>
-              </a:spcBef>
-              <a:spcAft>
-                <a:spcPts val="0"/>
-              </a:spcAft>
-              <a:buSzPts val="1400"/>
-              <a:buNone/>
-              <a:defRPr/>
-            </a:lvl5pPr>
-            <a:lvl6pPr lvl="5" algn="ctr" rtl="0">
-              <a:lnSpc>
-                <a:spcPct val="100000"/>
-              </a:lnSpc>
-              <a:spcBef>
-                <a:spcPts val="0"/>
-              </a:spcBef>
-              <a:spcAft>
-                <a:spcPts val="0"/>
-              </a:spcAft>
-              <a:buSzPts val="1400"/>
-              <a:buNone/>
-              <a:defRPr/>
-            </a:lvl6pPr>
-            <a:lvl7pPr lvl="6" algn="ctr" rtl="0">
-              <a:lnSpc>
-                <a:spcPct val="100000"/>
-              </a:lnSpc>
-              <a:spcBef>
-                <a:spcPts val="0"/>
-              </a:spcBef>
-              <a:spcAft>
-                <a:spcPts val="0"/>
-              </a:spcAft>
-              <a:buSzPts val="1400"/>
-              <a:buNone/>
-              <a:defRPr/>
-            </a:lvl7pPr>
-            <a:lvl8pPr lvl="7" algn="ctr" rtl="0">
-              <a:lnSpc>
-                <a:spcPct val="100000"/>
-              </a:lnSpc>
-              <a:spcBef>
-                <a:spcPts val="0"/>
-              </a:spcBef>
-              <a:spcAft>
-                <a:spcPts val="0"/>
-              </a:spcAft>
-              <a:buSzPts val="1400"/>
-              <a:buNone/>
-              <a:defRPr/>
-            </a:lvl8pPr>
-            <a:lvl9pPr lvl="8" algn="ctr" rtl="0">
-              <a:lnSpc>
-                <a:spcPct val="100000"/>
-              </a:lnSpc>
-              <a:spcBef>
-                <a:spcPts val="0"/>
-              </a:spcBef>
-              <a:spcAft>
-                <a:spcPts val="0"/>
-              </a:spcAft>
-              <a:buSzPts val="1400"/>
-              <a:buNone/>
-              <a:defRPr/>
-            </a:lvl9pPr>
-          </a:lstStyle>
-          <a:p>
-            <a:endParaRPr/>
-          </a:p>
-        </p:txBody>
-      </p:sp>
-      <p:sp>
-        <p:nvSpPr>
-          <p:cNvPr id="115" name="Google Shape;115;p25"/>
-          <p:cNvSpPr txBox="1">
-            <a:spLocks noGrp="1"/>
-          </p:cNvSpPr>
-          <p:nvPr>
-            <p:ph type="subTitle" idx="5"/>
-          </p:nvPr>
-        </p:nvSpPr>
-        <p:spPr>
-          <a:xfrm>
-            <a:off x="3403800" y="2764950"/>
-            <a:ext cx="2336400" cy="412800"/>
-          </a:xfrm>
-          <a:prstGeom prst="rect">
-            <a:avLst/>
-          </a:prstGeom>
-          <a:ln>
-            <a:noFill/>
-          </a:ln>
-        </p:spPr>
-        <p:txBody>
-          <a:bodyPr spcFirstLastPara="1" wrap="square" lIns="91425" tIns="91425" rIns="91425" bIns="91425" anchor="b" anchorCtr="0">
-            <a:noAutofit/>
-          </a:bodyPr>
-          <a:lstStyle>
-            <a:lvl1pPr lvl="0" algn="ctr" rtl="0">
-              <a:lnSpc>
-                <a:spcPct val="100000"/>
-              </a:lnSpc>
-              <a:spcBef>
-                <a:spcPts val="0"/>
-              </a:spcBef>
-              <a:spcAft>
-                <a:spcPts val="0"/>
-              </a:spcAft>
-              <a:buClr>
-                <a:schemeClr val="dk1"/>
-              </a:buClr>
-              <a:buSzPts val="2400"/>
-              <a:buFont typeface="Bebas Neue"/>
-              <a:buNone/>
-              <a:defRPr sz="2300">
-                <a:solidFill>
-                  <a:schemeClr val="dk1"/>
-                </a:solidFill>
-                <a:latin typeface="Electrolize"/>
-                <a:ea typeface="Electrolize"/>
-                <a:cs typeface="Electrolize"/>
-                <a:sym typeface="Electrolize"/>
-              </a:defRPr>
-            </a:lvl1pPr>
-            <a:lvl2pPr lvl="1" algn="ctr" rtl="0">
-              <a:lnSpc>
-                <a:spcPct val="100000"/>
-              </a:lnSpc>
-              <a:spcBef>
-                <a:spcPts val="0"/>
-              </a:spcBef>
-              <a:spcAft>
-                <a:spcPts val="0"/>
-              </a:spcAft>
-              <a:buClr>
-                <a:schemeClr val="dk1"/>
-              </a:buClr>
-              <a:buSzPts val="2400"/>
-              <a:buFont typeface="Bebas Neue"/>
-              <a:buNone/>
-              <a:defRPr sz="2400">
-                <a:solidFill>
-                  <a:schemeClr val="dk1"/>
-                </a:solidFill>
-                <a:latin typeface="Bebas Neue"/>
-                <a:ea typeface="Bebas Neue"/>
-                <a:cs typeface="Bebas Neue"/>
-                <a:sym typeface="Bebas Neue"/>
-              </a:defRPr>
-            </a:lvl2pPr>
-            <a:lvl3pPr lvl="2" algn="ctr" rtl="0">
-              <a:lnSpc>
-                <a:spcPct val="100000"/>
-              </a:lnSpc>
-              <a:spcBef>
-                <a:spcPts val="0"/>
-              </a:spcBef>
-              <a:spcAft>
-                <a:spcPts val="0"/>
-              </a:spcAft>
-              <a:buClr>
-                <a:schemeClr val="dk1"/>
-              </a:buClr>
-              <a:buSzPts val="2400"/>
-              <a:buFont typeface="Bebas Neue"/>
-              <a:buNone/>
-              <a:defRPr sz="2400">
-                <a:solidFill>
-                  <a:schemeClr val="dk1"/>
-                </a:solidFill>
-                <a:latin typeface="Bebas Neue"/>
-                <a:ea typeface="Bebas Neue"/>
-                <a:cs typeface="Bebas Neue"/>
-                <a:sym typeface="Bebas Neue"/>
-              </a:defRPr>
-            </a:lvl3pPr>
-            <a:lvl4pPr lvl="3" algn="ctr" rtl="0">
-              <a:lnSpc>
-                <a:spcPct val="100000"/>
-              </a:lnSpc>
-              <a:spcBef>
-                <a:spcPts val="0"/>
-              </a:spcBef>
-              <a:spcAft>
-                <a:spcPts val="0"/>
-              </a:spcAft>
-              <a:buClr>
-                <a:schemeClr val="dk1"/>
-              </a:buClr>
-              <a:buSzPts val="2400"/>
-              <a:buFont typeface="Bebas Neue"/>
-              <a:buNone/>
-              <a:defRPr sz="2400">
-                <a:solidFill>
-                  <a:schemeClr val="dk1"/>
-                </a:solidFill>
-                <a:latin typeface="Bebas Neue"/>
-                <a:ea typeface="Bebas Neue"/>
-                <a:cs typeface="Bebas Neue"/>
-                <a:sym typeface="Bebas Neue"/>
-              </a:defRPr>
-            </a:lvl4pPr>
-            <a:lvl5pPr lvl="4" algn="ctr" rtl="0">
-              <a:lnSpc>
-                <a:spcPct val="100000"/>
-              </a:lnSpc>
-              <a:spcBef>
-                <a:spcPts val="0"/>
-              </a:spcBef>
-              <a:spcAft>
-                <a:spcPts val="0"/>
-              </a:spcAft>
-              <a:buClr>
-                <a:schemeClr val="dk1"/>
-              </a:buClr>
-              <a:buSzPts val="2400"/>
-              <a:buFont typeface="Bebas Neue"/>
-              <a:buNone/>
-              <a:defRPr sz="2400">
-                <a:solidFill>
-                  <a:schemeClr val="dk1"/>
-                </a:solidFill>
-                <a:latin typeface="Bebas Neue"/>
-                <a:ea typeface="Bebas Neue"/>
-                <a:cs typeface="Bebas Neue"/>
-                <a:sym typeface="Bebas Neue"/>
-              </a:defRPr>
-            </a:lvl5pPr>
-            <a:lvl6pPr lvl="5" algn="ctr" rtl="0">
-              <a:lnSpc>
-                <a:spcPct val="100000"/>
-              </a:lnSpc>
-              <a:spcBef>
-                <a:spcPts val="0"/>
-              </a:spcBef>
-              <a:spcAft>
-                <a:spcPts val="0"/>
-              </a:spcAft>
-              <a:buClr>
-                <a:schemeClr val="dk1"/>
-              </a:buClr>
-              <a:buSzPts val="2400"/>
-              <a:buFont typeface="Bebas Neue"/>
-              <a:buNone/>
-              <a:defRPr sz="2400">
-                <a:solidFill>
-                  <a:schemeClr val="dk1"/>
-                </a:solidFill>
-                <a:latin typeface="Bebas Neue"/>
-                <a:ea typeface="Bebas Neue"/>
-                <a:cs typeface="Bebas Neue"/>
-                <a:sym typeface="Bebas Neue"/>
-              </a:defRPr>
-            </a:lvl6pPr>
-            <a:lvl7pPr lvl="6" algn="ctr" rtl="0">
-              <a:lnSpc>
-                <a:spcPct val="100000"/>
-              </a:lnSpc>
-              <a:spcBef>
-                <a:spcPts val="0"/>
-              </a:spcBef>
-              <a:spcAft>
-                <a:spcPts val="0"/>
-              </a:spcAft>
-              <a:buClr>
-                <a:schemeClr val="dk1"/>
-              </a:buClr>
-              <a:buSzPts val="2400"/>
-              <a:buFont typeface="Bebas Neue"/>
-              <a:buNone/>
-              <a:defRPr sz="2400">
-                <a:solidFill>
-                  <a:schemeClr val="dk1"/>
-                </a:solidFill>
-                <a:latin typeface="Bebas Neue"/>
-                <a:ea typeface="Bebas Neue"/>
-                <a:cs typeface="Bebas Neue"/>
-                <a:sym typeface="Bebas Neue"/>
-              </a:defRPr>
-            </a:lvl7pPr>
-            <a:lvl8pPr lvl="7" algn="ctr" rtl="0">
-              <a:lnSpc>
-                <a:spcPct val="100000"/>
-              </a:lnSpc>
-              <a:spcBef>
-                <a:spcPts val="0"/>
-              </a:spcBef>
-              <a:spcAft>
-                <a:spcPts val="0"/>
-              </a:spcAft>
-              <a:buClr>
-                <a:schemeClr val="dk1"/>
-              </a:buClr>
-              <a:buSzPts val="2400"/>
-              <a:buFont typeface="Bebas Neue"/>
-              <a:buNone/>
-              <a:defRPr sz="2400">
-                <a:solidFill>
-                  <a:schemeClr val="dk1"/>
-                </a:solidFill>
-                <a:latin typeface="Bebas Neue"/>
-                <a:ea typeface="Bebas Neue"/>
-                <a:cs typeface="Bebas Neue"/>
-                <a:sym typeface="Bebas Neue"/>
-              </a:defRPr>
-            </a:lvl8pPr>
-            <a:lvl9pPr lvl="8" algn="ctr" rtl="0">
-              <a:lnSpc>
-                <a:spcPct val="100000"/>
-              </a:lnSpc>
-              <a:spcBef>
-                <a:spcPts val="0"/>
-              </a:spcBef>
-              <a:spcAft>
-                <a:spcPts val="0"/>
-              </a:spcAft>
-              <a:buClr>
-                <a:schemeClr val="dk1"/>
-              </a:buClr>
-              <a:buSzPts val="2400"/>
-              <a:buFont typeface="Bebas Neue"/>
-              <a:buNone/>
-              <a:defRPr sz="2400">
-                <a:solidFill>
-                  <a:schemeClr val="dk1"/>
-                </a:solidFill>
-                <a:latin typeface="Bebas Neue"/>
-                <a:ea typeface="Bebas Neue"/>
-                <a:cs typeface="Bebas Neue"/>
-                <a:sym typeface="Bebas Neue"/>
-              </a:defRPr>
-            </a:lvl9pPr>
-          </a:lstStyle>
-          <a:p>
-            <a:endParaRPr/>
-          </a:p>
-        </p:txBody>
-      </p:sp>
-      <p:sp>
-        <p:nvSpPr>
-          <p:cNvPr id="116" name="Google Shape;116;p25"/>
-          <p:cNvSpPr txBox="1">
-            <a:spLocks noGrp="1"/>
-          </p:cNvSpPr>
-          <p:nvPr>
-            <p:ph type="subTitle" idx="6"/>
-          </p:nvPr>
-        </p:nvSpPr>
-        <p:spPr>
-          <a:xfrm>
-            <a:off x="6087600" y="2764950"/>
-            <a:ext cx="2336400" cy="412800"/>
-          </a:xfrm>
-          <a:prstGeom prst="rect">
-            <a:avLst/>
-          </a:prstGeom>
-          <a:ln>
-            <a:noFill/>
-          </a:ln>
-        </p:spPr>
-        <p:txBody>
-          <a:bodyPr spcFirstLastPara="1" wrap="square" lIns="91425" tIns="91425" rIns="91425" bIns="91425" anchor="b" anchorCtr="0">
-            <a:noAutofit/>
-          </a:bodyPr>
-          <a:lstStyle>
-            <a:lvl1pPr lvl="0" algn="ctr" rtl="0">
-              <a:lnSpc>
-                <a:spcPct val="100000"/>
-              </a:lnSpc>
-              <a:spcBef>
-                <a:spcPts val="0"/>
-              </a:spcBef>
-              <a:spcAft>
-                <a:spcPts val="0"/>
-              </a:spcAft>
-              <a:buClr>
-                <a:schemeClr val="dk1"/>
-              </a:buClr>
-              <a:buSzPts val="2400"/>
-              <a:buFont typeface="Bebas Neue"/>
-              <a:buNone/>
-              <a:defRPr sz="2300">
-                <a:solidFill>
-                  <a:schemeClr val="dk1"/>
-                </a:solidFill>
-                <a:latin typeface="Electrolize"/>
-                <a:ea typeface="Electrolize"/>
-                <a:cs typeface="Electrolize"/>
-                <a:sym typeface="Electrolize"/>
-              </a:defRPr>
-            </a:lvl1pPr>
-            <a:lvl2pPr lvl="1" algn="ctr" rtl="0">
-              <a:lnSpc>
-                <a:spcPct val="100000"/>
-              </a:lnSpc>
-              <a:spcBef>
-                <a:spcPts val="0"/>
-              </a:spcBef>
-              <a:spcAft>
-                <a:spcPts val="0"/>
-              </a:spcAft>
-              <a:buClr>
-                <a:schemeClr val="dk1"/>
-              </a:buClr>
-              <a:buSzPts val="2400"/>
-              <a:buFont typeface="Bebas Neue"/>
-              <a:buNone/>
-              <a:defRPr sz="2400">
-                <a:solidFill>
-                  <a:schemeClr val="dk1"/>
-                </a:solidFill>
-                <a:latin typeface="Bebas Neue"/>
-                <a:ea typeface="Bebas Neue"/>
-                <a:cs typeface="Bebas Neue"/>
-                <a:sym typeface="Bebas Neue"/>
-              </a:defRPr>
-            </a:lvl2pPr>
-            <a:lvl3pPr lvl="2" algn="ctr" rtl="0">
-              <a:lnSpc>
-                <a:spcPct val="100000"/>
-              </a:lnSpc>
-              <a:spcBef>
-                <a:spcPts val="0"/>
-              </a:spcBef>
-              <a:spcAft>
-                <a:spcPts val="0"/>
-              </a:spcAft>
-              <a:buClr>
-                <a:schemeClr val="dk1"/>
-              </a:buClr>
-              <a:buSzPts val="2400"/>
-              <a:buFont typeface="Bebas Neue"/>
-              <a:buNone/>
-              <a:defRPr sz="2400">
-                <a:solidFill>
-                  <a:schemeClr val="dk1"/>
-                </a:solidFill>
-                <a:latin typeface="Bebas Neue"/>
-                <a:ea typeface="Bebas Neue"/>
-                <a:cs typeface="Bebas Neue"/>
-                <a:sym typeface="Bebas Neue"/>
-              </a:defRPr>
-            </a:lvl3pPr>
-            <a:lvl4pPr lvl="3" algn="ctr" rtl="0">
-              <a:lnSpc>
-                <a:spcPct val="100000"/>
-              </a:lnSpc>
-              <a:spcBef>
-                <a:spcPts val="0"/>
-              </a:spcBef>
-              <a:spcAft>
-                <a:spcPts val="0"/>
-              </a:spcAft>
-              <a:buClr>
-                <a:schemeClr val="dk1"/>
-              </a:buClr>
-              <a:buSzPts val="2400"/>
-              <a:buFont typeface="Bebas Neue"/>
-              <a:buNone/>
-              <a:defRPr sz="2400">
-                <a:solidFill>
-                  <a:schemeClr val="dk1"/>
-                </a:solidFill>
-                <a:latin typeface="Bebas Neue"/>
-                <a:ea typeface="Bebas Neue"/>
-                <a:cs typeface="Bebas Neue"/>
-                <a:sym typeface="Bebas Neue"/>
-              </a:defRPr>
-            </a:lvl4pPr>
-            <a:lvl5pPr lvl="4" algn="ctr" rtl="0">
-              <a:lnSpc>
-                <a:spcPct val="100000"/>
-              </a:lnSpc>
-              <a:spcBef>
-                <a:spcPts val="0"/>
-              </a:spcBef>
-              <a:spcAft>
-                <a:spcPts val="0"/>
-              </a:spcAft>
-              <a:buClr>
-                <a:schemeClr val="dk1"/>
-              </a:buClr>
-              <a:buSzPts val="2400"/>
-              <a:buFont typeface="Bebas Neue"/>
-              <a:buNone/>
-              <a:defRPr sz="2400">
-                <a:solidFill>
-                  <a:schemeClr val="dk1"/>
-                </a:solidFill>
-                <a:latin typeface="Bebas Neue"/>
-                <a:ea typeface="Bebas Neue"/>
-                <a:cs typeface="Bebas Neue"/>
-                <a:sym typeface="Bebas Neue"/>
-              </a:defRPr>
-            </a:lvl5pPr>
-            <a:lvl6pPr lvl="5" algn="ctr" rtl="0">
-              <a:lnSpc>
-                <a:spcPct val="100000"/>
-              </a:lnSpc>
-              <a:spcBef>
-                <a:spcPts val="0"/>
-              </a:spcBef>
-              <a:spcAft>
-                <a:spcPts val="0"/>
-              </a:spcAft>
-              <a:buClr>
-                <a:schemeClr val="dk1"/>
-              </a:buClr>
-              <a:buSzPts val="2400"/>
-              <a:buFont typeface="Bebas Neue"/>
-              <a:buNone/>
-              <a:defRPr sz="2400">
-                <a:solidFill>
-                  <a:schemeClr val="dk1"/>
-                </a:solidFill>
-                <a:latin typeface="Bebas Neue"/>
-                <a:ea typeface="Bebas Neue"/>
-                <a:cs typeface="Bebas Neue"/>
-                <a:sym typeface="Bebas Neue"/>
-              </a:defRPr>
-            </a:lvl6pPr>
-            <a:lvl7pPr lvl="6" algn="ctr" rtl="0">
-              <a:lnSpc>
-                <a:spcPct val="100000"/>
-              </a:lnSpc>
-              <a:spcBef>
-                <a:spcPts val="0"/>
-              </a:spcBef>
-              <a:spcAft>
-                <a:spcPts val="0"/>
-              </a:spcAft>
-              <a:buClr>
-                <a:schemeClr val="dk1"/>
-              </a:buClr>
-              <a:buSzPts val="2400"/>
-              <a:buFont typeface="Bebas Neue"/>
-              <a:buNone/>
-              <a:defRPr sz="2400">
-                <a:solidFill>
-                  <a:schemeClr val="dk1"/>
-                </a:solidFill>
-                <a:latin typeface="Bebas Neue"/>
-                <a:ea typeface="Bebas Neue"/>
-                <a:cs typeface="Bebas Neue"/>
-                <a:sym typeface="Bebas Neue"/>
-              </a:defRPr>
-            </a:lvl7pPr>
-            <a:lvl8pPr lvl="7" algn="ctr" rtl="0">
-              <a:lnSpc>
-                <a:spcPct val="100000"/>
-              </a:lnSpc>
-              <a:spcBef>
-                <a:spcPts val="0"/>
-              </a:spcBef>
-              <a:spcAft>
-                <a:spcPts val="0"/>
-              </a:spcAft>
-              <a:buClr>
-                <a:schemeClr val="dk1"/>
-              </a:buClr>
-              <a:buSzPts val="2400"/>
-              <a:buFont typeface="Bebas Neue"/>
-              <a:buNone/>
-              <a:defRPr sz="2400">
-                <a:solidFill>
-                  <a:schemeClr val="dk1"/>
-                </a:solidFill>
-                <a:latin typeface="Bebas Neue"/>
-                <a:ea typeface="Bebas Neue"/>
-                <a:cs typeface="Bebas Neue"/>
-                <a:sym typeface="Bebas Neue"/>
-              </a:defRPr>
-            </a:lvl8pPr>
-            <a:lvl9pPr lvl="8" algn="ctr" rtl="0">
-              <a:lnSpc>
-                <a:spcPct val="100000"/>
-              </a:lnSpc>
-              <a:spcBef>
-                <a:spcPts val="0"/>
-              </a:spcBef>
-              <a:spcAft>
-                <a:spcPts val="0"/>
-              </a:spcAft>
-              <a:buClr>
-                <a:schemeClr val="dk1"/>
-              </a:buClr>
-              <a:buSzPts val="2400"/>
-              <a:buFont typeface="Bebas Neue"/>
-              <a:buNone/>
-              <a:defRPr sz="2400">
-                <a:solidFill>
-                  <a:schemeClr val="dk1"/>
-                </a:solidFill>
-                <a:latin typeface="Bebas Neue"/>
-                <a:ea typeface="Bebas Neue"/>
-                <a:cs typeface="Bebas Neue"/>
-                <a:sym typeface="Bebas Neue"/>
-              </a:defRPr>
-            </a:lvl9pPr>
-          </a:lstStyle>
-          <a:p>
-            <a:endParaRPr/>
-          </a:p>
-        </p:txBody>
-      </p:sp>
-      <p:sp>
-        <p:nvSpPr>
-          <p:cNvPr id="117" name="Google Shape;117;p25"/>
-          <p:cNvSpPr txBox="1">
-            <a:spLocks noGrp="1"/>
-          </p:cNvSpPr>
-          <p:nvPr>
-            <p:ph type="title"/>
-          </p:nvPr>
-        </p:nvSpPr>
-        <p:spPr>
-          <a:xfrm>
-            <a:off x="720000" y="521225"/>
-            <a:ext cx="7704000" cy="572700"/>
-          </a:xfrm>
-          <a:prstGeom prst="rect">
-            <a:avLst/>
-          </a:prstGeom>
-        </p:spPr>
-        <p:txBody>
-          <a:bodyPr spcFirstLastPara="1" wrap="square" lIns="91425" tIns="91425" rIns="91425" bIns="91425" anchor="t" anchorCtr="0">
-            <a:noAutofit/>
-          </a:bodyPr>
-          <a:lstStyle>
-            <a:lvl1pPr lvl="0" rtl="0">
-              <a:spcBef>
-                <a:spcPts val="0"/>
-              </a:spcBef>
-              <a:spcAft>
-                <a:spcPts val="0"/>
-              </a:spcAft>
-              <a:buSzPts val="3500"/>
-              <a:buNone/>
-              <a:defRPr/>
-            </a:lvl1pPr>
-            <a:lvl2pPr lvl="1" rtl="0">
-              <a:spcBef>
-                <a:spcPts val="0"/>
-              </a:spcBef>
-              <a:spcAft>
-                <a:spcPts val="0"/>
-              </a:spcAft>
-              <a:buSzPts val="3500"/>
-              <a:buNone/>
-              <a:defRPr/>
-            </a:lvl2pPr>
-            <a:lvl3pPr lvl="2" rtl="0">
-              <a:spcBef>
-                <a:spcPts val="0"/>
-              </a:spcBef>
-              <a:spcAft>
-                <a:spcPts val="0"/>
-              </a:spcAft>
-              <a:buSzPts val="3500"/>
-              <a:buNone/>
-              <a:defRPr/>
-            </a:lvl3pPr>
-            <a:lvl4pPr lvl="3" rtl="0">
-              <a:spcBef>
-                <a:spcPts val="0"/>
-              </a:spcBef>
-              <a:spcAft>
-                <a:spcPts val="0"/>
-              </a:spcAft>
-              <a:buSzPts val="3500"/>
-              <a:buNone/>
-              <a:defRPr/>
-            </a:lvl4pPr>
-            <a:lvl5pPr lvl="4" rtl="0">
-              <a:spcBef>
-                <a:spcPts val="0"/>
-              </a:spcBef>
-              <a:spcAft>
-                <a:spcPts val="0"/>
-              </a:spcAft>
-              <a:buSzPts val="3500"/>
-              <a:buNone/>
-              <a:defRPr/>
-            </a:lvl5pPr>
-            <a:lvl6pPr lvl="5" rtl="0">
-              <a:spcBef>
-                <a:spcPts val="0"/>
-              </a:spcBef>
-              <a:spcAft>
-                <a:spcPts val="0"/>
-              </a:spcAft>
-              <a:buSzPts val="3500"/>
-              <a:buNone/>
-              <a:defRPr/>
-            </a:lvl6pPr>
-            <a:lvl7pPr lvl="6" rtl="0">
-              <a:spcBef>
-                <a:spcPts val="0"/>
-              </a:spcBef>
-              <a:spcAft>
-                <a:spcPts val="0"/>
-              </a:spcAft>
-              <a:buSzPts val="3500"/>
-              <a:buNone/>
-              <a:defRPr/>
-            </a:lvl7pPr>
-            <a:lvl8pPr lvl="7" rtl="0">
-              <a:spcBef>
-                <a:spcPts val="0"/>
-              </a:spcBef>
-              <a:spcAft>
-                <a:spcPts val="0"/>
-              </a:spcAft>
-              <a:buSzPts val="3500"/>
-              <a:buNone/>
-              <a:defRPr/>
-            </a:lvl8pPr>
-            <a:lvl9pPr lvl="8" rtl="0">
-              <a:spcBef>
-                <a:spcPts val="0"/>
-              </a:spcBef>
-              <a:spcAft>
-                <a:spcPts val="0"/>
-              </a:spcAft>
-              <a:buSzPts val="3500"/>
-              <a:buNone/>
-              <a:defRPr/>
-            </a:lvl9pPr>
-          </a:lstStyle>
-          <a:p>
-            <a:endParaRPr/>
-          </a:p>
-        </p:txBody>
-      </p:sp>
-    </p:spTree>
-  </p:cSld>
-  <p:clrMapOvr>
-    <a:masterClrMapping/>
-  </p:clrMapOvr>
-</p:sldLayout>
-</file>
-
-<file path=ppt/slideLayouts/slideLayout9.xml><?xml version="1.0" encoding="utf-8"?>
+<file path=ppt/slideLayouts/slideLayout6.xml><?xml version="1.0" encoding="utf-8"?>
 <p:sldLayout xmlns:a="http://schemas.openxmlformats.org/drawingml/2006/main" xmlns:r="http://schemas.openxmlformats.org/officeDocument/2006/relationships" xmlns:p="http://schemas.openxmlformats.org/presentationml/2006/main" matchingName="Background">
   <p:cSld name="BLANK_1_1_1_1_1_1_1">
     <p:spTree>
@@ -8662,6 +4824,59 @@
           </a:blip>
           <a:srcRect t="7097" r="10722" b="3624"/>
           <a:stretch/>
+        </p:blipFill>
+        <p:spPr>
+          <a:xfrm flipH="1">
+            <a:off x="0" y="0"/>
+            <a:ext cx="9144000" cy="5143500"/>
+          </a:xfrm>
+          <a:prstGeom prst="rect">
+            <a:avLst/>
+          </a:prstGeom>
+          <a:noFill/>
+          <a:ln>
+            <a:noFill/>
+          </a:ln>
+        </p:spPr>
+      </p:pic>
+    </p:spTree>
+  </p:cSld>
+  <p:clrMapOvr>
+    <a:masterClrMapping/>
+  </p:clrMapOvr>
+</p:sldLayout>
+</file>
+
+<file path=ppt/slideLayouts/slideLayout7.xml><?xml version="1.0" encoding="utf-8"?>
+<p:sldLayout xmlns:a="http://schemas.openxmlformats.org/drawingml/2006/main" xmlns:r="http://schemas.openxmlformats.org/officeDocument/2006/relationships" xmlns:p="http://schemas.openxmlformats.org/presentationml/2006/main" matchingName="Background 1">
+  <p:cSld name="BLANK_1_1_1_1_1_1_1_1">
+    <p:spTree>
+      <p:nvGrpSpPr>
+        <p:cNvPr id="1" name="Shape 198"/>
+        <p:cNvGrpSpPr/>
+        <p:nvPr/>
+      </p:nvGrpSpPr>
+      <p:grpSpPr>
+        <a:xfrm>
+          <a:off x="0" y="0"/>
+          <a:ext cx="0" cy="0"/>
+          <a:chOff x="0" y="0"/>
+          <a:chExt cx="0" cy="0"/>
+        </a:xfrm>
+      </p:grpSpPr>
+      <p:pic>
+        <p:nvPicPr>
+          <p:cNvPr id="199" name="Google Shape;199;p35"/>
+          <p:cNvPicPr preferRelativeResize="0"/>
+          <p:nvPr/>
+        </p:nvPicPr>
+        <p:blipFill>
+          <a:blip r:embed="rId2">
+            <a:alphaModFix/>
+          </a:blip>
+          <a:stretch>
+            <a:fillRect/>
+          </a:stretch>
         </p:blipFill>
         <p:spPr>
           <a:xfrm flipH="1">
@@ -9223,14 +5438,11 @@
   <p:sldLayoutIdLst>
     <p:sldLayoutId id="2147483648" r:id="rId1"/>
     <p:sldLayoutId id="2147483649" r:id="rId2"/>
-    <p:sldLayoutId id="2147483651" r:id="rId3"/>
-    <p:sldLayoutId id="2147483653" r:id="rId4"/>
-    <p:sldLayoutId id="2147483658" r:id="rId5"/>
-    <p:sldLayoutId id="2147483659" r:id="rId6"/>
-    <p:sldLayoutId id="2147483666" r:id="rId7"/>
-    <p:sldLayoutId id="2147483671" r:id="rId8"/>
-    <p:sldLayoutId id="2147483680" r:id="rId9"/>
-    <p:sldLayoutId id="2147483681" r:id="rId10"/>
+    <p:sldLayoutId id="2147483658" r:id="rId3"/>
+    <p:sldLayoutId id="2147483659" r:id="rId4"/>
+    <p:sldLayoutId id="2147483666" r:id="rId5"/>
+    <p:sldLayoutId id="2147483680" r:id="rId6"/>
+    <p:sldLayoutId id="2147483681" r:id="rId7"/>
   </p:sldLayoutIdLst>
   <p:hf hdr="0" ftr="0" dt="0"/>
   <p:txStyles>
@@ -10114,1464 +6326,6 @@
 </p:sld>
 </file>
 
-<file path=ppt/slides/slide10.xml><?xml version="1.0" encoding="utf-8"?>
-<p:sld xmlns:a="http://schemas.openxmlformats.org/drawingml/2006/main" xmlns:r="http://schemas.openxmlformats.org/officeDocument/2006/relationships" xmlns:p="http://schemas.openxmlformats.org/presentationml/2006/main">
-  <p:cSld>
-    <p:spTree>
-      <p:nvGrpSpPr>
-        <p:cNvPr id="1" name="Shape 291">
-          <a:extLst>
-            <a:ext uri="{FF2B5EF4-FFF2-40B4-BE49-F238E27FC236}">
-              <a16:creationId xmlns:a16="http://schemas.microsoft.com/office/drawing/2014/main" id="{28C99A6B-43BB-8A5B-2C16-397ED1B1F118}"/>
-            </a:ext>
-          </a:extLst>
-        </p:cNvPr>
-        <p:cNvGrpSpPr/>
-        <p:nvPr/>
-      </p:nvGrpSpPr>
-      <p:grpSpPr>
-        <a:xfrm>
-          <a:off x="0" y="0"/>
-          <a:ext cx="0" cy="0"/>
-          <a:chOff x="0" y="0"/>
-          <a:chExt cx="0" cy="0"/>
-        </a:xfrm>
-      </p:grpSpPr>
-      <p:sp>
-        <p:nvSpPr>
-          <p:cNvPr id="296" name="Google Shape;296;p49">
-            <a:extLst>
-              <a:ext uri="{FF2B5EF4-FFF2-40B4-BE49-F238E27FC236}">
-                <a16:creationId xmlns:a16="http://schemas.microsoft.com/office/drawing/2014/main" id="{211689C7-0323-D91F-DEB6-DEAB1B216DC0}"/>
-              </a:ext>
-            </a:extLst>
-          </p:cNvPr>
-          <p:cNvSpPr txBox="1">
-            <a:spLocks noGrp="1"/>
-          </p:cNvSpPr>
-          <p:nvPr>
-            <p:ph type="title"/>
-          </p:nvPr>
-        </p:nvSpPr>
-        <p:spPr>
-          <a:xfrm>
-            <a:off x="720000" y="521225"/>
-            <a:ext cx="7704000" cy="572700"/>
-          </a:xfrm>
-          <a:prstGeom prst="rect">
-            <a:avLst/>
-          </a:prstGeom>
-        </p:spPr>
-        <p:txBody>
-          <a:bodyPr spcFirstLastPara="1" wrap="square" lIns="91425" tIns="91425" rIns="91425" bIns="91425" anchor="t" anchorCtr="0">
-            <a:noAutofit/>
-          </a:bodyPr>
-          <a:lstStyle/>
-          <a:p>
-            <a:pPr marL="0" lvl="0" indent="0" algn="l" rtl="0">
-              <a:spcBef>
-                <a:spcPts val="0"/>
-              </a:spcBef>
-              <a:spcAft>
-                <a:spcPts val="0"/>
-              </a:spcAft>
-              <a:buNone/>
-            </a:pPr>
-            <a:r>
-              <a:rPr lang="en" b="1" dirty="0">
-                <a:solidFill>
-                  <a:schemeClr val="accent3">
-                    <a:lumMod val="25000"/>
-                  </a:schemeClr>
-                </a:solidFill>
-              </a:rPr>
-              <a:t>REGRET BOUNDS: </a:t>
-            </a:r>
-            <a:r>
-              <a:rPr lang="en" b="1" dirty="0"/>
-              <a:t>with budget</a:t>
-            </a:r>
-            <a:endParaRPr dirty="0"/>
-          </a:p>
-        </p:txBody>
-      </p:sp>
-      <p:pic>
-        <p:nvPicPr>
-          <p:cNvPr id="3" name="Picture 2" descr="A comparison of graphs with numbers and numbers&#10;&#10;AI-generated content may be incorrect.">
-            <a:extLst>
-              <a:ext uri="{FF2B5EF4-FFF2-40B4-BE49-F238E27FC236}">
-                <a16:creationId xmlns:a16="http://schemas.microsoft.com/office/drawing/2014/main" id="{C9029E7A-F040-6A5B-6A4C-70A54CD5119C}"/>
-              </a:ext>
-            </a:extLst>
-          </p:cNvPr>
-          <p:cNvPicPr>
-            <a:picLocks noChangeAspect="1"/>
-          </p:cNvPicPr>
-          <p:nvPr/>
-        </p:nvPicPr>
-        <p:blipFill>
-          <a:blip r:embed="rId3"/>
-          <a:stretch>
-            <a:fillRect/>
-          </a:stretch>
-        </p:blipFill>
-        <p:spPr>
-          <a:xfrm>
-            <a:off x="301336" y="1262775"/>
-            <a:ext cx="8541327" cy="3532195"/>
-          </a:xfrm>
-          <a:prstGeom prst="rect">
-            <a:avLst/>
-          </a:prstGeom>
-        </p:spPr>
-      </p:pic>
-    </p:spTree>
-    <p:extLst>
-      <p:ext uri="{BB962C8B-B14F-4D97-AF65-F5344CB8AC3E}">
-        <p14:creationId xmlns:p14="http://schemas.microsoft.com/office/powerpoint/2010/main" val="3842632474"/>
-      </p:ext>
-    </p:extLst>
-  </p:cSld>
-  <p:clrMapOvr>
-    <a:masterClrMapping/>
-  </p:clrMapOvr>
-</p:sld>
-</file>
-
-<file path=ppt/slides/slide11.xml><?xml version="1.0" encoding="utf-8"?>
-<p:sld xmlns:a="http://schemas.openxmlformats.org/drawingml/2006/main" xmlns:r="http://schemas.openxmlformats.org/officeDocument/2006/relationships" xmlns:p="http://schemas.openxmlformats.org/presentationml/2006/main">
-  <p:cSld>
-    <p:spTree>
-      <p:nvGrpSpPr>
-        <p:cNvPr id="1" name="Shape 249">
-          <a:extLst>
-            <a:ext uri="{FF2B5EF4-FFF2-40B4-BE49-F238E27FC236}">
-              <a16:creationId xmlns:a16="http://schemas.microsoft.com/office/drawing/2014/main" id="{72B3B4AF-7BE2-C3BF-CB0D-A782BA6C104D}"/>
-            </a:ext>
-          </a:extLst>
-        </p:cNvPr>
-        <p:cNvGrpSpPr/>
-        <p:nvPr/>
-      </p:nvGrpSpPr>
-      <p:grpSpPr>
-        <a:xfrm>
-          <a:off x="0" y="0"/>
-          <a:ext cx="0" cy="0"/>
-          <a:chOff x="0" y="0"/>
-          <a:chExt cx="0" cy="0"/>
-        </a:xfrm>
-      </p:grpSpPr>
-      <p:sp>
-        <p:nvSpPr>
-          <p:cNvPr id="250" name="Google Shape;250;p45">
-            <a:extLst>
-              <a:ext uri="{FF2B5EF4-FFF2-40B4-BE49-F238E27FC236}">
-                <a16:creationId xmlns:a16="http://schemas.microsoft.com/office/drawing/2014/main" id="{C02B05CD-1974-FE70-CD51-3CACD638918D}"/>
-              </a:ext>
-            </a:extLst>
-          </p:cNvPr>
-          <p:cNvSpPr txBox="1">
-            <a:spLocks noGrp="1"/>
-          </p:cNvSpPr>
-          <p:nvPr>
-            <p:ph type="title"/>
-          </p:nvPr>
-        </p:nvSpPr>
-        <p:spPr>
-          <a:xfrm>
-            <a:off x="3859250" y="2380050"/>
-            <a:ext cx="4360200" cy="841800"/>
-          </a:xfrm>
-          <a:prstGeom prst="rect">
-            <a:avLst/>
-          </a:prstGeom>
-        </p:spPr>
-        <p:txBody>
-          <a:bodyPr spcFirstLastPara="1" wrap="square" lIns="91425" tIns="91425" rIns="91425" bIns="91425" anchor="b" anchorCtr="0">
-            <a:noAutofit/>
-          </a:bodyPr>
-          <a:lstStyle/>
-          <a:p>
-            <a:pPr lvl="0"/>
-            <a:r>
-              <a:rPr lang="en-US" sz="2800" b="1" dirty="0">
-                <a:solidFill>
-                  <a:schemeClr val="accent3">
-                    <a:lumMod val="25000"/>
-                  </a:schemeClr>
-                </a:solidFill>
-              </a:rPr>
-              <a:t>Multiple products and</a:t>
-            </a:r>
-            <a:br>
-              <a:rPr lang="en-US" sz="2800" b="1" dirty="0">
-                <a:solidFill>
-                  <a:schemeClr val="accent3">
-                    <a:lumMod val="25000"/>
-                  </a:schemeClr>
-                </a:solidFill>
-              </a:rPr>
-            </a:br>
-            <a:r>
-              <a:rPr lang="en-US" sz="2800" b="1" dirty="0">
-                <a:solidFill>
-                  <a:schemeClr val="accent3">
-                    <a:lumMod val="25000"/>
-                  </a:schemeClr>
-                </a:solidFill>
-              </a:rPr>
-              <a:t>Stochastic environment</a:t>
-            </a:r>
-          </a:p>
-        </p:txBody>
-      </p:sp>
-      <p:sp>
-        <p:nvSpPr>
-          <p:cNvPr id="251" name="Google Shape;251;p45">
-            <a:extLst>
-              <a:ext uri="{FF2B5EF4-FFF2-40B4-BE49-F238E27FC236}">
-                <a16:creationId xmlns:a16="http://schemas.microsoft.com/office/drawing/2014/main" id="{8005F1A7-C9DB-A1C9-3156-0FD99EC8A5CB}"/>
-              </a:ext>
-            </a:extLst>
-          </p:cNvPr>
-          <p:cNvSpPr txBox="1">
-            <a:spLocks noGrp="1"/>
-          </p:cNvSpPr>
-          <p:nvPr>
-            <p:ph type="title" idx="2"/>
-          </p:nvPr>
-        </p:nvSpPr>
-        <p:spPr>
-          <a:xfrm>
-            <a:off x="3859250" y="1062325"/>
-            <a:ext cx="4360200" cy="1234500"/>
-          </a:xfrm>
-          <a:prstGeom prst="rect">
-            <a:avLst/>
-          </a:prstGeom>
-        </p:spPr>
-        <p:txBody>
-          <a:bodyPr spcFirstLastPara="1" wrap="square" lIns="91425" tIns="91425" rIns="91425" bIns="91425" anchor="t" anchorCtr="0">
-            <a:noAutofit/>
-          </a:bodyPr>
-          <a:lstStyle/>
-          <a:p>
-            <a:pPr marL="0" lvl="0" indent="0" algn="ctr" rtl="0">
-              <a:spcBef>
-                <a:spcPts val="0"/>
-              </a:spcBef>
-              <a:spcAft>
-                <a:spcPts val="0"/>
-              </a:spcAft>
-              <a:buNone/>
-            </a:pPr>
-            <a:r>
-              <a:rPr lang="en" dirty="0">
-                <a:solidFill>
-                  <a:schemeClr val="accent1">
-                    <a:lumMod val="50000"/>
-                  </a:schemeClr>
-                </a:solidFill>
-              </a:rPr>
-              <a:t>02</a:t>
-            </a:r>
-            <a:endParaRPr dirty="0">
-              <a:solidFill>
-                <a:schemeClr val="accent1">
-                  <a:lumMod val="50000"/>
-                </a:schemeClr>
-              </a:solidFill>
-            </a:endParaRPr>
-          </a:p>
-        </p:txBody>
-      </p:sp>
-      <p:pic>
-        <p:nvPicPr>
-          <p:cNvPr id="253" name="Google Shape;253;p45">
-            <a:extLst>
-              <a:ext uri="{FF2B5EF4-FFF2-40B4-BE49-F238E27FC236}">
-                <a16:creationId xmlns:a16="http://schemas.microsoft.com/office/drawing/2014/main" id="{4F6AE319-BFA4-CAAD-1E82-3B000E090F5C}"/>
-              </a:ext>
-            </a:extLst>
-          </p:cNvPr>
-          <p:cNvPicPr preferRelativeResize="0"/>
-          <p:nvPr/>
-        </p:nvPicPr>
-        <p:blipFill rotWithShape="1">
-          <a:blip r:embed="rId3">
-            <a:alphaModFix/>
-          </a:blip>
-          <a:srcRect l="14335" r="14342"/>
-          <a:stretch/>
-        </p:blipFill>
-        <p:spPr>
-          <a:xfrm>
-            <a:off x="793150" y="348250"/>
-            <a:ext cx="3023699" cy="4260250"/>
-          </a:xfrm>
-          <a:prstGeom prst="rect">
-            <a:avLst/>
-          </a:prstGeom>
-          <a:noFill/>
-          <a:ln>
-            <a:noFill/>
-          </a:ln>
-        </p:spPr>
-      </p:pic>
-    </p:spTree>
-    <p:extLst>
-      <p:ext uri="{BB962C8B-B14F-4D97-AF65-F5344CB8AC3E}">
-        <p14:creationId xmlns:p14="http://schemas.microsoft.com/office/powerpoint/2010/main" val="671471192"/>
-      </p:ext>
-    </p:extLst>
-  </p:cSld>
-  <p:clrMapOvr>
-    <a:masterClrMapping/>
-  </p:clrMapOvr>
-</p:sld>
-</file>
-
-<file path=ppt/slides/slide12.xml><?xml version="1.0" encoding="utf-8"?>
-<p:sld xmlns:a="http://schemas.openxmlformats.org/drawingml/2006/main" xmlns:r="http://schemas.openxmlformats.org/officeDocument/2006/relationships" xmlns:p="http://schemas.openxmlformats.org/presentationml/2006/main">
-  <p:cSld>
-    <p:spTree>
-      <p:nvGrpSpPr>
-        <p:cNvPr id="1" name="Shape 264">
-          <a:extLst>
-            <a:ext uri="{FF2B5EF4-FFF2-40B4-BE49-F238E27FC236}">
-              <a16:creationId xmlns:a16="http://schemas.microsoft.com/office/drawing/2014/main" id="{DFFC6CE0-35A2-09F2-FCCD-1171419408F2}"/>
-            </a:ext>
-          </a:extLst>
-        </p:cNvPr>
-        <p:cNvGrpSpPr/>
-        <p:nvPr/>
-      </p:nvGrpSpPr>
-      <p:grpSpPr>
-        <a:xfrm>
-          <a:off x="0" y="0"/>
-          <a:ext cx="0" cy="0"/>
-          <a:chOff x="0" y="0"/>
-          <a:chExt cx="0" cy="0"/>
-        </a:xfrm>
-      </p:grpSpPr>
-      <p:sp>
-        <p:nvSpPr>
-          <p:cNvPr id="266" name="Google Shape;266;p47">
-            <a:extLst>
-              <a:ext uri="{FF2B5EF4-FFF2-40B4-BE49-F238E27FC236}">
-                <a16:creationId xmlns:a16="http://schemas.microsoft.com/office/drawing/2014/main" id="{DA685C59-3E01-1A89-D06D-197F397065AA}"/>
-              </a:ext>
-            </a:extLst>
-          </p:cNvPr>
-          <p:cNvSpPr txBox="1">
-            <a:spLocks noGrp="1"/>
-          </p:cNvSpPr>
-          <p:nvPr>
-            <p:ph type="title"/>
-          </p:nvPr>
-        </p:nvSpPr>
-        <p:spPr>
-          <a:xfrm>
-            <a:off x="435982" y="521225"/>
-            <a:ext cx="7704000" cy="572700"/>
-          </a:xfrm>
-          <a:prstGeom prst="rect">
-            <a:avLst/>
-          </a:prstGeom>
-        </p:spPr>
-        <p:txBody>
-          <a:bodyPr spcFirstLastPara="1" wrap="square" lIns="91425" tIns="91425" rIns="91425" bIns="91425" anchor="t" anchorCtr="0">
-            <a:noAutofit/>
-          </a:bodyPr>
-          <a:lstStyle/>
-          <a:p>
-            <a:pPr marL="342900" lvl="0" indent="-342900">
-              <a:buFont typeface="Wingdings" panose="05000000000000000000" pitchFamily="2" charset="2"/>
-              <a:buChar char="ü"/>
-            </a:pPr>
-            <a:r>
-              <a:rPr lang="en-US" sz="1800" b="1" dirty="0">
-                <a:solidFill>
-                  <a:schemeClr val="accent3">
-                    <a:lumMod val="25000"/>
-                  </a:schemeClr>
-                </a:solidFill>
-              </a:rPr>
-              <a:t>The buyers are the same adapted for multiple products</a:t>
-            </a:r>
-            <a:endParaRPr sz="1800" b="1" dirty="0">
-              <a:solidFill>
-                <a:schemeClr val="accent3">
-                  <a:lumMod val="25000"/>
-                </a:schemeClr>
-              </a:solidFill>
-            </a:endParaRPr>
-          </a:p>
-        </p:txBody>
-      </p:sp>
-      <p:pic>
-        <p:nvPicPr>
-          <p:cNvPr id="4" name="Picture 3" descr="A computer screen shot of a program&#10;&#10;AI-generated content may be incorrect.">
-            <a:extLst>
-              <a:ext uri="{FF2B5EF4-FFF2-40B4-BE49-F238E27FC236}">
-                <a16:creationId xmlns:a16="http://schemas.microsoft.com/office/drawing/2014/main" id="{6A89C2B2-4ADB-58C2-29BA-2DF130019E05}"/>
-              </a:ext>
-            </a:extLst>
-          </p:cNvPr>
-          <p:cNvPicPr>
-            <a:picLocks noChangeAspect="1"/>
-          </p:cNvPicPr>
-          <p:nvPr/>
-        </p:nvPicPr>
-        <p:blipFill>
-          <a:blip r:embed="rId3"/>
-          <a:stretch>
-            <a:fillRect/>
-          </a:stretch>
-        </p:blipFill>
-        <p:spPr>
-          <a:xfrm>
-            <a:off x="1489901" y="1055975"/>
-            <a:ext cx="4379271" cy="3882597"/>
-          </a:xfrm>
-          <a:prstGeom prst="rect">
-            <a:avLst/>
-          </a:prstGeom>
-        </p:spPr>
-      </p:pic>
-    </p:spTree>
-    <p:extLst>
-      <p:ext uri="{BB962C8B-B14F-4D97-AF65-F5344CB8AC3E}">
-        <p14:creationId xmlns:p14="http://schemas.microsoft.com/office/powerpoint/2010/main" val="2015142544"/>
-      </p:ext>
-    </p:extLst>
-  </p:cSld>
-  <p:clrMapOvr>
-    <a:masterClrMapping/>
-  </p:clrMapOvr>
-</p:sld>
-</file>
-
-<file path=ppt/slides/slide13.xml><?xml version="1.0" encoding="utf-8"?>
-<p:sld xmlns:a="http://schemas.openxmlformats.org/drawingml/2006/main" xmlns:r="http://schemas.openxmlformats.org/officeDocument/2006/relationships" xmlns:p="http://schemas.openxmlformats.org/presentationml/2006/main">
-  <p:cSld>
-    <p:spTree>
-      <p:nvGrpSpPr>
-        <p:cNvPr id="1" name="Shape 264">
-          <a:extLst>
-            <a:ext uri="{FF2B5EF4-FFF2-40B4-BE49-F238E27FC236}">
-              <a16:creationId xmlns:a16="http://schemas.microsoft.com/office/drawing/2014/main" id="{50D71A40-5B08-98BA-2E4E-FABCE52DDB32}"/>
-            </a:ext>
-          </a:extLst>
-        </p:cNvPr>
-        <p:cNvGrpSpPr/>
-        <p:nvPr/>
-      </p:nvGrpSpPr>
-      <p:grpSpPr>
-        <a:xfrm>
-          <a:off x="0" y="0"/>
-          <a:ext cx="0" cy="0"/>
-          <a:chOff x="0" y="0"/>
-          <a:chExt cx="0" cy="0"/>
-        </a:xfrm>
-      </p:grpSpPr>
-      <p:sp>
-        <p:nvSpPr>
-          <p:cNvPr id="5" name="Google Shape;266;p47">
-            <a:extLst>
-              <a:ext uri="{FF2B5EF4-FFF2-40B4-BE49-F238E27FC236}">
-                <a16:creationId xmlns:a16="http://schemas.microsoft.com/office/drawing/2014/main" id="{AB32B1AA-378B-729F-4D9E-367FF7731644}"/>
-              </a:ext>
-            </a:extLst>
-          </p:cNvPr>
-          <p:cNvSpPr txBox="1">
-            <a:spLocks/>
-          </p:cNvSpPr>
-          <p:nvPr/>
-        </p:nvSpPr>
-        <p:spPr>
-          <a:xfrm>
-            <a:off x="402962" y="356229"/>
-            <a:ext cx="7704000" cy="572700"/>
-          </a:xfrm>
-          <a:prstGeom prst="rect">
-            <a:avLst/>
-          </a:prstGeom>
-          <a:noFill/>
-          <a:ln>
-            <a:noFill/>
-          </a:ln>
-        </p:spPr>
-        <p:txBody>
-          <a:bodyPr spcFirstLastPara="1" wrap="square" lIns="91425" tIns="91425" rIns="91425" bIns="91425" anchor="t" anchorCtr="0">
-            <a:noAutofit/>
-          </a:bodyPr>
-          <a:lstStyle>
-            <a:defPPr marR="0" lvl="0" algn="l" rtl="0">
-              <a:lnSpc>
-                <a:spcPct val="100000"/>
-              </a:lnSpc>
-              <a:spcBef>
-                <a:spcPts val="0"/>
-              </a:spcBef>
-              <a:spcAft>
-                <a:spcPts val="0"/>
-              </a:spcAft>
-            </a:defPPr>
-            <a:lvl1pPr marR="0" lvl="0" algn="l" rtl="0">
-              <a:lnSpc>
-                <a:spcPct val="100000"/>
-              </a:lnSpc>
-              <a:spcBef>
-                <a:spcPts val="0"/>
-              </a:spcBef>
-              <a:spcAft>
-                <a:spcPts val="0"/>
-              </a:spcAft>
-              <a:buClr>
-                <a:schemeClr val="dk1"/>
-              </a:buClr>
-              <a:buSzPts val="3500"/>
-              <a:buFont typeface="Electrolize"/>
-              <a:buNone/>
-              <a:defRPr sz="3500" b="0" i="0" u="none" strike="noStrike" cap="none">
-                <a:solidFill>
-                  <a:schemeClr val="dk1"/>
-                </a:solidFill>
-                <a:latin typeface="Electrolize"/>
-                <a:ea typeface="Electrolize"/>
-                <a:cs typeface="Electrolize"/>
-                <a:sym typeface="Electrolize"/>
-              </a:defRPr>
-            </a:lvl1pPr>
-            <a:lvl2pPr marR="0" lvl="1" algn="l" rtl="0">
-              <a:lnSpc>
-                <a:spcPct val="100000"/>
-              </a:lnSpc>
-              <a:spcBef>
-                <a:spcPts val="0"/>
-              </a:spcBef>
-              <a:spcAft>
-                <a:spcPts val="0"/>
-              </a:spcAft>
-              <a:buClr>
-                <a:schemeClr val="dk1"/>
-              </a:buClr>
-              <a:buSzPts val="3500"/>
-              <a:buFont typeface="Electrolize"/>
-              <a:buNone/>
-              <a:defRPr sz="3500" b="0" i="0" u="none" strike="noStrike" cap="none">
-                <a:solidFill>
-                  <a:schemeClr val="dk1"/>
-                </a:solidFill>
-                <a:latin typeface="Electrolize"/>
-                <a:ea typeface="Electrolize"/>
-                <a:cs typeface="Electrolize"/>
-                <a:sym typeface="Electrolize"/>
-              </a:defRPr>
-            </a:lvl2pPr>
-            <a:lvl3pPr marR="0" lvl="2" algn="l" rtl="0">
-              <a:lnSpc>
-                <a:spcPct val="100000"/>
-              </a:lnSpc>
-              <a:spcBef>
-                <a:spcPts val="0"/>
-              </a:spcBef>
-              <a:spcAft>
-                <a:spcPts val="0"/>
-              </a:spcAft>
-              <a:buClr>
-                <a:schemeClr val="dk1"/>
-              </a:buClr>
-              <a:buSzPts val="3500"/>
-              <a:buFont typeface="Electrolize"/>
-              <a:buNone/>
-              <a:defRPr sz="3500" b="0" i="0" u="none" strike="noStrike" cap="none">
-                <a:solidFill>
-                  <a:schemeClr val="dk1"/>
-                </a:solidFill>
-                <a:latin typeface="Electrolize"/>
-                <a:ea typeface="Electrolize"/>
-                <a:cs typeface="Electrolize"/>
-                <a:sym typeface="Electrolize"/>
-              </a:defRPr>
-            </a:lvl3pPr>
-            <a:lvl4pPr marR="0" lvl="3" algn="l" rtl="0">
-              <a:lnSpc>
-                <a:spcPct val="100000"/>
-              </a:lnSpc>
-              <a:spcBef>
-                <a:spcPts val="0"/>
-              </a:spcBef>
-              <a:spcAft>
-                <a:spcPts val="0"/>
-              </a:spcAft>
-              <a:buClr>
-                <a:schemeClr val="dk1"/>
-              </a:buClr>
-              <a:buSzPts val="3500"/>
-              <a:buFont typeface="Electrolize"/>
-              <a:buNone/>
-              <a:defRPr sz="3500" b="0" i="0" u="none" strike="noStrike" cap="none">
-                <a:solidFill>
-                  <a:schemeClr val="dk1"/>
-                </a:solidFill>
-                <a:latin typeface="Electrolize"/>
-                <a:ea typeface="Electrolize"/>
-                <a:cs typeface="Electrolize"/>
-                <a:sym typeface="Electrolize"/>
-              </a:defRPr>
-            </a:lvl4pPr>
-            <a:lvl5pPr marR="0" lvl="4" algn="l" rtl="0">
-              <a:lnSpc>
-                <a:spcPct val="100000"/>
-              </a:lnSpc>
-              <a:spcBef>
-                <a:spcPts val="0"/>
-              </a:spcBef>
-              <a:spcAft>
-                <a:spcPts val="0"/>
-              </a:spcAft>
-              <a:buClr>
-                <a:schemeClr val="dk1"/>
-              </a:buClr>
-              <a:buSzPts val="3500"/>
-              <a:buFont typeface="Electrolize"/>
-              <a:buNone/>
-              <a:defRPr sz="3500" b="0" i="0" u="none" strike="noStrike" cap="none">
-                <a:solidFill>
-                  <a:schemeClr val="dk1"/>
-                </a:solidFill>
-                <a:latin typeface="Electrolize"/>
-                <a:ea typeface="Electrolize"/>
-                <a:cs typeface="Electrolize"/>
-                <a:sym typeface="Electrolize"/>
-              </a:defRPr>
-            </a:lvl5pPr>
-            <a:lvl6pPr marR="0" lvl="5" algn="l" rtl="0">
-              <a:lnSpc>
-                <a:spcPct val="100000"/>
-              </a:lnSpc>
-              <a:spcBef>
-                <a:spcPts val="0"/>
-              </a:spcBef>
-              <a:spcAft>
-                <a:spcPts val="0"/>
-              </a:spcAft>
-              <a:buClr>
-                <a:schemeClr val="dk1"/>
-              </a:buClr>
-              <a:buSzPts val="3500"/>
-              <a:buFont typeface="Electrolize"/>
-              <a:buNone/>
-              <a:defRPr sz="3500" b="0" i="0" u="none" strike="noStrike" cap="none">
-                <a:solidFill>
-                  <a:schemeClr val="dk1"/>
-                </a:solidFill>
-                <a:latin typeface="Electrolize"/>
-                <a:ea typeface="Electrolize"/>
-                <a:cs typeface="Electrolize"/>
-                <a:sym typeface="Electrolize"/>
-              </a:defRPr>
-            </a:lvl6pPr>
-            <a:lvl7pPr marR="0" lvl="6" algn="l" rtl="0">
-              <a:lnSpc>
-                <a:spcPct val="100000"/>
-              </a:lnSpc>
-              <a:spcBef>
-                <a:spcPts val="0"/>
-              </a:spcBef>
-              <a:spcAft>
-                <a:spcPts val="0"/>
-              </a:spcAft>
-              <a:buClr>
-                <a:schemeClr val="dk1"/>
-              </a:buClr>
-              <a:buSzPts val="3500"/>
-              <a:buFont typeface="Electrolize"/>
-              <a:buNone/>
-              <a:defRPr sz="3500" b="0" i="0" u="none" strike="noStrike" cap="none">
-                <a:solidFill>
-                  <a:schemeClr val="dk1"/>
-                </a:solidFill>
-                <a:latin typeface="Electrolize"/>
-                <a:ea typeface="Electrolize"/>
-                <a:cs typeface="Electrolize"/>
-                <a:sym typeface="Electrolize"/>
-              </a:defRPr>
-            </a:lvl7pPr>
-            <a:lvl8pPr marR="0" lvl="7" algn="l" rtl="0">
-              <a:lnSpc>
-                <a:spcPct val="100000"/>
-              </a:lnSpc>
-              <a:spcBef>
-                <a:spcPts val="0"/>
-              </a:spcBef>
-              <a:spcAft>
-                <a:spcPts val="0"/>
-              </a:spcAft>
-              <a:buClr>
-                <a:schemeClr val="dk1"/>
-              </a:buClr>
-              <a:buSzPts val="3500"/>
-              <a:buFont typeface="Electrolize"/>
-              <a:buNone/>
-              <a:defRPr sz="3500" b="0" i="0" u="none" strike="noStrike" cap="none">
-                <a:solidFill>
-                  <a:schemeClr val="dk1"/>
-                </a:solidFill>
-                <a:latin typeface="Electrolize"/>
-                <a:ea typeface="Electrolize"/>
-                <a:cs typeface="Electrolize"/>
-                <a:sym typeface="Electrolize"/>
-              </a:defRPr>
-            </a:lvl8pPr>
-            <a:lvl9pPr marR="0" lvl="8" algn="l" rtl="0">
-              <a:lnSpc>
-                <a:spcPct val="100000"/>
-              </a:lnSpc>
-              <a:spcBef>
-                <a:spcPts val="0"/>
-              </a:spcBef>
-              <a:spcAft>
-                <a:spcPts val="0"/>
-              </a:spcAft>
-              <a:buClr>
-                <a:schemeClr val="dk1"/>
-              </a:buClr>
-              <a:buSzPts val="3500"/>
-              <a:buFont typeface="Electrolize"/>
-              <a:buNone/>
-              <a:defRPr sz="3500" b="0" i="0" u="none" strike="noStrike" cap="none">
-                <a:solidFill>
-                  <a:schemeClr val="dk1"/>
-                </a:solidFill>
-                <a:latin typeface="Electrolize"/>
-                <a:ea typeface="Electrolize"/>
-                <a:cs typeface="Electrolize"/>
-                <a:sym typeface="Electrolize"/>
-              </a:defRPr>
-            </a:lvl9pPr>
-          </a:lstStyle>
-          <a:p>
-            <a:pPr marL="285750" indent="-285750">
-              <a:buFont typeface="Wingdings" panose="05000000000000000000" pitchFamily="2" charset="2"/>
-              <a:buChar char="ü"/>
-            </a:pPr>
-            <a:r>
-              <a:rPr lang="en-US" sz="1800" b="1" dirty="0">
-                <a:solidFill>
-                  <a:schemeClr val="accent3">
-                    <a:lumMod val="25000"/>
-                  </a:schemeClr>
-                </a:solidFill>
-              </a:rPr>
-              <a:t>Build a pricing strategy extending the combinatorial UCB1                                 to handle the budget</a:t>
-            </a:r>
-          </a:p>
-        </p:txBody>
-      </p:sp>
-    </p:spTree>
-    <p:extLst>
-      <p:ext uri="{BB962C8B-B14F-4D97-AF65-F5344CB8AC3E}">
-        <p14:creationId xmlns:p14="http://schemas.microsoft.com/office/powerpoint/2010/main" val="2415143499"/>
-      </p:ext>
-    </p:extLst>
-  </p:cSld>
-  <p:clrMapOvr>
-    <a:masterClrMapping/>
-  </p:clrMapOvr>
-</p:sld>
-</file>
-
-<file path=ppt/slides/slide14.xml><?xml version="1.0" encoding="utf-8"?>
-<p:sld xmlns:a="http://schemas.openxmlformats.org/drawingml/2006/main" xmlns:r="http://schemas.openxmlformats.org/officeDocument/2006/relationships" xmlns:p="http://schemas.openxmlformats.org/presentationml/2006/main">
-  <p:cSld>
-    <p:spTree>
-      <p:nvGrpSpPr>
-        <p:cNvPr id="1" name="Shape 249">
-          <a:extLst>
-            <a:ext uri="{FF2B5EF4-FFF2-40B4-BE49-F238E27FC236}">
-              <a16:creationId xmlns:a16="http://schemas.microsoft.com/office/drawing/2014/main" id="{4C1ED64D-5FB8-09AD-ABAD-9EA3C7C634A4}"/>
-            </a:ext>
-          </a:extLst>
-        </p:cNvPr>
-        <p:cNvGrpSpPr/>
-        <p:nvPr/>
-      </p:nvGrpSpPr>
-      <p:grpSpPr>
-        <a:xfrm>
-          <a:off x="0" y="0"/>
-          <a:ext cx="0" cy="0"/>
-          <a:chOff x="0" y="0"/>
-          <a:chExt cx="0" cy="0"/>
-        </a:xfrm>
-      </p:grpSpPr>
-      <p:sp>
-        <p:nvSpPr>
-          <p:cNvPr id="250" name="Google Shape;250;p45">
-            <a:extLst>
-              <a:ext uri="{FF2B5EF4-FFF2-40B4-BE49-F238E27FC236}">
-                <a16:creationId xmlns:a16="http://schemas.microsoft.com/office/drawing/2014/main" id="{E79C34AA-C145-D299-0400-4269A738E8E3}"/>
-              </a:ext>
-            </a:extLst>
-          </p:cNvPr>
-          <p:cNvSpPr txBox="1">
-            <a:spLocks noGrp="1"/>
-          </p:cNvSpPr>
-          <p:nvPr>
-            <p:ph type="title"/>
-          </p:nvPr>
-        </p:nvSpPr>
-        <p:spPr>
-          <a:xfrm>
-            <a:off x="3859250" y="2380050"/>
-            <a:ext cx="4360200" cy="841800"/>
-          </a:xfrm>
-          <a:prstGeom prst="rect">
-            <a:avLst/>
-          </a:prstGeom>
-        </p:spPr>
-        <p:txBody>
-          <a:bodyPr spcFirstLastPara="1" wrap="square" lIns="91425" tIns="91425" rIns="91425" bIns="91425" anchor="b" anchorCtr="0">
-            <a:noAutofit/>
-          </a:bodyPr>
-          <a:lstStyle/>
-          <a:p>
-            <a:pPr lvl="0"/>
-            <a:r>
-              <a:rPr lang="en-US" sz="2800" b="1" dirty="0">
-                <a:solidFill>
-                  <a:schemeClr val="accent3">
-                    <a:lumMod val="25000"/>
-                  </a:schemeClr>
-                </a:solidFill>
-              </a:rPr>
-              <a:t>Single product and</a:t>
-            </a:r>
-            <a:br>
-              <a:rPr lang="en-US" sz="2800" b="1" dirty="0">
-                <a:solidFill>
-                  <a:schemeClr val="accent3">
-                    <a:lumMod val="25000"/>
-                  </a:schemeClr>
-                </a:solidFill>
-              </a:rPr>
-            </a:br>
-            <a:r>
-              <a:rPr lang="en-US" sz="2800" b="1" dirty="0">
-                <a:solidFill>
-                  <a:schemeClr val="accent3">
-                    <a:lumMod val="25000"/>
-                  </a:schemeClr>
-                </a:solidFill>
-              </a:rPr>
-              <a:t>Adversarial environment</a:t>
-            </a:r>
-          </a:p>
-        </p:txBody>
-      </p:sp>
-      <p:sp>
-        <p:nvSpPr>
-          <p:cNvPr id="251" name="Google Shape;251;p45">
-            <a:extLst>
-              <a:ext uri="{FF2B5EF4-FFF2-40B4-BE49-F238E27FC236}">
-                <a16:creationId xmlns:a16="http://schemas.microsoft.com/office/drawing/2014/main" id="{5DD2046D-03C6-AD06-2A75-D35F08C74266}"/>
-              </a:ext>
-            </a:extLst>
-          </p:cNvPr>
-          <p:cNvSpPr txBox="1">
-            <a:spLocks noGrp="1"/>
-          </p:cNvSpPr>
-          <p:nvPr>
-            <p:ph type="title" idx="2"/>
-          </p:nvPr>
-        </p:nvSpPr>
-        <p:spPr>
-          <a:xfrm>
-            <a:off x="3859250" y="1062325"/>
-            <a:ext cx="4360200" cy="1234500"/>
-          </a:xfrm>
-          <a:prstGeom prst="rect">
-            <a:avLst/>
-          </a:prstGeom>
-        </p:spPr>
-        <p:txBody>
-          <a:bodyPr spcFirstLastPara="1" wrap="square" lIns="91425" tIns="91425" rIns="91425" bIns="91425" anchor="t" anchorCtr="0">
-            <a:noAutofit/>
-          </a:bodyPr>
-          <a:lstStyle/>
-          <a:p>
-            <a:pPr marL="0" lvl="0" indent="0" algn="ctr" rtl="0">
-              <a:spcBef>
-                <a:spcPts val="0"/>
-              </a:spcBef>
-              <a:spcAft>
-                <a:spcPts val="0"/>
-              </a:spcAft>
-              <a:buNone/>
-            </a:pPr>
-            <a:r>
-              <a:rPr lang="en" dirty="0">
-                <a:solidFill>
-                  <a:schemeClr val="accent1">
-                    <a:lumMod val="50000"/>
-                  </a:schemeClr>
-                </a:solidFill>
-              </a:rPr>
-              <a:t>03</a:t>
-            </a:r>
-            <a:endParaRPr dirty="0">
-              <a:solidFill>
-                <a:schemeClr val="accent1">
-                  <a:lumMod val="50000"/>
-                </a:schemeClr>
-              </a:solidFill>
-            </a:endParaRPr>
-          </a:p>
-        </p:txBody>
-      </p:sp>
-      <p:pic>
-        <p:nvPicPr>
-          <p:cNvPr id="253" name="Google Shape;253;p45">
-            <a:extLst>
-              <a:ext uri="{FF2B5EF4-FFF2-40B4-BE49-F238E27FC236}">
-                <a16:creationId xmlns:a16="http://schemas.microsoft.com/office/drawing/2014/main" id="{BB835142-0B96-3499-087B-7AF086DA2F52}"/>
-              </a:ext>
-            </a:extLst>
-          </p:cNvPr>
-          <p:cNvPicPr preferRelativeResize="0"/>
-          <p:nvPr/>
-        </p:nvPicPr>
-        <p:blipFill rotWithShape="1">
-          <a:blip r:embed="rId3">
-            <a:alphaModFix/>
-          </a:blip>
-          <a:srcRect l="14335" r="14342"/>
-          <a:stretch/>
-        </p:blipFill>
-        <p:spPr>
-          <a:xfrm>
-            <a:off x="793150" y="348250"/>
-            <a:ext cx="3023699" cy="4260250"/>
-          </a:xfrm>
-          <a:prstGeom prst="rect">
-            <a:avLst/>
-          </a:prstGeom>
-          <a:noFill/>
-          <a:ln>
-            <a:noFill/>
-          </a:ln>
-        </p:spPr>
-      </p:pic>
-    </p:spTree>
-    <p:extLst>
-      <p:ext uri="{BB962C8B-B14F-4D97-AF65-F5344CB8AC3E}">
-        <p14:creationId xmlns:p14="http://schemas.microsoft.com/office/powerpoint/2010/main" val="1695129146"/>
-      </p:ext>
-    </p:extLst>
-  </p:cSld>
-  <p:clrMapOvr>
-    <a:masterClrMapping/>
-  </p:clrMapOvr>
-</p:sld>
-</file>
-
-<file path=ppt/slides/slide15.xml><?xml version="1.0" encoding="utf-8"?>
-<p:sld xmlns:a="http://schemas.openxmlformats.org/drawingml/2006/main" xmlns:r="http://schemas.openxmlformats.org/officeDocument/2006/relationships" xmlns:p="http://schemas.openxmlformats.org/presentationml/2006/main">
-  <p:cSld>
-    <p:spTree>
-      <p:nvGrpSpPr>
-        <p:cNvPr id="1" name="Shape 249">
-          <a:extLst>
-            <a:ext uri="{FF2B5EF4-FFF2-40B4-BE49-F238E27FC236}">
-              <a16:creationId xmlns:a16="http://schemas.microsoft.com/office/drawing/2014/main" id="{30F9CE9B-1905-6F28-D0F0-208C6E9E9B36}"/>
-            </a:ext>
-          </a:extLst>
-        </p:cNvPr>
-        <p:cNvGrpSpPr/>
-        <p:nvPr/>
-      </p:nvGrpSpPr>
-      <p:grpSpPr>
-        <a:xfrm>
-          <a:off x="0" y="0"/>
-          <a:ext cx="0" cy="0"/>
-          <a:chOff x="0" y="0"/>
-          <a:chExt cx="0" cy="0"/>
-        </a:xfrm>
-      </p:grpSpPr>
-      <p:sp>
-        <p:nvSpPr>
-          <p:cNvPr id="250" name="Google Shape;250;p45">
-            <a:extLst>
-              <a:ext uri="{FF2B5EF4-FFF2-40B4-BE49-F238E27FC236}">
-                <a16:creationId xmlns:a16="http://schemas.microsoft.com/office/drawing/2014/main" id="{520AB179-D9AB-20D8-AF45-5066F68986A0}"/>
-              </a:ext>
-            </a:extLst>
-          </p:cNvPr>
-          <p:cNvSpPr txBox="1">
-            <a:spLocks noGrp="1"/>
-          </p:cNvSpPr>
-          <p:nvPr>
-            <p:ph type="title"/>
-          </p:nvPr>
-        </p:nvSpPr>
-        <p:spPr>
-          <a:xfrm>
-            <a:off x="3859250" y="2380050"/>
-            <a:ext cx="4360200" cy="841800"/>
-          </a:xfrm>
-          <a:prstGeom prst="rect">
-            <a:avLst/>
-          </a:prstGeom>
-        </p:spPr>
-        <p:txBody>
-          <a:bodyPr spcFirstLastPara="1" wrap="square" lIns="91425" tIns="91425" rIns="91425" bIns="91425" anchor="b" anchorCtr="0">
-            <a:noAutofit/>
-          </a:bodyPr>
-          <a:lstStyle/>
-          <a:p>
-            <a:pPr lvl="0"/>
-            <a:r>
-              <a:rPr lang="en-US" sz="2800" b="1" dirty="0">
-                <a:solidFill>
-                  <a:schemeClr val="accent3">
-                    <a:lumMod val="25000"/>
-                  </a:schemeClr>
-                </a:solidFill>
-              </a:rPr>
-              <a:t>Multiple products and</a:t>
-            </a:r>
-            <a:br>
-              <a:rPr lang="en-US" sz="2800" b="1" dirty="0">
-                <a:solidFill>
-                  <a:schemeClr val="accent3">
-                    <a:lumMod val="25000"/>
-                  </a:schemeClr>
-                </a:solidFill>
-              </a:rPr>
-            </a:br>
-            <a:r>
-              <a:rPr lang="en-US" sz="2800" b="1" dirty="0">
-                <a:solidFill>
-                  <a:schemeClr val="accent3">
-                    <a:lumMod val="25000"/>
-                  </a:schemeClr>
-                </a:solidFill>
-              </a:rPr>
-              <a:t>Adversarial environment</a:t>
-            </a:r>
-          </a:p>
-        </p:txBody>
-      </p:sp>
-      <p:sp>
-        <p:nvSpPr>
-          <p:cNvPr id="251" name="Google Shape;251;p45">
-            <a:extLst>
-              <a:ext uri="{FF2B5EF4-FFF2-40B4-BE49-F238E27FC236}">
-                <a16:creationId xmlns:a16="http://schemas.microsoft.com/office/drawing/2014/main" id="{37B1BE82-9525-8B6E-45E1-C903BCE0DC4E}"/>
-              </a:ext>
-            </a:extLst>
-          </p:cNvPr>
-          <p:cNvSpPr txBox="1">
-            <a:spLocks noGrp="1"/>
-          </p:cNvSpPr>
-          <p:nvPr>
-            <p:ph type="title" idx="2"/>
-          </p:nvPr>
-        </p:nvSpPr>
-        <p:spPr>
-          <a:xfrm>
-            <a:off x="3859250" y="1062325"/>
-            <a:ext cx="4360200" cy="1234500"/>
-          </a:xfrm>
-          <a:prstGeom prst="rect">
-            <a:avLst/>
-          </a:prstGeom>
-        </p:spPr>
-        <p:txBody>
-          <a:bodyPr spcFirstLastPara="1" wrap="square" lIns="91425" tIns="91425" rIns="91425" bIns="91425" anchor="t" anchorCtr="0">
-            <a:noAutofit/>
-          </a:bodyPr>
-          <a:lstStyle/>
-          <a:p>
-            <a:pPr marL="0" lvl="0" indent="0" algn="ctr" rtl="0">
-              <a:spcBef>
-                <a:spcPts val="0"/>
-              </a:spcBef>
-              <a:spcAft>
-                <a:spcPts val="0"/>
-              </a:spcAft>
-              <a:buNone/>
-            </a:pPr>
-            <a:r>
-              <a:rPr lang="en" dirty="0">
-                <a:solidFill>
-                  <a:schemeClr val="accent1">
-                    <a:lumMod val="50000"/>
-                  </a:schemeClr>
-                </a:solidFill>
-              </a:rPr>
-              <a:t>04</a:t>
-            </a:r>
-            <a:endParaRPr dirty="0">
-              <a:solidFill>
-                <a:schemeClr val="accent1">
-                  <a:lumMod val="50000"/>
-                </a:schemeClr>
-              </a:solidFill>
-            </a:endParaRPr>
-          </a:p>
-        </p:txBody>
-      </p:sp>
-      <p:pic>
-        <p:nvPicPr>
-          <p:cNvPr id="253" name="Google Shape;253;p45">
-            <a:extLst>
-              <a:ext uri="{FF2B5EF4-FFF2-40B4-BE49-F238E27FC236}">
-                <a16:creationId xmlns:a16="http://schemas.microsoft.com/office/drawing/2014/main" id="{2F90024F-E880-2F40-D846-811ED083D1D1}"/>
-              </a:ext>
-            </a:extLst>
-          </p:cNvPr>
-          <p:cNvPicPr preferRelativeResize="0"/>
-          <p:nvPr/>
-        </p:nvPicPr>
-        <p:blipFill rotWithShape="1">
-          <a:blip r:embed="rId3">
-            <a:alphaModFix/>
-          </a:blip>
-          <a:srcRect l="14335" r="14342"/>
-          <a:stretch/>
-        </p:blipFill>
-        <p:spPr>
-          <a:xfrm>
-            <a:off x="793150" y="348250"/>
-            <a:ext cx="3023699" cy="4260250"/>
-          </a:xfrm>
-          <a:prstGeom prst="rect">
-            <a:avLst/>
-          </a:prstGeom>
-          <a:noFill/>
-          <a:ln>
-            <a:noFill/>
-          </a:ln>
-        </p:spPr>
-      </p:pic>
-    </p:spTree>
-    <p:extLst>
-      <p:ext uri="{BB962C8B-B14F-4D97-AF65-F5344CB8AC3E}">
-        <p14:creationId xmlns:p14="http://schemas.microsoft.com/office/powerpoint/2010/main" val="4093930356"/>
-      </p:ext>
-    </p:extLst>
-  </p:cSld>
-  <p:clrMapOvr>
-    <a:masterClrMapping/>
-  </p:clrMapOvr>
-</p:sld>
-</file>
-
-<file path=ppt/slides/slide16.xml><?xml version="1.0" encoding="utf-8"?>
-<p:sld xmlns:a="http://schemas.openxmlformats.org/drawingml/2006/main" xmlns:r="http://schemas.openxmlformats.org/officeDocument/2006/relationships" xmlns:p="http://schemas.openxmlformats.org/presentationml/2006/main">
-  <p:cSld>
-    <p:spTree>
-      <p:nvGrpSpPr>
-        <p:cNvPr id="1" name="Shape 249">
-          <a:extLst>
-            <a:ext uri="{FF2B5EF4-FFF2-40B4-BE49-F238E27FC236}">
-              <a16:creationId xmlns:a16="http://schemas.microsoft.com/office/drawing/2014/main" id="{5B49A04D-F7B1-5C3C-19DD-C9A76B6E7612}"/>
-            </a:ext>
-          </a:extLst>
-        </p:cNvPr>
-        <p:cNvGrpSpPr/>
-        <p:nvPr/>
-      </p:nvGrpSpPr>
-      <p:grpSpPr>
-        <a:xfrm>
-          <a:off x="0" y="0"/>
-          <a:ext cx="0" cy="0"/>
-          <a:chOff x="0" y="0"/>
-          <a:chExt cx="0" cy="0"/>
-        </a:xfrm>
-      </p:grpSpPr>
-      <p:sp>
-        <p:nvSpPr>
-          <p:cNvPr id="250" name="Google Shape;250;p45">
-            <a:extLst>
-              <a:ext uri="{FF2B5EF4-FFF2-40B4-BE49-F238E27FC236}">
-                <a16:creationId xmlns:a16="http://schemas.microsoft.com/office/drawing/2014/main" id="{2595C63D-5269-0CE0-6F64-A33EF609F371}"/>
-              </a:ext>
-            </a:extLst>
-          </p:cNvPr>
-          <p:cNvSpPr txBox="1">
-            <a:spLocks noGrp="1"/>
-          </p:cNvSpPr>
-          <p:nvPr>
-            <p:ph type="title"/>
-          </p:nvPr>
-        </p:nvSpPr>
-        <p:spPr>
-          <a:xfrm>
-            <a:off x="3859250" y="2380050"/>
-            <a:ext cx="4360200" cy="841800"/>
-          </a:xfrm>
-          <a:prstGeom prst="rect">
-            <a:avLst/>
-          </a:prstGeom>
-        </p:spPr>
-        <p:txBody>
-          <a:bodyPr spcFirstLastPara="1" wrap="square" lIns="91425" tIns="91425" rIns="91425" bIns="91425" anchor="b" anchorCtr="0">
-            <a:noAutofit/>
-          </a:bodyPr>
-          <a:lstStyle/>
-          <a:p>
-            <a:r>
-              <a:rPr lang="en-US" sz="2800" b="1" dirty="0">
-                <a:solidFill>
-                  <a:schemeClr val="accent3">
-                    <a:lumMod val="25000"/>
-                  </a:schemeClr>
-                </a:solidFill>
-              </a:rPr>
-              <a:t>Slightly non-stationary environment</a:t>
-            </a:r>
-          </a:p>
-        </p:txBody>
-      </p:sp>
-      <p:sp>
-        <p:nvSpPr>
-          <p:cNvPr id="251" name="Google Shape;251;p45">
-            <a:extLst>
-              <a:ext uri="{FF2B5EF4-FFF2-40B4-BE49-F238E27FC236}">
-                <a16:creationId xmlns:a16="http://schemas.microsoft.com/office/drawing/2014/main" id="{DE6655AA-75A0-9F60-558F-95A2061CB7D0}"/>
-              </a:ext>
-            </a:extLst>
-          </p:cNvPr>
-          <p:cNvSpPr txBox="1">
-            <a:spLocks noGrp="1"/>
-          </p:cNvSpPr>
-          <p:nvPr>
-            <p:ph type="title" idx="2"/>
-          </p:nvPr>
-        </p:nvSpPr>
-        <p:spPr>
-          <a:xfrm>
-            <a:off x="3859250" y="1062325"/>
-            <a:ext cx="4360200" cy="1234500"/>
-          </a:xfrm>
-          <a:prstGeom prst="rect">
-            <a:avLst/>
-          </a:prstGeom>
-        </p:spPr>
-        <p:txBody>
-          <a:bodyPr spcFirstLastPara="1" wrap="square" lIns="91425" tIns="91425" rIns="91425" bIns="91425" anchor="t" anchorCtr="0">
-            <a:noAutofit/>
-          </a:bodyPr>
-          <a:lstStyle/>
-          <a:p>
-            <a:pPr marL="0" lvl="0" indent="0" algn="ctr" rtl="0">
-              <a:spcBef>
-                <a:spcPts val="0"/>
-              </a:spcBef>
-              <a:spcAft>
-                <a:spcPts val="0"/>
-              </a:spcAft>
-              <a:buNone/>
-            </a:pPr>
-            <a:r>
-              <a:rPr lang="en" dirty="0">
-                <a:solidFill>
-                  <a:schemeClr val="accent1">
-                    <a:lumMod val="50000"/>
-                  </a:schemeClr>
-                </a:solidFill>
-              </a:rPr>
-              <a:t>05</a:t>
-            </a:r>
-            <a:endParaRPr dirty="0">
-              <a:solidFill>
-                <a:schemeClr val="accent1">
-                  <a:lumMod val="50000"/>
-                </a:schemeClr>
-              </a:solidFill>
-            </a:endParaRPr>
-          </a:p>
-        </p:txBody>
-      </p:sp>
-      <p:pic>
-        <p:nvPicPr>
-          <p:cNvPr id="253" name="Google Shape;253;p45">
-            <a:extLst>
-              <a:ext uri="{FF2B5EF4-FFF2-40B4-BE49-F238E27FC236}">
-                <a16:creationId xmlns:a16="http://schemas.microsoft.com/office/drawing/2014/main" id="{96272E6F-E329-65EB-3662-466417EAD38B}"/>
-              </a:ext>
-            </a:extLst>
-          </p:cNvPr>
-          <p:cNvPicPr preferRelativeResize="0"/>
-          <p:nvPr/>
-        </p:nvPicPr>
-        <p:blipFill rotWithShape="1">
-          <a:blip r:embed="rId3">
-            <a:alphaModFix/>
-          </a:blip>
-          <a:srcRect l="14335" r="14342"/>
-          <a:stretch/>
-        </p:blipFill>
-        <p:spPr>
-          <a:xfrm>
-            <a:off x="793150" y="348250"/>
-            <a:ext cx="3023699" cy="4260250"/>
-          </a:xfrm>
-          <a:prstGeom prst="rect">
-            <a:avLst/>
-          </a:prstGeom>
-          <a:noFill/>
-          <a:ln>
-            <a:noFill/>
-          </a:ln>
-        </p:spPr>
-      </p:pic>
-    </p:spTree>
-    <p:extLst>
-      <p:ext uri="{BB962C8B-B14F-4D97-AF65-F5344CB8AC3E}">
-        <p14:creationId xmlns:p14="http://schemas.microsoft.com/office/powerpoint/2010/main" val="2097398197"/>
-      </p:ext>
-    </p:extLst>
-  </p:cSld>
-  <p:clrMapOvr>
-    <a:masterClrMapping/>
-  </p:clrMapOvr>
-</p:sld>
-</file>
-
-<file path=ppt/slides/slide17.xml><?xml version="1.0" encoding="utf-8"?>
-<p:sld xmlns:a="http://schemas.openxmlformats.org/drawingml/2006/main" xmlns:r="http://schemas.openxmlformats.org/officeDocument/2006/relationships" xmlns:p="http://schemas.openxmlformats.org/presentationml/2006/main">
-  <p:cSld>
-    <p:spTree>
-      <p:nvGrpSpPr>
-        <p:cNvPr id="1" name="Shape 213">
-          <a:extLst>
-            <a:ext uri="{FF2B5EF4-FFF2-40B4-BE49-F238E27FC236}">
-              <a16:creationId xmlns:a16="http://schemas.microsoft.com/office/drawing/2014/main" id="{3797B1BB-00F5-1CF4-842A-DB7BA13EB3C3}"/>
-            </a:ext>
-          </a:extLst>
-        </p:cNvPr>
-        <p:cNvGrpSpPr/>
-        <p:nvPr/>
-      </p:nvGrpSpPr>
-      <p:grpSpPr>
-        <a:xfrm>
-          <a:off x="0" y="0"/>
-          <a:ext cx="0" cy="0"/>
-          <a:chOff x="0" y="0"/>
-          <a:chExt cx="0" cy="0"/>
-        </a:xfrm>
-      </p:grpSpPr>
-      <p:sp>
-        <p:nvSpPr>
-          <p:cNvPr id="214" name="Google Shape;214;p41">
-            <a:extLst>
-              <a:ext uri="{FF2B5EF4-FFF2-40B4-BE49-F238E27FC236}">
-                <a16:creationId xmlns:a16="http://schemas.microsoft.com/office/drawing/2014/main" id="{CA6F0051-88A5-B109-4175-EBA48D0BBBEC}"/>
-              </a:ext>
-            </a:extLst>
-          </p:cNvPr>
-          <p:cNvSpPr txBox="1">
-            <a:spLocks noGrp="1"/>
-          </p:cNvSpPr>
-          <p:nvPr>
-            <p:ph type="ctrTitle"/>
-          </p:nvPr>
-        </p:nvSpPr>
-        <p:spPr>
-          <a:xfrm>
-            <a:off x="3695838" y="824345"/>
-            <a:ext cx="5157216" cy="690125"/>
-          </a:xfrm>
-          <a:prstGeom prst="rect">
-            <a:avLst/>
-          </a:prstGeom>
-        </p:spPr>
-        <p:txBody>
-          <a:bodyPr spcFirstLastPara="1" wrap="square" lIns="91425" tIns="91425" rIns="91425" bIns="91425" anchor="b" anchorCtr="0">
-            <a:noAutofit/>
-          </a:bodyPr>
-          <a:lstStyle/>
-          <a:p>
-            <a:pPr marL="0" lvl="0" indent="0" algn="l" rtl="0">
-              <a:spcBef>
-                <a:spcPts val="0"/>
-              </a:spcBef>
-              <a:spcAft>
-                <a:spcPts val="0"/>
-              </a:spcAft>
-              <a:buNone/>
-            </a:pPr>
-            <a:r>
-              <a:rPr lang="en" b="1" dirty="0">
-                <a:solidFill>
-                  <a:schemeClr val="accent1">
-                    <a:lumMod val="50000"/>
-                  </a:schemeClr>
-                </a:solidFill>
-              </a:rPr>
-              <a:t>REMARKS:</a:t>
-            </a:r>
-            <a:endParaRPr dirty="0">
-              <a:solidFill>
-                <a:schemeClr val="accent3">
-                  <a:lumMod val="25000"/>
-                </a:schemeClr>
-              </a:solidFill>
-            </a:endParaRPr>
-          </a:p>
-        </p:txBody>
-      </p:sp>
-      <p:pic>
-        <p:nvPicPr>
-          <p:cNvPr id="216" name="Google Shape;216;p41">
-            <a:extLst>
-              <a:ext uri="{FF2B5EF4-FFF2-40B4-BE49-F238E27FC236}">
-                <a16:creationId xmlns:a16="http://schemas.microsoft.com/office/drawing/2014/main" id="{ED669F96-D259-EA01-569D-56A8510EA0AC}"/>
-              </a:ext>
-            </a:extLst>
-          </p:cNvPr>
-          <p:cNvPicPr preferRelativeResize="0"/>
-          <p:nvPr/>
-        </p:nvPicPr>
-        <p:blipFill rotWithShape="1">
-          <a:blip r:embed="rId3">
-            <a:alphaModFix/>
-          </a:blip>
-          <a:srcRect l="13663" t="5545" r="23252" b="6005"/>
-          <a:stretch/>
-        </p:blipFill>
-        <p:spPr>
-          <a:xfrm>
-            <a:off x="758750" y="-125175"/>
-            <a:ext cx="3190148" cy="4494751"/>
-          </a:xfrm>
-          <a:prstGeom prst="rect">
-            <a:avLst/>
-          </a:prstGeom>
-          <a:noFill/>
-          <a:ln>
-            <a:noFill/>
-          </a:ln>
-        </p:spPr>
-      </p:pic>
-    </p:spTree>
-    <p:extLst>
-      <p:ext uri="{BB962C8B-B14F-4D97-AF65-F5344CB8AC3E}">
-        <p14:creationId xmlns:p14="http://schemas.microsoft.com/office/powerpoint/2010/main" val="4123946821"/>
-      </p:ext>
-    </p:extLst>
-  </p:cSld>
-  <p:clrMapOvr>
-    <a:masterClrMapping/>
-  </p:clrMapOvr>
-</p:sld>
-</file>
-
 <file path=ppt/slides/slide2.xml><?xml version="1.0" encoding="utf-8"?>
 <p:sld xmlns:a="http://schemas.openxmlformats.org/drawingml/2006/main" xmlns:r="http://schemas.openxmlformats.org/officeDocument/2006/relationships" xmlns:p="http://schemas.openxmlformats.org/presentationml/2006/main">
   <p:cSld>
@@ -14114,133 +8868,10 @@
   <p:cSld>
     <p:spTree>
       <p:nvGrpSpPr>
-        <p:cNvPr id="1" name="Shape 264"/>
-        <p:cNvGrpSpPr/>
-        <p:nvPr/>
-      </p:nvGrpSpPr>
-      <p:grpSpPr>
-        <a:xfrm>
-          <a:off x="0" y="0"/>
-          <a:ext cx="0" cy="0"/>
-          <a:chOff x="0" y="0"/>
-          <a:chExt cx="0" cy="0"/>
-        </a:xfrm>
-      </p:grpSpPr>
-      <p:sp>
-        <p:nvSpPr>
-          <p:cNvPr id="266" name="Google Shape;266;p47"/>
-          <p:cNvSpPr txBox="1">
-            <a:spLocks noGrp="1"/>
-          </p:cNvSpPr>
-          <p:nvPr>
-            <p:ph type="title"/>
-          </p:nvPr>
-        </p:nvSpPr>
-        <p:spPr>
-          <a:xfrm>
-            <a:off x="435982" y="521225"/>
-            <a:ext cx="7704000" cy="572700"/>
-          </a:xfrm>
-          <a:prstGeom prst="rect">
-            <a:avLst/>
-          </a:prstGeom>
-        </p:spPr>
-        <p:txBody>
-          <a:bodyPr spcFirstLastPara="1" wrap="square" lIns="91425" tIns="91425" rIns="91425" bIns="91425" anchor="t" anchorCtr="0">
-            <a:noAutofit/>
-          </a:bodyPr>
-          <a:lstStyle/>
-          <a:p>
-            <a:pPr marL="342900" lvl="0" indent="-342900">
-              <a:buFont typeface="Wingdings" panose="05000000000000000000" pitchFamily="2" charset="2"/>
-              <a:buChar char="ü"/>
-            </a:pPr>
-            <a:r>
-              <a:rPr lang="en-US" sz="1800" b="1" dirty="0">
-                <a:solidFill>
-                  <a:schemeClr val="accent3">
-                    <a:lumMod val="25000"/>
-                  </a:schemeClr>
-                </a:solidFill>
-              </a:rPr>
-              <a:t>Build a stochastic environment: </a:t>
-            </a:r>
-            <a:br>
-              <a:rPr lang="en-US" sz="1800" b="1" dirty="0">
-                <a:solidFill>
-                  <a:schemeClr val="accent3">
-                    <a:lumMod val="25000"/>
-                  </a:schemeClr>
-                </a:solidFill>
-              </a:rPr>
-            </a:br>
-            <a:r>
-              <a:rPr lang="en-US" sz="1800" b="1" dirty="0">
-                <a:solidFill>
-                  <a:schemeClr val="accent3">
-                    <a:lumMod val="25000"/>
-                  </a:schemeClr>
-                </a:solidFill>
-              </a:rPr>
-              <a:t>A distribution over the valuations of a single type of product</a:t>
-            </a:r>
-            <a:endParaRPr sz="1800" b="1" dirty="0">
-              <a:solidFill>
-                <a:schemeClr val="accent3">
-                  <a:lumMod val="25000"/>
-                </a:schemeClr>
-              </a:solidFill>
-            </a:endParaRPr>
-          </a:p>
-        </p:txBody>
-      </p:sp>
-      <p:pic>
-        <p:nvPicPr>
-          <p:cNvPr id="3" name="Picture 2" descr="A screenshot of a computer program">
-            <a:extLst>
-              <a:ext uri="{FF2B5EF4-FFF2-40B4-BE49-F238E27FC236}">
-                <a16:creationId xmlns:a16="http://schemas.microsoft.com/office/drawing/2014/main" id="{F3E747E8-750A-56BC-1FE9-D6E2F3BA6DD3}"/>
-              </a:ext>
-            </a:extLst>
-          </p:cNvPr>
-          <p:cNvPicPr>
-            <a:picLocks noChangeAspect="1"/>
-          </p:cNvPicPr>
-          <p:nvPr/>
-        </p:nvPicPr>
-        <p:blipFill>
-          <a:blip r:embed="rId3"/>
-          <a:stretch>
-            <a:fillRect/>
-          </a:stretch>
-        </p:blipFill>
-        <p:spPr>
-          <a:xfrm>
-            <a:off x="1076754" y="1440873"/>
-            <a:ext cx="6863954" cy="3321021"/>
-          </a:xfrm>
-          <a:prstGeom prst="rect">
-            <a:avLst/>
-          </a:prstGeom>
-        </p:spPr>
-      </p:pic>
-    </p:spTree>
-  </p:cSld>
-  <p:clrMapOvr>
-    <a:masterClrMapping/>
-  </p:clrMapOvr>
-</p:sld>
-</file>
-
-<file path=ppt/slides/slide6.xml><?xml version="1.0" encoding="utf-8"?>
-<p:sld xmlns:a="http://schemas.openxmlformats.org/drawingml/2006/main" xmlns:r="http://schemas.openxmlformats.org/officeDocument/2006/relationships" xmlns:p="http://schemas.openxmlformats.org/presentationml/2006/main">
-  <p:cSld>
-    <p:spTree>
-      <p:nvGrpSpPr>
-        <p:cNvPr id="1" name="Shape 264">
+        <p:cNvPr id="1" name="Shape 249">
           <a:extLst>
             <a:ext uri="{FF2B5EF4-FFF2-40B4-BE49-F238E27FC236}">
-              <a16:creationId xmlns:a16="http://schemas.microsoft.com/office/drawing/2014/main" id="{EAB1F7E1-5470-464E-F787-83BBC52E2937}"/>
+              <a16:creationId xmlns:a16="http://schemas.microsoft.com/office/drawing/2014/main" id="{72B3B4AF-7BE2-C3BF-CB0D-A782BA6C104D}"/>
             </a:ext>
           </a:extLst>
         </p:cNvPr>
@@ -14257,10 +8888,10 @@
       </p:grpSpPr>
       <p:sp>
         <p:nvSpPr>
-          <p:cNvPr id="266" name="Google Shape;266;p47">
+          <p:cNvPr id="250" name="Google Shape;250;p45">
             <a:extLst>
               <a:ext uri="{FF2B5EF4-FFF2-40B4-BE49-F238E27FC236}">
-                <a16:creationId xmlns:a16="http://schemas.microsoft.com/office/drawing/2014/main" id="{C2160D26-3409-45F3-A610-5668D0084126}"/>
+                <a16:creationId xmlns:a16="http://schemas.microsoft.com/office/drawing/2014/main" id="{C02B05CD-1974-FE70-CD51-3CACD638918D}"/>
               </a:ext>
             </a:extLst>
           </p:cNvPr>
@@ -14273,8 +8904,72 @@
         </p:nvSpPr>
         <p:spPr>
           <a:xfrm>
-            <a:off x="396035" y="367751"/>
-            <a:ext cx="7704000" cy="572700"/>
+            <a:off x="3859250" y="2380050"/>
+            <a:ext cx="4360200" cy="841800"/>
+          </a:xfrm>
+          <a:prstGeom prst="rect">
+            <a:avLst/>
+          </a:prstGeom>
+        </p:spPr>
+        <p:txBody>
+          <a:bodyPr spcFirstLastPara="1" wrap="square" lIns="91425" tIns="91425" rIns="91425" bIns="91425" anchor="b" anchorCtr="0">
+            <a:noAutofit/>
+          </a:bodyPr>
+          <a:lstStyle/>
+          <a:p>
+            <a:pPr lvl="0"/>
+            <a:r>
+              <a:rPr lang="en-US" sz="2800" b="1" dirty="0">
+                <a:solidFill>
+                  <a:schemeClr val="accent3">
+                    <a:lumMod val="25000"/>
+                  </a:schemeClr>
+                </a:solidFill>
+              </a:rPr>
+              <a:t>Multiple products and</a:t>
+            </a:r>
+            <a:br>
+              <a:rPr lang="en-US" sz="2800" b="1" dirty="0">
+                <a:solidFill>
+                  <a:schemeClr val="accent3">
+                    <a:lumMod val="25000"/>
+                  </a:schemeClr>
+                </a:solidFill>
+              </a:rPr>
+            </a:br>
+            <a:r>
+              <a:rPr lang="en-US" sz="2800" b="1" dirty="0">
+                <a:solidFill>
+                  <a:schemeClr val="accent3">
+                    <a:lumMod val="25000"/>
+                  </a:schemeClr>
+                </a:solidFill>
+              </a:rPr>
+              <a:t>Stochastic environment</a:t>
+            </a:r>
+          </a:p>
+        </p:txBody>
+      </p:sp>
+      <p:sp>
+        <p:nvSpPr>
+          <p:cNvPr id="251" name="Google Shape;251;p45">
+            <a:extLst>
+              <a:ext uri="{FF2B5EF4-FFF2-40B4-BE49-F238E27FC236}">
+                <a16:creationId xmlns:a16="http://schemas.microsoft.com/office/drawing/2014/main" id="{8005F1A7-C9DB-A1C9-3156-0FD99EC8A5CB}"/>
+              </a:ext>
+            </a:extLst>
+          </p:cNvPr>
+          <p:cNvSpPr txBox="1">
+            <a:spLocks noGrp="1"/>
+          </p:cNvSpPr>
+          <p:nvPr>
+            <p:ph type="title" idx="2"/>
+          </p:nvPr>
+        </p:nvSpPr>
+        <p:spPr>
+          <a:xfrm>
+            <a:off x="3859250" y="1062325"/>
+            <a:ext cx="4360200" cy="1234500"/>
           </a:xfrm>
           <a:prstGeom prst="rect">
             <a:avLst/>
@@ -14286,33 +8981,29 @@
           </a:bodyPr>
           <a:lstStyle/>
           <a:p>
-            <a:pPr marL="285750" lvl="0" indent="-285750">
-              <a:buFont typeface="Wingdings" panose="05000000000000000000" pitchFamily="2" charset="2"/>
-              <a:buChar char="ü"/>
+            <a:pPr marL="0" lvl="0" indent="0" algn="ctr" rtl="0">
+              <a:spcBef>
+                <a:spcPts val="0"/>
+              </a:spcBef>
+              <a:spcAft>
+                <a:spcPts val="0"/>
+              </a:spcAft>
+              <a:buNone/>
             </a:pPr>
             <a:r>
-              <a:rPr lang="en-US" sz="1800" b="1" dirty="0">
-                <a:solidFill>
-                  <a:schemeClr val="accent3">
-                    <a:lumMod val="25000"/>
+              <a:rPr lang="en" dirty="0">
+                <a:solidFill>
+                  <a:schemeClr val="accent1">
+                    <a:lumMod val="50000"/>
                   </a:schemeClr>
                 </a:solidFill>
               </a:rPr>
-              <a:t>Build a pricing strategy using UCB1 ignoring the budget.</a:t>
+              <a:t>02</a:t>
             </a:r>
-            <a:br>
-              <a:rPr lang="en-US" sz="1800" b="1" dirty="0">
-                <a:solidFill>
-                  <a:schemeClr val="accent3">
-                    <a:lumMod val="25000"/>
-                  </a:schemeClr>
-                </a:solidFill>
-              </a:rPr>
-            </a:br>
-            <a:endParaRPr sz="1800" b="1" dirty="0">
+            <a:endParaRPr dirty="0">
               <a:solidFill>
-                <a:schemeClr val="accent3">
-                  <a:lumMod val="25000"/>
+                <a:schemeClr val="accent1">
+                  <a:lumMod val="50000"/>
                 </a:schemeClr>
               </a:solidFill>
             </a:endParaRPr>
@@ -14321,52 +9012,27 @@
       </p:sp>
       <p:pic>
         <p:nvPicPr>
-          <p:cNvPr id="7" name="Picture 6" descr="A screen shot of a computer program&#10;&#10;AI-generated content may be incorrect.">
+          <p:cNvPr id="253" name="Google Shape;253;p45">
             <a:extLst>
               <a:ext uri="{FF2B5EF4-FFF2-40B4-BE49-F238E27FC236}">
-                <a16:creationId xmlns:a16="http://schemas.microsoft.com/office/drawing/2014/main" id="{E953C7CF-6B73-8839-43E1-DB3C760B19EC}"/>
+                <a16:creationId xmlns:a16="http://schemas.microsoft.com/office/drawing/2014/main" id="{4F6AE319-BFA4-CAAD-1E82-3B000E090F5C}"/>
               </a:ext>
             </a:extLst>
           </p:cNvPr>
-          <p:cNvPicPr>
-            <a:picLocks noChangeAspect="1"/>
-          </p:cNvPicPr>
+          <p:cNvPicPr preferRelativeResize="0"/>
           <p:nvPr/>
         </p:nvPicPr>
-        <p:blipFill>
-          <a:blip r:embed="rId3"/>
-          <a:stretch>
-            <a:fillRect/>
-          </a:stretch>
+        <p:blipFill rotWithShape="1">
+          <a:blip r:embed="rId3">
+            <a:alphaModFix/>
+          </a:blip>
+          <a:srcRect l="14335" r="14342"/>
+          <a:stretch/>
         </p:blipFill>
         <p:spPr>
           <a:xfrm>
-            <a:off x="1043965" y="845127"/>
-            <a:ext cx="3541890" cy="4133012"/>
-          </a:xfrm>
-          <a:prstGeom prst="rect">
-            <a:avLst/>
-          </a:prstGeom>
-        </p:spPr>
-      </p:pic>
-      <p:sp>
-        <p:nvSpPr>
-          <p:cNvPr id="2" name="Google Shape;266;p47">
-            <a:extLst>
-              <a:ext uri="{FF2B5EF4-FFF2-40B4-BE49-F238E27FC236}">
-                <a16:creationId xmlns:a16="http://schemas.microsoft.com/office/drawing/2014/main" id="{67ED4A0F-473E-3C64-8B6F-C2602BADD595}"/>
-              </a:ext>
-            </a:extLst>
-          </p:cNvPr>
-          <p:cNvSpPr txBox="1">
-            <a:spLocks/>
-          </p:cNvSpPr>
-          <p:nvPr/>
-        </p:nvSpPr>
-        <p:spPr>
-          <a:xfrm>
-            <a:off x="4649380" y="1293815"/>
-            <a:ext cx="3711838" cy="3235636"/>
+            <a:off x="793150" y="348250"/>
+            <a:ext cx="3023699" cy="4260250"/>
           </a:xfrm>
           <a:prstGeom prst="rect">
             <a:avLst/>
@@ -14376,311 +9042,11 @@
             <a:noFill/>
           </a:ln>
         </p:spPr>
-        <p:txBody>
-          <a:bodyPr spcFirstLastPara="1" wrap="square" lIns="91425" tIns="91425" rIns="91425" bIns="91425" anchor="t" anchorCtr="0">
-            <a:noAutofit/>
-          </a:bodyPr>
-          <a:lstStyle>
-            <a:defPPr marR="0" lvl="0" algn="l" rtl="0">
-              <a:lnSpc>
-                <a:spcPct val="100000"/>
-              </a:lnSpc>
-              <a:spcBef>
-                <a:spcPts val="0"/>
-              </a:spcBef>
-              <a:spcAft>
-                <a:spcPts val="0"/>
-              </a:spcAft>
-            </a:defPPr>
-            <a:lvl1pPr marR="0" lvl="0" algn="l" rtl="0">
-              <a:lnSpc>
-                <a:spcPct val="100000"/>
-              </a:lnSpc>
-              <a:spcBef>
-                <a:spcPts val="0"/>
-              </a:spcBef>
-              <a:spcAft>
-                <a:spcPts val="0"/>
-              </a:spcAft>
-              <a:buClr>
-                <a:schemeClr val="dk1"/>
-              </a:buClr>
-              <a:buSzPts val="3500"/>
-              <a:buFont typeface="Electrolize"/>
-              <a:buNone/>
-              <a:defRPr sz="3500" b="0" i="0" u="none" strike="noStrike" cap="none">
-                <a:solidFill>
-                  <a:schemeClr val="dk1"/>
-                </a:solidFill>
-                <a:latin typeface="Electrolize"/>
-                <a:ea typeface="Electrolize"/>
-                <a:cs typeface="Electrolize"/>
-                <a:sym typeface="Electrolize"/>
-              </a:defRPr>
-            </a:lvl1pPr>
-            <a:lvl2pPr marR="0" lvl="1" algn="l" rtl="0">
-              <a:lnSpc>
-                <a:spcPct val="100000"/>
-              </a:lnSpc>
-              <a:spcBef>
-                <a:spcPts val="0"/>
-              </a:spcBef>
-              <a:spcAft>
-                <a:spcPts val="0"/>
-              </a:spcAft>
-              <a:buClr>
-                <a:schemeClr val="dk1"/>
-              </a:buClr>
-              <a:buSzPts val="3500"/>
-              <a:buFont typeface="Electrolize"/>
-              <a:buNone/>
-              <a:defRPr sz="3500" b="0" i="0" u="none" strike="noStrike" cap="none">
-                <a:solidFill>
-                  <a:schemeClr val="dk1"/>
-                </a:solidFill>
-                <a:latin typeface="Electrolize"/>
-                <a:ea typeface="Electrolize"/>
-                <a:cs typeface="Electrolize"/>
-                <a:sym typeface="Electrolize"/>
-              </a:defRPr>
-            </a:lvl2pPr>
-            <a:lvl3pPr marR="0" lvl="2" algn="l" rtl="0">
-              <a:lnSpc>
-                <a:spcPct val="100000"/>
-              </a:lnSpc>
-              <a:spcBef>
-                <a:spcPts val="0"/>
-              </a:spcBef>
-              <a:spcAft>
-                <a:spcPts val="0"/>
-              </a:spcAft>
-              <a:buClr>
-                <a:schemeClr val="dk1"/>
-              </a:buClr>
-              <a:buSzPts val="3500"/>
-              <a:buFont typeface="Electrolize"/>
-              <a:buNone/>
-              <a:defRPr sz="3500" b="0" i="0" u="none" strike="noStrike" cap="none">
-                <a:solidFill>
-                  <a:schemeClr val="dk1"/>
-                </a:solidFill>
-                <a:latin typeface="Electrolize"/>
-                <a:ea typeface="Electrolize"/>
-                <a:cs typeface="Electrolize"/>
-                <a:sym typeface="Electrolize"/>
-              </a:defRPr>
-            </a:lvl3pPr>
-            <a:lvl4pPr marR="0" lvl="3" algn="l" rtl="0">
-              <a:lnSpc>
-                <a:spcPct val="100000"/>
-              </a:lnSpc>
-              <a:spcBef>
-                <a:spcPts val="0"/>
-              </a:spcBef>
-              <a:spcAft>
-                <a:spcPts val="0"/>
-              </a:spcAft>
-              <a:buClr>
-                <a:schemeClr val="dk1"/>
-              </a:buClr>
-              <a:buSzPts val="3500"/>
-              <a:buFont typeface="Electrolize"/>
-              <a:buNone/>
-              <a:defRPr sz="3500" b="0" i="0" u="none" strike="noStrike" cap="none">
-                <a:solidFill>
-                  <a:schemeClr val="dk1"/>
-                </a:solidFill>
-                <a:latin typeface="Electrolize"/>
-                <a:ea typeface="Electrolize"/>
-                <a:cs typeface="Electrolize"/>
-                <a:sym typeface="Electrolize"/>
-              </a:defRPr>
-            </a:lvl4pPr>
-            <a:lvl5pPr marR="0" lvl="4" algn="l" rtl="0">
-              <a:lnSpc>
-                <a:spcPct val="100000"/>
-              </a:lnSpc>
-              <a:spcBef>
-                <a:spcPts val="0"/>
-              </a:spcBef>
-              <a:spcAft>
-                <a:spcPts val="0"/>
-              </a:spcAft>
-              <a:buClr>
-                <a:schemeClr val="dk1"/>
-              </a:buClr>
-              <a:buSzPts val="3500"/>
-              <a:buFont typeface="Electrolize"/>
-              <a:buNone/>
-              <a:defRPr sz="3500" b="0" i="0" u="none" strike="noStrike" cap="none">
-                <a:solidFill>
-                  <a:schemeClr val="dk1"/>
-                </a:solidFill>
-                <a:latin typeface="Electrolize"/>
-                <a:ea typeface="Electrolize"/>
-                <a:cs typeface="Electrolize"/>
-                <a:sym typeface="Electrolize"/>
-              </a:defRPr>
-            </a:lvl5pPr>
-            <a:lvl6pPr marR="0" lvl="5" algn="l" rtl="0">
-              <a:lnSpc>
-                <a:spcPct val="100000"/>
-              </a:lnSpc>
-              <a:spcBef>
-                <a:spcPts val="0"/>
-              </a:spcBef>
-              <a:spcAft>
-                <a:spcPts val="0"/>
-              </a:spcAft>
-              <a:buClr>
-                <a:schemeClr val="dk1"/>
-              </a:buClr>
-              <a:buSzPts val="3500"/>
-              <a:buFont typeface="Electrolize"/>
-              <a:buNone/>
-              <a:defRPr sz="3500" b="0" i="0" u="none" strike="noStrike" cap="none">
-                <a:solidFill>
-                  <a:schemeClr val="dk1"/>
-                </a:solidFill>
-                <a:latin typeface="Electrolize"/>
-                <a:ea typeface="Electrolize"/>
-                <a:cs typeface="Electrolize"/>
-                <a:sym typeface="Electrolize"/>
-              </a:defRPr>
-            </a:lvl6pPr>
-            <a:lvl7pPr marR="0" lvl="6" algn="l" rtl="0">
-              <a:lnSpc>
-                <a:spcPct val="100000"/>
-              </a:lnSpc>
-              <a:spcBef>
-                <a:spcPts val="0"/>
-              </a:spcBef>
-              <a:spcAft>
-                <a:spcPts val="0"/>
-              </a:spcAft>
-              <a:buClr>
-                <a:schemeClr val="dk1"/>
-              </a:buClr>
-              <a:buSzPts val="3500"/>
-              <a:buFont typeface="Electrolize"/>
-              <a:buNone/>
-              <a:defRPr sz="3500" b="0" i="0" u="none" strike="noStrike" cap="none">
-                <a:solidFill>
-                  <a:schemeClr val="dk1"/>
-                </a:solidFill>
-                <a:latin typeface="Electrolize"/>
-                <a:ea typeface="Electrolize"/>
-                <a:cs typeface="Electrolize"/>
-                <a:sym typeface="Electrolize"/>
-              </a:defRPr>
-            </a:lvl7pPr>
-            <a:lvl8pPr marR="0" lvl="7" algn="l" rtl="0">
-              <a:lnSpc>
-                <a:spcPct val="100000"/>
-              </a:lnSpc>
-              <a:spcBef>
-                <a:spcPts val="0"/>
-              </a:spcBef>
-              <a:spcAft>
-                <a:spcPts val="0"/>
-              </a:spcAft>
-              <a:buClr>
-                <a:schemeClr val="dk1"/>
-              </a:buClr>
-              <a:buSzPts val="3500"/>
-              <a:buFont typeface="Electrolize"/>
-              <a:buNone/>
-              <a:defRPr sz="3500" b="0" i="0" u="none" strike="noStrike" cap="none">
-                <a:solidFill>
-                  <a:schemeClr val="dk1"/>
-                </a:solidFill>
-                <a:latin typeface="Electrolize"/>
-                <a:ea typeface="Electrolize"/>
-                <a:cs typeface="Electrolize"/>
-                <a:sym typeface="Electrolize"/>
-              </a:defRPr>
-            </a:lvl8pPr>
-            <a:lvl9pPr marR="0" lvl="8" algn="l" rtl="0">
-              <a:lnSpc>
-                <a:spcPct val="100000"/>
-              </a:lnSpc>
-              <a:spcBef>
-                <a:spcPts val="0"/>
-              </a:spcBef>
-              <a:spcAft>
-                <a:spcPts val="0"/>
-              </a:spcAft>
-              <a:buClr>
-                <a:schemeClr val="dk1"/>
-              </a:buClr>
-              <a:buSzPts val="3500"/>
-              <a:buFont typeface="Electrolize"/>
-              <a:buNone/>
-              <a:defRPr sz="3500" b="0" i="0" u="none" strike="noStrike" cap="none">
-                <a:solidFill>
-                  <a:schemeClr val="dk1"/>
-                </a:solidFill>
-                <a:latin typeface="Electrolize"/>
-                <a:ea typeface="Electrolize"/>
-                <a:cs typeface="Electrolize"/>
-                <a:sym typeface="Electrolize"/>
-              </a:defRPr>
-            </a:lvl9pPr>
-          </a:lstStyle>
-          <a:p>
-            <a:r>
-              <a:rPr lang="en-US" sz="1600" dirty="0"/>
-              <a:t>The </a:t>
-            </a:r>
-            <a:r>
-              <a:rPr lang="en-US" sz="1600" b="1" dirty="0">
-                <a:solidFill>
-                  <a:schemeClr val="accent1">
-                    <a:lumMod val="50000"/>
-                  </a:schemeClr>
-                </a:solidFill>
-              </a:rPr>
-              <a:t>CompanyUCB1</a:t>
-            </a:r>
-            <a:r>
-              <a:rPr lang="en-US" sz="1600" dirty="0">
-                <a:solidFill>
-                  <a:schemeClr val="accent1">
-                    <a:lumMod val="50000"/>
-                  </a:schemeClr>
-                </a:solidFill>
-              </a:rPr>
-              <a:t> </a:t>
-            </a:r>
-            <a:r>
-              <a:rPr lang="en-US" sz="1600" dirty="0"/>
-              <a:t>class uses the UCB1 algorithm to dynamically choose prices from a fixed set to maximize revenue over a time horizon.</a:t>
-            </a:r>
-          </a:p>
-          <a:p>
-            <a:endParaRPr lang="en-US" sz="1600" dirty="0"/>
-          </a:p>
-          <a:p>
-            <a:r>
-              <a:rPr lang="en-US" sz="1600" dirty="0"/>
-              <a:t>It balances exploration and exploitation by initially trying each price once, then selecting prices based on optimistic reward estimates using upper confidence bounds. </a:t>
-            </a:r>
-          </a:p>
-          <a:p>
-            <a:endParaRPr lang="en-US" sz="1600" dirty="0"/>
-          </a:p>
-          <a:p>
-            <a:r>
-              <a:rPr lang="en-US" sz="1600" dirty="0"/>
-              <a:t>After each round, it updates the average reward and selection count for the chosen price.</a:t>
-            </a:r>
-          </a:p>
-        </p:txBody>
-      </p:sp>
+      </p:pic>
     </p:spTree>
     <p:extLst>
       <p:ext uri="{BB962C8B-B14F-4D97-AF65-F5344CB8AC3E}">
-        <p14:creationId xmlns:p14="http://schemas.microsoft.com/office/powerpoint/2010/main" val="852126350"/>
+        <p14:creationId xmlns:p14="http://schemas.microsoft.com/office/powerpoint/2010/main" val="671471192"/>
       </p:ext>
     </p:extLst>
   </p:cSld>
@@ -14690,15 +9056,15 @@
 </p:sld>
 </file>
 
-<file path=ppt/slides/slide7.xml><?xml version="1.0" encoding="utf-8"?>
+<file path=ppt/slides/slide6.xml><?xml version="1.0" encoding="utf-8"?>
 <p:sld xmlns:a="http://schemas.openxmlformats.org/drawingml/2006/main" xmlns:r="http://schemas.openxmlformats.org/officeDocument/2006/relationships" xmlns:p="http://schemas.openxmlformats.org/presentationml/2006/main">
   <p:cSld>
     <p:spTree>
       <p:nvGrpSpPr>
-        <p:cNvPr id="1" name="Shape 264">
+        <p:cNvPr id="1" name="Shape 249">
           <a:extLst>
             <a:ext uri="{FF2B5EF4-FFF2-40B4-BE49-F238E27FC236}">
-              <a16:creationId xmlns:a16="http://schemas.microsoft.com/office/drawing/2014/main" id="{3AECB2C7-83D0-C7B8-5751-3534CC4DF877}"/>
+              <a16:creationId xmlns:a16="http://schemas.microsoft.com/office/drawing/2014/main" id="{4C1ED64D-5FB8-09AD-ABAD-9EA3C7C634A4}"/>
             </a:ext>
           </a:extLst>
         </p:cNvPr>
@@ -14715,22 +9081,151 @@
       </p:grpSpPr>
       <p:sp>
         <p:nvSpPr>
-          <p:cNvPr id="5" name="Google Shape;266;p47">
+          <p:cNvPr id="250" name="Google Shape;250;p45">
             <a:extLst>
               <a:ext uri="{FF2B5EF4-FFF2-40B4-BE49-F238E27FC236}">
-                <a16:creationId xmlns:a16="http://schemas.microsoft.com/office/drawing/2014/main" id="{84969755-47BC-1FBA-169B-8DC87AE627FA}"/>
+                <a16:creationId xmlns:a16="http://schemas.microsoft.com/office/drawing/2014/main" id="{E79C34AA-C145-D299-0400-4269A738E8E3}"/>
               </a:ext>
             </a:extLst>
           </p:cNvPr>
           <p:cNvSpPr txBox="1">
-            <a:spLocks/>
+            <a:spLocks noGrp="1"/>
           </p:cNvSpPr>
-          <p:nvPr/>
+          <p:nvPr>
+            <p:ph type="title"/>
+          </p:nvPr>
         </p:nvSpPr>
         <p:spPr>
           <a:xfrm>
-            <a:off x="402962" y="356229"/>
-            <a:ext cx="7704000" cy="572700"/>
+            <a:off x="3859250" y="2380050"/>
+            <a:ext cx="4360200" cy="841800"/>
+          </a:xfrm>
+          <a:prstGeom prst="rect">
+            <a:avLst/>
+          </a:prstGeom>
+        </p:spPr>
+        <p:txBody>
+          <a:bodyPr spcFirstLastPara="1" wrap="square" lIns="91425" tIns="91425" rIns="91425" bIns="91425" anchor="b" anchorCtr="0">
+            <a:noAutofit/>
+          </a:bodyPr>
+          <a:lstStyle/>
+          <a:p>
+            <a:pPr lvl="0"/>
+            <a:r>
+              <a:rPr lang="en-US" sz="2800" b="1" dirty="0">
+                <a:solidFill>
+                  <a:schemeClr val="accent3">
+                    <a:lumMod val="25000"/>
+                  </a:schemeClr>
+                </a:solidFill>
+              </a:rPr>
+              <a:t>Single product and</a:t>
+            </a:r>
+            <a:br>
+              <a:rPr lang="en-US" sz="2800" b="1" dirty="0">
+                <a:solidFill>
+                  <a:schemeClr val="accent3">
+                    <a:lumMod val="25000"/>
+                  </a:schemeClr>
+                </a:solidFill>
+              </a:rPr>
+            </a:br>
+            <a:r>
+              <a:rPr lang="en-US" sz="2800" b="1" dirty="0">
+                <a:solidFill>
+                  <a:schemeClr val="accent3">
+                    <a:lumMod val="25000"/>
+                  </a:schemeClr>
+                </a:solidFill>
+              </a:rPr>
+              <a:t>Adversarial environment</a:t>
+            </a:r>
+          </a:p>
+        </p:txBody>
+      </p:sp>
+      <p:sp>
+        <p:nvSpPr>
+          <p:cNvPr id="251" name="Google Shape;251;p45">
+            <a:extLst>
+              <a:ext uri="{FF2B5EF4-FFF2-40B4-BE49-F238E27FC236}">
+                <a16:creationId xmlns:a16="http://schemas.microsoft.com/office/drawing/2014/main" id="{5DD2046D-03C6-AD06-2A75-D35F08C74266}"/>
+              </a:ext>
+            </a:extLst>
+          </p:cNvPr>
+          <p:cNvSpPr txBox="1">
+            <a:spLocks noGrp="1"/>
+          </p:cNvSpPr>
+          <p:nvPr>
+            <p:ph type="title" idx="2"/>
+          </p:nvPr>
+        </p:nvSpPr>
+        <p:spPr>
+          <a:xfrm>
+            <a:off x="3859250" y="1062325"/>
+            <a:ext cx="4360200" cy="1234500"/>
+          </a:xfrm>
+          <a:prstGeom prst="rect">
+            <a:avLst/>
+          </a:prstGeom>
+        </p:spPr>
+        <p:txBody>
+          <a:bodyPr spcFirstLastPara="1" wrap="square" lIns="91425" tIns="91425" rIns="91425" bIns="91425" anchor="t" anchorCtr="0">
+            <a:noAutofit/>
+          </a:bodyPr>
+          <a:lstStyle/>
+          <a:p>
+            <a:pPr marL="0" lvl="0" indent="0" algn="ctr" rtl="0">
+              <a:spcBef>
+                <a:spcPts val="0"/>
+              </a:spcBef>
+              <a:spcAft>
+                <a:spcPts val="0"/>
+              </a:spcAft>
+              <a:buNone/>
+            </a:pPr>
+            <a:r>
+              <a:rPr lang="en" dirty="0">
+                <a:solidFill>
+                  <a:schemeClr val="accent1">
+                    <a:lumMod val="50000"/>
+                  </a:schemeClr>
+                </a:solidFill>
+              </a:rPr>
+              <a:t>03</a:t>
+            </a:r>
+            <a:endParaRPr dirty="0">
+              <a:solidFill>
+                <a:schemeClr val="accent1">
+                  <a:lumMod val="50000"/>
+                </a:schemeClr>
+              </a:solidFill>
+            </a:endParaRPr>
+          </a:p>
+        </p:txBody>
+      </p:sp>
+      <p:pic>
+        <p:nvPicPr>
+          <p:cNvPr id="253" name="Google Shape;253;p45">
+            <a:extLst>
+              <a:ext uri="{FF2B5EF4-FFF2-40B4-BE49-F238E27FC236}">
+                <a16:creationId xmlns:a16="http://schemas.microsoft.com/office/drawing/2014/main" id="{BB835142-0B96-3499-087B-7AF086DA2F52}"/>
+              </a:ext>
+            </a:extLst>
+          </p:cNvPr>
+          <p:cNvPicPr preferRelativeResize="0"/>
+          <p:nvPr/>
+        </p:nvPicPr>
+        <p:blipFill rotWithShape="1">
+          <a:blip r:embed="rId3">
+            <a:alphaModFix/>
+          </a:blip>
+          <a:srcRect l="14335" r="14342"/>
+          <a:stretch/>
+        </p:blipFill>
+        <p:spPr>
+          <a:xfrm>
+            <a:off x="793150" y="348250"/>
+            <a:ext cx="3023699" cy="4260250"/>
           </a:xfrm>
           <a:prstGeom prst="rect">
             <a:avLst/>
@@ -14740,323 +9235,190 @@
             <a:noFill/>
           </a:ln>
         </p:spPr>
+      </p:pic>
+    </p:spTree>
+    <p:extLst>
+      <p:ext uri="{BB962C8B-B14F-4D97-AF65-F5344CB8AC3E}">
+        <p14:creationId xmlns:p14="http://schemas.microsoft.com/office/powerpoint/2010/main" val="1695129146"/>
+      </p:ext>
+    </p:extLst>
+  </p:cSld>
+  <p:clrMapOvr>
+    <a:masterClrMapping/>
+  </p:clrMapOvr>
+</p:sld>
+</file>
+
+<file path=ppt/slides/slide7.xml><?xml version="1.0" encoding="utf-8"?>
+<p:sld xmlns:a="http://schemas.openxmlformats.org/drawingml/2006/main" xmlns:r="http://schemas.openxmlformats.org/officeDocument/2006/relationships" xmlns:p="http://schemas.openxmlformats.org/presentationml/2006/main">
+  <p:cSld>
+    <p:spTree>
+      <p:nvGrpSpPr>
+        <p:cNvPr id="1" name="Shape 249">
+          <a:extLst>
+            <a:ext uri="{FF2B5EF4-FFF2-40B4-BE49-F238E27FC236}">
+              <a16:creationId xmlns:a16="http://schemas.microsoft.com/office/drawing/2014/main" id="{30F9CE9B-1905-6F28-D0F0-208C6E9E9B36}"/>
+            </a:ext>
+          </a:extLst>
+        </p:cNvPr>
+        <p:cNvGrpSpPr/>
+        <p:nvPr/>
+      </p:nvGrpSpPr>
+      <p:grpSpPr>
+        <a:xfrm>
+          <a:off x="0" y="0"/>
+          <a:ext cx="0" cy="0"/>
+          <a:chOff x="0" y="0"/>
+          <a:chExt cx="0" cy="0"/>
+        </a:xfrm>
+      </p:grpSpPr>
+      <p:sp>
+        <p:nvSpPr>
+          <p:cNvPr id="250" name="Google Shape;250;p45">
+            <a:extLst>
+              <a:ext uri="{FF2B5EF4-FFF2-40B4-BE49-F238E27FC236}">
+                <a16:creationId xmlns:a16="http://schemas.microsoft.com/office/drawing/2014/main" id="{520AB179-D9AB-20D8-AF45-5066F68986A0}"/>
+              </a:ext>
+            </a:extLst>
+          </p:cNvPr>
+          <p:cNvSpPr txBox="1">
+            <a:spLocks noGrp="1"/>
+          </p:cNvSpPr>
+          <p:nvPr>
+            <p:ph type="title"/>
+          </p:nvPr>
+        </p:nvSpPr>
+        <p:spPr>
+          <a:xfrm>
+            <a:off x="3859250" y="2380050"/>
+            <a:ext cx="4360200" cy="841800"/>
+          </a:xfrm>
+          <a:prstGeom prst="rect">
+            <a:avLst/>
+          </a:prstGeom>
+        </p:spPr>
+        <p:txBody>
+          <a:bodyPr spcFirstLastPara="1" wrap="square" lIns="91425" tIns="91425" rIns="91425" bIns="91425" anchor="b" anchorCtr="0">
+            <a:noAutofit/>
+          </a:bodyPr>
+          <a:lstStyle/>
+          <a:p>
+            <a:pPr lvl="0"/>
+            <a:r>
+              <a:rPr lang="en-US" sz="2800" b="1" dirty="0">
+                <a:solidFill>
+                  <a:schemeClr val="accent3">
+                    <a:lumMod val="25000"/>
+                  </a:schemeClr>
+                </a:solidFill>
+              </a:rPr>
+              <a:t>Multiple products and</a:t>
+            </a:r>
+            <a:br>
+              <a:rPr lang="en-US" sz="2800" b="1" dirty="0">
+                <a:solidFill>
+                  <a:schemeClr val="accent3">
+                    <a:lumMod val="25000"/>
+                  </a:schemeClr>
+                </a:solidFill>
+              </a:rPr>
+            </a:br>
+            <a:r>
+              <a:rPr lang="en-US" sz="2800" b="1" dirty="0">
+                <a:solidFill>
+                  <a:schemeClr val="accent3">
+                    <a:lumMod val="25000"/>
+                  </a:schemeClr>
+                </a:solidFill>
+              </a:rPr>
+              <a:t>Adversarial environment</a:t>
+            </a:r>
+          </a:p>
+        </p:txBody>
+      </p:sp>
+      <p:sp>
+        <p:nvSpPr>
+          <p:cNvPr id="251" name="Google Shape;251;p45">
+            <a:extLst>
+              <a:ext uri="{FF2B5EF4-FFF2-40B4-BE49-F238E27FC236}">
+                <a16:creationId xmlns:a16="http://schemas.microsoft.com/office/drawing/2014/main" id="{37B1BE82-9525-8B6E-45E1-C903BCE0DC4E}"/>
+              </a:ext>
+            </a:extLst>
+          </p:cNvPr>
+          <p:cNvSpPr txBox="1">
+            <a:spLocks noGrp="1"/>
+          </p:cNvSpPr>
+          <p:nvPr>
+            <p:ph type="title" idx="2"/>
+          </p:nvPr>
+        </p:nvSpPr>
+        <p:spPr>
+          <a:xfrm>
+            <a:off x="3859250" y="1062325"/>
+            <a:ext cx="4360200" cy="1234500"/>
+          </a:xfrm>
+          <a:prstGeom prst="rect">
+            <a:avLst/>
+          </a:prstGeom>
+        </p:spPr>
         <p:txBody>
           <a:bodyPr spcFirstLastPara="1" wrap="square" lIns="91425" tIns="91425" rIns="91425" bIns="91425" anchor="t" anchorCtr="0">
             <a:noAutofit/>
           </a:bodyPr>
-          <a:lstStyle>
-            <a:defPPr marR="0" lvl="0" algn="l" rtl="0">
-              <a:lnSpc>
-                <a:spcPct val="100000"/>
-              </a:lnSpc>
-              <a:spcBef>
-                <a:spcPts val="0"/>
-              </a:spcBef>
-              <a:spcAft>
-                <a:spcPts val="0"/>
-              </a:spcAft>
-            </a:defPPr>
-            <a:lvl1pPr marR="0" lvl="0" algn="l" rtl="0">
-              <a:lnSpc>
-                <a:spcPct val="100000"/>
-              </a:lnSpc>
-              <a:spcBef>
-                <a:spcPts val="0"/>
-              </a:spcBef>
-              <a:spcAft>
-                <a:spcPts val="0"/>
-              </a:spcAft>
-              <a:buClr>
-                <a:schemeClr val="dk1"/>
-              </a:buClr>
-              <a:buSzPts val="3500"/>
-              <a:buFont typeface="Electrolize"/>
-              <a:buNone/>
-              <a:defRPr sz="3500" b="0" i="0" u="none" strike="noStrike" cap="none">
-                <a:solidFill>
-                  <a:schemeClr val="dk1"/>
-                </a:solidFill>
-                <a:latin typeface="Electrolize"/>
-                <a:ea typeface="Electrolize"/>
-                <a:cs typeface="Electrolize"/>
-                <a:sym typeface="Electrolize"/>
-              </a:defRPr>
-            </a:lvl1pPr>
-            <a:lvl2pPr marR="0" lvl="1" algn="l" rtl="0">
-              <a:lnSpc>
-                <a:spcPct val="100000"/>
-              </a:lnSpc>
-              <a:spcBef>
-                <a:spcPts val="0"/>
-              </a:spcBef>
-              <a:spcAft>
-                <a:spcPts val="0"/>
-              </a:spcAft>
-              <a:buClr>
-                <a:schemeClr val="dk1"/>
-              </a:buClr>
-              <a:buSzPts val="3500"/>
-              <a:buFont typeface="Electrolize"/>
-              <a:buNone/>
-              <a:defRPr sz="3500" b="0" i="0" u="none" strike="noStrike" cap="none">
-                <a:solidFill>
-                  <a:schemeClr val="dk1"/>
-                </a:solidFill>
-                <a:latin typeface="Electrolize"/>
-                <a:ea typeface="Electrolize"/>
-                <a:cs typeface="Electrolize"/>
-                <a:sym typeface="Electrolize"/>
-              </a:defRPr>
-            </a:lvl2pPr>
-            <a:lvl3pPr marR="0" lvl="2" algn="l" rtl="0">
-              <a:lnSpc>
-                <a:spcPct val="100000"/>
-              </a:lnSpc>
-              <a:spcBef>
-                <a:spcPts val="0"/>
-              </a:spcBef>
-              <a:spcAft>
-                <a:spcPts val="0"/>
-              </a:spcAft>
-              <a:buClr>
-                <a:schemeClr val="dk1"/>
-              </a:buClr>
-              <a:buSzPts val="3500"/>
-              <a:buFont typeface="Electrolize"/>
-              <a:buNone/>
-              <a:defRPr sz="3500" b="0" i="0" u="none" strike="noStrike" cap="none">
-                <a:solidFill>
-                  <a:schemeClr val="dk1"/>
-                </a:solidFill>
-                <a:latin typeface="Electrolize"/>
-                <a:ea typeface="Electrolize"/>
-                <a:cs typeface="Electrolize"/>
-                <a:sym typeface="Electrolize"/>
-              </a:defRPr>
-            </a:lvl3pPr>
-            <a:lvl4pPr marR="0" lvl="3" algn="l" rtl="0">
-              <a:lnSpc>
-                <a:spcPct val="100000"/>
-              </a:lnSpc>
-              <a:spcBef>
-                <a:spcPts val="0"/>
-              </a:spcBef>
-              <a:spcAft>
-                <a:spcPts val="0"/>
-              </a:spcAft>
-              <a:buClr>
-                <a:schemeClr val="dk1"/>
-              </a:buClr>
-              <a:buSzPts val="3500"/>
-              <a:buFont typeface="Electrolize"/>
-              <a:buNone/>
-              <a:defRPr sz="3500" b="0" i="0" u="none" strike="noStrike" cap="none">
-                <a:solidFill>
-                  <a:schemeClr val="dk1"/>
-                </a:solidFill>
-                <a:latin typeface="Electrolize"/>
-                <a:ea typeface="Electrolize"/>
-                <a:cs typeface="Electrolize"/>
-                <a:sym typeface="Electrolize"/>
-              </a:defRPr>
-            </a:lvl4pPr>
-            <a:lvl5pPr marR="0" lvl="4" algn="l" rtl="0">
-              <a:lnSpc>
-                <a:spcPct val="100000"/>
-              </a:lnSpc>
-              <a:spcBef>
-                <a:spcPts val="0"/>
-              </a:spcBef>
-              <a:spcAft>
-                <a:spcPts val="0"/>
-              </a:spcAft>
-              <a:buClr>
-                <a:schemeClr val="dk1"/>
-              </a:buClr>
-              <a:buSzPts val="3500"/>
-              <a:buFont typeface="Electrolize"/>
-              <a:buNone/>
-              <a:defRPr sz="3500" b="0" i="0" u="none" strike="noStrike" cap="none">
-                <a:solidFill>
-                  <a:schemeClr val="dk1"/>
-                </a:solidFill>
-                <a:latin typeface="Electrolize"/>
-                <a:ea typeface="Electrolize"/>
-                <a:cs typeface="Electrolize"/>
-                <a:sym typeface="Electrolize"/>
-              </a:defRPr>
-            </a:lvl5pPr>
-            <a:lvl6pPr marR="0" lvl="5" algn="l" rtl="0">
-              <a:lnSpc>
-                <a:spcPct val="100000"/>
-              </a:lnSpc>
-              <a:spcBef>
-                <a:spcPts val="0"/>
-              </a:spcBef>
-              <a:spcAft>
-                <a:spcPts val="0"/>
-              </a:spcAft>
-              <a:buClr>
-                <a:schemeClr val="dk1"/>
-              </a:buClr>
-              <a:buSzPts val="3500"/>
-              <a:buFont typeface="Electrolize"/>
-              <a:buNone/>
-              <a:defRPr sz="3500" b="0" i="0" u="none" strike="noStrike" cap="none">
-                <a:solidFill>
-                  <a:schemeClr val="dk1"/>
-                </a:solidFill>
-                <a:latin typeface="Electrolize"/>
-                <a:ea typeface="Electrolize"/>
-                <a:cs typeface="Electrolize"/>
-                <a:sym typeface="Electrolize"/>
-              </a:defRPr>
-            </a:lvl6pPr>
-            <a:lvl7pPr marR="0" lvl="6" algn="l" rtl="0">
-              <a:lnSpc>
-                <a:spcPct val="100000"/>
-              </a:lnSpc>
-              <a:spcBef>
-                <a:spcPts val="0"/>
-              </a:spcBef>
-              <a:spcAft>
-                <a:spcPts val="0"/>
-              </a:spcAft>
-              <a:buClr>
-                <a:schemeClr val="dk1"/>
-              </a:buClr>
-              <a:buSzPts val="3500"/>
-              <a:buFont typeface="Electrolize"/>
-              <a:buNone/>
-              <a:defRPr sz="3500" b="0" i="0" u="none" strike="noStrike" cap="none">
-                <a:solidFill>
-                  <a:schemeClr val="dk1"/>
-                </a:solidFill>
-                <a:latin typeface="Electrolize"/>
-                <a:ea typeface="Electrolize"/>
-                <a:cs typeface="Electrolize"/>
-                <a:sym typeface="Electrolize"/>
-              </a:defRPr>
-            </a:lvl7pPr>
-            <a:lvl8pPr marR="0" lvl="7" algn="l" rtl="0">
-              <a:lnSpc>
-                <a:spcPct val="100000"/>
-              </a:lnSpc>
-              <a:spcBef>
-                <a:spcPts val="0"/>
-              </a:spcBef>
-              <a:spcAft>
-                <a:spcPts val="0"/>
-              </a:spcAft>
-              <a:buClr>
-                <a:schemeClr val="dk1"/>
-              </a:buClr>
-              <a:buSzPts val="3500"/>
-              <a:buFont typeface="Electrolize"/>
-              <a:buNone/>
-              <a:defRPr sz="3500" b="0" i="0" u="none" strike="noStrike" cap="none">
-                <a:solidFill>
-                  <a:schemeClr val="dk1"/>
-                </a:solidFill>
-                <a:latin typeface="Electrolize"/>
-                <a:ea typeface="Electrolize"/>
-                <a:cs typeface="Electrolize"/>
-                <a:sym typeface="Electrolize"/>
-              </a:defRPr>
-            </a:lvl8pPr>
-            <a:lvl9pPr marR="0" lvl="8" algn="l" rtl="0">
-              <a:lnSpc>
-                <a:spcPct val="100000"/>
-              </a:lnSpc>
-              <a:spcBef>
-                <a:spcPts val="0"/>
-              </a:spcBef>
-              <a:spcAft>
-                <a:spcPts val="0"/>
-              </a:spcAft>
-              <a:buClr>
-                <a:schemeClr val="dk1"/>
-              </a:buClr>
-              <a:buSzPts val="3500"/>
-              <a:buFont typeface="Electrolize"/>
-              <a:buNone/>
-              <a:defRPr sz="3500" b="0" i="0" u="none" strike="noStrike" cap="none">
-                <a:solidFill>
-                  <a:schemeClr val="dk1"/>
-                </a:solidFill>
-                <a:latin typeface="Electrolize"/>
-                <a:ea typeface="Electrolize"/>
-                <a:cs typeface="Electrolize"/>
-                <a:sym typeface="Electrolize"/>
-              </a:defRPr>
-            </a:lvl9pPr>
-          </a:lstStyle>
+          <a:lstStyle/>
           <a:p>
-            <a:pPr marL="285750" indent="-285750">
-              <a:buFont typeface="Wingdings" panose="05000000000000000000" pitchFamily="2" charset="2"/>
-              <a:buChar char="ü"/>
+            <a:pPr marL="0" lvl="0" indent="0" algn="ctr" rtl="0">
+              <a:spcBef>
+                <a:spcPts val="0"/>
+              </a:spcBef>
+              <a:spcAft>
+                <a:spcPts val="0"/>
+              </a:spcAft>
+              <a:buNone/>
             </a:pPr>
             <a:r>
-              <a:rPr lang="en-US" sz="1800" b="1" dirty="0">
-                <a:solidFill>
-                  <a:schemeClr val="accent3">
-                    <a:lumMod val="25000"/>
+              <a:rPr lang="en" dirty="0">
+                <a:solidFill>
+                  <a:schemeClr val="accent1">
+                    <a:lumMod val="50000"/>
                   </a:schemeClr>
                 </a:solidFill>
               </a:rPr>
-              <a:t>Build a pricing strategy extending UCB1 to handle the budget</a:t>
+              <a:t>04</a:t>
             </a:r>
+            <a:endParaRPr dirty="0">
+              <a:solidFill>
+                <a:schemeClr val="accent1">
+                  <a:lumMod val="50000"/>
+                </a:schemeClr>
+              </a:solidFill>
+            </a:endParaRPr>
           </a:p>
         </p:txBody>
       </p:sp>
       <p:pic>
         <p:nvPicPr>
-          <p:cNvPr id="9" name="Picture 8" descr="A screen shot of a computer program&#10;&#10;AI-generated content may be incorrect.">
+          <p:cNvPr id="253" name="Google Shape;253;p45">
             <a:extLst>
               <a:ext uri="{FF2B5EF4-FFF2-40B4-BE49-F238E27FC236}">
-                <a16:creationId xmlns:a16="http://schemas.microsoft.com/office/drawing/2014/main" id="{47901625-1403-3083-5C5B-DBDB6A39624F}"/>
+                <a16:creationId xmlns:a16="http://schemas.microsoft.com/office/drawing/2014/main" id="{2F90024F-E880-2F40-D846-811ED083D1D1}"/>
               </a:ext>
             </a:extLst>
           </p:cNvPr>
-          <p:cNvPicPr>
-            <a:picLocks noChangeAspect="1"/>
-          </p:cNvPicPr>
+          <p:cNvPicPr preferRelativeResize="0"/>
           <p:nvPr/>
         </p:nvPicPr>
-        <p:blipFill>
-          <a:blip r:embed="rId3"/>
-          <a:stretch>
-            <a:fillRect/>
-          </a:stretch>
+        <p:blipFill rotWithShape="1">
+          <a:blip r:embed="rId3">
+            <a:alphaModFix/>
+          </a:blip>
+          <a:srcRect l="14335" r="14342"/>
+          <a:stretch/>
         </p:blipFill>
         <p:spPr>
           <a:xfrm>
-            <a:off x="1037038" y="825020"/>
-            <a:ext cx="3255818" cy="4150629"/>
-          </a:xfrm>
-          <a:prstGeom prst="rect">
-            <a:avLst/>
-          </a:prstGeom>
-        </p:spPr>
-      </p:pic>
-      <p:sp>
-        <p:nvSpPr>
-          <p:cNvPr id="14" name="Google Shape;266;p47">
-            <a:extLst>
-              <a:ext uri="{FF2B5EF4-FFF2-40B4-BE49-F238E27FC236}">
-                <a16:creationId xmlns:a16="http://schemas.microsoft.com/office/drawing/2014/main" id="{605632D1-19E9-B2A0-BE05-930F14F60665}"/>
-              </a:ext>
-            </a:extLst>
-          </p:cNvPr>
-          <p:cNvSpPr txBox="1">
-            <a:spLocks/>
-          </p:cNvSpPr>
-          <p:nvPr/>
-        </p:nvSpPr>
-        <p:spPr>
-          <a:xfrm>
-            <a:off x="4357253" y="1485900"/>
-            <a:ext cx="4675910" cy="3301371"/>
+            <a:off x="793150" y="348250"/>
+            <a:ext cx="3023699" cy="4260250"/>
           </a:xfrm>
           <a:prstGeom prst="rect">
             <a:avLst/>
@@ -15066,325 +9428,11 @@
             <a:noFill/>
           </a:ln>
         </p:spPr>
-        <p:txBody>
-          <a:bodyPr spcFirstLastPara="1" wrap="square" lIns="91425" tIns="91425" rIns="91425" bIns="91425" anchor="t" anchorCtr="0">
-            <a:noAutofit/>
-          </a:bodyPr>
-          <a:lstStyle>
-            <a:defPPr marR="0" lvl="0" algn="l" rtl="0">
-              <a:lnSpc>
-                <a:spcPct val="100000"/>
-              </a:lnSpc>
-              <a:spcBef>
-                <a:spcPts val="0"/>
-              </a:spcBef>
-              <a:spcAft>
-                <a:spcPts val="0"/>
-              </a:spcAft>
-            </a:defPPr>
-            <a:lvl1pPr marR="0" lvl="0" algn="l" rtl="0">
-              <a:lnSpc>
-                <a:spcPct val="100000"/>
-              </a:lnSpc>
-              <a:spcBef>
-                <a:spcPts val="0"/>
-              </a:spcBef>
-              <a:spcAft>
-                <a:spcPts val="0"/>
-              </a:spcAft>
-              <a:buClr>
-                <a:schemeClr val="dk1"/>
-              </a:buClr>
-              <a:buSzPts val="3500"/>
-              <a:buFont typeface="Electrolize"/>
-              <a:buNone/>
-              <a:defRPr sz="3500" b="0" i="0" u="none" strike="noStrike" cap="none">
-                <a:solidFill>
-                  <a:schemeClr val="dk1"/>
-                </a:solidFill>
-                <a:latin typeface="Electrolize"/>
-                <a:ea typeface="Electrolize"/>
-                <a:cs typeface="Electrolize"/>
-                <a:sym typeface="Electrolize"/>
-              </a:defRPr>
-            </a:lvl1pPr>
-            <a:lvl2pPr marR="0" lvl="1" algn="l" rtl="0">
-              <a:lnSpc>
-                <a:spcPct val="100000"/>
-              </a:lnSpc>
-              <a:spcBef>
-                <a:spcPts val="0"/>
-              </a:spcBef>
-              <a:spcAft>
-                <a:spcPts val="0"/>
-              </a:spcAft>
-              <a:buClr>
-                <a:schemeClr val="dk1"/>
-              </a:buClr>
-              <a:buSzPts val="3500"/>
-              <a:buFont typeface="Electrolize"/>
-              <a:buNone/>
-              <a:defRPr sz="3500" b="0" i="0" u="none" strike="noStrike" cap="none">
-                <a:solidFill>
-                  <a:schemeClr val="dk1"/>
-                </a:solidFill>
-                <a:latin typeface="Electrolize"/>
-                <a:ea typeface="Electrolize"/>
-                <a:cs typeface="Electrolize"/>
-                <a:sym typeface="Electrolize"/>
-              </a:defRPr>
-            </a:lvl2pPr>
-            <a:lvl3pPr marR="0" lvl="2" algn="l" rtl="0">
-              <a:lnSpc>
-                <a:spcPct val="100000"/>
-              </a:lnSpc>
-              <a:spcBef>
-                <a:spcPts val="0"/>
-              </a:spcBef>
-              <a:spcAft>
-                <a:spcPts val="0"/>
-              </a:spcAft>
-              <a:buClr>
-                <a:schemeClr val="dk1"/>
-              </a:buClr>
-              <a:buSzPts val="3500"/>
-              <a:buFont typeface="Electrolize"/>
-              <a:buNone/>
-              <a:defRPr sz="3500" b="0" i="0" u="none" strike="noStrike" cap="none">
-                <a:solidFill>
-                  <a:schemeClr val="dk1"/>
-                </a:solidFill>
-                <a:latin typeface="Electrolize"/>
-                <a:ea typeface="Electrolize"/>
-                <a:cs typeface="Electrolize"/>
-                <a:sym typeface="Electrolize"/>
-              </a:defRPr>
-            </a:lvl3pPr>
-            <a:lvl4pPr marR="0" lvl="3" algn="l" rtl="0">
-              <a:lnSpc>
-                <a:spcPct val="100000"/>
-              </a:lnSpc>
-              <a:spcBef>
-                <a:spcPts val="0"/>
-              </a:spcBef>
-              <a:spcAft>
-                <a:spcPts val="0"/>
-              </a:spcAft>
-              <a:buClr>
-                <a:schemeClr val="dk1"/>
-              </a:buClr>
-              <a:buSzPts val="3500"/>
-              <a:buFont typeface="Electrolize"/>
-              <a:buNone/>
-              <a:defRPr sz="3500" b="0" i="0" u="none" strike="noStrike" cap="none">
-                <a:solidFill>
-                  <a:schemeClr val="dk1"/>
-                </a:solidFill>
-                <a:latin typeface="Electrolize"/>
-                <a:ea typeface="Electrolize"/>
-                <a:cs typeface="Electrolize"/>
-                <a:sym typeface="Electrolize"/>
-              </a:defRPr>
-            </a:lvl4pPr>
-            <a:lvl5pPr marR="0" lvl="4" algn="l" rtl="0">
-              <a:lnSpc>
-                <a:spcPct val="100000"/>
-              </a:lnSpc>
-              <a:spcBef>
-                <a:spcPts val="0"/>
-              </a:spcBef>
-              <a:spcAft>
-                <a:spcPts val="0"/>
-              </a:spcAft>
-              <a:buClr>
-                <a:schemeClr val="dk1"/>
-              </a:buClr>
-              <a:buSzPts val="3500"/>
-              <a:buFont typeface="Electrolize"/>
-              <a:buNone/>
-              <a:defRPr sz="3500" b="0" i="0" u="none" strike="noStrike" cap="none">
-                <a:solidFill>
-                  <a:schemeClr val="dk1"/>
-                </a:solidFill>
-                <a:latin typeface="Electrolize"/>
-                <a:ea typeface="Electrolize"/>
-                <a:cs typeface="Electrolize"/>
-                <a:sym typeface="Electrolize"/>
-              </a:defRPr>
-            </a:lvl5pPr>
-            <a:lvl6pPr marR="0" lvl="5" algn="l" rtl="0">
-              <a:lnSpc>
-                <a:spcPct val="100000"/>
-              </a:lnSpc>
-              <a:spcBef>
-                <a:spcPts val="0"/>
-              </a:spcBef>
-              <a:spcAft>
-                <a:spcPts val="0"/>
-              </a:spcAft>
-              <a:buClr>
-                <a:schemeClr val="dk1"/>
-              </a:buClr>
-              <a:buSzPts val="3500"/>
-              <a:buFont typeface="Electrolize"/>
-              <a:buNone/>
-              <a:defRPr sz="3500" b="0" i="0" u="none" strike="noStrike" cap="none">
-                <a:solidFill>
-                  <a:schemeClr val="dk1"/>
-                </a:solidFill>
-                <a:latin typeface="Electrolize"/>
-                <a:ea typeface="Electrolize"/>
-                <a:cs typeface="Electrolize"/>
-                <a:sym typeface="Electrolize"/>
-              </a:defRPr>
-            </a:lvl6pPr>
-            <a:lvl7pPr marR="0" lvl="6" algn="l" rtl="0">
-              <a:lnSpc>
-                <a:spcPct val="100000"/>
-              </a:lnSpc>
-              <a:spcBef>
-                <a:spcPts val="0"/>
-              </a:spcBef>
-              <a:spcAft>
-                <a:spcPts val="0"/>
-              </a:spcAft>
-              <a:buClr>
-                <a:schemeClr val="dk1"/>
-              </a:buClr>
-              <a:buSzPts val="3500"/>
-              <a:buFont typeface="Electrolize"/>
-              <a:buNone/>
-              <a:defRPr sz="3500" b="0" i="0" u="none" strike="noStrike" cap="none">
-                <a:solidFill>
-                  <a:schemeClr val="dk1"/>
-                </a:solidFill>
-                <a:latin typeface="Electrolize"/>
-                <a:ea typeface="Electrolize"/>
-                <a:cs typeface="Electrolize"/>
-                <a:sym typeface="Electrolize"/>
-              </a:defRPr>
-            </a:lvl7pPr>
-            <a:lvl8pPr marR="0" lvl="7" algn="l" rtl="0">
-              <a:lnSpc>
-                <a:spcPct val="100000"/>
-              </a:lnSpc>
-              <a:spcBef>
-                <a:spcPts val="0"/>
-              </a:spcBef>
-              <a:spcAft>
-                <a:spcPts val="0"/>
-              </a:spcAft>
-              <a:buClr>
-                <a:schemeClr val="dk1"/>
-              </a:buClr>
-              <a:buSzPts val="3500"/>
-              <a:buFont typeface="Electrolize"/>
-              <a:buNone/>
-              <a:defRPr sz="3500" b="0" i="0" u="none" strike="noStrike" cap="none">
-                <a:solidFill>
-                  <a:schemeClr val="dk1"/>
-                </a:solidFill>
-                <a:latin typeface="Electrolize"/>
-                <a:ea typeface="Electrolize"/>
-                <a:cs typeface="Electrolize"/>
-                <a:sym typeface="Electrolize"/>
-              </a:defRPr>
-            </a:lvl8pPr>
-            <a:lvl9pPr marR="0" lvl="8" algn="l" rtl="0">
-              <a:lnSpc>
-                <a:spcPct val="100000"/>
-              </a:lnSpc>
-              <a:spcBef>
-                <a:spcPts val="0"/>
-              </a:spcBef>
-              <a:spcAft>
-                <a:spcPts val="0"/>
-              </a:spcAft>
-              <a:buClr>
-                <a:schemeClr val="dk1"/>
-              </a:buClr>
-              <a:buSzPts val="3500"/>
-              <a:buFont typeface="Electrolize"/>
-              <a:buNone/>
-              <a:defRPr sz="3500" b="0" i="0" u="none" strike="noStrike" cap="none">
-                <a:solidFill>
-                  <a:schemeClr val="dk1"/>
-                </a:solidFill>
-                <a:latin typeface="Electrolize"/>
-                <a:ea typeface="Electrolize"/>
-                <a:cs typeface="Electrolize"/>
-                <a:sym typeface="Electrolize"/>
-              </a:defRPr>
-            </a:lvl9pPr>
-          </a:lstStyle>
-          <a:p>
-            <a:r>
-              <a:rPr lang="en-US" sz="1600" dirty="0"/>
-              <a:t>The </a:t>
-            </a:r>
-            <a:r>
-              <a:rPr lang="en-US" sz="1600" b="1" dirty="0">
-                <a:solidFill>
-                  <a:schemeClr val="accent1">
-                    <a:lumMod val="50000"/>
-                  </a:schemeClr>
-                </a:solidFill>
-              </a:rPr>
-              <a:t>CompanyUCB1_V2 </a:t>
-            </a:r>
-            <a:r>
-              <a:rPr lang="en-US" sz="1600" dirty="0"/>
-              <a:t>class extends the standard UCB1 approach by incorporating budget constraints.</a:t>
-            </a:r>
-          </a:p>
-          <a:p>
-            <a:endParaRPr lang="en-US" sz="1600" dirty="0"/>
-          </a:p>
-          <a:p>
-            <a:r>
-              <a:rPr lang="en-US" sz="1600" dirty="0"/>
-              <a:t>At each round, the agent selects the arm by balancing upper confidence bounds on expected revenue </a:t>
-            </a:r>
-            <a:r>
-              <a:rPr lang="en-US" sz="1600" b="1" dirty="0"/>
-              <a:t>f </a:t>
-            </a:r>
-            <a:r>
-              <a:rPr lang="en-US" sz="1600" dirty="0"/>
-              <a:t>and lower confidence bounds on cost </a:t>
-            </a:r>
-            <a:r>
-              <a:rPr lang="en-US" sz="1600" b="1" dirty="0"/>
-              <a:t>c </a:t>
-            </a:r>
-            <a:r>
-              <a:rPr lang="en-US" sz="1600" dirty="0"/>
-              <a:t>using a linear program to maximize gain under a per-round budget limit </a:t>
-            </a:r>
-            <a:r>
-              <a:rPr lang="en-US" sz="1600" b="1" dirty="0"/>
-              <a:t>ρ = B/T</a:t>
-            </a:r>
-            <a:r>
-              <a:rPr lang="en-US" sz="1600" dirty="0"/>
-              <a:t>. </a:t>
-            </a:r>
-          </a:p>
-          <a:p>
-            <a:endParaRPr lang="en-US" sz="1600" dirty="0"/>
-          </a:p>
-          <a:p>
-            <a:r>
-              <a:rPr lang="en-US" sz="1600" dirty="0"/>
-              <a:t>This adaptive policy ensures that price selections remain both profitable and feasible</a:t>
-            </a:r>
-          </a:p>
-        </p:txBody>
-      </p:sp>
+      </p:pic>
     </p:spTree>
     <p:extLst>
       <p:ext uri="{BB962C8B-B14F-4D97-AF65-F5344CB8AC3E}">
-        <p14:creationId xmlns:p14="http://schemas.microsoft.com/office/powerpoint/2010/main" val="3415776848"/>
+        <p14:creationId xmlns:p14="http://schemas.microsoft.com/office/powerpoint/2010/main" val="4093930356"/>
       </p:ext>
     </p:extLst>
   </p:cSld>
@@ -15399,7 +9447,13 @@
   <p:cSld>
     <p:spTree>
       <p:nvGrpSpPr>
-        <p:cNvPr id="1" name="Shape 270"/>
+        <p:cNvPr id="1" name="Shape 249">
+          <a:extLst>
+            <a:ext uri="{FF2B5EF4-FFF2-40B4-BE49-F238E27FC236}">
+              <a16:creationId xmlns:a16="http://schemas.microsoft.com/office/drawing/2014/main" id="{5B49A04D-F7B1-5C3C-19DD-C9A76B6E7612}"/>
+            </a:ext>
+          </a:extLst>
+        </p:cNvPr>
         <p:cNvGrpSpPr/>
         <p:nvPr/>
       </p:nvGrpSpPr>
@@ -15413,51 +9467,13 @@
       </p:grpSpPr>
       <p:sp>
         <p:nvSpPr>
-          <p:cNvPr id="271" name="Google Shape;271;p48"/>
-          <p:cNvSpPr/>
-          <p:nvPr/>
-        </p:nvSpPr>
-        <p:spPr>
-          <a:xfrm>
-            <a:off x="2002313" y="1783558"/>
-            <a:ext cx="740100" cy="740100"/>
-          </a:xfrm>
-          <a:prstGeom prst="rect">
-            <a:avLst/>
-          </a:prstGeom>
-          <a:noFill/>
-          <a:ln w="9525" cap="flat" cmpd="sng">
-            <a:solidFill>
-              <a:schemeClr val="dk1"/>
-            </a:solidFill>
-            <a:prstDash val="solid"/>
-            <a:round/>
-            <a:headEnd type="none" w="sm" len="sm"/>
-            <a:tailEnd type="none" w="sm" len="sm"/>
-          </a:ln>
-        </p:spPr>
-        <p:txBody>
-          <a:bodyPr spcFirstLastPara="1" wrap="square" lIns="91425" tIns="91425" rIns="91425" bIns="91425" anchor="ctr" anchorCtr="0">
-            <a:noAutofit/>
-          </a:bodyPr>
-          <a:lstStyle/>
-          <a:p>
-            <a:pPr marL="0" lvl="0" indent="0" algn="l" rtl="0">
-              <a:spcBef>
-                <a:spcPts val="0"/>
-              </a:spcBef>
-              <a:spcAft>
-                <a:spcPts val="0"/>
-              </a:spcAft>
-              <a:buNone/>
-            </a:pPr>
-            <a:endParaRPr/>
-          </a:p>
-        </p:txBody>
-      </p:sp>
-      <p:sp>
-        <p:nvSpPr>
-          <p:cNvPr id="273" name="Google Shape;273;p48"/>
+          <p:cNvPr id="250" name="Google Shape;250;p45">
+            <a:extLst>
+              <a:ext uri="{FF2B5EF4-FFF2-40B4-BE49-F238E27FC236}">
+                <a16:creationId xmlns:a16="http://schemas.microsoft.com/office/drawing/2014/main" id="{2595C63D-5269-0CE0-6F64-A33EF609F371}"/>
+              </a:ext>
+            </a:extLst>
+          </p:cNvPr>
           <p:cNvSpPr txBox="1">
             <a:spLocks noGrp="1"/>
           </p:cNvSpPr>
@@ -15467,62 +9483,52 @@
         </p:nvSpPr>
         <p:spPr>
           <a:xfrm>
-            <a:off x="879327" y="1049942"/>
-            <a:ext cx="7704000" cy="572700"/>
+            <a:off x="3859250" y="2380050"/>
+            <a:ext cx="4360200" cy="841800"/>
           </a:xfrm>
           <a:prstGeom prst="rect">
             <a:avLst/>
           </a:prstGeom>
         </p:spPr>
         <p:txBody>
-          <a:bodyPr spcFirstLastPara="1" wrap="square" lIns="91425" tIns="91425" rIns="91425" bIns="91425" anchor="t" anchorCtr="0">
+          <a:bodyPr spcFirstLastPara="1" wrap="square" lIns="91425" tIns="91425" rIns="91425" bIns="91425" anchor="b" anchorCtr="0">
             <a:noAutofit/>
           </a:bodyPr>
           <a:lstStyle/>
           <a:p>
-            <a:pPr marL="0" lvl="0" indent="0" algn="l" rtl="0">
-              <a:spcBef>
-                <a:spcPts val="0"/>
-              </a:spcBef>
-              <a:spcAft>
-                <a:spcPts val="0"/>
-              </a:spcAft>
-              <a:buNone/>
-            </a:pPr>
             <a:r>
-              <a:rPr lang="en" b="1" dirty="0">
-                <a:solidFill>
-                  <a:schemeClr val="accent1">
-                    <a:lumMod val="50000"/>
+              <a:rPr lang="en-US" sz="2800" b="1" dirty="0">
+                <a:solidFill>
+                  <a:schemeClr val="accent3">
+                    <a:lumMod val="25000"/>
                   </a:schemeClr>
                 </a:solidFill>
               </a:rPr>
-              <a:t>SIMULATION</a:t>
+              <a:t>Slightly non-stationary environment</a:t>
             </a:r>
-            <a:endParaRPr dirty="0">
-              <a:solidFill>
-                <a:schemeClr val="accent1">
-                  <a:lumMod val="50000"/>
-                </a:schemeClr>
-              </a:solidFill>
-            </a:endParaRPr>
           </a:p>
         </p:txBody>
       </p:sp>
       <p:sp>
         <p:nvSpPr>
-          <p:cNvPr id="276" name="Google Shape;276;p48"/>
+          <p:cNvPr id="251" name="Google Shape;251;p45">
+            <a:extLst>
+              <a:ext uri="{FF2B5EF4-FFF2-40B4-BE49-F238E27FC236}">
+                <a16:creationId xmlns:a16="http://schemas.microsoft.com/office/drawing/2014/main" id="{DE6655AA-75A0-9F60-558F-95A2061CB7D0}"/>
+              </a:ext>
+            </a:extLst>
+          </p:cNvPr>
           <p:cNvSpPr txBox="1">
             <a:spLocks noGrp="1"/>
           </p:cNvSpPr>
           <p:nvPr>
-            <p:ph type="subTitle" idx="3"/>
+            <p:ph type="title" idx="2"/>
           </p:nvPr>
         </p:nvSpPr>
         <p:spPr>
           <a:xfrm>
-            <a:off x="879327" y="2686442"/>
-            <a:ext cx="2969355" cy="716700"/>
+            <a:off x="3859250" y="1062325"/>
+            <a:ext cx="4360200" cy="1234500"/>
           </a:xfrm>
           <a:prstGeom prst="rect">
             <a:avLst/>
@@ -15544,491 +9550,64 @@
               <a:buNone/>
             </a:pPr>
             <a:r>
-              <a:rPr lang="en-US" dirty="0"/>
-              <a:t>We simulate the dynamic pricing over 10 different trials having:</a:t>
+              <a:rPr lang="en" dirty="0">
+                <a:solidFill>
+                  <a:schemeClr val="accent1">
+                    <a:lumMod val="50000"/>
+                  </a:schemeClr>
+                </a:solidFill>
+              </a:rPr>
+              <a:t>05</a:t>
             </a:r>
-          </a:p>
-          <a:p>
-            <a:pPr marL="0" lvl="0" indent="0" algn="ctr" rtl="0">
-              <a:spcBef>
-                <a:spcPts val="0"/>
-              </a:spcBef>
-              <a:spcAft>
-                <a:spcPts val="0"/>
-              </a:spcAft>
-              <a:buNone/>
-            </a:pPr>
-            <a:r>
-              <a:rPr lang="en-US" dirty="0"/>
-              <a:t>T = 10000	B = 4000</a:t>
-            </a:r>
+            <a:endParaRPr dirty="0">
+              <a:solidFill>
+                <a:schemeClr val="accent1">
+                  <a:lumMod val="50000"/>
+                </a:schemeClr>
+              </a:solidFill>
+            </a:endParaRPr>
           </a:p>
         </p:txBody>
       </p:sp>
-      <p:grpSp>
-        <p:nvGrpSpPr>
-          <p:cNvPr id="278" name="Google Shape;278;p48"/>
-          <p:cNvGrpSpPr/>
-          <p:nvPr/>
-        </p:nvGrpSpPr>
-        <p:grpSpPr>
-          <a:xfrm>
-            <a:off x="2145228" y="1946342"/>
-            <a:ext cx="454260" cy="414545"/>
-            <a:chOff x="1958520" y="2302574"/>
-            <a:chExt cx="359213" cy="327807"/>
-          </a:xfrm>
-        </p:grpSpPr>
-        <p:sp>
-          <p:nvSpPr>
-            <p:cNvPr id="279" name="Google Shape;279;p48"/>
-            <p:cNvSpPr/>
-            <p:nvPr/>
-          </p:nvSpPr>
-          <p:spPr>
-            <a:xfrm>
-              <a:off x="1958520" y="2302574"/>
-              <a:ext cx="359213" cy="327807"/>
-            </a:xfrm>
-            <a:custGeom>
-              <a:avLst/>
-              <a:gdLst/>
-              <a:ahLst/>
-              <a:cxnLst/>
-              <a:rect l="l" t="t" r="r" b="b"/>
-              <a:pathLst>
-                <a:path w="11312" h="10323" extrusionOk="0">
-                  <a:moveTo>
-                    <a:pt x="7168" y="8132"/>
-                  </a:moveTo>
-                  <a:lnTo>
-                    <a:pt x="7501" y="9204"/>
-                  </a:lnTo>
-                  <a:lnTo>
-                    <a:pt x="3799" y="9204"/>
-                  </a:lnTo>
-                  <a:lnTo>
-                    <a:pt x="4120" y="8132"/>
-                  </a:lnTo>
-                  <a:close/>
-                  <a:moveTo>
-                    <a:pt x="8466" y="9537"/>
-                  </a:moveTo>
-                  <a:cubicBezTo>
-                    <a:pt x="8597" y="9537"/>
-                    <a:pt x="8704" y="9656"/>
-                    <a:pt x="8704" y="9775"/>
-                  </a:cubicBezTo>
-                  <a:cubicBezTo>
-                    <a:pt x="8704" y="9906"/>
-                    <a:pt x="8597" y="10013"/>
-                    <a:pt x="8466" y="10013"/>
-                  </a:cubicBezTo>
-                  <a:lnTo>
-                    <a:pt x="2810" y="10013"/>
-                  </a:lnTo>
-                  <a:cubicBezTo>
-                    <a:pt x="2679" y="10013"/>
-                    <a:pt x="2572" y="9906"/>
-                    <a:pt x="2572" y="9775"/>
-                  </a:cubicBezTo>
-                  <a:cubicBezTo>
-                    <a:pt x="2572" y="9644"/>
-                    <a:pt x="2679" y="9537"/>
-                    <a:pt x="2810" y="9537"/>
-                  </a:cubicBezTo>
-                  <a:close/>
-                  <a:moveTo>
-                    <a:pt x="1072" y="0"/>
-                  </a:moveTo>
-                  <a:cubicBezTo>
-                    <a:pt x="477" y="0"/>
-                    <a:pt x="0" y="476"/>
-                    <a:pt x="0" y="1072"/>
-                  </a:cubicBezTo>
-                  <a:lnTo>
-                    <a:pt x="0" y="7049"/>
-                  </a:lnTo>
-                  <a:cubicBezTo>
-                    <a:pt x="0" y="7644"/>
-                    <a:pt x="477" y="8120"/>
-                    <a:pt x="1072" y="8120"/>
-                  </a:cubicBezTo>
-                  <a:lnTo>
-                    <a:pt x="3763" y="8120"/>
-                  </a:lnTo>
-                  <a:lnTo>
-                    <a:pt x="3441" y="9192"/>
-                  </a:lnTo>
-                  <a:lnTo>
-                    <a:pt x="2822" y="9192"/>
-                  </a:lnTo>
-                  <a:cubicBezTo>
-                    <a:pt x="2513" y="9192"/>
-                    <a:pt x="2263" y="9442"/>
-                    <a:pt x="2263" y="9751"/>
-                  </a:cubicBezTo>
-                  <a:cubicBezTo>
-                    <a:pt x="2263" y="10073"/>
-                    <a:pt x="2513" y="10323"/>
-                    <a:pt x="2822" y="10323"/>
-                  </a:cubicBezTo>
-                  <a:lnTo>
-                    <a:pt x="8478" y="10323"/>
-                  </a:lnTo>
-                  <a:cubicBezTo>
-                    <a:pt x="8799" y="10323"/>
-                    <a:pt x="9049" y="10073"/>
-                    <a:pt x="9049" y="9751"/>
-                  </a:cubicBezTo>
-                  <a:cubicBezTo>
-                    <a:pt x="9049" y="9442"/>
-                    <a:pt x="8799" y="9192"/>
-                    <a:pt x="8478" y="9192"/>
-                  </a:cubicBezTo>
-                  <a:lnTo>
-                    <a:pt x="7870" y="9192"/>
-                  </a:lnTo>
-                  <a:lnTo>
-                    <a:pt x="7549" y="8120"/>
-                  </a:lnTo>
-                  <a:lnTo>
-                    <a:pt x="10240" y="8120"/>
-                  </a:lnTo>
-                  <a:cubicBezTo>
-                    <a:pt x="10835" y="8120"/>
-                    <a:pt x="11311" y="7644"/>
-                    <a:pt x="11311" y="7049"/>
-                  </a:cubicBezTo>
-                  <a:lnTo>
-                    <a:pt x="11311" y="1072"/>
-                  </a:lnTo>
-                  <a:cubicBezTo>
-                    <a:pt x="11299" y="488"/>
-                    <a:pt x="10823" y="0"/>
-                    <a:pt x="10228" y="0"/>
-                  </a:cubicBezTo>
-                  <a:lnTo>
-                    <a:pt x="2786" y="0"/>
-                  </a:lnTo>
-                  <a:cubicBezTo>
-                    <a:pt x="2691" y="0"/>
-                    <a:pt x="2620" y="72"/>
-                    <a:pt x="2620" y="155"/>
-                  </a:cubicBezTo>
-                  <a:cubicBezTo>
-                    <a:pt x="2620" y="250"/>
-                    <a:pt x="2691" y="322"/>
-                    <a:pt x="2786" y="322"/>
-                  </a:cubicBezTo>
-                  <a:lnTo>
-                    <a:pt x="10228" y="322"/>
-                  </a:lnTo>
-                  <a:cubicBezTo>
-                    <a:pt x="10621" y="322"/>
-                    <a:pt x="10966" y="655"/>
-                    <a:pt x="10966" y="1072"/>
-                  </a:cubicBezTo>
-                  <a:lnTo>
-                    <a:pt x="10966" y="7049"/>
-                  </a:lnTo>
-                  <a:cubicBezTo>
-                    <a:pt x="10966" y="7453"/>
-                    <a:pt x="10645" y="7799"/>
-                    <a:pt x="10228" y="7799"/>
-                  </a:cubicBezTo>
-                  <a:lnTo>
-                    <a:pt x="1072" y="7799"/>
-                  </a:lnTo>
-                  <a:cubicBezTo>
-                    <a:pt x="667" y="7799"/>
-                    <a:pt x="322" y="7465"/>
-                    <a:pt x="322" y="7049"/>
-                  </a:cubicBezTo>
-                  <a:lnTo>
-                    <a:pt x="322" y="1072"/>
-                  </a:lnTo>
-                  <a:cubicBezTo>
-                    <a:pt x="322" y="667"/>
-                    <a:pt x="655" y="322"/>
-                    <a:pt x="1072" y="322"/>
-                  </a:cubicBezTo>
-                  <a:lnTo>
-                    <a:pt x="2108" y="322"/>
-                  </a:lnTo>
-                  <a:cubicBezTo>
-                    <a:pt x="2203" y="322"/>
-                    <a:pt x="2275" y="250"/>
-                    <a:pt x="2275" y="155"/>
-                  </a:cubicBezTo>
-                  <a:cubicBezTo>
-                    <a:pt x="2275" y="72"/>
-                    <a:pt x="2203" y="0"/>
-                    <a:pt x="2108" y="0"/>
-                  </a:cubicBezTo>
-                  <a:close/>
-                </a:path>
-              </a:pathLst>
-            </a:custGeom>
-            <a:solidFill>
-              <a:schemeClr val="dk2"/>
-            </a:solidFill>
-            <a:ln>
-              <a:noFill/>
-            </a:ln>
-          </p:spPr>
-          <p:txBody>
-            <a:bodyPr spcFirstLastPara="1" wrap="square" lIns="91425" tIns="91425" rIns="91425" bIns="91425" anchor="ctr" anchorCtr="0">
-              <a:noAutofit/>
-            </a:bodyPr>
-            <a:lstStyle/>
-            <a:p>
-              <a:pPr marL="0" lvl="0" indent="0" algn="l" rtl="0">
-                <a:spcBef>
-                  <a:spcPts val="0"/>
-                </a:spcBef>
-                <a:spcAft>
-                  <a:spcPts val="0"/>
-                </a:spcAft>
-                <a:buNone/>
-              </a:pPr>
-              <a:endParaRPr/>
-            </a:p>
-          </p:txBody>
-        </p:sp>
-        <p:sp>
-          <p:nvSpPr>
-            <p:cNvPr id="280" name="Google Shape;280;p48"/>
-            <p:cNvSpPr/>
-            <p:nvPr/>
-          </p:nvSpPr>
-          <p:spPr>
-            <a:xfrm>
-              <a:off x="1986877" y="2331313"/>
-              <a:ext cx="302117" cy="184909"/>
-            </a:xfrm>
-            <a:custGeom>
-              <a:avLst/>
-              <a:gdLst/>
-              <a:ahLst/>
-              <a:cxnLst/>
-              <a:rect l="l" t="t" r="r" b="b"/>
-              <a:pathLst>
-                <a:path w="9514" h="5823" extrusionOk="0">
-                  <a:moveTo>
-                    <a:pt x="179" y="0"/>
-                  </a:moveTo>
-                  <a:cubicBezTo>
-                    <a:pt x="72" y="0"/>
-                    <a:pt x="0" y="71"/>
-                    <a:pt x="0" y="179"/>
-                  </a:cubicBezTo>
-                  <a:lnTo>
-                    <a:pt x="0" y="5656"/>
-                  </a:lnTo>
-                  <a:cubicBezTo>
-                    <a:pt x="0" y="5739"/>
-                    <a:pt x="72" y="5822"/>
-                    <a:pt x="167" y="5822"/>
-                  </a:cubicBezTo>
-                  <a:lnTo>
-                    <a:pt x="9347" y="5822"/>
-                  </a:lnTo>
-                  <a:cubicBezTo>
-                    <a:pt x="9430" y="5822"/>
-                    <a:pt x="9513" y="5739"/>
-                    <a:pt x="9513" y="5656"/>
-                  </a:cubicBezTo>
-                  <a:lnTo>
-                    <a:pt x="9513" y="5072"/>
-                  </a:lnTo>
-                  <a:cubicBezTo>
-                    <a:pt x="9513" y="4989"/>
-                    <a:pt x="9430" y="4905"/>
-                    <a:pt x="9347" y="4905"/>
-                  </a:cubicBezTo>
-                  <a:cubicBezTo>
-                    <a:pt x="9252" y="4905"/>
-                    <a:pt x="9180" y="4989"/>
-                    <a:pt x="9180" y="5072"/>
-                  </a:cubicBezTo>
-                  <a:lnTo>
-                    <a:pt x="9180" y="5489"/>
-                  </a:lnTo>
-                  <a:lnTo>
-                    <a:pt x="346" y="5489"/>
-                  </a:lnTo>
-                  <a:lnTo>
-                    <a:pt x="346" y="345"/>
-                  </a:lnTo>
-                  <a:lnTo>
-                    <a:pt x="9180" y="345"/>
-                  </a:lnTo>
-                  <a:lnTo>
-                    <a:pt x="9180" y="4405"/>
-                  </a:lnTo>
-                  <a:cubicBezTo>
-                    <a:pt x="9168" y="4489"/>
-                    <a:pt x="9240" y="4572"/>
-                    <a:pt x="9347" y="4572"/>
-                  </a:cubicBezTo>
-                  <a:cubicBezTo>
-                    <a:pt x="9430" y="4572"/>
-                    <a:pt x="9513" y="4489"/>
-                    <a:pt x="9513" y="4405"/>
-                  </a:cubicBezTo>
-                  <a:lnTo>
-                    <a:pt x="9513" y="179"/>
-                  </a:lnTo>
-                  <a:cubicBezTo>
-                    <a:pt x="9513" y="71"/>
-                    <a:pt x="9430" y="0"/>
-                    <a:pt x="9335" y="0"/>
-                  </a:cubicBezTo>
-                  <a:close/>
-                </a:path>
-              </a:pathLst>
-            </a:custGeom>
-            <a:solidFill>
-              <a:schemeClr val="dk2"/>
-            </a:solidFill>
-            <a:ln>
-              <a:noFill/>
-            </a:ln>
-          </p:spPr>
-          <p:txBody>
-            <a:bodyPr spcFirstLastPara="1" wrap="square" lIns="91425" tIns="91425" rIns="91425" bIns="91425" anchor="ctr" anchorCtr="0">
-              <a:noAutofit/>
-            </a:bodyPr>
-            <a:lstStyle/>
-            <a:p>
-              <a:pPr marL="0" lvl="0" indent="0" algn="l" rtl="0">
-                <a:spcBef>
-                  <a:spcPts val="0"/>
-                </a:spcBef>
-                <a:spcAft>
-                  <a:spcPts val="0"/>
-                </a:spcAft>
-                <a:buNone/>
-              </a:pPr>
-              <a:endParaRPr/>
-            </a:p>
-          </p:txBody>
-        </p:sp>
-        <p:sp>
-          <p:nvSpPr>
-            <p:cNvPr id="281" name="Google Shape;281;p48"/>
-            <p:cNvSpPr/>
-            <p:nvPr/>
-          </p:nvSpPr>
-          <p:spPr>
-            <a:xfrm>
-              <a:off x="2131521" y="2526701"/>
-              <a:ext cx="11908" cy="10638"/>
-            </a:xfrm>
-            <a:custGeom>
-              <a:avLst/>
-              <a:gdLst/>
-              <a:ahLst/>
-              <a:cxnLst/>
-              <a:rect l="l" t="t" r="r" b="b"/>
-              <a:pathLst>
-                <a:path w="375" h="335" extrusionOk="0">
-                  <a:moveTo>
-                    <a:pt x="176" y="0"/>
-                  </a:moveTo>
-                  <a:cubicBezTo>
-                    <a:pt x="167" y="0"/>
-                    <a:pt x="158" y="1"/>
-                    <a:pt x="148" y="3"/>
-                  </a:cubicBezTo>
-                  <a:cubicBezTo>
-                    <a:pt x="77" y="26"/>
-                    <a:pt x="17" y="86"/>
-                    <a:pt x="17" y="157"/>
-                  </a:cubicBezTo>
-                  <a:cubicBezTo>
-                    <a:pt x="1" y="258"/>
-                    <a:pt x="95" y="334"/>
-                    <a:pt x="186" y="334"/>
-                  </a:cubicBezTo>
-                  <a:cubicBezTo>
-                    <a:pt x="225" y="334"/>
-                    <a:pt x="263" y="320"/>
-                    <a:pt x="291" y="288"/>
-                  </a:cubicBezTo>
-                  <a:cubicBezTo>
-                    <a:pt x="375" y="229"/>
-                    <a:pt x="375" y="145"/>
-                    <a:pt x="327" y="86"/>
-                  </a:cubicBezTo>
-                  <a:cubicBezTo>
-                    <a:pt x="296" y="34"/>
-                    <a:pt x="238" y="0"/>
-                    <a:pt x="176" y="0"/>
-                  </a:cubicBezTo>
-                  <a:close/>
-                </a:path>
-              </a:pathLst>
-            </a:custGeom>
-            <a:solidFill>
-              <a:schemeClr val="dk2"/>
-            </a:solidFill>
-            <a:ln>
-              <a:noFill/>
-            </a:ln>
-          </p:spPr>
-          <p:txBody>
-            <a:bodyPr spcFirstLastPara="1" wrap="square" lIns="91425" tIns="91425" rIns="91425" bIns="91425" anchor="ctr" anchorCtr="0">
-              <a:noAutofit/>
-            </a:bodyPr>
-            <a:lstStyle/>
-            <a:p>
-              <a:pPr marL="0" lvl="0" indent="0" algn="l" rtl="0">
-                <a:spcBef>
-                  <a:spcPts val="0"/>
-                </a:spcBef>
-                <a:spcAft>
-                  <a:spcPts val="0"/>
-                </a:spcAft>
-                <a:buNone/>
-              </a:pPr>
-              <a:endParaRPr/>
-            </a:p>
-          </p:txBody>
-        </p:sp>
-      </p:grpSp>
       <p:pic>
         <p:nvPicPr>
-          <p:cNvPr id="7" name="Picture 6" descr="A screen shot of a computer program&#10;&#10;AI-generated content may be incorrect.">
+          <p:cNvPr id="253" name="Google Shape;253;p45">
             <a:extLst>
               <a:ext uri="{FF2B5EF4-FFF2-40B4-BE49-F238E27FC236}">
-                <a16:creationId xmlns:a16="http://schemas.microsoft.com/office/drawing/2014/main" id="{6ACD81F3-557E-649D-0D84-02964905E24F}"/>
+                <a16:creationId xmlns:a16="http://schemas.microsoft.com/office/drawing/2014/main" id="{96272E6F-E329-65EB-3662-466417EAD38B}"/>
               </a:ext>
             </a:extLst>
           </p:cNvPr>
-          <p:cNvPicPr>
-            <a:picLocks noChangeAspect="1"/>
-          </p:cNvPicPr>
+          <p:cNvPicPr preferRelativeResize="0"/>
           <p:nvPr/>
         </p:nvPicPr>
-        <p:blipFill>
-          <a:blip r:embed="rId3"/>
-          <a:stretch>
-            <a:fillRect/>
-          </a:stretch>
+        <p:blipFill rotWithShape="1">
+          <a:blip r:embed="rId3">
+            <a:alphaModFix/>
+          </a:blip>
+          <a:srcRect l="14335" r="14342"/>
+          <a:stretch/>
         </p:blipFill>
         <p:spPr>
           <a:xfrm>
-            <a:off x="4412673" y="148926"/>
-            <a:ext cx="3852000" cy="4845648"/>
+            <a:off x="793150" y="348250"/>
+            <a:ext cx="3023699" cy="4260250"/>
           </a:xfrm>
           <a:prstGeom prst="rect">
             <a:avLst/>
           </a:prstGeom>
+          <a:noFill/>
+          <a:ln>
+            <a:noFill/>
+          </a:ln>
         </p:spPr>
       </p:pic>
     </p:spTree>
+    <p:extLst>
+      <p:ext uri="{BB962C8B-B14F-4D97-AF65-F5344CB8AC3E}">
+        <p14:creationId xmlns:p14="http://schemas.microsoft.com/office/powerpoint/2010/main" val="2097398197"/>
+      </p:ext>
+    </p:extLst>
   </p:cSld>
   <p:clrMapOvr>
     <a:masterClrMapping/>
@@ -16041,7 +9620,13 @@
   <p:cSld>
     <p:spTree>
       <p:nvGrpSpPr>
-        <p:cNvPr id="1" name="Shape 291"/>
+        <p:cNvPr id="1" name="Shape 213">
+          <a:extLst>
+            <a:ext uri="{FF2B5EF4-FFF2-40B4-BE49-F238E27FC236}">
+              <a16:creationId xmlns:a16="http://schemas.microsoft.com/office/drawing/2014/main" id="{3797B1BB-00F5-1CF4-842A-DB7BA13EB3C3}"/>
+            </a:ext>
+          </a:extLst>
+        </p:cNvPr>
         <p:cNvGrpSpPr/>
         <p:nvPr/>
       </p:nvGrpSpPr>
@@ -16055,25 +9640,31 @@
       </p:grpSpPr>
       <p:sp>
         <p:nvSpPr>
-          <p:cNvPr id="296" name="Google Shape;296;p49"/>
+          <p:cNvPr id="214" name="Google Shape;214;p41">
+            <a:extLst>
+              <a:ext uri="{FF2B5EF4-FFF2-40B4-BE49-F238E27FC236}">
+                <a16:creationId xmlns:a16="http://schemas.microsoft.com/office/drawing/2014/main" id="{CA6F0051-88A5-B109-4175-EBA48D0BBBEC}"/>
+              </a:ext>
+            </a:extLst>
+          </p:cNvPr>
           <p:cNvSpPr txBox="1">
             <a:spLocks noGrp="1"/>
           </p:cNvSpPr>
           <p:nvPr>
-            <p:ph type="title"/>
+            <p:ph type="ctrTitle"/>
           </p:nvPr>
         </p:nvSpPr>
         <p:spPr>
           <a:xfrm>
-            <a:off x="720000" y="521225"/>
-            <a:ext cx="7704000" cy="572700"/>
+            <a:off x="3695838" y="824345"/>
+            <a:ext cx="5157216" cy="690125"/>
           </a:xfrm>
           <a:prstGeom prst="rect">
             <a:avLst/>
           </a:prstGeom>
         </p:spPr>
         <p:txBody>
-          <a:bodyPr spcFirstLastPara="1" wrap="square" lIns="91425" tIns="91425" rIns="91425" bIns="91425" anchor="t" anchorCtr="0">
+          <a:bodyPr spcFirstLastPara="1" wrap="square" lIns="91425" tIns="91425" rIns="91425" bIns="91425" anchor="b" anchorCtr="0">
             <a:noAutofit/>
           </a:bodyPr>
           <a:lstStyle/>
@@ -16090,52 +9681,62 @@
             <a:r>
               <a:rPr lang="en" b="1" dirty="0">
                 <a:solidFill>
-                  <a:schemeClr val="accent3">
-                    <a:lumMod val="25000"/>
+                  <a:schemeClr val="accent1">
+                    <a:lumMod val="50000"/>
                   </a:schemeClr>
                 </a:solidFill>
               </a:rPr>
-              <a:t>REGRET BOUNDS: </a:t>
+              <a:t>REMARKS:</a:t>
             </a:r>
-            <a:r>
-              <a:rPr lang="en" b="1" dirty="0"/>
-              <a:t>no budget</a:t>
-            </a:r>
-            <a:endParaRPr dirty="0"/>
+            <a:endParaRPr dirty="0">
+              <a:solidFill>
+                <a:schemeClr val="accent3">
+                  <a:lumMod val="25000"/>
+                </a:schemeClr>
+              </a:solidFill>
+            </a:endParaRPr>
           </a:p>
         </p:txBody>
       </p:sp>
       <p:pic>
         <p:nvPicPr>
-          <p:cNvPr id="17" name="Picture 16" descr="A graph of a graph of a number of different colored lines&#10;&#10;AI-generated content may be incorrect.">
+          <p:cNvPr id="216" name="Google Shape;216;p41">
             <a:extLst>
               <a:ext uri="{FF2B5EF4-FFF2-40B4-BE49-F238E27FC236}">
-                <a16:creationId xmlns:a16="http://schemas.microsoft.com/office/drawing/2014/main" id="{179AACA6-C4FC-354C-6357-8AF063563BA2}"/>
+                <a16:creationId xmlns:a16="http://schemas.microsoft.com/office/drawing/2014/main" id="{ED669F96-D259-EA01-569D-56A8510EA0AC}"/>
               </a:ext>
             </a:extLst>
           </p:cNvPr>
-          <p:cNvPicPr>
-            <a:picLocks noChangeAspect="1"/>
-          </p:cNvPicPr>
+          <p:cNvPicPr preferRelativeResize="0"/>
           <p:nvPr/>
         </p:nvPicPr>
-        <p:blipFill>
-          <a:blip r:embed="rId3"/>
-          <a:stretch>
-            <a:fillRect/>
-          </a:stretch>
+        <p:blipFill rotWithShape="1">
+          <a:blip r:embed="rId3">
+            <a:alphaModFix/>
+          </a:blip>
+          <a:srcRect l="13663" t="5545" r="23252" b="6005"/>
+          <a:stretch/>
         </p:blipFill>
         <p:spPr>
           <a:xfrm>
-            <a:off x="194949" y="1281546"/>
-            <a:ext cx="8754101" cy="3123777"/>
+            <a:off x="758750" y="-125175"/>
+            <a:ext cx="3190148" cy="4494751"/>
           </a:xfrm>
           <a:prstGeom prst="rect">
             <a:avLst/>
           </a:prstGeom>
+          <a:noFill/>
+          <a:ln>
+            <a:noFill/>
+          </a:ln>
         </p:spPr>
       </p:pic>
     </p:spTree>
+    <p:extLst>
+      <p:ext uri="{BB962C8B-B14F-4D97-AF65-F5344CB8AC3E}">
+        <p14:creationId xmlns:p14="http://schemas.microsoft.com/office/powerpoint/2010/main" val="4123946821"/>
+      </p:ext>
+    </p:extLst>
   </p:cSld>
   <p:clrMapOvr>
     <a:masterClrMapping/>

--- a/presentation.pptx
+++ b/presentation.pptx
@@ -12,11 +12,11 @@
     <p:sldId id="258" r:id="rId3"/>
     <p:sldId id="259" r:id="rId4"/>
     <p:sldId id="260" r:id="rId5"/>
-    <p:sldId id="314" r:id="rId6"/>
-    <p:sldId id="315" r:id="rId7"/>
-    <p:sldId id="316" r:id="rId8"/>
-    <p:sldId id="317" r:id="rId9"/>
-    <p:sldId id="318" r:id="rId10"/>
+    <p:sldId id="318" r:id="rId6"/>
+    <p:sldId id="314" r:id="rId7"/>
+    <p:sldId id="315" r:id="rId8"/>
+    <p:sldId id="316" r:id="rId9"/>
+    <p:sldId id="317" r:id="rId10"/>
   </p:sldIdLst>
   <p:sldSz cx="9144000" cy="5143500" type="screen16x9"/>
   <p:notesSz cx="6858000" cy="9144000"/>
@@ -1134,6 +1134,133 @@
   <p:cSld>
     <p:spTree>
       <p:nvGrpSpPr>
+        <p:cNvPr id="1" name="Shape 210">
+          <a:extLst>
+            <a:ext uri="{FF2B5EF4-FFF2-40B4-BE49-F238E27FC236}">
+              <a16:creationId xmlns:a16="http://schemas.microsoft.com/office/drawing/2014/main" id="{156E5B49-0FE3-3EF1-9921-CD24545EC170}"/>
+            </a:ext>
+          </a:extLst>
+        </p:cNvPr>
+        <p:cNvGrpSpPr/>
+        <p:nvPr/>
+      </p:nvGrpSpPr>
+      <p:grpSpPr>
+        <a:xfrm>
+          <a:off x="0" y="0"/>
+          <a:ext cx="0" cy="0"/>
+          <a:chOff x="0" y="0"/>
+          <a:chExt cx="0" cy="0"/>
+        </a:xfrm>
+      </p:grpSpPr>
+      <p:sp>
+        <p:nvSpPr>
+          <p:cNvPr id="211" name="Google Shape;211;p:notes">
+            <a:extLst>
+              <a:ext uri="{FF2B5EF4-FFF2-40B4-BE49-F238E27FC236}">
+                <a16:creationId xmlns:a16="http://schemas.microsoft.com/office/drawing/2014/main" id="{FEBCEE5B-71FF-15C8-9C27-BEF872FC2E2D}"/>
+              </a:ext>
+            </a:extLst>
+          </p:cNvPr>
+          <p:cNvSpPr>
+            <a:spLocks noGrp="1" noRot="1" noChangeAspect="1"/>
+          </p:cNvSpPr>
+          <p:nvPr>
+            <p:ph type="sldImg" idx="2"/>
+          </p:nvPr>
+        </p:nvSpPr>
+        <p:spPr>
+          <a:xfrm>
+            <a:off x="381000" y="685800"/>
+            <a:ext cx="6096000" cy="3429000"/>
+          </a:xfrm>
+          <a:custGeom>
+            <a:avLst/>
+            <a:gdLst/>
+            <a:ahLst/>
+            <a:cxnLst/>
+            <a:rect l="l" t="t" r="r" b="b"/>
+            <a:pathLst>
+              <a:path w="120000" h="120000" extrusionOk="0">
+                <a:moveTo>
+                  <a:pt x="0" y="0"/>
+                </a:moveTo>
+                <a:lnTo>
+                  <a:pt x="120000" y="0"/>
+                </a:lnTo>
+                <a:lnTo>
+                  <a:pt x="120000" y="120000"/>
+                </a:lnTo>
+                <a:lnTo>
+                  <a:pt x="0" y="120000"/>
+                </a:lnTo>
+                <a:close/>
+              </a:path>
+            </a:pathLst>
+          </a:custGeom>
+        </p:spPr>
+      </p:sp>
+      <p:sp>
+        <p:nvSpPr>
+          <p:cNvPr id="212" name="Google Shape;212;p:notes">
+            <a:extLst>
+              <a:ext uri="{FF2B5EF4-FFF2-40B4-BE49-F238E27FC236}">
+                <a16:creationId xmlns:a16="http://schemas.microsoft.com/office/drawing/2014/main" id="{C32D2ABC-899B-5BA9-BF27-3CF80C4C4FC1}"/>
+              </a:ext>
+            </a:extLst>
+          </p:cNvPr>
+          <p:cNvSpPr txBox="1">
+            <a:spLocks noGrp="1"/>
+          </p:cNvSpPr>
+          <p:nvPr>
+            <p:ph type="body" idx="1"/>
+          </p:nvPr>
+        </p:nvSpPr>
+        <p:spPr>
+          <a:xfrm>
+            <a:off x="685800" y="4343400"/>
+            <a:ext cx="5486400" cy="4114800"/>
+          </a:xfrm>
+          <a:prstGeom prst="rect">
+            <a:avLst/>
+          </a:prstGeom>
+        </p:spPr>
+        <p:txBody>
+          <a:bodyPr spcFirstLastPara="1" wrap="square" lIns="91425" tIns="91425" rIns="91425" bIns="91425" anchor="t" anchorCtr="0">
+            <a:noAutofit/>
+          </a:bodyPr>
+          <a:lstStyle/>
+          <a:p>
+            <a:pPr marL="0" lvl="0" indent="0" algn="l" rtl="0">
+              <a:spcBef>
+                <a:spcPts val="0"/>
+              </a:spcBef>
+              <a:spcAft>
+                <a:spcPts val="0"/>
+              </a:spcAft>
+              <a:buNone/>
+            </a:pPr>
+            <a:endParaRPr/>
+          </a:p>
+        </p:txBody>
+      </p:sp>
+    </p:spTree>
+    <p:extLst>
+      <p:ext uri="{BB962C8B-B14F-4D97-AF65-F5344CB8AC3E}">
+        <p14:creationId xmlns:p14="http://schemas.microsoft.com/office/powerpoint/2010/main" val="4008490322"/>
+      </p:ext>
+    </p:extLst>
+  </p:cSld>
+  <p:clrMapOvr>
+    <a:masterClrMapping/>
+  </p:clrMapOvr>
+</p:notes>
+</file>
+
+<file path=ppt/notesSlides/notesSlide6.xml><?xml version="1.0" encoding="utf-8"?>
+<p:notes xmlns:a="http://schemas.openxmlformats.org/drawingml/2006/main" xmlns:r="http://schemas.openxmlformats.org/officeDocument/2006/relationships" xmlns:p="http://schemas.openxmlformats.org/presentationml/2006/main" showMasterSp="0" showMasterPhAnim="0">
+  <p:cSld>
+    <p:spTree>
+      <p:nvGrpSpPr>
         <p:cNvPr id="1" name="Shape 246">
           <a:extLst>
             <a:ext uri="{FF2B5EF4-FFF2-40B4-BE49-F238E27FC236}">
@@ -1256,7 +1383,7 @@
 </p:notes>
 </file>
 
-<file path=ppt/notesSlides/notesSlide6.xml><?xml version="1.0" encoding="utf-8"?>
+<file path=ppt/notesSlides/notesSlide7.xml><?xml version="1.0" encoding="utf-8"?>
 <p:notes xmlns:a="http://schemas.openxmlformats.org/drawingml/2006/main" xmlns:r="http://schemas.openxmlformats.org/officeDocument/2006/relationships" xmlns:p="http://schemas.openxmlformats.org/presentationml/2006/main" showMasterSp="0" showMasterPhAnim="0">
   <p:cSld>
     <p:spTree>
@@ -1383,7 +1510,7 @@
 </p:notes>
 </file>
 
-<file path=ppt/notesSlides/notesSlide7.xml><?xml version="1.0" encoding="utf-8"?>
+<file path=ppt/notesSlides/notesSlide8.xml><?xml version="1.0" encoding="utf-8"?>
 <p:notes xmlns:a="http://schemas.openxmlformats.org/drawingml/2006/main" xmlns:r="http://schemas.openxmlformats.org/officeDocument/2006/relationships" xmlns:p="http://schemas.openxmlformats.org/presentationml/2006/main" showMasterSp="0" showMasterPhAnim="0">
   <p:cSld>
     <p:spTree>
@@ -1510,7 +1637,7 @@
 </p:notes>
 </file>
 
-<file path=ppt/notesSlides/notesSlide8.xml><?xml version="1.0" encoding="utf-8"?>
+<file path=ppt/notesSlides/notesSlide9.xml><?xml version="1.0" encoding="utf-8"?>
 <p:notes xmlns:a="http://schemas.openxmlformats.org/drawingml/2006/main" xmlns:r="http://schemas.openxmlformats.org/officeDocument/2006/relationships" xmlns:p="http://schemas.openxmlformats.org/presentationml/2006/main" showMasterSp="0" showMasterPhAnim="0">
   <p:cSld>
     <p:spTree>
@@ -1628,133 +1755,6 @@
     <p:extLst>
       <p:ext uri="{BB962C8B-B14F-4D97-AF65-F5344CB8AC3E}">
         <p14:creationId xmlns:p14="http://schemas.microsoft.com/office/powerpoint/2010/main" val="3439480512"/>
-      </p:ext>
-    </p:extLst>
-  </p:cSld>
-  <p:clrMapOvr>
-    <a:masterClrMapping/>
-  </p:clrMapOvr>
-</p:notes>
-</file>
-
-<file path=ppt/notesSlides/notesSlide9.xml><?xml version="1.0" encoding="utf-8"?>
-<p:notes xmlns:a="http://schemas.openxmlformats.org/drawingml/2006/main" xmlns:r="http://schemas.openxmlformats.org/officeDocument/2006/relationships" xmlns:p="http://schemas.openxmlformats.org/presentationml/2006/main" showMasterSp="0" showMasterPhAnim="0">
-  <p:cSld>
-    <p:spTree>
-      <p:nvGrpSpPr>
-        <p:cNvPr id="1" name="Shape 210">
-          <a:extLst>
-            <a:ext uri="{FF2B5EF4-FFF2-40B4-BE49-F238E27FC236}">
-              <a16:creationId xmlns:a16="http://schemas.microsoft.com/office/drawing/2014/main" id="{156E5B49-0FE3-3EF1-9921-CD24545EC170}"/>
-            </a:ext>
-          </a:extLst>
-        </p:cNvPr>
-        <p:cNvGrpSpPr/>
-        <p:nvPr/>
-      </p:nvGrpSpPr>
-      <p:grpSpPr>
-        <a:xfrm>
-          <a:off x="0" y="0"/>
-          <a:ext cx="0" cy="0"/>
-          <a:chOff x="0" y="0"/>
-          <a:chExt cx="0" cy="0"/>
-        </a:xfrm>
-      </p:grpSpPr>
-      <p:sp>
-        <p:nvSpPr>
-          <p:cNvPr id="211" name="Google Shape;211;p:notes">
-            <a:extLst>
-              <a:ext uri="{FF2B5EF4-FFF2-40B4-BE49-F238E27FC236}">
-                <a16:creationId xmlns:a16="http://schemas.microsoft.com/office/drawing/2014/main" id="{FEBCEE5B-71FF-15C8-9C27-BEF872FC2E2D}"/>
-              </a:ext>
-            </a:extLst>
-          </p:cNvPr>
-          <p:cNvSpPr>
-            <a:spLocks noGrp="1" noRot="1" noChangeAspect="1"/>
-          </p:cNvSpPr>
-          <p:nvPr>
-            <p:ph type="sldImg" idx="2"/>
-          </p:nvPr>
-        </p:nvSpPr>
-        <p:spPr>
-          <a:xfrm>
-            <a:off x="381000" y="685800"/>
-            <a:ext cx="6096000" cy="3429000"/>
-          </a:xfrm>
-          <a:custGeom>
-            <a:avLst/>
-            <a:gdLst/>
-            <a:ahLst/>
-            <a:cxnLst/>
-            <a:rect l="l" t="t" r="r" b="b"/>
-            <a:pathLst>
-              <a:path w="120000" h="120000" extrusionOk="0">
-                <a:moveTo>
-                  <a:pt x="0" y="0"/>
-                </a:moveTo>
-                <a:lnTo>
-                  <a:pt x="120000" y="0"/>
-                </a:lnTo>
-                <a:lnTo>
-                  <a:pt x="120000" y="120000"/>
-                </a:lnTo>
-                <a:lnTo>
-                  <a:pt x="0" y="120000"/>
-                </a:lnTo>
-                <a:close/>
-              </a:path>
-            </a:pathLst>
-          </a:custGeom>
-        </p:spPr>
-      </p:sp>
-      <p:sp>
-        <p:nvSpPr>
-          <p:cNvPr id="212" name="Google Shape;212;p:notes">
-            <a:extLst>
-              <a:ext uri="{FF2B5EF4-FFF2-40B4-BE49-F238E27FC236}">
-                <a16:creationId xmlns:a16="http://schemas.microsoft.com/office/drawing/2014/main" id="{C32D2ABC-899B-5BA9-BF27-3CF80C4C4FC1}"/>
-              </a:ext>
-            </a:extLst>
-          </p:cNvPr>
-          <p:cNvSpPr txBox="1">
-            <a:spLocks noGrp="1"/>
-          </p:cNvSpPr>
-          <p:nvPr>
-            <p:ph type="body" idx="1"/>
-          </p:nvPr>
-        </p:nvSpPr>
-        <p:spPr>
-          <a:xfrm>
-            <a:off x="685800" y="4343400"/>
-            <a:ext cx="5486400" cy="4114800"/>
-          </a:xfrm>
-          <a:prstGeom prst="rect">
-            <a:avLst/>
-          </a:prstGeom>
-        </p:spPr>
-        <p:txBody>
-          <a:bodyPr spcFirstLastPara="1" wrap="square" lIns="91425" tIns="91425" rIns="91425" bIns="91425" anchor="t" anchorCtr="0">
-            <a:noAutofit/>
-          </a:bodyPr>
-          <a:lstStyle/>
-          <a:p>
-            <a:pPr marL="0" lvl="0" indent="0" algn="l" rtl="0">
-              <a:spcBef>
-                <a:spcPts val="0"/>
-              </a:spcBef>
-              <a:spcAft>
-                <a:spcPts val="0"/>
-              </a:spcAft>
-              <a:buNone/>
-            </a:pPr>
-            <a:endParaRPr/>
-          </a:p>
-        </p:txBody>
-      </p:sp>
-    </p:spTree>
-    <p:extLst>
-      <p:ext uri="{BB962C8B-B14F-4D97-AF65-F5344CB8AC3E}">
-        <p14:creationId xmlns:p14="http://schemas.microsoft.com/office/powerpoint/2010/main" val="4008490322"/>
       </p:ext>
     </p:extLst>
   </p:cSld>
@@ -8868,6 +8868,135 @@
   <p:cSld>
     <p:spTree>
       <p:nvGrpSpPr>
+        <p:cNvPr id="1" name="Shape 213">
+          <a:extLst>
+            <a:ext uri="{FF2B5EF4-FFF2-40B4-BE49-F238E27FC236}">
+              <a16:creationId xmlns:a16="http://schemas.microsoft.com/office/drawing/2014/main" id="{3797B1BB-00F5-1CF4-842A-DB7BA13EB3C3}"/>
+            </a:ext>
+          </a:extLst>
+        </p:cNvPr>
+        <p:cNvGrpSpPr/>
+        <p:nvPr/>
+      </p:nvGrpSpPr>
+      <p:grpSpPr>
+        <a:xfrm>
+          <a:off x="0" y="0"/>
+          <a:ext cx="0" cy="0"/>
+          <a:chOff x="0" y="0"/>
+          <a:chExt cx="0" cy="0"/>
+        </a:xfrm>
+      </p:grpSpPr>
+      <p:sp>
+        <p:nvSpPr>
+          <p:cNvPr id="214" name="Google Shape;214;p41">
+            <a:extLst>
+              <a:ext uri="{FF2B5EF4-FFF2-40B4-BE49-F238E27FC236}">
+                <a16:creationId xmlns:a16="http://schemas.microsoft.com/office/drawing/2014/main" id="{CA6F0051-88A5-B109-4175-EBA48D0BBBEC}"/>
+              </a:ext>
+            </a:extLst>
+          </p:cNvPr>
+          <p:cNvSpPr txBox="1">
+            <a:spLocks noGrp="1"/>
+          </p:cNvSpPr>
+          <p:nvPr>
+            <p:ph type="ctrTitle"/>
+          </p:nvPr>
+        </p:nvSpPr>
+        <p:spPr>
+          <a:xfrm>
+            <a:off x="3695838" y="824345"/>
+            <a:ext cx="5157216" cy="690125"/>
+          </a:xfrm>
+          <a:prstGeom prst="rect">
+            <a:avLst/>
+          </a:prstGeom>
+        </p:spPr>
+        <p:txBody>
+          <a:bodyPr spcFirstLastPara="1" wrap="square" lIns="91425" tIns="91425" rIns="91425" bIns="91425" anchor="b" anchorCtr="0">
+            <a:noAutofit/>
+          </a:bodyPr>
+          <a:lstStyle/>
+          <a:p>
+            <a:pPr marL="0" lvl="0" indent="0" algn="l" rtl="0">
+              <a:spcBef>
+                <a:spcPts val="0"/>
+              </a:spcBef>
+              <a:spcAft>
+                <a:spcPts val="0"/>
+              </a:spcAft>
+              <a:buNone/>
+            </a:pPr>
+            <a:r>
+              <a:rPr lang="en" b="1" dirty="0">
+                <a:solidFill>
+                  <a:schemeClr val="accent1">
+                    <a:lumMod val="50000"/>
+                  </a:schemeClr>
+                </a:solidFill>
+              </a:rPr>
+              <a:t>REMARKS:</a:t>
+            </a:r>
+            <a:endParaRPr dirty="0">
+              <a:solidFill>
+                <a:schemeClr val="accent3">
+                  <a:lumMod val="25000"/>
+                </a:schemeClr>
+              </a:solidFill>
+            </a:endParaRPr>
+          </a:p>
+        </p:txBody>
+      </p:sp>
+      <p:pic>
+        <p:nvPicPr>
+          <p:cNvPr id="216" name="Google Shape;216;p41">
+            <a:extLst>
+              <a:ext uri="{FF2B5EF4-FFF2-40B4-BE49-F238E27FC236}">
+                <a16:creationId xmlns:a16="http://schemas.microsoft.com/office/drawing/2014/main" id="{ED669F96-D259-EA01-569D-56A8510EA0AC}"/>
+              </a:ext>
+            </a:extLst>
+          </p:cNvPr>
+          <p:cNvPicPr preferRelativeResize="0"/>
+          <p:nvPr/>
+        </p:nvPicPr>
+        <p:blipFill rotWithShape="1">
+          <a:blip r:embed="rId3">
+            <a:alphaModFix/>
+          </a:blip>
+          <a:srcRect l="13663" t="5545" r="23252" b="6005"/>
+          <a:stretch/>
+        </p:blipFill>
+        <p:spPr>
+          <a:xfrm>
+            <a:off x="758750" y="-125175"/>
+            <a:ext cx="3190148" cy="4494751"/>
+          </a:xfrm>
+          <a:prstGeom prst="rect">
+            <a:avLst/>
+          </a:prstGeom>
+          <a:noFill/>
+          <a:ln>
+            <a:noFill/>
+          </a:ln>
+        </p:spPr>
+      </p:pic>
+    </p:spTree>
+    <p:extLst>
+      <p:ext uri="{BB962C8B-B14F-4D97-AF65-F5344CB8AC3E}">
+        <p14:creationId xmlns:p14="http://schemas.microsoft.com/office/powerpoint/2010/main" val="4123946821"/>
+      </p:ext>
+    </p:extLst>
+  </p:cSld>
+  <p:clrMapOvr>
+    <a:masterClrMapping/>
+  </p:clrMapOvr>
+</p:sld>
+</file>
+
+<file path=ppt/slides/slide6.xml><?xml version="1.0" encoding="utf-8"?>
+<p:sld xmlns:a="http://schemas.openxmlformats.org/drawingml/2006/main" xmlns:r="http://schemas.openxmlformats.org/officeDocument/2006/relationships" xmlns:p="http://schemas.openxmlformats.org/presentationml/2006/main">
+  <p:cSld>
+    <p:spTree>
+      <p:nvGrpSpPr>
         <p:cNvPr id="1" name="Shape 249">
           <a:extLst>
             <a:ext uri="{FF2B5EF4-FFF2-40B4-BE49-F238E27FC236}">
@@ -9056,7 +9185,7 @@
 </p:sld>
 </file>
 
-<file path=ppt/slides/slide6.xml><?xml version="1.0" encoding="utf-8"?>
+<file path=ppt/slides/slide7.xml><?xml version="1.0" encoding="utf-8"?>
 <p:sld xmlns:a="http://schemas.openxmlformats.org/drawingml/2006/main" xmlns:r="http://schemas.openxmlformats.org/officeDocument/2006/relationships" xmlns:p="http://schemas.openxmlformats.org/presentationml/2006/main">
   <p:cSld>
     <p:spTree>
@@ -9249,7 +9378,7 @@
 </p:sld>
 </file>
 
-<file path=ppt/slides/slide7.xml><?xml version="1.0" encoding="utf-8"?>
+<file path=ppt/slides/slide8.xml><?xml version="1.0" encoding="utf-8"?>
 <p:sld xmlns:a="http://schemas.openxmlformats.org/drawingml/2006/main" xmlns:r="http://schemas.openxmlformats.org/officeDocument/2006/relationships" xmlns:p="http://schemas.openxmlformats.org/presentationml/2006/main">
   <p:cSld>
     <p:spTree>
@@ -9442,7 +9571,7 @@
 </p:sld>
 </file>
 
-<file path=ppt/slides/slide8.xml><?xml version="1.0" encoding="utf-8"?>
+<file path=ppt/slides/slide9.xml><?xml version="1.0" encoding="utf-8"?>
 <p:sld xmlns:a="http://schemas.openxmlformats.org/drawingml/2006/main" xmlns:r="http://schemas.openxmlformats.org/officeDocument/2006/relationships" xmlns:p="http://schemas.openxmlformats.org/presentationml/2006/main">
   <p:cSld>
     <p:spTree>
@@ -9606,135 +9735,6 @@
     <p:extLst>
       <p:ext uri="{BB962C8B-B14F-4D97-AF65-F5344CB8AC3E}">
         <p14:creationId xmlns:p14="http://schemas.microsoft.com/office/powerpoint/2010/main" val="2097398197"/>
-      </p:ext>
-    </p:extLst>
-  </p:cSld>
-  <p:clrMapOvr>
-    <a:masterClrMapping/>
-  </p:clrMapOvr>
-</p:sld>
-</file>
-
-<file path=ppt/slides/slide9.xml><?xml version="1.0" encoding="utf-8"?>
-<p:sld xmlns:a="http://schemas.openxmlformats.org/drawingml/2006/main" xmlns:r="http://schemas.openxmlformats.org/officeDocument/2006/relationships" xmlns:p="http://schemas.openxmlformats.org/presentationml/2006/main">
-  <p:cSld>
-    <p:spTree>
-      <p:nvGrpSpPr>
-        <p:cNvPr id="1" name="Shape 213">
-          <a:extLst>
-            <a:ext uri="{FF2B5EF4-FFF2-40B4-BE49-F238E27FC236}">
-              <a16:creationId xmlns:a16="http://schemas.microsoft.com/office/drawing/2014/main" id="{3797B1BB-00F5-1CF4-842A-DB7BA13EB3C3}"/>
-            </a:ext>
-          </a:extLst>
-        </p:cNvPr>
-        <p:cNvGrpSpPr/>
-        <p:nvPr/>
-      </p:nvGrpSpPr>
-      <p:grpSpPr>
-        <a:xfrm>
-          <a:off x="0" y="0"/>
-          <a:ext cx="0" cy="0"/>
-          <a:chOff x="0" y="0"/>
-          <a:chExt cx="0" cy="0"/>
-        </a:xfrm>
-      </p:grpSpPr>
-      <p:sp>
-        <p:nvSpPr>
-          <p:cNvPr id="214" name="Google Shape;214;p41">
-            <a:extLst>
-              <a:ext uri="{FF2B5EF4-FFF2-40B4-BE49-F238E27FC236}">
-                <a16:creationId xmlns:a16="http://schemas.microsoft.com/office/drawing/2014/main" id="{CA6F0051-88A5-B109-4175-EBA48D0BBBEC}"/>
-              </a:ext>
-            </a:extLst>
-          </p:cNvPr>
-          <p:cNvSpPr txBox="1">
-            <a:spLocks noGrp="1"/>
-          </p:cNvSpPr>
-          <p:nvPr>
-            <p:ph type="ctrTitle"/>
-          </p:nvPr>
-        </p:nvSpPr>
-        <p:spPr>
-          <a:xfrm>
-            <a:off x="3695838" y="824345"/>
-            <a:ext cx="5157216" cy="690125"/>
-          </a:xfrm>
-          <a:prstGeom prst="rect">
-            <a:avLst/>
-          </a:prstGeom>
-        </p:spPr>
-        <p:txBody>
-          <a:bodyPr spcFirstLastPara="1" wrap="square" lIns="91425" tIns="91425" rIns="91425" bIns="91425" anchor="b" anchorCtr="0">
-            <a:noAutofit/>
-          </a:bodyPr>
-          <a:lstStyle/>
-          <a:p>
-            <a:pPr marL="0" lvl="0" indent="0" algn="l" rtl="0">
-              <a:spcBef>
-                <a:spcPts val="0"/>
-              </a:spcBef>
-              <a:spcAft>
-                <a:spcPts val="0"/>
-              </a:spcAft>
-              <a:buNone/>
-            </a:pPr>
-            <a:r>
-              <a:rPr lang="en" b="1" dirty="0">
-                <a:solidFill>
-                  <a:schemeClr val="accent1">
-                    <a:lumMod val="50000"/>
-                  </a:schemeClr>
-                </a:solidFill>
-              </a:rPr>
-              <a:t>REMARKS:</a:t>
-            </a:r>
-            <a:endParaRPr dirty="0">
-              <a:solidFill>
-                <a:schemeClr val="accent3">
-                  <a:lumMod val="25000"/>
-                </a:schemeClr>
-              </a:solidFill>
-            </a:endParaRPr>
-          </a:p>
-        </p:txBody>
-      </p:sp>
-      <p:pic>
-        <p:nvPicPr>
-          <p:cNvPr id="216" name="Google Shape;216;p41">
-            <a:extLst>
-              <a:ext uri="{FF2B5EF4-FFF2-40B4-BE49-F238E27FC236}">
-                <a16:creationId xmlns:a16="http://schemas.microsoft.com/office/drawing/2014/main" id="{ED669F96-D259-EA01-569D-56A8510EA0AC}"/>
-              </a:ext>
-            </a:extLst>
-          </p:cNvPr>
-          <p:cNvPicPr preferRelativeResize="0"/>
-          <p:nvPr/>
-        </p:nvPicPr>
-        <p:blipFill rotWithShape="1">
-          <a:blip r:embed="rId3">
-            <a:alphaModFix/>
-          </a:blip>
-          <a:srcRect l="13663" t="5545" r="23252" b="6005"/>
-          <a:stretch/>
-        </p:blipFill>
-        <p:spPr>
-          <a:xfrm>
-            <a:off x="758750" y="-125175"/>
-            <a:ext cx="3190148" cy="4494751"/>
-          </a:xfrm>
-          <a:prstGeom prst="rect">
-            <a:avLst/>
-          </a:prstGeom>
-          <a:noFill/>
-          <a:ln>
-            <a:noFill/>
-          </a:ln>
-        </p:spPr>
-      </p:pic>
-    </p:spTree>
-    <p:extLst>
-      <p:ext uri="{BB962C8B-B14F-4D97-AF65-F5344CB8AC3E}">
-        <p14:creationId xmlns:p14="http://schemas.microsoft.com/office/powerpoint/2010/main" val="4123946821"/>
       </p:ext>
     </p:extLst>
   </p:cSld>

--- a/presentation.pptx
+++ b/presentation.pptx
@@ -5,7 +5,7 @@
     <p:sldMasterId id="2147483686" r:id="rId1"/>
   </p:sldMasterIdLst>
   <p:notesMasterIdLst>
-    <p:notesMasterId r:id="rId11"/>
+    <p:notesMasterId r:id="rId41"/>
   </p:notesMasterIdLst>
   <p:sldIdLst>
     <p:sldId id="256" r:id="rId2"/>
@@ -13,26 +13,56 @@
     <p:sldId id="259" r:id="rId4"/>
     <p:sldId id="260" r:id="rId5"/>
     <p:sldId id="318" r:id="rId6"/>
-    <p:sldId id="314" r:id="rId7"/>
-    <p:sldId id="315" r:id="rId8"/>
-    <p:sldId id="316" r:id="rId9"/>
-    <p:sldId id="317" r:id="rId10"/>
+    <p:sldId id="319" r:id="rId7"/>
+    <p:sldId id="320" r:id="rId8"/>
+    <p:sldId id="321" r:id="rId9"/>
+    <p:sldId id="322" r:id="rId10"/>
+    <p:sldId id="323" r:id="rId11"/>
+    <p:sldId id="314" r:id="rId12"/>
+    <p:sldId id="324" r:id="rId13"/>
+    <p:sldId id="326" r:id="rId14"/>
+    <p:sldId id="325" r:id="rId15"/>
+    <p:sldId id="327" r:id="rId16"/>
+    <p:sldId id="328" r:id="rId17"/>
+    <p:sldId id="329" r:id="rId18"/>
+    <p:sldId id="330" r:id="rId19"/>
+    <p:sldId id="331" r:id="rId20"/>
+    <p:sldId id="315" r:id="rId21"/>
+    <p:sldId id="333" r:id="rId22"/>
+    <p:sldId id="334" r:id="rId23"/>
+    <p:sldId id="335" r:id="rId24"/>
+    <p:sldId id="336" r:id="rId25"/>
+    <p:sldId id="342" r:id="rId26"/>
+    <p:sldId id="337" r:id="rId27"/>
+    <p:sldId id="343" r:id="rId28"/>
+    <p:sldId id="338" r:id="rId29"/>
+    <p:sldId id="344" r:id="rId30"/>
+    <p:sldId id="316" r:id="rId31"/>
+    <p:sldId id="339" r:id="rId32"/>
+    <p:sldId id="340" r:id="rId33"/>
+    <p:sldId id="341" r:id="rId34"/>
+    <p:sldId id="317" r:id="rId35"/>
+    <p:sldId id="345" r:id="rId36"/>
+    <p:sldId id="346" r:id="rId37"/>
+    <p:sldId id="347" r:id="rId38"/>
+    <p:sldId id="348" r:id="rId39"/>
+    <p:sldId id="349" r:id="rId40"/>
   </p:sldIdLst>
   <p:sldSz cx="9144000" cy="5143500" type="screen16x9"/>
   <p:notesSz cx="6858000" cy="9144000"/>
   <p:embeddedFontLst>
     <p:embeddedFont>
       <p:font typeface="Bebas Neue" panose="020B0606020202050201" pitchFamily="34" charset="0"/>
-      <p:regular r:id="rId12"/>
+      <p:regular r:id="rId42"/>
     </p:embeddedFont>
     <p:embeddedFont>
       <p:font typeface="Cairo" panose="020B0604020202020204" charset="-78"/>
-      <p:regular r:id="rId13"/>
-      <p:bold r:id="rId14"/>
+      <p:regular r:id="rId43"/>
+      <p:bold r:id="rId44"/>
     </p:embeddedFont>
     <p:embeddedFont>
       <p:font typeface="Electrolize" panose="020B0604020202020204" charset="0"/>
-      <p:regular r:id="rId15"/>
+      <p:regular r:id="rId45"/>
     </p:embeddedFont>
   </p:embeddedFontLst>
   <p:defaultTextStyle>
@@ -817,6 +847,1276 @@
 </p:notes>
 </file>
 
+<file path=ppt/notesSlides/notesSlide10.xml><?xml version="1.0" encoding="utf-8"?>
+<p:notes xmlns:a="http://schemas.openxmlformats.org/drawingml/2006/main" xmlns:r="http://schemas.openxmlformats.org/officeDocument/2006/relationships" xmlns:p="http://schemas.openxmlformats.org/presentationml/2006/main" showMasterSp="0" showMasterPhAnim="0">
+  <p:cSld>
+    <p:spTree>
+      <p:nvGrpSpPr>
+        <p:cNvPr id="1" name="Shape 210">
+          <a:extLst>
+            <a:ext uri="{FF2B5EF4-FFF2-40B4-BE49-F238E27FC236}">
+              <a16:creationId xmlns:a16="http://schemas.microsoft.com/office/drawing/2014/main" id="{F0E435BE-0FA6-29CC-4E92-F9A5060A0214}"/>
+            </a:ext>
+          </a:extLst>
+        </p:cNvPr>
+        <p:cNvGrpSpPr/>
+        <p:nvPr/>
+      </p:nvGrpSpPr>
+      <p:grpSpPr>
+        <a:xfrm>
+          <a:off x="0" y="0"/>
+          <a:ext cx="0" cy="0"/>
+          <a:chOff x="0" y="0"/>
+          <a:chExt cx="0" cy="0"/>
+        </a:xfrm>
+      </p:grpSpPr>
+      <p:sp>
+        <p:nvSpPr>
+          <p:cNvPr id="211" name="Google Shape;211;p:notes">
+            <a:extLst>
+              <a:ext uri="{FF2B5EF4-FFF2-40B4-BE49-F238E27FC236}">
+                <a16:creationId xmlns:a16="http://schemas.microsoft.com/office/drawing/2014/main" id="{E45E7BC0-AD85-AC25-3646-86793BD25B8F}"/>
+              </a:ext>
+            </a:extLst>
+          </p:cNvPr>
+          <p:cNvSpPr>
+            <a:spLocks noGrp="1" noRot="1" noChangeAspect="1"/>
+          </p:cNvSpPr>
+          <p:nvPr>
+            <p:ph type="sldImg" idx="2"/>
+          </p:nvPr>
+        </p:nvSpPr>
+        <p:spPr>
+          <a:xfrm>
+            <a:off x="381000" y="685800"/>
+            <a:ext cx="6096000" cy="3429000"/>
+          </a:xfrm>
+          <a:custGeom>
+            <a:avLst/>
+            <a:gdLst/>
+            <a:ahLst/>
+            <a:cxnLst/>
+            <a:rect l="l" t="t" r="r" b="b"/>
+            <a:pathLst>
+              <a:path w="120000" h="120000" extrusionOk="0">
+                <a:moveTo>
+                  <a:pt x="0" y="0"/>
+                </a:moveTo>
+                <a:lnTo>
+                  <a:pt x="120000" y="0"/>
+                </a:lnTo>
+                <a:lnTo>
+                  <a:pt x="120000" y="120000"/>
+                </a:lnTo>
+                <a:lnTo>
+                  <a:pt x="0" y="120000"/>
+                </a:lnTo>
+                <a:close/>
+              </a:path>
+            </a:pathLst>
+          </a:custGeom>
+        </p:spPr>
+      </p:sp>
+      <p:sp>
+        <p:nvSpPr>
+          <p:cNvPr id="212" name="Google Shape;212;p:notes">
+            <a:extLst>
+              <a:ext uri="{FF2B5EF4-FFF2-40B4-BE49-F238E27FC236}">
+                <a16:creationId xmlns:a16="http://schemas.microsoft.com/office/drawing/2014/main" id="{33906B71-AAE1-1FCD-78C1-F8CEE1AADFBF}"/>
+              </a:ext>
+            </a:extLst>
+          </p:cNvPr>
+          <p:cNvSpPr txBox="1">
+            <a:spLocks noGrp="1"/>
+          </p:cNvSpPr>
+          <p:nvPr>
+            <p:ph type="body" idx="1"/>
+          </p:nvPr>
+        </p:nvSpPr>
+        <p:spPr>
+          <a:xfrm>
+            <a:off x="685800" y="4343400"/>
+            <a:ext cx="5486400" cy="4114800"/>
+          </a:xfrm>
+          <a:prstGeom prst="rect">
+            <a:avLst/>
+          </a:prstGeom>
+        </p:spPr>
+        <p:txBody>
+          <a:bodyPr spcFirstLastPara="1" wrap="square" lIns="91425" tIns="91425" rIns="91425" bIns="91425" anchor="t" anchorCtr="0">
+            <a:noAutofit/>
+          </a:bodyPr>
+          <a:lstStyle/>
+          <a:p>
+            <a:pPr marL="0" lvl="0" indent="0" algn="l" rtl="0">
+              <a:spcBef>
+                <a:spcPts val="0"/>
+              </a:spcBef>
+              <a:spcAft>
+                <a:spcPts val="0"/>
+              </a:spcAft>
+              <a:buNone/>
+            </a:pPr>
+            <a:endParaRPr/>
+          </a:p>
+        </p:txBody>
+      </p:sp>
+    </p:spTree>
+    <p:extLst>
+      <p:ext uri="{BB962C8B-B14F-4D97-AF65-F5344CB8AC3E}">
+        <p14:creationId xmlns:p14="http://schemas.microsoft.com/office/powerpoint/2010/main" val="2908531440"/>
+      </p:ext>
+    </p:extLst>
+  </p:cSld>
+  <p:clrMapOvr>
+    <a:masterClrMapping/>
+  </p:clrMapOvr>
+</p:notes>
+</file>
+
+<file path=ppt/notesSlides/notesSlide11.xml><?xml version="1.0" encoding="utf-8"?>
+<p:notes xmlns:a="http://schemas.openxmlformats.org/drawingml/2006/main" xmlns:r="http://schemas.openxmlformats.org/officeDocument/2006/relationships" xmlns:p="http://schemas.openxmlformats.org/presentationml/2006/main" showMasterSp="0" showMasterPhAnim="0">
+  <p:cSld>
+    <p:spTree>
+      <p:nvGrpSpPr>
+        <p:cNvPr id="1" name="Shape 246">
+          <a:extLst>
+            <a:ext uri="{FF2B5EF4-FFF2-40B4-BE49-F238E27FC236}">
+              <a16:creationId xmlns:a16="http://schemas.microsoft.com/office/drawing/2014/main" id="{9D149015-E8FA-89D2-4757-1E7BA2C097A7}"/>
+            </a:ext>
+          </a:extLst>
+        </p:cNvPr>
+        <p:cNvGrpSpPr/>
+        <p:nvPr/>
+      </p:nvGrpSpPr>
+      <p:grpSpPr>
+        <a:xfrm>
+          <a:off x="0" y="0"/>
+          <a:ext cx="0" cy="0"/>
+          <a:chOff x="0" y="0"/>
+          <a:chExt cx="0" cy="0"/>
+        </a:xfrm>
+      </p:grpSpPr>
+      <p:sp>
+        <p:nvSpPr>
+          <p:cNvPr id="247" name="Google Shape;247;g1224a59d8d2_0_20:notes">
+            <a:extLst>
+              <a:ext uri="{FF2B5EF4-FFF2-40B4-BE49-F238E27FC236}">
+                <a16:creationId xmlns:a16="http://schemas.microsoft.com/office/drawing/2014/main" id="{35260AE1-8279-7986-05B3-1C44E7A87CA5}"/>
+              </a:ext>
+            </a:extLst>
+          </p:cNvPr>
+          <p:cNvSpPr>
+            <a:spLocks noGrp="1" noRot="1" noChangeAspect="1"/>
+          </p:cNvSpPr>
+          <p:nvPr>
+            <p:ph type="sldImg" idx="2"/>
+          </p:nvPr>
+        </p:nvSpPr>
+        <p:spPr>
+          <a:xfrm>
+            <a:off x="381000" y="685800"/>
+            <a:ext cx="6096000" cy="3429000"/>
+          </a:xfrm>
+          <a:custGeom>
+            <a:avLst/>
+            <a:gdLst/>
+            <a:ahLst/>
+            <a:cxnLst/>
+            <a:rect l="l" t="t" r="r" b="b"/>
+            <a:pathLst>
+              <a:path w="120000" h="120000" extrusionOk="0">
+                <a:moveTo>
+                  <a:pt x="0" y="0"/>
+                </a:moveTo>
+                <a:lnTo>
+                  <a:pt x="120000" y="0"/>
+                </a:lnTo>
+                <a:lnTo>
+                  <a:pt x="120000" y="120000"/>
+                </a:lnTo>
+                <a:lnTo>
+                  <a:pt x="0" y="120000"/>
+                </a:lnTo>
+                <a:close/>
+              </a:path>
+            </a:pathLst>
+          </a:custGeom>
+        </p:spPr>
+      </p:sp>
+      <p:sp>
+        <p:nvSpPr>
+          <p:cNvPr id="248" name="Google Shape;248;g1224a59d8d2_0_20:notes">
+            <a:extLst>
+              <a:ext uri="{FF2B5EF4-FFF2-40B4-BE49-F238E27FC236}">
+                <a16:creationId xmlns:a16="http://schemas.microsoft.com/office/drawing/2014/main" id="{8B489C2A-E216-BC35-8870-AC98F113F0C7}"/>
+              </a:ext>
+            </a:extLst>
+          </p:cNvPr>
+          <p:cNvSpPr txBox="1">
+            <a:spLocks noGrp="1"/>
+          </p:cNvSpPr>
+          <p:nvPr>
+            <p:ph type="body" idx="1"/>
+          </p:nvPr>
+        </p:nvSpPr>
+        <p:spPr>
+          <a:xfrm>
+            <a:off x="685800" y="4343400"/>
+            <a:ext cx="5486400" cy="4114800"/>
+          </a:xfrm>
+          <a:prstGeom prst="rect">
+            <a:avLst/>
+          </a:prstGeom>
+        </p:spPr>
+        <p:txBody>
+          <a:bodyPr spcFirstLastPara="1" wrap="square" lIns="91425" tIns="91425" rIns="91425" bIns="91425" anchor="t" anchorCtr="0">
+            <a:noAutofit/>
+          </a:bodyPr>
+          <a:lstStyle/>
+          <a:p>
+            <a:pPr marL="0" lvl="0" indent="0" algn="l" rtl="0">
+              <a:spcBef>
+                <a:spcPts val="0"/>
+              </a:spcBef>
+              <a:spcAft>
+                <a:spcPts val="0"/>
+              </a:spcAft>
+              <a:buNone/>
+            </a:pPr>
+            <a:endParaRPr/>
+          </a:p>
+        </p:txBody>
+      </p:sp>
+    </p:spTree>
+    <p:extLst>
+      <p:ext uri="{BB962C8B-B14F-4D97-AF65-F5344CB8AC3E}">
+        <p14:creationId xmlns:p14="http://schemas.microsoft.com/office/powerpoint/2010/main" val="1147619552"/>
+      </p:ext>
+    </p:extLst>
+  </p:cSld>
+  <p:clrMapOvr>
+    <a:masterClrMapping/>
+  </p:clrMapOvr>
+</p:notes>
+</file>
+
+<file path=ppt/notesSlides/notesSlide12.xml><?xml version="1.0" encoding="utf-8"?>
+<p:notes xmlns:a="http://schemas.openxmlformats.org/drawingml/2006/main" xmlns:r="http://schemas.openxmlformats.org/officeDocument/2006/relationships" xmlns:p="http://schemas.openxmlformats.org/presentationml/2006/main" showMasterSp="0" showMasterPhAnim="0">
+  <p:cSld>
+    <p:spTree>
+      <p:nvGrpSpPr>
+        <p:cNvPr id="1" name="Shape 210">
+          <a:extLst>
+            <a:ext uri="{FF2B5EF4-FFF2-40B4-BE49-F238E27FC236}">
+              <a16:creationId xmlns:a16="http://schemas.microsoft.com/office/drawing/2014/main" id="{FBDD755C-6551-F5B6-901A-5F42CBC82E2B}"/>
+            </a:ext>
+          </a:extLst>
+        </p:cNvPr>
+        <p:cNvGrpSpPr/>
+        <p:nvPr/>
+      </p:nvGrpSpPr>
+      <p:grpSpPr>
+        <a:xfrm>
+          <a:off x="0" y="0"/>
+          <a:ext cx="0" cy="0"/>
+          <a:chOff x="0" y="0"/>
+          <a:chExt cx="0" cy="0"/>
+        </a:xfrm>
+      </p:grpSpPr>
+      <p:sp>
+        <p:nvSpPr>
+          <p:cNvPr id="211" name="Google Shape;211;p:notes">
+            <a:extLst>
+              <a:ext uri="{FF2B5EF4-FFF2-40B4-BE49-F238E27FC236}">
+                <a16:creationId xmlns:a16="http://schemas.microsoft.com/office/drawing/2014/main" id="{9D132528-F59F-AE5C-C3AE-518CB33CDB04}"/>
+              </a:ext>
+            </a:extLst>
+          </p:cNvPr>
+          <p:cNvSpPr>
+            <a:spLocks noGrp="1" noRot="1" noChangeAspect="1"/>
+          </p:cNvSpPr>
+          <p:nvPr>
+            <p:ph type="sldImg" idx="2"/>
+          </p:nvPr>
+        </p:nvSpPr>
+        <p:spPr>
+          <a:xfrm>
+            <a:off x="381000" y="685800"/>
+            <a:ext cx="6096000" cy="3429000"/>
+          </a:xfrm>
+          <a:custGeom>
+            <a:avLst/>
+            <a:gdLst/>
+            <a:ahLst/>
+            <a:cxnLst/>
+            <a:rect l="l" t="t" r="r" b="b"/>
+            <a:pathLst>
+              <a:path w="120000" h="120000" extrusionOk="0">
+                <a:moveTo>
+                  <a:pt x="0" y="0"/>
+                </a:moveTo>
+                <a:lnTo>
+                  <a:pt x="120000" y="0"/>
+                </a:lnTo>
+                <a:lnTo>
+                  <a:pt x="120000" y="120000"/>
+                </a:lnTo>
+                <a:lnTo>
+                  <a:pt x="0" y="120000"/>
+                </a:lnTo>
+                <a:close/>
+              </a:path>
+            </a:pathLst>
+          </a:custGeom>
+        </p:spPr>
+      </p:sp>
+      <p:sp>
+        <p:nvSpPr>
+          <p:cNvPr id="212" name="Google Shape;212;p:notes">
+            <a:extLst>
+              <a:ext uri="{FF2B5EF4-FFF2-40B4-BE49-F238E27FC236}">
+                <a16:creationId xmlns:a16="http://schemas.microsoft.com/office/drawing/2014/main" id="{2DF4EB94-6711-CFE6-73F1-2B3B838D8F5D}"/>
+              </a:ext>
+            </a:extLst>
+          </p:cNvPr>
+          <p:cNvSpPr txBox="1">
+            <a:spLocks noGrp="1"/>
+          </p:cNvSpPr>
+          <p:nvPr>
+            <p:ph type="body" idx="1"/>
+          </p:nvPr>
+        </p:nvSpPr>
+        <p:spPr>
+          <a:xfrm>
+            <a:off x="685800" y="4343400"/>
+            <a:ext cx="5486400" cy="4114800"/>
+          </a:xfrm>
+          <a:prstGeom prst="rect">
+            <a:avLst/>
+          </a:prstGeom>
+        </p:spPr>
+        <p:txBody>
+          <a:bodyPr spcFirstLastPara="1" wrap="square" lIns="91425" tIns="91425" rIns="91425" bIns="91425" anchor="t" anchorCtr="0">
+            <a:noAutofit/>
+          </a:bodyPr>
+          <a:lstStyle/>
+          <a:p>
+            <a:pPr marL="0" lvl="0" indent="0" algn="l" rtl="0">
+              <a:spcBef>
+                <a:spcPts val="0"/>
+              </a:spcBef>
+              <a:spcAft>
+                <a:spcPts val="0"/>
+              </a:spcAft>
+              <a:buNone/>
+            </a:pPr>
+            <a:endParaRPr/>
+          </a:p>
+        </p:txBody>
+      </p:sp>
+    </p:spTree>
+    <p:extLst>
+      <p:ext uri="{BB962C8B-B14F-4D97-AF65-F5344CB8AC3E}">
+        <p14:creationId xmlns:p14="http://schemas.microsoft.com/office/powerpoint/2010/main" val="2283290250"/>
+      </p:ext>
+    </p:extLst>
+  </p:cSld>
+  <p:clrMapOvr>
+    <a:masterClrMapping/>
+  </p:clrMapOvr>
+</p:notes>
+</file>
+
+<file path=ppt/notesSlides/notesSlide13.xml><?xml version="1.0" encoding="utf-8"?>
+<p:notes xmlns:a="http://schemas.openxmlformats.org/drawingml/2006/main" xmlns:r="http://schemas.openxmlformats.org/officeDocument/2006/relationships" xmlns:p="http://schemas.openxmlformats.org/presentationml/2006/main" showMasterSp="0" showMasterPhAnim="0">
+  <p:cSld>
+    <p:spTree>
+      <p:nvGrpSpPr>
+        <p:cNvPr id="1" name="Shape 210">
+          <a:extLst>
+            <a:ext uri="{FF2B5EF4-FFF2-40B4-BE49-F238E27FC236}">
+              <a16:creationId xmlns:a16="http://schemas.microsoft.com/office/drawing/2014/main" id="{8F25E836-E57E-80BF-59FC-7456ABF45500}"/>
+            </a:ext>
+          </a:extLst>
+        </p:cNvPr>
+        <p:cNvGrpSpPr/>
+        <p:nvPr/>
+      </p:nvGrpSpPr>
+      <p:grpSpPr>
+        <a:xfrm>
+          <a:off x="0" y="0"/>
+          <a:ext cx="0" cy="0"/>
+          <a:chOff x="0" y="0"/>
+          <a:chExt cx="0" cy="0"/>
+        </a:xfrm>
+      </p:grpSpPr>
+      <p:sp>
+        <p:nvSpPr>
+          <p:cNvPr id="211" name="Google Shape;211;p:notes">
+            <a:extLst>
+              <a:ext uri="{FF2B5EF4-FFF2-40B4-BE49-F238E27FC236}">
+                <a16:creationId xmlns:a16="http://schemas.microsoft.com/office/drawing/2014/main" id="{39631F22-54C9-C8B2-8B63-1F3F28F3A253}"/>
+              </a:ext>
+            </a:extLst>
+          </p:cNvPr>
+          <p:cNvSpPr>
+            <a:spLocks noGrp="1" noRot="1" noChangeAspect="1"/>
+          </p:cNvSpPr>
+          <p:nvPr>
+            <p:ph type="sldImg" idx="2"/>
+          </p:nvPr>
+        </p:nvSpPr>
+        <p:spPr>
+          <a:xfrm>
+            <a:off x="381000" y="685800"/>
+            <a:ext cx="6096000" cy="3429000"/>
+          </a:xfrm>
+          <a:custGeom>
+            <a:avLst/>
+            <a:gdLst/>
+            <a:ahLst/>
+            <a:cxnLst/>
+            <a:rect l="l" t="t" r="r" b="b"/>
+            <a:pathLst>
+              <a:path w="120000" h="120000" extrusionOk="0">
+                <a:moveTo>
+                  <a:pt x="0" y="0"/>
+                </a:moveTo>
+                <a:lnTo>
+                  <a:pt x="120000" y="0"/>
+                </a:lnTo>
+                <a:lnTo>
+                  <a:pt x="120000" y="120000"/>
+                </a:lnTo>
+                <a:lnTo>
+                  <a:pt x="0" y="120000"/>
+                </a:lnTo>
+                <a:close/>
+              </a:path>
+            </a:pathLst>
+          </a:custGeom>
+        </p:spPr>
+      </p:sp>
+      <p:sp>
+        <p:nvSpPr>
+          <p:cNvPr id="212" name="Google Shape;212;p:notes">
+            <a:extLst>
+              <a:ext uri="{FF2B5EF4-FFF2-40B4-BE49-F238E27FC236}">
+                <a16:creationId xmlns:a16="http://schemas.microsoft.com/office/drawing/2014/main" id="{882753B3-51CF-F1E2-D3A0-7AF46F2306C3}"/>
+              </a:ext>
+            </a:extLst>
+          </p:cNvPr>
+          <p:cNvSpPr txBox="1">
+            <a:spLocks noGrp="1"/>
+          </p:cNvSpPr>
+          <p:nvPr>
+            <p:ph type="body" idx="1"/>
+          </p:nvPr>
+        </p:nvSpPr>
+        <p:spPr>
+          <a:xfrm>
+            <a:off x="685800" y="4343400"/>
+            <a:ext cx="5486400" cy="4114800"/>
+          </a:xfrm>
+          <a:prstGeom prst="rect">
+            <a:avLst/>
+          </a:prstGeom>
+        </p:spPr>
+        <p:txBody>
+          <a:bodyPr spcFirstLastPara="1" wrap="square" lIns="91425" tIns="91425" rIns="91425" bIns="91425" anchor="t" anchorCtr="0">
+            <a:noAutofit/>
+          </a:bodyPr>
+          <a:lstStyle/>
+          <a:p>
+            <a:pPr marL="0" lvl="0" indent="0" algn="l" rtl="0">
+              <a:spcBef>
+                <a:spcPts val="0"/>
+              </a:spcBef>
+              <a:spcAft>
+                <a:spcPts val="0"/>
+              </a:spcAft>
+              <a:buNone/>
+            </a:pPr>
+            <a:endParaRPr/>
+          </a:p>
+        </p:txBody>
+      </p:sp>
+    </p:spTree>
+    <p:extLst>
+      <p:ext uri="{BB962C8B-B14F-4D97-AF65-F5344CB8AC3E}">
+        <p14:creationId xmlns:p14="http://schemas.microsoft.com/office/powerpoint/2010/main" val="2536939937"/>
+      </p:ext>
+    </p:extLst>
+  </p:cSld>
+  <p:clrMapOvr>
+    <a:masterClrMapping/>
+  </p:clrMapOvr>
+</p:notes>
+</file>
+
+<file path=ppt/notesSlides/notesSlide14.xml><?xml version="1.0" encoding="utf-8"?>
+<p:notes xmlns:a="http://schemas.openxmlformats.org/drawingml/2006/main" xmlns:r="http://schemas.openxmlformats.org/officeDocument/2006/relationships" xmlns:p="http://schemas.openxmlformats.org/presentationml/2006/main" showMasterSp="0" showMasterPhAnim="0">
+  <p:cSld>
+    <p:spTree>
+      <p:nvGrpSpPr>
+        <p:cNvPr id="1" name="Shape 210">
+          <a:extLst>
+            <a:ext uri="{FF2B5EF4-FFF2-40B4-BE49-F238E27FC236}">
+              <a16:creationId xmlns:a16="http://schemas.microsoft.com/office/drawing/2014/main" id="{E3B6F831-B0D2-4691-7F1F-0B1D8F8D03F6}"/>
+            </a:ext>
+          </a:extLst>
+        </p:cNvPr>
+        <p:cNvGrpSpPr/>
+        <p:nvPr/>
+      </p:nvGrpSpPr>
+      <p:grpSpPr>
+        <a:xfrm>
+          <a:off x="0" y="0"/>
+          <a:ext cx="0" cy="0"/>
+          <a:chOff x="0" y="0"/>
+          <a:chExt cx="0" cy="0"/>
+        </a:xfrm>
+      </p:grpSpPr>
+      <p:sp>
+        <p:nvSpPr>
+          <p:cNvPr id="211" name="Google Shape;211;p:notes">
+            <a:extLst>
+              <a:ext uri="{FF2B5EF4-FFF2-40B4-BE49-F238E27FC236}">
+                <a16:creationId xmlns:a16="http://schemas.microsoft.com/office/drawing/2014/main" id="{44D89BB9-993E-0524-5B14-9772E666B216}"/>
+              </a:ext>
+            </a:extLst>
+          </p:cNvPr>
+          <p:cNvSpPr>
+            <a:spLocks noGrp="1" noRot="1" noChangeAspect="1"/>
+          </p:cNvSpPr>
+          <p:nvPr>
+            <p:ph type="sldImg" idx="2"/>
+          </p:nvPr>
+        </p:nvSpPr>
+        <p:spPr>
+          <a:xfrm>
+            <a:off x="381000" y="685800"/>
+            <a:ext cx="6096000" cy="3429000"/>
+          </a:xfrm>
+          <a:custGeom>
+            <a:avLst/>
+            <a:gdLst/>
+            <a:ahLst/>
+            <a:cxnLst/>
+            <a:rect l="l" t="t" r="r" b="b"/>
+            <a:pathLst>
+              <a:path w="120000" h="120000" extrusionOk="0">
+                <a:moveTo>
+                  <a:pt x="0" y="0"/>
+                </a:moveTo>
+                <a:lnTo>
+                  <a:pt x="120000" y="0"/>
+                </a:lnTo>
+                <a:lnTo>
+                  <a:pt x="120000" y="120000"/>
+                </a:lnTo>
+                <a:lnTo>
+                  <a:pt x="0" y="120000"/>
+                </a:lnTo>
+                <a:close/>
+              </a:path>
+            </a:pathLst>
+          </a:custGeom>
+        </p:spPr>
+      </p:sp>
+      <p:sp>
+        <p:nvSpPr>
+          <p:cNvPr id="212" name="Google Shape;212;p:notes">
+            <a:extLst>
+              <a:ext uri="{FF2B5EF4-FFF2-40B4-BE49-F238E27FC236}">
+                <a16:creationId xmlns:a16="http://schemas.microsoft.com/office/drawing/2014/main" id="{02C473AB-A9AF-9CD1-FC5B-CBE84680BACD}"/>
+              </a:ext>
+            </a:extLst>
+          </p:cNvPr>
+          <p:cNvSpPr txBox="1">
+            <a:spLocks noGrp="1"/>
+          </p:cNvSpPr>
+          <p:nvPr>
+            <p:ph type="body" idx="1"/>
+          </p:nvPr>
+        </p:nvSpPr>
+        <p:spPr>
+          <a:xfrm>
+            <a:off x="685800" y="4343400"/>
+            <a:ext cx="5486400" cy="4114800"/>
+          </a:xfrm>
+          <a:prstGeom prst="rect">
+            <a:avLst/>
+          </a:prstGeom>
+        </p:spPr>
+        <p:txBody>
+          <a:bodyPr spcFirstLastPara="1" wrap="square" lIns="91425" tIns="91425" rIns="91425" bIns="91425" anchor="t" anchorCtr="0">
+            <a:noAutofit/>
+          </a:bodyPr>
+          <a:lstStyle/>
+          <a:p>
+            <a:pPr marL="0" lvl="0" indent="0" algn="l" rtl="0">
+              <a:spcBef>
+                <a:spcPts val="0"/>
+              </a:spcBef>
+              <a:spcAft>
+                <a:spcPts val="0"/>
+              </a:spcAft>
+              <a:buNone/>
+            </a:pPr>
+            <a:endParaRPr/>
+          </a:p>
+        </p:txBody>
+      </p:sp>
+    </p:spTree>
+    <p:extLst>
+      <p:ext uri="{BB962C8B-B14F-4D97-AF65-F5344CB8AC3E}">
+        <p14:creationId xmlns:p14="http://schemas.microsoft.com/office/powerpoint/2010/main" val="957639633"/>
+      </p:ext>
+    </p:extLst>
+  </p:cSld>
+  <p:clrMapOvr>
+    <a:masterClrMapping/>
+  </p:clrMapOvr>
+</p:notes>
+</file>
+
+<file path=ppt/notesSlides/notesSlide15.xml><?xml version="1.0" encoding="utf-8"?>
+<p:notes xmlns:a="http://schemas.openxmlformats.org/drawingml/2006/main" xmlns:r="http://schemas.openxmlformats.org/officeDocument/2006/relationships" xmlns:p="http://schemas.openxmlformats.org/presentationml/2006/main" showMasterSp="0" showMasterPhAnim="0">
+  <p:cSld>
+    <p:spTree>
+      <p:nvGrpSpPr>
+        <p:cNvPr id="1" name="Shape 210">
+          <a:extLst>
+            <a:ext uri="{FF2B5EF4-FFF2-40B4-BE49-F238E27FC236}">
+              <a16:creationId xmlns:a16="http://schemas.microsoft.com/office/drawing/2014/main" id="{B25D3C12-9109-F41E-B952-560D3B65C313}"/>
+            </a:ext>
+          </a:extLst>
+        </p:cNvPr>
+        <p:cNvGrpSpPr/>
+        <p:nvPr/>
+      </p:nvGrpSpPr>
+      <p:grpSpPr>
+        <a:xfrm>
+          <a:off x="0" y="0"/>
+          <a:ext cx="0" cy="0"/>
+          <a:chOff x="0" y="0"/>
+          <a:chExt cx="0" cy="0"/>
+        </a:xfrm>
+      </p:grpSpPr>
+      <p:sp>
+        <p:nvSpPr>
+          <p:cNvPr id="211" name="Google Shape;211;p:notes">
+            <a:extLst>
+              <a:ext uri="{FF2B5EF4-FFF2-40B4-BE49-F238E27FC236}">
+                <a16:creationId xmlns:a16="http://schemas.microsoft.com/office/drawing/2014/main" id="{0DF1C561-1548-AF56-0E13-97824F35E92E}"/>
+              </a:ext>
+            </a:extLst>
+          </p:cNvPr>
+          <p:cNvSpPr>
+            <a:spLocks noGrp="1" noRot="1" noChangeAspect="1"/>
+          </p:cNvSpPr>
+          <p:nvPr>
+            <p:ph type="sldImg" idx="2"/>
+          </p:nvPr>
+        </p:nvSpPr>
+        <p:spPr>
+          <a:xfrm>
+            <a:off x="381000" y="685800"/>
+            <a:ext cx="6096000" cy="3429000"/>
+          </a:xfrm>
+          <a:custGeom>
+            <a:avLst/>
+            <a:gdLst/>
+            <a:ahLst/>
+            <a:cxnLst/>
+            <a:rect l="l" t="t" r="r" b="b"/>
+            <a:pathLst>
+              <a:path w="120000" h="120000" extrusionOk="0">
+                <a:moveTo>
+                  <a:pt x="0" y="0"/>
+                </a:moveTo>
+                <a:lnTo>
+                  <a:pt x="120000" y="0"/>
+                </a:lnTo>
+                <a:lnTo>
+                  <a:pt x="120000" y="120000"/>
+                </a:lnTo>
+                <a:lnTo>
+                  <a:pt x="0" y="120000"/>
+                </a:lnTo>
+                <a:close/>
+              </a:path>
+            </a:pathLst>
+          </a:custGeom>
+        </p:spPr>
+      </p:sp>
+      <p:sp>
+        <p:nvSpPr>
+          <p:cNvPr id="212" name="Google Shape;212;p:notes">
+            <a:extLst>
+              <a:ext uri="{FF2B5EF4-FFF2-40B4-BE49-F238E27FC236}">
+                <a16:creationId xmlns:a16="http://schemas.microsoft.com/office/drawing/2014/main" id="{F97072E2-2214-8337-82BA-321C784DF6BD}"/>
+              </a:ext>
+            </a:extLst>
+          </p:cNvPr>
+          <p:cNvSpPr txBox="1">
+            <a:spLocks noGrp="1"/>
+          </p:cNvSpPr>
+          <p:nvPr>
+            <p:ph type="body" idx="1"/>
+          </p:nvPr>
+        </p:nvSpPr>
+        <p:spPr>
+          <a:xfrm>
+            <a:off x="685800" y="4343400"/>
+            <a:ext cx="5486400" cy="4114800"/>
+          </a:xfrm>
+          <a:prstGeom prst="rect">
+            <a:avLst/>
+          </a:prstGeom>
+        </p:spPr>
+        <p:txBody>
+          <a:bodyPr spcFirstLastPara="1" wrap="square" lIns="91425" tIns="91425" rIns="91425" bIns="91425" anchor="t" anchorCtr="0">
+            <a:noAutofit/>
+          </a:bodyPr>
+          <a:lstStyle/>
+          <a:p>
+            <a:pPr marL="0" lvl="0" indent="0" algn="l" rtl="0">
+              <a:spcBef>
+                <a:spcPts val="0"/>
+              </a:spcBef>
+              <a:spcAft>
+                <a:spcPts val="0"/>
+              </a:spcAft>
+              <a:buNone/>
+            </a:pPr>
+            <a:endParaRPr/>
+          </a:p>
+        </p:txBody>
+      </p:sp>
+    </p:spTree>
+    <p:extLst>
+      <p:ext uri="{BB962C8B-B14F-4D97-AF65-F5344CB8AC3E}">
+        <p14:creationId xmlns:p14="http://schemas.microsoft.com/office/powerpoint/2010/main" val="194172976"/>
+      </p:ext>
+    </p:extLst>
+  </p:cSld>
+  <p:clrMapOvr>
+    <a:masterClrMapping/>
+  </p:clrMapOvr>
+</p:notes>
+</file>
+
+<file path=ppt/notesSlides/notesSlide16.xml><?xml version="1.0" encoding="utf-8"?>
+<p:notes xmlns:a="http://schemas.openxmlformats.org/drawingml/2006/main" xmlns:r="http://schemas.openxmlformats.org/officeDocument/2006/relationships" xmlns:p="http://schemas.openxmlformats.org/presentationml/2006/main" showMasterSp="0" showMasterPhAnim="0">
+  <p:cSld>
+    <p:spTree>
+      <p:nvGrpSpPr>
+        <p:cNvPr id="1" name="Shape 246">
+          <a:extLst>
+            <a:ext uri="{FF2B5EF4-FFF2-40B4-BE49-F238E27FC236}">
+              <a16:creationId xmlns:a16="http://schemas.microsoft.com/office/drawing/2014/main" id="{D04BB2F9-8C5C-4270-A067-83C26A4B6D8B}"/>
+            </a:ext>
+          </a:extLst>
+        </p:cNvPr>
+        <p:cNvGrpSpPr/>
+        <p:nvPr/>
+      </p:nvGrpSpPr>
+      <p:grpSpPr>
+        <a:xfrm>
+          <a:off x="0" y="0"/>
+          <a:ext cx="0" cy="0"/>
+          <a:chOff x="0" y="0"/>
+          <a:chExt cx="0" cy="0"/>
+        </a:xfrm>
+      </p:grpSpPr>
+      <p:sp>
+        <p:nvSpPr>
+          <p:cNvPr id="247" name="Google Shape;247;g1224a59d8d2_0_20:notes">
+            <a:extLst>
+              <a:ext uri="{FF2B5EF4-FFF2-40B4-BE49-F238E27FC236}">
+                <a16:creationId xmlns:a16="http://schemas.microsoft.com/office/drawing/2014/main" id="{F6D878F8-FD72-49C1-5AB3-87E8E5B645EF}"/>
+              </a:ext>
+            </a:extLst>
+          </p:cNvPr>
+          <p:cNvSpPr>
+            <a:spLocks noGrp="1" noRot="1" noChangeAspect="1"/>
+          </p:cNvSpPr>
+          <p:nvPr>
+            <p:ph type="sldImg" idx="2"/>
+          </p:nvPr>
+        </p:nvSpPr>
+        <p:spPr>
+          <a:xfrm>
+            <a:off x="381000" y="685800"/>
+            <a:ext cx="6096000" cy="3429000"/>
+          </a:xfrm>
+          <a:custGeom>
+            <a:avLst/>
+            <a:gdLst/>
+            <a:ahLst/>
+            <a:cxnLst/>
+            <a:rect l="l" t="t" r="r" b="b"/>
+            <a:pathLst>
+              <a:path w="120000" h="120000" extrusionOk="0">
+                <a:moveTo>
+                  <a:pt x="0" y="0"/>
+                </a:moveTo>
+                <a:lnTo>
+                  <a:pt x="120000" y="0"/>
+                </a:lnTo>
+                <a:lnTo>
+                  <a:pt x="120000" y="120000"/>
+                </a:lnTo>
+                <a:lnTo>
+                  <a:pt x="0" y="120000"/>
+                </a:lnTo>
+                <a:close/>
+              </a:path>
+            </a:pathLst>
+          </a:custGeom>
+        </p:spPr>
+      </p:sp>
+      <p:sp>
+        <p:nvSpPr>
+          <p:cNvPr id="248" name="Google Shape;248;g1224a59d8d2_0_20:notes">
+            <a:extLst>
+              <a:ext uri="{FF2B5EF4-FFF2-40B4-BE49-F238E27FC236}">
+                <a16:creationId xmlns:a16="http://schemas.microsoft.com/office/drawing/2014/main" id="{28D32C5E-1DE5-96C1-C66C-2DFF2A19A4A5}"/>
+              </a:ext>
+            </a:extLst>
+          </p:cNvPr>
+          <p:cNvSpPr txBox="1">
+            <a:spLocks noGrp="1"/>
+          </p:cNvSpPr>
+          <p:nvPr>
+            <p:ph type="body" idx="1"/>
+          </p:nvPr>
+        </p:nvSpPr>
+        <p:spPr>
+          <a:xfrm>
+            <a:off x="685800" y="4343400"/>
+            <a:ext cx="5486400" cy="4114800"/>
+          </a:xfrm>
+          <a:prstGeom prst="rect">
+            <a:avLst/>
+          </a:prstGeom>
+        </p:spPr>
+        <p:txBody>
+          <a:bodyPr spcFirstLastPara="1" wrap="square" lIns="91425" tIns="91425" rIns="91425" bIns="91425" anchor="t" anchorCtr="0">
+            <a:noAutofit/>
+          </a:bodyPr>
+          <a:lstStyle/>
+          <a:p>
+            <a:pPr marL="0" lvl="0" indent="0" algn="l" rtl="0">
+              <a:spcBef>
+                <a:spcPts val="0"/>
+              </a:spcBef>
+              <a:spcAft>
+                <a:spcPts val="0"/>
+              </a:spcAft>
+              <a:buNone/>
+            </a:pPr>
+            <a:endParaRPr/>
+          </a:p>
+        </p:txBody>
+      </p:sp>
+    </p:spTree>
+    <p:extLst>
+      <p:ext uri="{BB962C8B-B14F-4D97-AF65-F5344CB8AC3E}">
+        <p14:creationId xmlns:p14="http://schemas.microsoft.com/office/powerpoint/2010/main" val="28753001"/>
+      </p:ext>
+    </p:extLst>
+  </p:cSld>
+  <p:clrMapOvr>
+    <a:masterClrMapping/>
+  </p:clrMapOvr>
+</p:notes>
+</file>
+
+<file path=ppt/notesSlides/notesSlide17.xml><?xml version="1.0" encoding="utf-8"?>
+<p:notes xmlns:a="http://schemas.openxmlformats.org/drawingml/2006/main" xmlns:r="http://schemas.openxmlformats.org/officeDocument/2006/relationships" xmlns:p="http://schemas.openxmlformats.org/presentationml/2006/main" showMasterSp="0" showMasterPhAnim="0">
+  <p:cSld>
+    <p:spTree>
+      <p:nvGrpSpPr>
+        <p:cNvPr id="1" name="Shape 210">
+          <a:extLst>
+            <a:ext uri="{FF2B5EF4-FFF2-40B4-BE49-F238E27FC236}">
+              <a16:creationId xmlns:a16="http://schemas.microsoft.com/office/drawing/2014/main" id="{C1600B94-C146-DA15-7C55-2791FA20890A}"/>
+            </a:ext>
+          </a:extLst>
+        </p:cNvPr>
+        <p:cNvGrpSpPr/>
+        <p:nvPr/>
+      </p:nvGrpSpPr>
+      <p:grpSpPr>
+        <a:xfrm>
+          <a:off x="0" y="0"/>
+          <a:ext cx="0" cy="0"/>
+          <a:chOff x="0" y="0"/>
+          <a:chExt cx="0" cy="0"/>
+        </a:xfrm>
+      </p:grpSpPr>
+      <p:sp>
+        <p:nvSpPr>
+          <p:cNvPr id="211" name="Google Shape;211;p:notes">
+            <a:extLst>
+              <a:ext uri="{FF2B5EF4-FFF2-40B4-BE49-F238E27FC236}">
+                <a16:creationId xmlns:a16="http://schemas.microsoft.com/office/drawing/2014/main" id="{F4A76873-12A0-37BB-7160-808CC171E3EA}"/>
+              </a:ext>
+            </a:extLst>
+          </p:cNvPr>
+          <p:cNvSpPr>
+            <a:spLocks noGrp="1" noRot="1" noChangeAspect="1"/>
+          </p:cNvSpPr>
+          <p:nvPr>
+            <p:ph type="sldImg" idx="2"/>
+          </p:nvPr>
+        </p:nvSpPr>
+        <p:spPr>
+          <a:xfrm>
+            <a:off x="381000" y="685800"/>
+            <a:ext cx="6096000" cy="3429000"/>
+          </a:xfrm>
+          <a:custGeom>
+            <a:avLst/>
+            <a:gdLst/>
+            <a:ahLst/>
+            <a:cxnLst/>
+            <a:rect l="l" t="t" r="r" b="b"/>
+            <a:pathLst>
+              <a:path w="120000" h="120000" extrusionOk="0">
+                <a:moveTo>
+                  <a:pt x="0" y="0"/>
+                </a:moveTo>
+                <a:lnTo>
+                  <a:pt x="120000" y="0"/>
+                </a:lnTo>
+                <a:lnTo>
+                  <a:pt x="120000" y="120000"/>
+                </a:lnTo>
+                <a:lnTo>
+                  <a:pt x="0" y="120000"/>
+                </a:lnTo>
+                <a:close/>
+              </a:path>
+            </a:pathLst>
+          </a:custGeom>
+        </p:spPr>
+      </p:sp>
+      <p:sp>
+        <p:nvSpPr>
+          <p:cNvPr id="212" name="Google Shape;212;p:notes">
+            <a:extLst>
+              <a:ext uri="{FF2B5EF4-FFF2-40B4-BE49-F238E27FC236}">
+                <a16:creationId xmlns:a16="http://schemas.microsoft.com/office/drawing/2014/main" id="{DF5CABE8-A27B-7608-09EF-940FB35F153D}"/>
+              </a:ext>
+            </a:extLst>
+          </p:cNvPr>
+          <p:cNvSpPr txBox="1">
+            <a:spLocks noGrp="1"/>
+          </p:cNvSpPr>
+          <p:nvPr>
+            <p:ph type="body" idx="1"/>
+          </p:nvPr>
+        </p:nvSpPr>
+        <p:spPr>
+          <a:xfrm>
+            <a:off x="685800" y="4343400"/>
+            <a:ext cx="5486400" cy="4114800"/>
+          </a:xfrm>
+          <a:prstGeom prst="rect">
+            <a:avLst/>
+          </a:prstGeom>
+        </p:spPr>
+        <p:txBody>
+          <a:bodyPr spcFirstLastPara="1" wrap="square" lIns="91425" tIns="91425" rIns="91425" bIns="91425" anchor="t" anchorCtr="0">
+            <a:noAutofit/>
+          </a:bodyPr>
+          <a:lstStyle/>
+          <a:p>
+            <a:pPr marL="0" lvl="0" indent="0" algn="l" rtl="0">
+              <a:spcBef>
+                <a:spcPts val="0"/>
+              </a:spcBef>
+              <a:spcAft>
+                <a:spcPts val="0"/>
+              </a:spcAft>
+              <a:buNone/>
+            </a:pPr>
+            <a:endParaRPr/>
+          </a:p>
+        </p:txBody>
+      </p:sp>
+    </p:spTree>
+    <p:extLst>
+      <p:ext uri="{BB962C8B-B14F-4D97-AF65-F5344CB8AC3E}">
+        <p14:creationId xmlns:p14="http://schemas.microsoft.com/office/powerpoint/2010/main" val="1831493217"/>
+      </p:ext>
+    </p:extLst>
+  </p:cSld>
+  <p:clrMapOvr>
+    <a:masterClrMapping/>
+  </p:clrMapOvr>
+</p:notes>
+</file>
+
+<file path=ppt/notesSlides/notesSlide18.xml><?xml version="1.0" encoding="utf-8"?>
+<p:notes xmlns:a="http://schemas.openxmlformats.org/drawingml/2006/main" xmlns:r="http://schemas.openxmlformats.org/officeDocument/2006/relationships" xmlns:p="http://schemas.openxmlformats.org/presentationml/2006/main" showMasterSp="0" showMasterPhAnim="0">
+  <p:cSld>
+    <p:spTree>
+      <p:nvGrpSpPr>
+        <p:cNvPr id="1" name="Shape 210">
+          <a:extLst>
+            <a:ext uri="{FF2B5EF4-FFF2-40B4-BE49-F238E27FC236}">
+              <a16:creationId xmlns:a16="http://schemas.microsoft.com/office/drawing/2014/main" id="{68FE9813-3F4E-C29F-E57D-62FDEC3BCF14}"/>
+            </a:ext>
+          </a:extLst>
+        </p:cNvPr>
+        <p:cNvGrpSpPr/>
+        <p:nvPr/>
+      </p:nvGrpSpPr>
+      <p:grpSpPr>
+        <a:xfrm>
+          <a:off x="0" y="0"/>
+          <a:ext cx="0" cy="0"/>
+          <a:chOff x="0" y="0"/>
+          <a:chExt cx="0" cy="0"/>
+        </a:xfrm>
+      </p:grpSpPr>
+      <p:sp>
+        <p:nvSpPr>
+          <p:cNvPr id="211" name="Google Shape;211;p:notes">
+            <a:extLst>
+              <a:ext uri="{FF2B5EF4-FFF2-40B4-BE49-F238E27FC236}">
+                <a16:creationId xmlns:a16="http://schemas.microsoft.com/office/drawing/2014/main" id="{FA8449C3-BA77-8A13-AF06-27D9294A74D1}"/>
+              </a:ext>
+            </a:extLst>
+          </p:cNvPr>
+          <p:cNvSpPr>
+            <a:spLocks noGrp="1" noRot="1" noChangeAspect="1"/>
+          </p:cNvSpPr>
+          <p:nvPr>
+            <p:ph type="sldImg" idx="2"/>
+          </p:nvPr>
+        </p:nvSpPr>
+        <p:spPr>
+          <a:xfrm>
+            <a:off x="381000" y="685800"/>
+            <a:ext cx="6096000" cy="3429000"/>
+          </a:xfrm>
+          <a:custGeom>
+            <a:avLst/>
+            <a:gdLst/>
+            <a:ahLst/>
+            <a:cxnLst/>
+            <a:rect l="l" t="t" r="r" b="b"/>
+            <a:pathLst>
+              <a:path w="120000" h="120000" extrusionOk="0">
+                <a:moveTo>
+                  <a:pt x="0" y="0"/>
+                </a:moveTo>
+                <a:lnTo>
+                  <a:pt x="120000" y="0"/>
+                </a:lnTo>
+                <a:lnTo>
+                  <a:pt x="120000" y="120000"/>
+                </a:lnTo>
+                <a:lnTo>
+                  <a:pt x="0" y="120000"/>
+                </a:lnTo>
+                <a:close/>
+              </a:path>
+            </a:pathLst>
+          </a:custGeom>
+        </p:spPr>
+      </p:sp>
+      <p:sp>
+        <p:nvSpPr>
+          <p:cNvPr id="212" name="Google Shape;212;p:notes">
+            <a:extLst>
+              <a:ext uri="{FF2B5EF4-FFF2-40B4-BE49-F238E27FC236}">
+                <a16:creationId xmlns:a16="http://schemas.microsoft.com/office/drawing/2014/main" id="{CDB09AA6-7312-D97C-81C3-BD8DE3BA7890}"/>
+              </a:ext>
+            </a:extLst>
+          </p:cNvPr>
+          <p:cNvSpPr txBox="1">
+            <a:spLocks noGrp="1"/>
+          </p:cNvSpPr>
+          <p:nvPr>
+            <p:ph type="body" idx="1"/>
+          </p:nvPr>
+        </p:nvSpPr>
+        <p:spPr>
+          <a:xfrm>
+            <a:off x="685800" y="4343400"/>
+            <a:ext cx="5486400" cy="4114800"/>
+          </a:xfrm>
+          <a:prstGeom prst="rect">
+            <a:avLst/>
+          </a:prstGeom>
+        </p:spPr>
+        <p:txBody>
+          <a:bodyPr spcFirstLastPara="1" wrap="square" lIns="91425" tIns="91425" rIns="91425" bIns="91425" anchor="t" anchorCtr="0">
+            <a:noAutofit/>
+          </a:bodyPr>
+          <a:lstStyle/>
+          <a:p>
+            <a:pPr marL="0" lvl="0" indent="0" algn="l" rtl="0">
+              <a:spcBef>
+                <a:spcPts val="0"/>
+              </a:spcBef>
+              <a:spcAft>
+                <a:spcPts val="0"/>
+              </a:spcAft>
+              <a:buNone/>
+            </a:pPr>
+            <a:endParaRPr/>
+          </a:p>
+        </p:txBody>
+      </p:sp>
+    </p:spTree>
+    <p:extLst>
+      <p:ext uri="{BB962C8B-B14F-4D97-AF65-F5344CB8AC3E}">
+        <p14:creationId xmlns:p14="http://schemas.microsoft.com/office/powerpoint/2010/main" val="920900115"/>
+      </p:ext>
+    </p:extLst>
+  </p:cSld>
+  <p:clrMapOvr>
+    <a:masterClrMapping/>
+  </p:clrMapOvr>
+</p:notes>
+</file>
+
+<file path=ppt/notesSlides/notesSlide19.xml><?xml version="1.0" encoding="utf-8"?>
+<p:notes xmlns:a="http://schemas.openxmlformats.org/drawingml/2006/main" xmlns:r="http://schemas.openxmlformats.org/officeDocument/2006/relationships" xmlns:p="http://schemas.openxmlformats.org/presentationml/2006/main" showMasterSp="0" showMasterPhAnim="0">
+  <p:cSld>
+    <p:spTree>
+      <p:nvGrpSpPr>
+        <p:cNvPr id="1" name="Shape 210">
+          <a:extLst>
+            <a:ext uri="{FF2B5EF4-FFF2-40B4-BE49-F238E27FC236}">
+              <a16:creationId xmlns:a16="http://schemas.microsoft.com/office/drawing/2014/main" id="{7057824B-C216-76C5-F236-50B09C9D42D3}"/>
+            </a:ext>
+          </a:extLst>
+        </p:cNvPr>
+        <p:cNvGrpSpPr/>
+        <p:nvPr/>
+      </p:nvGrpSpPr>
+      <p:grpSpPr>
+        <a:xfrm>
+          <a:off x="0" y="0"/>
+          <a:ext cx="0" cy="0"/>
+          <a:chOff x="0" y="0"/>
+          <a:chExt cx="0" cy="0"/>
+        </a:xfrm>
+      </p:grpSpPr>
+      <p:sp>
+        <p:nvSpPr>
+          <p:cNvPr id="211" name="Google Shape;211;p:notes">
+            <a:extLst>
+              <a:ext uri="{FF2B5EF4-FFF2-40B4-BE49-F238E27FC236}">
+                <a16:creationId xmlns:a16="http://schemas.microsoft.com/office/drawing/2014/main" id="{F2EB1677-47E8-CF68-8B60-3EEB30483B21}"/>
+              </a:ext>
+            </a:extLst>
+          </p:cNvPr>
+          <p:cNvSpPr>
+            <a:spLocks noGrp="1" noRot="1" noChangeAspect="1"/>
+          </p:cNvSpPr>
+          <p:nvPr>
+            <p:ph type="sldImg" idx="2"/>
+          </p:nvPr>
+        </p:nvSpPr>
+        <p:spPr>
+          <a:xfrm>
+            <a:off x="381000" y="685800"/>
+            <a:ext cx="6096000" cy="3429000"/>
+          </a:xfrm>
+          <a:custGeom>
+            <a:avLst/>
+            <a:gdLst/>
+            <a:ahLst/>
+            <a:cxnLst/>
+            <a:rect l="l" t="t" r="r" b="b"/>
+            <a:pathLst>
+              <a:path w="120000" h="120000" extrusionOk="0">
+                <a:moveTo>
+                  <a:pt x="0" y="0"/>
+                </a:moveTo>
+                <a:lnTo>
+                  <a:pt x="120000" y="0"/>
+                </a:lnTo>
+                <a:lnTo>
+                  <a:pt x="120000" y="120000"/>
+                </a:lnTo>
+                <a:lnTo>
+                  <a:pt x="0" y="120000"/>
+                </a:lnTo>
+                <a:close/>
+              </a:path>
+            </a:pathLst>
+          </a:custGeom>
+        </p:spPr>
+      </p:sp>
+      <p:sp>
+        <p:nvSpPr>
+          <p:cNvPr id="212" name="Google Shape;212;p:notes">
+            <a:extLst>
+              <a:ext uri="{FF2B5EF4-FFF2-40B4-BE49-F238E27FC236}">
+                <a16:creationId xmlns:a16="http://schemas.microsoft.com/office/drawing/2014/main" id="{FDA5C0C3-DDC7-48B0-A6F1-D8D1542DF909}"/>
+              </a:ext>
+            </a:extLst>
+          </p:cNvPr>
+          <p:cNvSpPr txBox="1">
+            <a:spLocks noGrp="1"/>
+          </p:cNvSpPr>
+          <p:nvPr>
+            <p:ph type="body" idx="1"/>
+          </p:nvPr>
+        </p:nvSpPr>
+        <p:spPr>
+          <a:xfrm>
+            <a:off x="685800" y="4343400"/>
+            <a:ext cx="5486400" cy="4114800"/>
+          </a:xfrm>
+          <a:prstGeom prst="rect">
+            <a:avLst/>
+          </a:prstGeom>
+        </p:spPr>
+        <p:txBody>
+          <a:bodyPr spcFirstLastPara="1" wrap="square" lIns="91425" tIns="91425" rIns="91425" bIns="91425" anchor="t" anchorCtr="0">
+            <a:noAutofit/>
+          </a:bodyPr>
+          <a:lstStyle/>
+          <a:p>
+            <a:pPr marL="0" lvl="0" indent="0" algn="l" rtl="0">
+              <a:spcBef>
+                <a:spcPts val="0"/>
+              </a:spcBef>
+              <a:spcAft>
+                <a:spcPts val="0"/>
+              </a:spcAft>
+              <a:buNone/>
+            </a:pPr>
+            <a:endParaRPr/>
+          </a:p>
+        </p:txBody>
+      </p:sp>
+    </p:spTree>
+    <p:extLst>
+      <p:ext uri="{BB962C8B-B14F-4D97-AF65-F5344CB8AC3E}">
+        <p14:creationId xmlns:p14="http://schemas.microsoft.com/office/powerpoint/2010/main" val="2126331557"/>
+      </p:ext>
+    </p:extLst>
+  </p:cSld>
+  <p:clrMapOvr>
+    <a:masterClrMapping/>
+  </p:clrMapOvr>
+</p:notes>
+</file>
+
 <file path=ppt/notesSlides/notesSlide2.xml><?xml version="1.0" encoding="utf-8"?>
 <p:notes xmlns:a="http://schemas.openxmlformats.org/drawingml/2006/main" xmlns:r="http://schemas.openxmlformats.org/officeDocument/2006/relationships" xmlns:p="http://schemas.openxmlformats.org/presentationml/2006/main" showMasterSp="0" showMasterPhAnim="0">
   <p:cSld>
@@ -914,6 +2214,768 @@
         </p:txBody>
       </p:sp>
     </p:spTree>
+  </p:cSld>
+  <p:clrMapOvr>
+    <a:masterClrMapping/>
+  </p:clrMapOvr>
+</p:notes>
+</file>
+
+<file path=ppt/notesSlides/notesSlide20.xml><?xml version="1.0" encoding="utf-8"?>
+<p:notes xmlns:a="http://schemas.openxmlformats.org/drawingml/2006/main" xmlns:r="http://schemas.openxmlformats.org/officeDocument/2006/relationships" xmlns:p="http://schemas.openxmlformats.org/presentationml/2006/main" showMasterSp="0" showMasterPhAnim="0">
+  <p:cSld>
+    <p:spTree>
+      <p:nvGrpSpPr>
+        <p:cNvPr id="1" name="Shape 210">
+          <a:extLst>
+            <a:ext uri="{FF2B5EF4-FFF2-40B4-BE49-F238E27FC236}">
+              <a16:creationId xmlns:a16="http://schemas.microsoft.com/office/drawing/2014/main" id="{40B60491-2917-72AD-ABB7-0AB120C387AB}"/>
+            </a:ext>
+          </a:extLst>
+        </p:cNvPr>
+        <p:cNvGrpSpPr/>
+        <p:nvPr/>
+      </p:nvGrpSpPr>
+      <p:grpSpPr>
+        <a:xfrm>
+          <a:off x="0" y="0"/>
+          <a:ext cx="0" cy="0"/>
+          <a:chOff x="0" y="0"/>
+          <a:chExt cx="0" cy="0"/>
+        </a:xfrm>
+      </p:grpSpPr>
+      <p:sp>
+        <p:nvSpPr>
+          <p:cNvPr id="211" name="Google Shape;211;p:notes">
+            <a:extLst>
+              <a:ext uri="{FF2B5EF4-FFF2-40B4-BE49-F238E27FC236}">
+                <a16:creationId xmlns:a16="http://schemas.microsoft.com/office/drawing/2014/main" id="{30322C3F-F68B-B2BF-68C9-5DB1FB047FC3}"/>
+              </a:ext>
+            </a:extLst>
+          </p:cNvPr>
+          <p:cNvSpPr>
+            <a:spLocks noGrp="1" noRot="1" noChangeAspect="1"/>
+          </p:cNvSpPr>
+          <p:nvPr>
+            <p:ph type="sldImg" idx="2"/>
+          </p:nvPr>
+        </p:nvSpPr>
+        <p:spPr>
+          <a:xfrm>
+            <a:off x="381000" y="685800"/>
+            <a:ext cx="6096000" cy="3429000"/>
+          </a:xfrm>
+          <a:custGeom>
+            <a:avLst/>
+            <a:gdLst/>
+            <a:ahLst/>
+            <a:cxnLst/>
+            <a:rect l="l" t="t" r="r" b="b"/>
+            <a:pathLst>
+              <a:path w="120000" h="120000" extrusionOk="0">
+                <a:moveTo>
+                  <a:pt x="0" y="0"/>
+                </a:moveTo>
+                <a:lnTo>
+                  <a:pt x="120000" y="0"/>
+                </a:lnTo>
+                <a:lnTo>
+                  <a:pt x="120000" y="120000"/>
+                </a:lnTo>
+                <a:lnTo>
+                  <a:pt x="0" y="120000"/>
+                </a:lnTo>
+                <a:close/>
+              </a:path>
+            </a:pathLst>
+          </a:custGeom>
+        </p:spPr>
+      </p:sp>
+      <p:sp>
+        <p:nvSpPr>
+          <p:cNvPr id="212" name="Google Shape;212;p:notes">
+            <a:extLst>
+              <a:ext uri="{FF2B5EF4-FFF2-40B4-BE49-F238E27FC236}">
+                <a16:creationId xmlns:a16="http://schemas.microsoft.com/office/drawing/2014/main" id="{6436C498-B628-D209-1560-73A954B1F326}"/>
+              </a:ext>
+            </a:extLst>
+          </p:cNvPr>
+          <p:cNvSpPr txBox="1">
+            <a:spLocks noGrp="1"/>
+          </p:cNvSpPr>
+          <p:nvPr>
+            <p:ph type="body" idx="1"/>
+          </p:nvPr>
+        </p:nvSpPr>
+        <p:spPr>
+          <a:xfrm>
+            <a:off x="685800" y="4343400"/>
+            <a:ext cx="5486400" cy="4114800"/>
+          </a:xfrm>
+          <a:prstGeom prst="rect">
+            <a:avLst/>
+          </a:prstGeom>
+        </p:spPr>
+        <p:txBody>
+          <a:bodyPr spcFirstLastPara="1" wrap="square" lIns="91425" tIns="91425" rIns="91425" bIns="91425" anchor="t" anchorCtr="0">
+            <a:noAutofit/>
+          </a:bodyPr>
+          <a:lstStyle/>
+          <a:p>
+            <a:pPr marL="0" lvl="0" indent="0" algn="l" rtl="0">
+              <a:spcBef>
+                <a:spcPts val="0"/>
+              </a:spcBef>
+              <a:spcAft>
+                <a:spcPts val="0"/>
+              </a:spcAft>
+              <a:buNone/>
+            </a:pPr>
+            <a:endParaRPr/>
+          </a:p>
+        </p:txBody>
+      </p:sp>
+    </p:spTree>
+    <p:extLst>
+      <p:ext uri="{BB962C8B-B14F-4D97-AF65-F5344CB8AC3E}">
+        <p14:creationId xmlns:p14="http://schemas.microsoft.com/office/powerpoint/2010/main" val="281769572"/>
+      </p:ext>
+    </p:extLst>
+  </p:cSld>
+  <p:clrMapOvr>
+    <a:masterClrMapping/>
+  </p:clrMapOvr>
+</p:notes>
+</file>
+
+<file path=ppt/notesSlides/notesSlide21.xml><?xml version="1.0" encoding="utf-8"?>
+<p:notes xmlns:a="http://schemas.openxmlformats.org/drawingml/2006/main" xmlns:r="http://schemas.openxmlformats.org/officeDocument/2006/relationships" xmlns:p="http://schemas.openxmlformats.org/presentationml/2006/main" showMasterSp="0" showMasterPhAnim="0">
+  <p:cSld>
+    <p:spTree>
+      <p:nvGrpSpPr>
+        <p:cNvPr id="1" name="Shape 210">
+          <a:extLst>
+            <a:ext uri="{FF2B5EF4-FFF2-40B4-BE49-F238E27FC236}">
+              <a16:creationId xmlns:a16="http://schemas.microsoft.com/office/drawing/2014/main" id="{21B8ED9F-AA7C-6967-026F-9A3D2DBEF875}"/>
+            </a:ext>
+          </a:extLst>
+        </p:cNvPr>
+        <p:cNvGrpSpPr/>
+        <p:nvPr/>
+      </p:nvGrpSpPr>
+      <p:grpSpPr>
+        <a:xfrm>
+          <a:off x="0" y="0"/>
+          <a:ext cx="0" cy="0"/>
+          <a:chOff x="0" y="0"/>
+          <a:chExt cx="0" cy="0"/>
+        </a:xfrm>
+      </p:grpSpPr>
+      <p:sp>
+        <p:nvSpPr>
+          <p:cNvPr id="211" name="Google Shape;211;p:notes">
+            <a:extLst>
+              <a:ext uri="{FF2B5EF4-FFF2-40B4-BE49-F238E27FC236}">
+                <a16:creationId xmlns:a16="http://schemas.microsoft.com/office/drawing/2014/main" id="{E6700787-F838-69F7-990F-A87DFF93EFA3}"/>
+              </a:ext>
+            </a:extLst>
+          </p:cNvPr>
+          <p:cNvSpPr>
+            <a:spLocks noGrp="1" noRot="1" noChangeAspect="1"/>
+          </p:cNvSpPr>
+          <p:nvPr>
+            <p:ph type="sldImg" idx="2"/>
+          </p:nvPr>
+        </p:nvSpPr>
+        <p:spPr>
+          <a:xfrm>
+            <a:off x="381000" y="685800"/>
+            <a:ext cx="6096000" cy="3429000"/>
+          </a:xfrm>
+          <a:custGeom>
+            <a:avLst/>
+            <a:gdLst/>
+            <a:ahLst/>
+            <a:cxnLst/>
+            <a:rect l="l" t="t" r="r" b="b"/>
+            <a:pathLst>
+              <a:path w="120000" h="120000" extrusionOk="0">
+                <a:moveTo>
+                  <a:pt x="0" y="0"/>
+                </a:moveTo>
+                <a:lnTo>
+                  <a:pt x="120000" y="0"/>
+                </a:lnTo>
+                <a:lnTo>
+                  <a:pt x="120000" y="120000"/>
+                </a:lnTo>
+                <a:lnTo>
+                  <a:pt x="0" y="120000"/>
+                </a:lnTo>
+                <a:close/>
+              </a:path>
+            </a:pathLst>
+          </a:custGeom>
+        </p:spPr>
+      </p:sp>
+      <p:sp>
+        <p:nvSpPr>
+          <p:cNvPr id="212" name="Google Shape;212;p:notes">
+            <a:extLst>
+              <a:ext uri="{FF2B5EF4-FFF2-40B4-BE49-F238E27FC236}">
+                <a16:creationId xmlns:a16="http://schemas.microsoft.com/office/drawing/2014/main" id="{C9FCD469-134A-9216-EE13-85F9C6FD28EA}"/>
+              </a:ext>
+            </a:extLst>
+          </p:cNvPr>
+          <p:cNvSpPr txBox="1">
+            <a:spLocks noGrp="1"/>
+          </p:cNvSpPr>
+          <p:nvPr>
+            <p:ph type="body" idx="1"/>
+          </p:nvPr>
+        </p:nvSpPr>
+        <p:spPr>
+          <a:xfrm>
+            <a:off x="685800" y="4343400"/>
+            <a:ext cx="5486400" cy="4114800"/>
+          </a:xfrm>
+          <a:prstGeom prst="rect">
+            <a:avLst/>
+          </a:prstGeom>
+        </p:spPr>
+        <p:txBody>
+          <a:bodyPr spcFirstLastPara="1" wrap="square" lIns="91425" tIns="91425" rIns="91425" bIns="91425" anchor="t" anchorCtr="0">
+            <a:noAutofit/>
+          </a:bodyPr>
+          <a:lstStyle/>
+          <a:p>
+            <a:pPr marL="0" lvl="0" indent="0" algn="l" rtl="0">
+              <a:spcBef>
+                <a:spcPts val="0"/>
+              </a:spcBef>
+              <a:spcAft>
+                <a:spcPts val="0"/>
+              </a:spcAft>
+              <a:buNone/>
+            </a:pPr>
+            <a:endParaRPr/>
+          </a:p>
+        </p:txBody>
+      </p:sp>
+    </p:spTree>
+    <p:extLst>
+      <p:ext uri="{BB962C8B-B14F-4D97-AF65-F5344CB8AC3E}">
+        <p14:creationId xmlns:p14="http://schemas.microsoft.com/office/powerpoint/2010/main" val="1875926067"/>
+      </p:ext>
+    </p:extLst>
+  </p:cSld>
+  <p:clrMapOvr>
+    <a:masterClrMapping/>
+  </p:clrMapOvr>
+</p:notes>
+</file>
+
+<file path=ppt/notesSlides/notesSlide22.xml><?xml version="1.0" encoding="utf-8"?>
+<p:notes xmlns:a="http://schemas.openxmlformats.org/drawingml/2006/main" xmlns:r="http://schemas.openxmlformats.org/officeDocument/2006/relationships" xmlns:p="http://schemas.openxmlformats.org/presentationml/2006/main" showMasterSp="0" showMasterPhAnim="0">
+  <p:cSld>
+    <p:spTree>
+      <p:nvGrpSpPr>
+        <p:cNvPr id="1" name="Shape 210">
+          <a:extLst>
+            <a:ext uri="{FF2B5EF4-FFF2-40B4-BE49-F238E27FC236}">
+              <a16:creationId xmlns:a16="http://schemas.microsoft.com/office/drawing/2014/main" id="{2A5FA83F-BE50-153B-3ED3-38E2631AA1B9}"/>
+            </a:ext>
+          </a:extLst>
+        </p:cNvPr>
+        <p:cNvGrpSpPr/>
+        <p:nvPr/>
+      </p:nvGrpSpPr>
+      <p:grpSpPr>
+        <a:xfrm>
+          <a:off x="0" y="0"/>
+          <a:ext cx="0" cy="0"/>
+          <a:chOff x="0" y="0"/>
+          <a:chExt cx="0" cy="0"/>
+        </a:xfrm>
+      </p:grpSpPr>
+      <p:sp>
+        <p:nvSpPr>
+          <p:cNvPr id="211" name="Google Shape;211;p:notes">
+            <a:extLst>
+              <a:ext uri="{FF2B5EF4-FFF2-40B4-BE49-F238E27FC236}">
+                <a16:creationId xmlns:a16="http://schemas.microsoft.com/office/drawing/2014/main" id="{1A7CAA2B-346C-9A0C-9563-EE5A379B970C}"/>
+              </a:ext>
+            </a:extLst>
+          </p:cNvPr>
+          <p:cNvSpPr>
+            <a:spLocks noGrp="1" noRot="1" noChangeAspect="1"/>
+          </p:cNvSpPr>
+          <p:nvPr>
+            <p:ph type="sldImg" idx="2"/>
+          </p:nvPr>
+        </p:nvSpPr>
+        <p:spPr>
+          <a:xfrm>
+            <a:off x="381000" y="685800"/>
+            <a:ext cx="6096000" cy="3429000"/>
+          </a:xfrm>
+          <a:custGeom>
+            <a:avLst/>
+            <a:gdLst/>
+            <a:ahLst/>
+            <a:cxnLst/>
+            <a:rect l="l" t="t" r="r" b="b"/>
+            <a:pathLst>
+              <a:path w="120000" h="120000" extrusionOk="0">
+                <a:moveTo>
+                  <a:pt x="0" y="0"/>
+                </a:moveTo>
+                <a:lnTo>
+                  <a:pt x="120000" y="0"/>
+                </a:lnTo>
+                <a:lnTo>
+                  <a:pt x="120000" y="120000"/>
+                </a:lnTo>
+                <a:lnTo>
+                  <a:pt x="0" y="120000"/>
+                </a:lnTo>
+                <a:close/>
+              </a:path>
+            </a:pathLst>
+          </a:custGeom>
+        </p:spPr>
+      </p:sp>
+      <p:sp>
+        <p:nvSpPr>
+          <p:cNvPr id="212" name="Google Shape;212;p:notes">
+            <a:extLst>
+              <a:ext uri="{FF2B5EF4-FFF2-40B4-BE49-F238E27FC236}">
+                <a16:creationId xmlns:a16="http://schemas.microsoft.com/office/drawing/2014/main" id="{843F857C-02FC-2324-7185-99DB4822AE7E}"/>
+              </a:ext>
+            </a:extLst>
+          </p:cNvPr>
+          <p:cNvSpPr txBox="1">
+            <a:spLocks noGrp="1"/>
+          </p:cNvSpPr>
+          <p:nvPr>
+            <p:ph type="body" idx="1"/>
+          </p:nvPr>
+        </p:nvSpPr>
+        <p:spPr>
+          <a:xfrm>
+            <a:off x="685800" y="4343400"/>
+            <a:ext cx="5486400" cy="4114800"/>
+          </a:xfrm>
+          <a:prstGeom prst="rect">
+            <a:avLst/>
+          </a:prstGeom>
+        </p:spPr>
+        <p:txBody>
+          <a:bodyPr spcFirstLastPara="1" wrap="square" lIns="91425" tIns="91425" rIns="91425" bIns="91425" anchor="t" anchorCtr="0">
+            <a:noAutofit/>
+          </a:bodyPr>
+          <a:lstStyle/>
+          <a:p>
+            <a:pPr marL="0" lvl="0" indent="0" algn="l" rtl="0">
+              <a:spcBef>
+                <a:spcPts val="0"/>
+              </a:spcBef>
+              <a:spcAft>
+                <a:spcPts val="0"/>
+              </a:spcAft>
+              <a:buNone/>
+            </a:pPr>
+            <a:endParaRPr/>
+          </a:p>
+        </p:txBody>
+      </p:sp>
+    </p:spTree>
+    <p:extLst>
+      <p:ext uri="{BB962C8B-B14F-4D97-AF65-F5344CB8AC3E}">
+        <p14:creationId xmlns:p14="http://schemas.microsoft.com/office/powerpoint/2010/main" val="2755801592"/>
+      </p:ext>
+    </p:extLst>
+  </p:cSld>
+  <p:clrMapOvr>
+    <a:masterClrMapping/>
+  </p:clrMapOvr>
+</p:notes>
+</file>
+
+<file path=ppt/notesSlides/notesSlide23.xml><?xml version="1.0" encoding="utf-8"?>
+<p:notes xmlns:a="http://schemas.openxmlformats.org/drawingml/2006/main" xmlns:r="http://schemas.openxmlformats.org/officeDocument/2006/relationships" xmlns:p="http://schemas.openxmlformats.org/presentationml/2006/main" showMasterSp="0" showMasterPhAnim="0">
+  <p:cSld>
+    <p:spTree>
+      <p:nvGrpSpPr>
+        <p:cNvPr id="1" name="Shape 246">
+          <a:extLst>
+            <a:ext uri="{FF2B5EF4-FFF2-40B4-BE49-F238E27FC236}">
+              <a16:creationId xmlns:a16="http://schemas.microsoft.com/office/drawing/2014/main" id="{467AA1BD-3D02-680F-94C7-625F124229A8}"/>
+            </a:ext>
+          </a:extLst>
+        </p:cNvPr>
+        <p:cNvGrpSpPr/>
+        <p:nvPr/>
+      </p:nvGrpSpPr>
+      <p:grpSpPr>
+        <a:xfrm>
+          <a:off x="0" y="0"/>
+          <a:ext cx="0" cy="0"/>
+          <a:chOff x="0" y="0"/>
+          <a:chExt cx="0" cy="0"/>
+        </a:xfrm>
+      </p:grpSpPr>
+      <p:sp>
+        <p:nvSpPr>
+          <p:cNvPr id="247" name="Google Shape;247;g1224a59d8d2_0_20:notes">
+            <a:extLst>
+              <a:ext uri="{FF2B5EF4-FFF2-40B4-BE49-F238E27FC236}">
+                <a16:creationId xmlns:a16="http://schemas.microsoft.com/office/drawing/2014/main" id="{F3BCA637-DADB-CCE9-B999-B8FC379F8286}"/>
+              </a:ext>
+            </a:extLst>
+          </p:cNvPr>
+          <p:cNvSpPr>
+            <a:spLocks noGrp="1" noRot="1" noChangeAspect="1"/>
+          </p:cNvSpPr>
+          <p:nvPr>
+            <p:ph type="sldImg" idx="2"/>
+          </p:nvPr>
+        </p:nvSpPr>
+        <p:spPr>
+          <a:xfrm>
+            <a:off x="381000" y="685800"/>
+            <a:ext cx="6096000" cy="3429000"/>
+          </a:xfrm>
+          <a:custGeom>
+            <a:avLst/>
+            <a:gdLst/>
+            <a:ahLst/>
+            <a:cxnLst/>
+            <a:rect l="l" t="t" r="r" b="b"/>
+            <a:pathLst>
+              <a:path w="120000" h="120000" extrusionOk="0">
+                <a:moveTo>
+                  <a:pt x="0" y="0"/>
+                </a:moveTo>
+                <a:lnTo>
+                  <a:pt x="120000" y="0"/>
+                </a:lnTo>
+                <a:lnTo>
+                  <a:pt x="120000" y="120000"/>
+                </a:lnTo>
+                <a:lnTo>
+                  <a:pt x="0" y="120000"/>
+                </a:lnTo>
+                <a:close/>
+              </a:path>
+            </a:pathLst>
+          </a:custGeom>
+        </p:spPr>
+      </p:sp>
+      <p:sp>
+        <p:nvSpPr>
+          <p:cNvPr id="248" name="Google Shape;248;g1224a59d8d2_0_20:notes">
+            <a:extLst>
+              <a:ext uri="{FF2B5EF4-FFF2-40B4-BE49-F238E27FC236}">
+                <a16:creationId xmlns:a16="http://schemas.microsoft.com/office/drawing/2014/main" id="{D5B19257-D4CF-BF5A-2E3F-1755F4225832}"/>
+              </a:ext>
+            </a:extLst>
+          </p:cNvPr>
+          <p:cNvSpPr txBox="1">
+            <a:spLocks noGrp="1"/>
+          </p:cNvSpPr>
+          <p:nvPr>
+            <p:ph type="body" idx="1"/>
+          </p:nvPr>
+        </p:nvSpPr>
+        <p:spPr>
+          <a:xfrm>
+            <a:off x="685800" y="4343400"/>
+            <a:ext cx="5486400" cy="4114800"/>
+          </a:xfrm>
+          <a:prstGeom prst="rect">
+            <a:avLst/>
+          </a:prstGeom>
+        </p:spPr>
+        <p:txBody>
+          <a:bodyPr spcFirstLastPara="1" wrap="square" lIns="91425" tIns="91425" rIns="91425" bIns="91425" anchor="t" anchorCtr="0">
+            <a:noAutofit/>
+          </a:bodyPr>
+          <a:lstStyle/>
+          <a:p>
+            <a:pPr marL="0" lvl="0" indent="0" algn="l" rtl="0">
+              <a:spcBef>
+                <a:spcPts val="0"/>
+              </a:spcBef>
+              <a:spcAft>
+                <a:spcPts val="0"/>
+              </a:spcAft>
+              <a:buNone/>
+            </a:pPr>
+            <a:endParaRPr/>
+          </a:p>
+        </p:txBody>
+      </p:sp>
+    </p:spTree>
+    <p:extLst>
+      <p:ext uri="{BB962C8B-B14F-4D97-AF65-F5344CB8AC3E}">
+        <p14:creationId xmlns:p14="http://schemas.microsoft.com/office/powerpoint/2010/main" val="3994129155"/>
+      </p:ext>
+    </p:extLst>
+  </p:cSld>
+  <p:clrMapOvr>
+    <a:masterClrMapping/>
+  </p:clrMapOvr>
+</p:notes>
+</file>
+
+<file path=ppt/notesSlides/notesSlide24.xml><?xml version="1.0" encoding="utf-8"?>
+<p:notes xmlns:a="http://schemas.openxmlformats.org/drawingml/2006/main" xmlns:r="http://schemas.openxmlformats.org/officeDocument/2006/relationships" xmlns:p="http://schemas.openxmlformats.org/presentationml/2006/main" showMasterSp="0" showMasterPhAnim="0">
+  <p:cSld>
+    <p:spTree>
+      <p:nvGrpSpPr>
+        <p:cNvPr id="1" name="Shape 210">
+          <a:extLst>
+            <a:ext uri="{FF2B5EF4-FFF2-40B4-BE49-F238E27FC236}">
+              <a16:creationId xmlns:a16="http://schemas.microsoft.com/office/drawing/2014/main" id="{E116CE16-54DA-A1D1-E285-EC075ED012BF}"/>
+            </a:ext>
+          </a:extLst>
+        </p:cNvPr>
+        <p:cNvGrpSpPr/>
+        <p:nvPr/>
+      </p:nvGrpSpPr>
+      <p:grpSpPr>
+        <a:xfrm>
+          <a:off x="0" y="0"/>
+          <a:ext cx="0" cy="0"/>
+          <a:chOff x="0" y="0"/>
+          <a:chExt cx="0" cy="0"/>
+        </a:xfrm>
+      </p:grpSpPr>
+      <p:sp>
+        <p:nvSpPr>
+          <p:cNvPr id="211" name="Google Shape;211;p:notes">
+            <a:extLst>
+              <a:ext uri="{FF2B5EF4-FFF2-40B4-BE49-F238E27FC236}">
+                <a16:creationId xmlns:a16="http://schemas.microsoft.com/office/drawing/2014/main" id="{7C7E8FAA-1596-E87B-A4AD-DBE407149B81}"/>
+              </a:ext>
+            </a:extLst>
+          </p:cNvPr>
+          <p:cNvSpPr>
+            <a:spLocks noGrp="1" noRot="1" noChangeAspect="1"/>
+          </p:cNvSpPr>
+          <p:nvPr>
+            <p:ph type="sldImg" idx="2"/>
+          </p:nvPr>
+        </p:nvSpPr>
+        <p:spPr>
+          <a:xfrm>
+            <a:off x="381000" y="685800"/>
+            <a:ext cx="6096000" cy="3429000"/>
+          </a:xfrm>
+          <a:custGeom>
+            <a:avLst/>
+            <a:gdLst/>
+            <a:ahLst/>
+            <a:cxnLst/>
+            <a:rect l="l" t="t" r="r" b="b"/>
+            <a:pathLst>
+              <a:path w="120000" h="120000" extrusionOk="0">
+                <a:moveTo>
+                  <a:pt x="0" y="0"/>
+                </a:moveTo>
+                <a:lnTo>
+                  <a:pt x="120000" y="0"/>
+                </a:lnTo>
+                <a:lnTo>
+                  <a:pt x="120000" y="120000"/>
+                </a:lnTo>
+                <a:lnTo>
+                  <a:pt x="0" y="120000"/>
+                </a:lnTo>
+                <a:close/>
+              </a:path>
+            </a:pathLst>
+          </a:custGeom>
+        </p:spPr>
+      </p:sp>
+      <p:sp>
+        <p:nvSpPr>
+          <p:cNvPr id="212" name="Google Shape;212;p:notes">
+            <a:extLst>
+              <a:ext uri="{FF2B5EF4-FFF2-40B4-BE49-F238E27FC236}">
+                <a16:creationId xmlns:a16="http://schemas.microsoft.com/office/drawing/2014/main" id="{2363CE90-436A-FCBD-3C02-8EC316CAE56C}"/>
+              </a:ext>
+            </a:extLst>
+          </p:cNvPr>
+          <p:cNvSpPr txBox="1">
+            <a:spLocks noGrp="1"/>
+          </p:cNvSpPr>
+          <p:nvPr>
+            <p:ph type="body" idx="1"/>
+          </p:nvPr>
+        </p:nvSpPr>
+        <p:spPr>
+          <a:xfrm>
+            <a:off x="685800" y="4343400"/>
+            <a:ext cx="5486400" cy="4114800"/>
+          </a:xfrm>
+          <a:prstGeom prst="rect">
+            <a:avLst/>
+          </a:prstGeom>
+        </p:spPr>
+        <p:txBody>
+          <a:bodyPr spcFirstLastPara="1" wrap="square" lIns="91425" tIns="91425" rIns="91425" bIns="91425" anchor="t" anchorCtr="0">
+            <a:noAutofit/>
+          </a:bodyPr>
+          <a:lstStyle/>
+          <a:p>
+            <a:pPr marL="0" lvl="0" indent="0" algn="l" rtl="0">
+              <a:spcBef>
+                <a:spcPts val="0"/>
+              </a:spcBef>
+              <a:spcAft>
+                <a:spcPts val="0"/>
+              </a:spcAft>
+              <a:buNone/>
+            </a:pPr>
+            <a:endParaRPr/>
+          </a:p>
+        </p:txBody>
+      </p:sp>
+    </p:spTree>
+    <p:extLst>
+      <p:ext uri="{BB962C8B-B14F-4D97-AF65-F5344CB8AC3E}">
+        <p14:creationId xmlns:p14="http://schemas.microsoft.com/office/powerpoint/2010/main" val="2288523320"/>
+      </p:ext>
+    </p:extLst>
+  </p:cSld>
+  <p:clrMapOvr>
+    <a:masterClrMapping/>
+  </p:clrMapOvr>
+</p:notes>
+</file>
+
+<file path=ppt/notesSlides/notesSlide25.xml><?xml version="1.0" encoding="utf-8"?>
+<p:notes xmlns:a="http://schemas.openxmlformats.org/drawingml/2006/main" xmlns:r="http://schemas.openxmlformats.org/officeDocument/2006/relationships" xmlns:p="http://schemas.openxmlformats.org/presentationml/2006/main" showMasterSp="0" showMasterPhAnim="0">
+  <p:cSld>
+    <p:spTree>
+      <p:nvGrpSpPr>
+        <p:cNvPr id="1" name="Shape 246">
+          <a:extLst>
+            <a:ext uri="{FF2B5EF4-FFF2-40B4-BE49-F238E27FC236}">
+              <a16:creationId xmlns:a16="http://schemas.microsoft.com/office/drawing/2014/main" id="{8B14C37E-A20C-0169-C2AA-9090CBBA7EF7}"/>
+            </a:ext>
+          </a:extLst>
+        </p:cNvPr>
+        <p:cNvGrpSpPr/>
+        <p:nvPr/>
+      </p:nvGrpSpPr>
+      <p:grpSpPr>
+        <a:xfrm>
+          <a:off x="0" y="0"/>
+          <a:ext cx="0" cy="0"/>
+          <a:chOff x="0" y="0"/>
+          <a:chExt cx="0" cy="0"/>
+        </a:xfrm>
+      </p:grpSpPr>
+      <p:sp>
+        <p:nvSpPr>
+          <p:cNvPr id="247" name="Google Shape;247;g1224a59d8d2_0_20:notes">
+            <a:extLst>
+              <a:ext uri="{FF2B5EF4-FFF2-40B4-BE49-F238E27FC236}">
+                <a16:creationId xmlns:a16="http://schemas.microsoft.com/office/drawing/2014/main" id="{799CCD4D-6F7B-54AF-068B-85F098006494}"/>
+              </a:ext>
+            </a:extLst>
+          </p:cNvPr>
+          <p:cNvSpPr>
+            <a:spLocks noGrp="1" noRot="1" noChangeAspect="1"/>
+          </p:cNvSpPr>
+          <p:nvPr>
+            <p:ph type="sldImg" idx="2"/>
+          </p:nvPr>
+        </p:nvSpPr>
+        <p:spPr>
+          <a:xfrm>
+            <a:off x="381000" y="685800"/>
+            <a:ext cx="6096000" cy="3429000"/>
+          </a:xfrm>
+          <a:custGeom>
+            <a:avLst/>
+            <a:gdLst/>
+            <a:ahLst/>
+            <a:cxnLst/>
+            <a:rect l="l" t="t" r="r" b="b"/>
+            <a:pathLst>
+              <a:path w="120000" h="120000" extrusionOk="0">
+                <a:moveTo>
+                  <a:pt x="0" y="0"/>
+                </a:moveTo>
+                <a:lnTo>
+                  <a:pt x="120000" y="0"/>
+                </a:lnTo>
+                <a:lnTo>
+                  <a:pt x="120000" y="120000"/>
+                </a:lnTo>
+                <a:lnTo>
+                  <a:pt x="0" y="120000"/>
+                </a:lnTo>
+                <a:close/>
+              </a:path>
+            </a:pathLst>
+          </a:custGeom>
+        </p:spPr>
+      </p:sp>
+      <p:sp>
+        <p:nvSpPr>
+          <p:cNvPr id="248" name="Google Shape;248;g1224a59d8d2_0_20:notes">
+            <a:extLst>
+              <a:ext uri="{FF2B5EF4-FFF2-40B4-BE49-F238E27FC236}">
+                <a16:creationId xmlns:a16="http://schemas.microsoft.com/office/drawing/2014/main" id="{0CA6CAE5-E38E-69F7-C156-3D1F88B965B0}"/>
+              </a:ext>
+            </a:extLst>
+          </p:cNvPr>
+          <p:cNvSpPr txBox="1">
+            <a:spLocks noGrp="1"/>
+          </p:cNvSpPr>
+          <p:nvPr>
+            <p:ph type="body" idx="1"/>
+          </p:nvPr>
+        </p:nvSpPr>
+        <p:spPr>
+          <a:xfrm>
+            <a:off x="685800" y="4343400"/>
+            <a:ext cx="5486400" cy="4114800"/>
+          </a:xfrm>
+          <a:prstGeom prst="rect">
+            <a:avLst/>
+          </a:prstGeom>
+        </p:spPr>
+        <p:txBody>
+          <a:bodyPr spcFirstLastPara="1" wrap="square" lIns="91425" tIns="91425" rIns="91425" bIns="91425" anchor="t" anchorCtr="0">
+            <a:noAutofit/>
+          </a:bodyPr>
+          <a:lstStyle/>
+          <a:p>
+            <a:pPr marL="0" lvl="0" indent="0" algn="l" rtl="0">
+              <a:spcBef>
+                <a:spcPts val="0"/>
+              </a:spcBef>
+              <a:spcAft>
+                <a:spcPts val="0"/>
+              </a:spcAft>
+              <a:buNone/>
+            </a:pPr>
+            <a:endParaRPr/>
+          </a:p>
+        </p:txBody>
+      </p:sp>
+    </p:spTree>
+    <p:extLst>
+      <p:ext uri="{BB962C8B-B14F-4D97-AF65-F5344CB8AC3E}">
+        <p14:creationId xmlns:p14="http://schemas.microsoft.com/office/powerpoint/2010/main" val="3439480512"/>
+      </p:ext>
+    </p:extLst>
   </p:cSld>
   <p:clrMapOvr>
     <a:masterClrMapping/>
@@ -1261,10 +3323,10 @@
   <p:cSld>
     <p:spTree>
       <p:nvGrpSpPr>
-        <p:cNvPr id="1" name="Shape 246">
+        <p:cNvPr id="1" name="Shape 210">
           <a:extLst>
             <a:ext uri="{FF2B5EF4-FFF2-40B4-BE49-F238E27FC236}">
-              <a16:creationId xmlns:a16="http://schemas.microsoft.com/office/drawing/2014/main" id="{9D149015-E8FA-89D2-4757-1E7BA2C097A7}"/>
+              <a16:creationId xmlns:a16="http://schemas.microsoft.com/office/drawing/2014/main" id="{523F9C23-38E9-FBA5-9493-ACC230F18888}"/>
             </a:ext>
           </a:extLst>
         </p:cNvPr>
@@ -1281,10 +3343,10 @@
       </p:grpSpPr>
       <p:sp>
         <p:nvSpPr>
-          <p:cNvPr id="247" name="Google Shape;247;g1224a59d8d2_0_20:notes">
+          <p:cNvPr id="211" name="Google Shape;211;p:notes">
             <a:extLst>
               <a:ext uri="{FF2B5EF4-FFF2-40B4-BE49-F238E27FC236}">
-                <a16:creationId xmlns:a16="http://schemas.microsoft.com/office/drawing/2014/main" id="{35260AE1-8279-7986-05B3-1C44E7A87CA5}"/>
+                <a16:creationId xmlns:a16="http://schemas.microsoft.com/office/drawing/2014/main" id="{E1F83009-10AA-8535-5A85-B3D4DDA7469A}"/>
               </a:ext>
             </a:extLst>
           </p:cNvPr>
@@ -1328,10 +3390,10 @@
       </p:sp>
       <p:sp>
         <p:nvSpPr>
-          <p:cNvPr id="248" name="Google Shape;248;g1224a59d8d2_0_20:notes">
+          <p:cNvPr id="212" name="Google Shape;212;p:notes">
             <a:extLst>
               <a:ext uri="{FF2B5EF4-FFF2-40B4-BE49-F238E27FC236}">
-                <a16:creationId xmlns:a16="http://schemas.microsoft.com/office/drawing/2014/main" id="{8B489C2A-E216-BC35-8870-AC98F113F0C7}"/>
+                <a16:creationId xmlns:a16="http://schemas.microsoft.com/office/drawing/2014/main" id="{C314B658-FD10-AE9A-9B18-924AE569B7D2}"/>
               </a:ext>
             </a:extLst>
           </p:cNvPr>
@@ -1373,7 +3435,7 @@
     </p:spTree>
     <p:extLst>
       <p:ext uri="{BB962C8B-B14F-4D97-AF65-F5344CB8AC3E}">
-        <p14:creationId xmlns:p14="http://schemas.microsoft.com/office/powerpoint/2010/main" val="1147619552"/>
+        <p14:creationId xmlns:p14="http://schemas.microsoft.com/office/powerpoint/2010/main" val="3715268565"/>
       </p:ext>
     </p:extLst>
   </p:cSld>
@@ -1388,10 +3450,10 @@
   <p:cSld>
     <p:spTree>
       <p:nvGrpSpPr>
-        <p:cNvPr id="1" name="Shape 246">
+        <p:cNvPr id="1" name="Shape 210">
           <a:extLst>
             <a:ext uri="{FF2B5EF4-FFF2-40B4-BE49-F238E27FC236}">
-              <a16:creationId xmlns:a16="http://schemas.microsoft.com/office/drawing/2014/main" id="{D04BB2F9-8C5C-4270-A067-83C26A4B6D8B}"/>
+              <a16:creationId xmlns:a16="http://schemas.microsoft.com/office/drawing/2014/main" id="{891B4F8F-30EA-2A11-4CC7-7ECCA4C7EEE4}"/>
             </a:ext>
           </a:extLst>
         </p:cNvPr>
@@ -1408,10 +3470,10 @@
       </p:grpSpPr>
       <p:sp>
         <p:nvSpPr>
-          <p:cNvPr id="247" name="Google Shape;247;g1224a59d8d2_0_20:notes">
+          <p:cNvPr id="211" name="Google Shape;211;p:notes">
             <a:extLst>
               <a:ext uri="{FF2B5EF4-FFF2-40B4-BE49-F238E27FC236}">
-                <a16:creationId xmlns:a16="http://schemas.microsoft.com/office/drawing/2014/main" id="{F6D878F8-FD72-49C1-5AB3-87E8E5B645EF}"/>
+                <a16:creationId xmlns:a16="http://schemas.microsoft.com/office/drawing/2014/main" id="{1BB17C9D-C4D2-B2CB-A1D1-6FB4E54A1602}"/>
               </a:ext>
             </a:extLst>
           </p:cNvPr>
@@ -1455,10 +3517,10 @@
       </p:sp>
       <p:sp>
         <p:nvSpPr>
-          <p:cNvPr id="248" name="Google Shape;248;g1224a59d8d2_0_20:notes">
+          <p:cNvPr id="212" name="Google Shape;212;p:notes">
             <a:extLst>
               <a:ext uri="{FF2B5EF4-FFF2-40B4-BE49-F238E27FC236}">
-                <a16:creationId xmlns:a16="http://schemas.microsoft.com/office/drawing/2014/main" id="{28D32C5E-1DE5-96C1-C66C-2DFF2A19A4A5}"/>
+                <a16:creationId xmlns:a16="http://schemas.microsoft.com/office/drawing/2014/main" id="{76471D54-13E3-7995-228C-93B6B7F12DF7}"/>
               </a:ext>
             </a:extLst>
           </p:cNvPr>
@@ -1500,7 +3562,7 @@
     </p:spTree>
     <p:extLst>
       <p:ext uri="{BB962C8B-B14F-4D97-AF65-F5344CB8AC3E}">
-        <p14:creationId xmlns:p14="http://schemas.microsoft.com/office/powerpoint/2010/main" val="28753001"/>
+        <p14:creationId xmlns:p14="http://schemas.microsoft.com/office/powerpoint/2010/main" val="3942176250"/>
       </p:ext>
     </p:extLst>
   </p:cSld>
@@ -1515,10 +3577,10 @@
   <p:cSld>
     <p:spTree>
       <p:nvGrpSpPr>
-        <p:cNvPr id="1" name="Shape 246">
+        <p:cNvPr id="1" name="Shape 210">
           <a:extLst>
             <a:ext uri="{FF2B5EF4-FFF2-40B4-BE49-F238E27FC236}">
-              <a16:creationId xmlns:a16="http://schemas.microsoft.com/office/drawing/2014/main" id="{467AA1BD-3D02-680F-94C7-625F124229A8}"/>
+              <a16:creationId xmlns:a16="http://schemas.microsoft.com/office/drawing/2014/main" id="{FCE4EE4C-76CF-5559-1E4C-88451D071F42}"/>
             </a:ext>
           </a:extLst>
         </p:cNvPr>
@@ -1535,10 +3597,10 @@
       </p:grpSpPr>
       <p:sp>
         <p:nvSpPr>
-          <p:cNvPr id="247" name="Google Shape;247;g1224a59d8d2_0_20:notes">
+          <p:cNvPr id="211" name="Google Shape;211;p:notes">
             <a:extLst>
               <a:ext uri="{FF2B5EF4-FFF2-40B4-BE49-F238E27FC236}">
-                <a16:creationId xmlns:a16="http://schemas.microsoft.com/office/drawing/2014/main" id="{F3BCA637-DADB-CCE9-B999-B8FC379F8286}"/>
+                <a16:creationId xmlns:a16="http://schemas.microsoft.com/office/drawing/2014/main" id="{CECF26B6-9A44-07F7-4101-9F604352DDFB}"/>
               </a:ext>
             </a:extLst>
           </p:cNvPr>
@@ -1582,10 +3644,10 @@
       </p:sp>
       <p:sp>
         <p:nvSpPr>
-          <p:cNvPr id="248" name="Google Shape;248;g1224a59d8d2_0_20:notes">
+          <p:cNvPr id="212" name="Google Shape;212;p:notes">
             <a:extLst>
               <a:ext uri="{FF2B5EF4-FFF2-40B4-BE49-F238E27FC236}">
-                <a16:creationId xmlns:a16="http://schemas.microsoft.com/office/drawing/2014/main" id="{D5B19257-D4CF-BF5A-2E3F-1755F4225832}"/>
+                <a16:creationId xmlns:a16="http://schemas.microsoft.com/office/drawing/2014/main" id="{71B2E80E-161B-3814-3853-D620B122580C}"/>
               </a:ext>
             </a:extLst>
           </p:cNvPr>
@@ -1627,7 +3689,7 @@
     </p:spTree>
     <p:extLst>
       <p:ext uri="{BB962C8B-B14F-4D97-AF65-F5344CB8AC3E}">
-        <p14:creationId xmlns:p14="http://schemas.microsoft.com/office/powerpoint/2010/main" val="3994129155"/>
+        <p14:creationId xmlns:p14="http://schemas.microsoft.com/office/powerpoint/2010/main" val="1887452691"/>
       </p:ext>
     </p:extLst>
   </p:cSld>
@@ -1642,10 +3704,10 @@
   <p:cSld>
     <p:spTree>
       <p:nvGrpSpPr>
-        <p:cNvPr id="1" name="Shape 246">
+        <p:cNvPr id="1" name="Shape 210">
           <a:extLst>
             <a:ext uri="{FF2B5EF4-FFF2-40B4-BE49-F238E27FC236}">
-              <a16:creationId xmlns:a16="http://schemas.microsoft.com/office/drawing/2014/main" id="{8B14C37E-A20C-0169-C2AA-9090CBBA7EF7}"/>
+              <a16:creationId xmlns:a16="http://schemas.microsoft.com/office/drawing/2014/main" id="{5EB74C2C-A5D8-18D2-C983-04D4CC0B70B0}"/>
             </a:ext>
           </a:extLst>
         </p:cNvPr>
@@ -1662,10 +3724,10 @@
       </p:grpSpPr>
       <p:sp>
         <p:nvSpPr>
-          <p:cNvPr id="247" name="Google Shape;247;g1224a59d8d2_0_20:notes">
+          <p:cNvPr id="211" name="Google Shape;211;p:notes">
             <a:extLst>
               <a:ext uri="{FF2B5EF4-FFF2-40B4-BE49-F238E27FC236}">
-                <a16:creationId xmlns:a16="http://schemas.microsoft.com/office/drawing/2014/main" id="{799CCD4D-6F7B-54AF-068B-85F098006494}"/>
+                <a16:creationId xmlns:a16="http://schemas.microsoft.com/office/drawing/2014/main" id="{9466246B-D198-C968-0F31-BBD07376EE98}"/>
               </a:ext>
             </a:extLst>
           </p:cNvPr>
@@ -1709,10 +3771,10 @@
       </p:sp>
       <p:sp>
         <p:nvSpPr>
-          <p:cNvPr id="248" name="Google Shape;248;g1224a59d8d2_0_20:notes">
+          <p:cNvPr id="212" name="Google Shape;212;p:notes">
             <a:extLst>
               <a:ext uri="{FF2B5EF4-FFF2-40B4-BE49-F238E27FC236}">
-                <a16:creationId xmlns:a16="http://schemas.microsoft.com/office/drawing/2014/main" id="{0CA6CAE5-E38E-69F7-C156-3D1F88B965B0}"/>
+                <a16:creationId xmlns:a16="http://schemas.microsoft.com/office/drawing/2014/main" id="{76957E63-4D49-2D49-8C74-AA2D83492C46}"/>
               </a:ext>
             </a:extLst>
           </p:cNvPr>
@@ -1754,7 +3816,7 @@
     </p:spTree>
     <p:extLst>
       <p:ext uri="{BB962C8B-B14F-4D97-AF65-F5344CB8AC3E}">
-        <p14:creationId xmlns:p14="http://schemas.microsoft.com/office/powerpoint/2010/main" val="3439480512"/>
+        <p14:creationId xmlns:p14="http://schemas.microsoft.com/office/powerpoint/2010/main" val="3786392602"/>
       </p:ext>
     </p:extLst>
   </p:cSld>
@@ -6326,6 +8388,1934 @@
 </p:sld>
 </file>
 
+<file path=ppt/slides/slide10.xml><?xml version="1.0" encoding="utf-8"?>
+<p:sld xmlns:a="http://schemas.openxmlformats.org/drawingml/2006/main" xmlns:r="http://schemas.openxmlformats.org/officeDocument/2006/relationships" xmlns:p="http://schemas.openxmlformats.org/presentationml/2006/main">
+  <p:cSld>
+    <p:spTree>
+      <p:nvGrpSpPr>
+        <p:cNvPr id="1" name="Shape 213">
+          <a:extLst>
+            <a:ext uri="{FF2B5EF4-FFF2-40B4-BE49-F238E27FC236}">
+              <a16:creationId xmlns:a16="http://schemas.microsoft.com/office/drawing/2014/main" id="{6C0BB097-C402-A93A-8D99-FDA407E22625}"/>
+            </a:ext>
+          </a:extLst>
+        </p:cNvPr>
+        <p:cNvGrpSpPr/>
+        <p:nvPr/>
+      </p:nvGrpSpPr>
+      <p:grpSpPr>
+        <a:xfrm>
+          <a:off x="0" y="0"/>
+          <a:ext cx="0" cy="0"/>
+          <a:chOff x="0" y="0"/>
+          <a:chExt cx="0" cy="0"/>
+        </a:xfrm>
+      </p:grpSpPr>
+      <p:sp>
+        <p:nvSpPr>
+          <p:cNvPr id="214" name="Google Shape;214;p41">
+            <a:extLst>
+              <a:ext uri="{FF2B5EF4-FFF2-40B4-BE49-F238E27FC236}">
+                <a16:creationId xmlns:a16="http://schemas.microsoft.com/office/drawing/2014/main" id="{B44B85A2-E7E6-7BE7-D82B-4555A7ED38F4}"/>
+              </a:ext>
+            </a:extLst>
+          </p:cNvPr>
+          <p:cNvSpPr txBox="1">
+            <a:spLocks noGrp="1"/>
+          </p:cNvSpPr>
+          <p:nvPr>
+            <p:ph type="ctrTitle"/>
+          </p:nvPr>
+        </p:nvSpPr>
+        <p:spPr>
+          <a:xfrm>
+            <a:off x="3695838" y="824345"/>
+            <a:ext cx="5157216" cy="690125"/>
+          </a:xfrm>
+          <a:prstGeom prst="rect">
+            <a:avLst/>
+          </a:prstGeom>
+        </p:spPr>
+        <p:txBody>
+          <a:bodyPr spcFirstLastPara="1" wrap="square" lIns="91425" tIns="91425" rIns="91425" bIns="91425" anchor="b" anchorCtr="0">
+            <a:noAutofit/>
+          </a:bodyPr>
+          <a:lstStyle/>
+          <a:p>
+            <a:pPr marL="0" lvl="0" indent="0" algn="l" rtl="0">
+              <a:spcBef>
+                <a:spcPts val="0"/>
+              </a:spcBef>
+              <a:spcAft>
+                <a:spcPts val="0"/>
+              </a:spcAft>
+              <a:buNone/>
+            </a:pPr>
+            <a:r>
+              <a:rPr lang="en-US" b="1" dirty="0">
+                <a:solidFill>
+                  <a:schemeClr val="accent1">
+                    <a:lumMod val="50000"/>
+                  </a:schemeClr>
+                </a:solidFill>
+              </a:rPr>
+              <a:t>Sim e </a:t>
+            </a:r>
+            <a:r>
+              <a:rPr lang="en-US" b="1" dirty="0" err="1">
+                <a:solidFill>
+                  <a:schemeClr val="accent1">
+                    <a:lumMod val="50000"/>
+                  </a:schemeClr>
+                </a:solidFill>
+              </a:rPr>
+              <a:t>nuovi</a:t>
+            </a:r>
+            <a:r>
+              <a:rPr lang="en-US" b="1" dirty="0">
+                <a:solidFill>
+                  <a:schemeClr val="accent1">
+                    <a:lumMod val="50000"/>
+                  </a:schemeClr>
+                </a:solidFill>
+              </a:rPr>
+              <a:t> results</a:t>
+            </a:r>
+            <a:endParaRPr dirty="0">
+              <a:solidFill>
+                <a:schemeClr val="accent3">
+                  <a:lumMod val="25000"/>
+                </a:schemeClr>
+              </a:solidFill>
+            </a:endParaRPr>
+          </a:p>
+        </p:txBody>
+      </p:sp>
+      <p:pic>
+        <p:nvPicPr>
+          <p:cNvPr id="216" name="Google Shape;216;p41">
+            <a:extLst>
+              <a:ext uri="{FF2B5EF4-FFF2-40B4-BE49-F238E27FC236}">
+                <a16:creationId xmlns:a16="http://schemas.microsoft.com/office/drawing/2014/main" id="{93B34863-3CFA-8D18-D807-486CD25077E4}"/>
+              </a:ext>
+            </a:extLst>
+          </p:cNvPr>
+          <p:cNvPicPr preferRelativeResize="0"/>
+          <p:nvPr/>
+        </p:nvPicPr>
+        <p:blipFill rotWithShape="1">
+          <a:blip r:embed="rId3">
+            <a:alphaModFix/>
+          </a:blip>
+          <a:srcRect l="13663" t="5545" r="23252" b="6005"/>
+          <a:stretch/>
+        </p:blipFill>
+        <p:spPr>
+          <a:xfrm>
+            <a:off x="758750" y="-125175"/>
+            <a:ext cx="3190148" cy="4494751"/>
+          </a:xfrm>
+          <a:prstGeom prst="rect">
+            <a:avLst/>
+          </a:prstGeom>
+          <a:noFill/>
+          <a:ln>
+            <a:noFill/>
+          </a:ln>
+        </p:spPr>
+      </p:pic>
+    </p:spTree>
+    <p:extLst>
+      <p:ext uri="{BB962C8B-B14F-4D97-AF65-F5344CB8AC3E}">
+        <p14:creationId xmlns:p14="http://schemas.microsoft.com/office/powerpoint/2010/main" val="1230872203"/>
+      </p:ext>
+    </p:extLst>
+  </p:cSld>
+  <p:clrMapOvr>
+    <a:masterClrMapping/>
+  </p:clrMapOvr>
+</p:sld>
+</file>
+
+<file path=ppt/slides/slide11.xml><?xml version="1.0" encoding="utf-8"?>
+<p:sld xmlns:a="http://schemas.openxmlformats.org/drawingml/2006/main" xmlns:r="http://schemas.openxmlformats.org/officeDocument/2006/relationships" xmlns:p="http://schemas.openxmlformats.org/presentationml/2006/main">
+  <p:cSld>
+    <p:spTree>
+      <p:nvGrpSpPr>
+        <p:cNvPr id="1" name="Shape 249">
+          <a:extLst>
+            <a:ext uri="{FF2B5EF4-FFF2-40B4-BE49-F238E27FC236}">
+              <a16:creationId xmlns:a16="http://schemas.microsoft.com/office/drawing/2014/main" id="{72B3B4AF-7BE2-C3BF-CB0D-A782BA6C104D}"/>
+            </a:ext>
+          </a:extLst>
+        </p:cNvPr>
+        <p:cNvGrpSpPr/>
+        <p:nvPr/>
+      </p:nvGrpSpPr>
+      <p:grpSpPr>
+        <a:xfrm>
+          <a:off x="0" y="0"/>
+          <a:ext cx="0" cy="0"/>
+          <a:chOff x="0" y="0"/>
+          <a:chExt cx="0" cy="0"/>
+        </a:xfrm>
+      </p:grpSpPr>
+      <p:sp>
+        <p:nvSpPr>
+          <p:cNvPr id="250" name="Google Shape;250;p45">
+            <a:extLst>
+              <a:ext uri="{FF2B5EF4-FFF2-40B4-BE49-F238E27FC236}">
+                <a16:creationId xmlns:a16="http://schemas.microsoft.com/office/drawing/2014/main" id="{C02B05CD-1974-FE70-CD51-3CACD638918D}"/>
+              </a:ext>
+            </a:extLst>
+          </p:cNvPr>
+          <p:cNvSpPr txBox="1">
+            <a:spLocks noGrp="1"/>
+          </p:cNvSpPr>
+          <p:nvPr>
+            <p:ph type="title"/>
+          </p:nvPr>
+        </p:nvSpPr>
+        <p:spPr>
+          <a:xfrm>
+            <a:off x="3859250" y="2380050"/>
+            <a:ext cx="4360200" cy="2492396"/>
+          </a:xfrm>
+          <a:prstGeom prst="rect">
+            <a:avLst/>
+          </a:prstGeom>
+        </p:spPr>
+        <p:txBody>
+          <a:bodyPr spcFirstLastPara="1" wrap="square" lIns="91425" tIns="91425" rIns="91425" bIns="91425" anchor="b" anchorCtr="0">
+            <a:noAutofit/>
+          </a:bodyPr>
+          <a:lstStyle/>
+          <a:p>
+            <a:pPr lvl="0"/>
+            <a:r>
+              <a:rPr lang="en-US" sz="2800" b="1" dirty="0">
+                <a:solidFill>
+                  <a:schemeClr val="accent3">
+                    <a:lumMod val="25000"/>
+                  </a:schemeClr>
+                </a:solidFill>
+              </a:rPr>
+              <a:t>Multiple products and</a:t>
+            </a:r>
+            <a:br>
+              <a:rPr lang="en-US" sz="2800" b="1" dirty="0">
+                <a:solidFill>
+                  <a:schemeClr val="accent3">
+                    <a:lumMod val="25000"/>
+                  </a:schemeClr>
+                </a:solidFill>
+              </a:rPr>
+            </a:br>
+            <a:r>
+              <a:rPr lang="en-US" sz="2800" b="1" dirty="0">
+                <a:solidFill>
+                  <a:schemeClr val="accent3">
+                    <a:lumMod val="25000"/>
+                  </a:schemeClr>
+                </a:solidFill>
+              </a:rPr>
+              <a:t>Stochastic environment</a:t>
+            </a:r>
+            <a:br>
+              <a:rPr lang="en-US" sz="2800" b="1" dirty="0">
+                <a:solidFill>
+                  <a:schemeClr val="accent3">
+                    <a:lumMod val="25000"/>
+                  </a:schemeClr>
+                </a:solidFill>
+              </a:rPr>
+            </a:br>
+            <a:br>
+              <a:rPr lang="en-US" sz="2800" b="1" dirty="0">
+                <a:solidFill>
+                  <a:schemeClr val="accent3">
+                    <a:lumMod val="25000"/>
+                  </a:schemeClr>
+                </a:solidFill>
+              </a:rPr>
+            </a:br>
+            <a:r>
+              <a:rPr lang="en-US" sz="2800" b="1" dirty="0">
+                <a:solidFill>
+                  <a:schemeClr val="accent3">
+                    <a:lumMod val="25000"/>
+                  </a:schemeClr>
+                </a:solidFill>
+              </a:rPr>
+              <a:t>1.</a:t>
+            </a:r>
+            <a:br>
+              <a:rPr lang="en-US" sz="2800" b="1" dirty="0">
+                <a:solidFill>
+                  <a:schemeClr val="accent3">
+                    <a:lumMod val="25000"/>
+                  </a:schemeClr>
+                </a:solidFill>
+              </a:rPr>
+            </a:br>
+            <a:r>
+              <a:rPr lang="en-US" sz="2800" b="1" dirty="0">
+                <a:solidFill>
+                  <a:schemeClr val="accent3">
+                    <a:lumMod val="25000"/>
+                  </a:schemeClr>
+                </a:solidFill>
+              </a:rPr>
+              <a:t>2.</a:t>
+            </a:r>
+            <a:br>
+              <a:rPr lang="en-US" sz="2800" b="1" dirty="0">
+                <a:solidFill>
+                  <a:schemeClr val="accent3">
+                    <a:lumMod val="25000"/>
+                  </a:schemeClr>
+                </a:solidFill>
+              </a:rPr>
+            </a:br>
+            <a:r>
+              <a:rPr lang="en-US" sz="2800" b="1" dirty="0">
+                <a:solidFill>
+                  <a:schemeClr val="accent3">
+                    <a:lumMod val="25000"/>
+                  </a:schemeClr>
+                </a:solidFill>
+              </a:rPr>
+              <a:t>3.</a:t>
+            </a:r>
+          </a:p>
+        </p:txBody>
+      </p:sp>
+      <p:sp>
+        <p:nvSpPr>
+          <p:cNvPr id="251" name="Google Shape;251;p45">
+            <a:extLst>
+              <a:ext uri="{FF2B5EF4-FFF2-40B4-BE49-F238E27FC236}">
+                <a16:creationId xmlns:a16="http://schemas.microsoft.com/office/drawing/2014/main" id="{8005F1A7-C9DB-A1C9-3156-0FD99EC8A5CB}"/>
+              </a:ext>
+            </a:extLst>
+          </p:cNvPr>
+          <p:cNvSpPr txBox="1">
+            <a:spLocks noGrp="1"/>
+          </p:cNvSpPr>
+          <p:nvPr>
+            <p:ph type="title" idx="2"/>
+          </p:nvPr>
+        </p:nvSpPr>
+        <p:spPr>
+          <a:xfrm>
+            <a:off x="3859250" y="1062325"/>
+            <a:ext cx="4360200" cy="1234500"/>
+          </a:xfrm>
+          <a:prstGeom prst="rect">
+            <a:avLst/>
+          </a:prstGeom>
+        </p:spPr>
+        <p:txBody>
+          <a:bodyPr spcFirstLastPara="1" wrap="square" lIns="91425" tIns="91425" rIns="91425" bIns="91425" anchor="t" anchorCtr="0">
+            <a:noAutofit/>
+          </a:bodyPr>
+          <a:lstStyle/>
+          <a:p>
+            <a:pPr marL="0" lvl="0" indent="0" algn="ctr" rtl="0">
+              <a:spcBef>
+                <a:spcPts val="0"/>
+              </a:spcBef>
+              <a:spcAft>
+                <a:spcPts val="0"/>
+              </a:spcAft>
+              <a:buNone/>
+            </a:pPr>
+            <a:r>
+              <a:rPr lang="en" dirty="0">
+                <a:solidFill>
+                  <a:schemeClr val="accent1">
+                    <a:lumMod val="50000"/>
+                  </a:schemeClr>
+                </a:solidFill>
+              </a:rPr>
+              <a:t>02</a:t>
+            </a:r>
+            <a:endParaRPr dirty="0">
+              <a:solidFill>
+                <a:schemeClr val="accent1">
+                  <a:lumMod val="50000"/>
+                </a:schemeClr>
+              </a:solidFill>
+            </a:endParaRPr>
+          </a:p>
+        </p:txBody>
+      </p:sp>
+      <p:pic>
+        <p:nvPicPr>
+          <p:cNvPr id="253" name="Google Shape;253;p45">
+            <a:extLst>
+              <a:ext uri="{FF2B5EF4-FFF2-40B4-BE49-F238E27FC236}">
+                <a16:creationId xmlns:a16="http://schemas.microsoft.com/office/drawing/2014/main" id="{4F6AE319-BFA4-CAAD-1E82-3B000E090F5C}"/>
+              </a:ext>
+            </a:extLst>
+          </p:cNvPr>
+          <p:cNvPicPr preferRelativeResize="0"/>
+          <p:nvPr/>
+        </p:nvPicPr>
+        <p:blipFill rotWithShape="1">
+          <a:blip r:embed="rId3">
+            <a:alphaModFix/>
+          </a:blip>
+          <a:srcRect l="14335" r="14342"/>
+          <a:stretch/>
+        </p:blipFill>
+        <p:spPr>
+          <a:xfrm>
+            <a:off x="793150" y="348250"/>
+            <a:ext cx="3023699" cy="4260250"/>
+          </a:xfrm>
+          <a:prstGeom prst="rect">
+            <a:avLst/>
+          </a:prstGeom>
+          <a:noFill/>
+          <a:ln>
+            <a:noFill/>
+          </a:ln>
+        </p:spPr>
+      </p:pic>
+    </p:spTree>
+    <p:extLst>
+      <p:ext uri="{BB962C8B-B14F-4D97-AF65-F5344CB8AC3E}">
+        <p14:creationId xmlns:p14="http://schemas.microsoft.com/office/powerpoint/2010/main" val="671471192"/>
+      </p:ext>
+    </p:extLst>
+  </p:cSld>
+  <p:clrMapOvr>
+    <a:masterClrMapping/>
+  </p:clrMapOvr>
+</p:sld>
+</file>
+
+<file path=ppt/slides/slide12.xml><?xml version="1.0" encoding="utf-8"?>
+<p:sld xmlns:a="http://schemas.openxmlformats.org/drawingml/2006/main" xmlns:r="http://schemas.openxmlformats.org/officeDocument/2006/relationships" xmlns:p="http://schemas.openxmlformats.org/presentationml/2006/main">
+  <p:cSld>
+    <p:spTree>
+      <p:nvGrpSpPr>
+        <p:cNvPr id="1" name="Shape 213">
+          <a:extLst>
+            <a:ext uri="{FF2B5EF4-FFF2-40B4-BE49-F238E27FC236}">
+              <a16:creationId xmlns:a16="http://schemas.microsoft.com/office/drawing/2014/main" id="{8776F796-4F1D-20A1-8400-880372C0E956}"/>
+            </a:ext>
+          </a:extLst>
+        </p:cNvPr>
+        <p:cNvGrpSpPr/>
+        <p:nvPr/>
+      </p:nvGrpSpPr>
+      <p:grpSpPr>
+        <a:xfrm>
+          <a:off x="0" y="0"/>
+          <a:ext cx="0" cy="0"/>
+          <a:chOff x="0" y="0"/>
+          <a:chExt cx="0" cy="0"/>
+        </a:xfrm>
+      </p:grpSpPr>
+      <p:sp>
+        <p:nvSpPr>
+          <p:cNvPr id="214" name="Google Shape;214;p41">
+            <a:extLst>
+              <a:ext uri="{FF2B5EF4-FFF2-40B4-BE49-F238E27FC236}">
+                <a16:creationId xmlns:a16="http://schemas.microsoft.com/office/drawing/2014/main" id="{C94DD71C-327D-A221-DC6D-070B143096A3}"/>
+              </a:ext>
+            </a:extLst>
+          </p:cNvPr>
+          <p:cNvSpPr txBox="1">
+            <a:spLocks noGrp="1"/>
+          </p:cNvSpPr>
+          <p:nvPr>
+            <p:ph type="ctrTitle"/>
+          </p:nvPr>
+        </p:nvSpPr>
+        <p:spPr>
+          <a:xfrm>
+            <a:off x="3695838" y="824345"/>
+            <a:ext cx="5157216" cy="690125"/>
+          </a:xfrm>
+          <a:prstGeom prst="rect">
+            <a:avLst/>
+          </a:prstGeom>
+        </p:spPr>
+        <p:txBody>
+          <a:bodyPr spcFirstLastPara="1" wrap="square" lIns="91425" tIns="91425" rIns="91425" bIns="91425" anchor="b" anchorCtr="0">
+            <a:noAutofit/>
+          </a:bodyPr>
+          <a:lstStyle/>
+          <a:p>
+            <a:pPr marL="0" lvl="0" indent="0" algn="l" rtl="0">
+              <a:spcBef>
+                <a:spcPts val="0"/>
+              </a:spcBef>
+              <a:spcAft>
+                <a:spcPts val="0"/>
+              </a:spcAft>
+              <a:buNone/>
+            </a:pPr>
+            <a:r>
+              <a:rPr lang="en-US" b="1" dirty="0">
+                <a:solidFill>
+                  <a:schemeClr val="accent1">
+                    <a:lumMod val="50000"/>
+                  </a:schemeClr>
+                </a:solidFill>
+              </a:rPr>
+              <a:t>S</a:t>
+            </a:r>
+            <a:r>
+              <a:rPr lang="en" b="1" dirty="0">
+                <a:solidFill>
+                  <a:schemeClr val="accent1">
+                    <a:lumMod val="50000"/>
+                  </a:schemeClr>
+                </a:solidFill>
+              </a:rPr>
+              <a:t>piegazione r2:</a:t>
+            </a:r>
+            <a:endParaRPr dirty="0">
+              <a:solidFill>
+                <a:schemeClr val="accent3">
+                  <a:lumMod val="25000"/>
+                </a:schemeClr>
+              </a:solidFill>
+            </a:endParaRPr>
+          </a:p>
+        </p:txBody>
+      </p:sp>
+      <p:pic>
+        <p:nvPicPr>
+          <p:cNvPr id="216" name="Google Shape;216;p41">
+            <a:extLst>
+              <a:ext uri="{FF2B5EF4-FFF2-40B4-BE49-F238E27FC236}">
+                <a16:creationId xmlns:a16="http://schemas.microsoft.com/office/drawing/2014/main" id="{13AFF4CD-6E88-75B1-6B3B-E7BFC096D9BF}"/>
+              </a:ext>
+            </a:extLst>
+          </p:cNvPr>
+          <p:cNvPicPr preferRelativeResize="0"/>
+          <p:nvPr/>
+        </p:nvPicPr>
+        <p:blipFill rotWithShape="1">
+          <a:blip r:embed="rId3">
+            <a:alphaModFix/>
+          </a:blip>
+          <a:srcRect l="13663" t="5545" r="23252" b="6005"/>
+          <a:stretch/>
+        </p:blipFill>
+        <p:spPr>
+          <a:xfrm>
+            <a:off x="758750" y="-125175"/>
+            <a:ext cx="3190148" cy="4494751"/>
+          </a:xfrm>
+          <a:prstGeom prst="rect">
+            <a:avLst/>
+          </a:prstGeom>
+          <a:noFill/>
+          <a:ln>
+            <a:noFill/>
+          </a:ln>
+        </p:spPr>
+      </p:pic>
+    </p:spTree>
+    <p:extLst>
+      <p:ext uri="{BB962C8B-B14F-4D97-AF65-F5344CB8AC3E}">
+        <p14:creationId xmlns:p14="http://schemas.microsoft.com/office/powerpoint/2010/main" val="6940716"/>
+      </p:ext>
+    </p:extLst>
+  </p:cSld>
+  <p:clrMapOvr>
+    <a:masterClrMapping/>
+  </p:clrMapOvr>
+</p:sld>
+</file>
+
+<file path=ppt/slides/slide13.xml><?xml version="1.0" encoding="utf-8"?>
+<p:sld xmlns:a="http://schemas.openxmlformats.org/drawingml/2006/main" xmlns:r="http://schemas.openxmlformats.org/officeDocument/2006/relationships" xmlns:p="http://schemas.openxmlformats.org/presentationml/2006/main">
+  <p:cSld>
+    <p:spTree>
+      <p:nvGrpSpPr>
+        <p:cNvPr id="1" name=""/>
+        <p:cNvGrpSpPr/>
+        <p:nvPr/>
+      </p:nvGrpSpPr>
+      <p:grpSpPr>
+        <a:xfrm>
+          <a:off x="0" y="0"/>
+          <a:ext cx="0" cy="0"/>
+          <a:chOff x="0" y="0"/>
+          <a:chExt cx="0" cy="0"/>
+        </a:xfrm>
+      </p:grpSpPr>
+      <p:sp>
+        <p:nvSpPr>
+          <p:cNvPr id="2" name="Title 1">
+            <a:extLst>
+              <a:ext uri="{FF2B5EF4-FFF2-40B4-BE49-F238E27FC236}">
+                <a16:creationId xmlns:a16="http://schemas.microsoft.com/office/drawing/2014/main" id="{B62B57E1-4CEC-B4DF-7513-95114596B93F}"/>
+              </a:ext>
+            </a:extLst>
+          </p:cNvPr>
+          <p:cNvSpPr>
+            <a:spLocks noGrp="1"/>
+          </p:cNvSpPr>
+          <p:nvPr>
+            <p:ph type="title"/>
+          </p:nvPr>
+        </p:nvSpPr>
+        <p:spPr/>
+        <p:txBody>
+          <a:bodyPr/>
+          <a:lstStyle/>
+          <a:p>
+            <a:endParaRPr lang="en-US"/>
+          </a:p>
+        </p:txBody>
+      </p:sp>
+      <p:sp>
+        <p:nvSpPr>
+          <p:cNvPr id="3" name="Title 2">
+            <a:extLst>
+              <a:ext uri="{FF2B5EF4-FFF2-40B4-BE49-F238E27FC236}">
+                <a16:creationId xmlns:a16="http://schemas.microsoft.com/office/drawing/2014/main" id="{C4D6AF4C-B27C-B1EE-0F57-B3909105CD29}"/>
+              </a:ext>
+            </a:extLst>
+          </p:cNvPr>
+          <p:cNvSpPr>
+            <a:spLocks noGrp="1"/>
+          </p:cNvSpPr>
+          <p:nvPr>
+            <p:ph type="title" idx="2"/>
+          </p:nvPr>
+        </p:nvSpPr>
+        <p:spPr>
+          <a:xfrm>
+            <a:off x="1045029" y="1062325"/>
+            <a:ext cx="7174421" cy="1234500"/>
+          </a:xfrm>
+        </p:spPr>
+        <p:txBody>
+          <a:bodyPr/>
+          <a:lstStyle/>
+          <a:p>
+            <a:r>
+              <a:rPr lang="en-US" dirty="0"/>
+              <a:t>New buyer</a:t>
+            </a:r>
+          </a:p>
+        </p:txBody>
+      </p:sp>
+      <p:sp>
+        <p:nvSpPr>
+          <p:cNvPr id="4" name="Subtitle 3">
+            <a:extLst>
+              <a:ext uri="{FF2B5EF4-FFF2-40B4-BE49-F238E27FC236}">
+                <a16:creationId xmlns:a16="http://schemas.microsoft.com/office/drawing/2014/main" id="{41676939-E861-F644-C303-4D89FA4776C6}"/>
+              </a:ext>
+            </a:extLst>
+          </p:cNvPr>
+          <p:cNvSpPr>
+            <a:spLocks noGrp="1"/>
+          </p:cNvSpPr>
+          <p:nvPr>
+            <p:ph type="subTitle" idx="1"/>
+          </p:nvPr>
+        </p:nvSpPr>
+        <p:spPr/>
+        <p:txBody>
+          <a:bodyPr/>
+          <a:lstStyle/>
+          <a:p>
+            <a:r>
+              <a:rPr lang="en-US" dirty="0" err="1"/>
+              <a:t>Immagine</a:t>
+            </a:r>
+            <a:r>
+              <a:rPr lang="en-US" dirty="0"/>
+              <a:t> </a:t>
+            </a:r>
+            <a:r>
+              <a:rPr lang="en-US" dirty="0" err="1"/>
+              <a:t>gaussiana</a:t>
+            </a:r>
+            <a:r>
+              <a:rPr lang="en-US" dirty="0"/>
+              <a:t> </a:t>
+            </a:r>
+          </a:p>
+        </p:txBody>
+      </p:sp>
+    </p:spTree>
+    <p:extLst>
+      <p:ext uri="{BB962C8B-B14F-4D97-AF65-F5344CB8AC3E}">
+        <p14:creationId xmlns:p14="http://schemas.microsoft.com/office/powerpoint/2010/main" val="3454178891"/>
+      </p:ext>
+    </p:extLst>
+  </p:cSld>
+  <p:clrMapOvr>
+    <a:masterClrMapping/>
+  </p:clrMapOvr>
+</p:sld>
+</file>
+
+<file path=ppt/slides/slide14.xml><?xml version="1.0" encoding="utf-8"?>
+<p:sld xmlns:a="http://schemas.openxmlformats.org/drawingml/2006/main" xmlns:r="http://schemas.openxmlformats.org/officeDocument/2006/relationships" xmlns:p="http://schemas.openxmlformats.org/presentationml/2006/main">
+  <p:cSld>
+    <p:spTree>
+      <p:nvGrpSpPr>
+        <p:cNvPr id="1" name="Shape 213">
+          <a:extLst>
+            <a:ext uri="{FF2B5EF4-FFF2-40B4-BE49-F238E27FC236}">
+              <a16:creationId xmlns:a16="http://schemas.microsoft.com/office/drawing/2014/main" id="{A8441025-CF8E-583A-36FD-59321A8F4D5B}"/>
+            </a:ext>
+          </a:extLst>
+        </p:cNvPr>
+        <p:cNvGrpSpPr/>
+        <p:nvPr/>
+      </p:nvGrpSpPr>
+      <p:grpSpPr>
+        <a:xfrm>
+          <a:off x="0" y="0"/>
+          <a:ext cx="0" cy="0"/>
+          <a:chOff x="0" y="0"/>
+          <a:chExt cx="0" cy="0"/>
+        </a:xfrm>
+      </p:grpSpPr>
+      <p:sp>
+        <p:nvSpPr>
+          <p:cNvPr id="214" name="Google Shape;214;p41">
+            <a:extLst>
+              <a:ext uri="{FF2B5EF4-FFF2-40B4-BE49-F238E27FC236}">
+                <a16:creationId xmlns:a16="http://schemas.microsoft.com/office/drawing/2014/main" id="{EA6190AF-D460-6C23-B986-E13FB12F620A}"/>
+              </a:ext>
+            </a:extLst>
+          </p:cNvPr>
+          <p:cNvSpPr txBox="1">
+            <a:spLocks noGrp="1"/>
+          </p:cNvSpPr>
+          <p:nvPr>
+            <p:ph type="ctrTitle"/>
+          </p:nvPr>
+        </p:nvSpPr>
+        <p:spPr>
+          <a:xfrm>
+            <a:off x="3695838" y="824344"/>
+            <a:ext cx="5157216" cy="3545231"/>
+          </a:xfrm>
+          <a:prstGeom prst="rect">
+            <a:avLst/>
+          </a:prstGeom>
+        </p:spPr>
+        <p:txBody>
+          <a:bodyPr spcFirstLastPara="1" wrap="square" lIns="91425" tIns="91425" rIns="91425" bIns="91425" anchor="b" anchorCtr="0">
+            <a:noAutofit/>
+          </a:bodyPr>
+          <a:lstStyle/>
+          <a:p>
+            <a:pPr marL="0" lvl="0" indent="0" algn="l" rtl="0">
+              <a:spcBef>
+                <a:spcPts val="0"/>
+              </a:spcBef>
+              <a:spcAft>
+                <a:spcPts val="0"/>
+              </a:spcAft>
+              <a:buNone/>
+            </a:pPr>
+            <a:r>
+              <a:rPr lang="en-US" b="1" dirty="0" err="1">
+                <a:solidFill>
+                  <a:schemeClr val="accent1">
+                    <a:lumMod val="50000"/>
+                  </a:schemeClr>
+                </a:solidFill>
+              </a:rPr>
+              <a:t>Metodo</a:t>
+            </a:r>
+            <a:r>
+              <a:rPr lang="en-US" b="1" dirty="0">
+                <a:solidFill>
+                  <a:schemeClr val="accent1">
+                    <a:lumMod val="50000"/>
+                  </a:schemeClr>
+                </a:solidFill>
+              </a:rPr>
+              <a:t> 1:</a:t>
+            </a:r>
+            <a:br>
+              <a:rPr lang="en-US" b="1" dirty="0">
+                <a:solidFill>
+                  <a:schemeClr val="accent1">
+                    <a:lumMod val="50000"/>
+                  </a:schemeClr>
+                </a:solidFill>
+              </a:rPr>
+            </a:br>
+            <a:br>
+              <a:rPr lang="en-US" b="1" dirty="0">
+                <a:solidFill>
+                  <a:schemeClr val="accent1">
+                    <a:lumMod val="50000"/>
+                  </a:schemeClr>
+                </a:solidFill>
+              </a:rPr>
+            </a:br>
+            <a:r>
+              <a:rPr lang="en-US" b="1" dirty="0">
+                <a:solidFill>
+                  <a:schemeClr val="accent1">
+                    <a:lumMod val="50000"/>
+                  </a:schemeClr>
+                </a:solidFill>
+              </a:rPr>
+              <a:t>poche arm</a:t>
+            </a:r>
+            <a:br>
+              <a:rPr lang="en-US" b="1" dirty="0">
+                <a:solidFill>
+                  <a:schemeClr val="accent1">
+                    <a:lumMod val="50000"/>
+                  </a:schemeClr>
+                </a:solidFill>
+              </a:rPr>
+            </a:br>
+            <a:r>
+              <a:rPr lang="en-US" b="1" dirty="0">
+                <a:solidFill>
+                  <a:schemeClr val="accent1">
+                    <a:lumMod val="50000"/>
+                  </a:schemeClr>
+                </a:solidFill>
+              </a:rPr>
+              <a:t>sample </a:t>
+            </a:r>
+            <a:r>
+              <a:rPr lang="en-US" b="1" dirty="0" err="1">
+                <a:solidFill>
+                  <a:schemeClr val="accent1">
+                    <a:lumMod val="50000"/>
+                  </a:schemeClr>
+                </a:solidFill>
+              </a:rPr>
+              <a:t>sulla</a:t>
+            </a:r>
+            <a:r>
+              <a:rPr lang="en-US" b="1" dirty="0">
+                <a:solidFill>
+                  <a:schemeClr val="accent1">
+                    <a:lumMod val="50000"/>
+                  </a:schemeClr>
+                </a:solidFill>
+              </a:rPr>
+              <a:t> </a:t>
+            </a:r>
+            <a:r>
+              <a:rPr lang="en-US" b="1" dirty="0" err="1">
+                <a:solidFill>
+                  <a:schemeClr val="accent1">
+                    <a:lumMod val="50000"/>
+                  </a:schemeClr>
+                </a:solidFill>
+              </a:rPr>
+              <a:t>distribuzione</a:t>
+            </a:r>
+            <a:br>
+              <a:rPr lang="en-US" b="1" dirty="0">
+                <a:solidFill>
+                  <a:schemeClr val="accent1">
+                    <a:lumMod val="50000"/>
+                  </a:schemeClr>
+                </a:solidFill>
+              </a:rPr>
+            </a:br>
+            <a:r>
+              <a:rPr lang="en-US" b="1" dirty="0" err="1">
+                <a:solidFill>
+                  <a:schemeClr val="accent1">
+                    <a:lumMod val="50000"/>
+                  </a:schemeClr>
+                </a:solidFill>
+              </a:rPr>
+              <a:t>impara</a:t>
+            </a:r>
+            <a:r>
+              <a:rPr lang="en-US" b="1" dirty="0">
+                <a:solidFill>
+                  <a:schemeClr val="accent1">
+                    <a:lumMod val="50000"/>
+                  </a:schemeClr>
+                </a:solidFill>
+              </a:rPr>
+              <a:t> bene ma </a:t>
+            </a:r>
+            <a:r>
+              <a:rPr lang="en-US" b="1" dirty="0" err="1">
+                <a:solidFill>
+                  <a:schemeClr val="accent1">
+                    <a:lumMod val="50000"/>
+                  </a:schemeClr>
+                </a:solidFill>
+              </a:rPr>
+              <a:t>peggior</a:t>
+            </a:r>
+            <a:r>
+              <a:rPr lang="en-US" b="1" dirty="0">
+                <a:solidFill>
+                  <a:schemeClr val="accent1">
+                    <a:lumMod val="50000"/>
+                  </a:schemeClr>
+                </a:solidFill>
+              </a:rPr>
+              <a:t> regret</a:t>
+            </a:r>
+            <a:endParaRPr dirty="0">
+              <a:solidFill>
+                <a:schemeClr val="accent3">
+                  <a:lumMod val="25000"/>
+                </a:schemeClr>
+              </a:solidFill>
+            </a:endParaRPr>
+          </a:p>
+        </p:txBody>
+      </p:sp>
+      <p:pic>
+        <p:nvPicPr>
+          <p:cNvPr id="216" name="Google Shape;216;p41">
+            <a:extLst>
+              <a:ext uri="{FF2B5EF4-FFF2-40B4-BE49-F238E27FC236}">
+                <a16:creationId xmlns:a16="http://schemas.microsoft.com/office/drawing/2014/main" id="{FE526B6F-D660-B9B2-2FEA-DEE480FD430C}"/>
+              </a:ext>
+            </a:extLst>
+          </p:cNvPr>
+          <p:cNvPicPr preferRelativeResize="0"/>
+          <p:nvPr/>
+        </p:nvPicPr>
+        <p:blipFill rotWithShape="1">
+          <a:blip r:embed="rId3">
+            <a:alphaModFix/>
+          </a:blip>
+          <a:srcRect l="13663" t="5545" r="23252" b="6005"/>
+          <a:stretch/>
+        </p:blipFill>
+        <p:spPr>
+          <a:xfrm>
+            <a:off x="758750" y="-125175"/>
+            <a:ext cx="3190148" cy="4494751"/>
+          </a:xfrm>
+          <a:prstGeom prst="rect">
+            <a:avLst/>
+          </a:prstGeom>
+          <a:noFill/>
+          <a:ln>
+            <a:noFill/>
+          </a:ln>
+        </p:spPr>
+      </p:pic>
+    </p:spTree>
+    <p:extLst>
+      <p:ext uri="{BB962C8B-B14F-4D97-AF65-F5344CB8AC3E}">
+        <p14:creationId xmlns:p14="http://schemas.microsoft.com/office/powerpoint/2010/main" val="3275423312"/>
+      </p:ext>
+    </p:extLst>
+  </p:cSld>
+  <p:clrMapOvr>
+    <a:masterClrMapping/>
+  </p:clrMapOvr>
+</p:sld>
+</file>
+
+<file path=ppt/slides/slide15.xml><?xml version="1.0" encoding="utf-8"?>
+<p:sld xmlns:a="http://schemas.openxmlformats.org/drawingml/2006/main" xmlns:r="http://schemas.openxmlformats.org/officeDocument/2006/relationships" xmlns:p="http://schemas.openxmlformats.org/presentationml/2006/main">
+  <p:cSld>
+    <p:spTree>
+      <p:nvGrpSpPr>
+        <p:cNvPr id="1" name=""/>
+        <p:cNvGrpSpPr/>
+        <p:nvPr/>
+      </p:nvGrpSpPr>
+      <p:grpSpPr>
+        <a:xfrm>
+          <a:off x="0" y="0"/>
+          <a:ext cx="0" cy="0"/>
+          <a:chOff x="0" y="0"/>
+          <a:chExt cx="0" cy="0"/>
+        </a:xfrm>
+      </p:grpSpPr>
+      <p:sp>
+        <p:nvSpPr>
+          <p:cNvPr id="2" name="Title 1">
+            <a:extLst>
+              <a:ext uri="{FF2B5EF4-FFF2-40B4-BE49-F238E27FC236}">
+                <a16:creationId xmlns:a16="http://schemas.microsoft.com/office/drawing/2014/main" id="{36719271-184F-4CAE-F687-A3FB41224FCD}"/>
+              </a:ext>
+            </a:extLst>
+          </p:cNvPr>
+          <p:cNvSpPr>
+            <a:spLocks noGrp="1"/>
+          </p:cNvSpPr>
+          <p:nvPr>
+            <p:ph type="title"/>
+          </p:nvPr>
+        </p:nvSpPr>
+        <p:spPr/>
+        <p:txBody>
+          <a:bodyPr/>
+          <a:lstStyle/>
+          <a:p>
+            <a:endParaRPr lang="en-US"/>
+          </a:p>
+        </p:txBody>
+      </p:sp>
+      <p:sp>
+        <p:nvSpPr>
+          <p:cNvPr id="3" name="Title 2">
+            <a:extLst>
+              <a:ext uri="{FF2B5EF4-FFF2-40B4-BE49-F238E27FC236}">
+                <a16:creationId xmlns:a16="http://schemas.microsoft.com/office/drawing/2014/main" id="{929B8776-3CDF-DE69-AF73-4EFEE16FE816}"/>
+              </a:ext>
+            </a:extLst>
+          </p:cNvPr>
+          <p:cNvSpPr>
+            <a:spLocks noGrp="1"/>
+          </p:cNvSpPr>
+          <p:nvPr>
+            <p:ph type="title" idx="2"/>
+          </p:nvPr>
+        </p:nvSpPr>
+        <p:spPr>
+          <a:xfrm>
+            <a:off x="1985554" y="1062325"/>
+            <a:ext cx="6233896" cy="1234500"/>
+          </a:xfrm>
+        </p:spPr>
+        <p:txBody>
+          <a:bodyPr/>
+          <a:lstStyle/>
+          <a:p>
+            <a:r>
+              <a:rPr lang="en-US" dirty="0"/>
+              <a:t>Sim e res</a:t>
+            </a:r>
+          </a:p>
+        </p:txBody>
+      </p:sp>
+      <p:sp>
+        <p:nvSpPr>
+          <p:cNvPr id="4" name="Subtitle 3">
+            <a:extLst>
+              <a:ext uri="{FF2B5EF4-FFF2-40B4-BE49-F238E27FC236}">
+                <a16:creationId xmlns:a16="http://schemas.microsoft.com/office/drawing/2014/main" id="{8F4D253D-C73E-6477-432B-93B46F3830C7}"/>
+              </a:ext>
+            </a:extLst>
+          </p:cNvPr>
+          <p:cNvSpPr>
+            <a:spLocks noGrp="1"/>
+          </p:cNvSpPr>
+          <p:nvPr>
+            <p:ph type="subTitle" idx="1"/>
+          </p:nvPr>
+        </p:nvSpPr>
+        <p:spPr/>
+        <p:txBody>
+          <a:bodyPr/>
+          <a:lstStyle/>
+          <a:p>
+            <a:endParaRPr lang="en-US"/>
+          </a:p>
+        </p:txBody>
+      </p:sp>
+    </p:spTree>
+    <p:extLst>
+      <p:ext uri="{BB962C8B-B14F-4D97-AF65-F5344CB8AC3E}">
+        <p14:creationId xmlns:p14="http://schemas.microsoft.com/office/powerpoint/2010/main" val="205378422"/>
+      </p:ext>
+    </p:extLst>
+  </p:cSld>
+  <p:clrMapOvr>
+    <a:masterClrMapping/>
+  </p:clrMapOvr>
+</p:sld>
+</file>
+
+<file path=ppt/slides/slide16.xml><?xml version="1.0" encoding="utf-8"?>
+<p:sld xmlns:a="http://schemas.openxmlformats.org/drawingml/2006/main" xmlns:r="http://schemas.openxmlformats.org/officeDocument/2006/relationships" xmlns:p="http://schemas.openxmlformats.org/presentationml/2006/main">
+  <p:cSld>
+    <p:spTree>
+      <p:nvGrpSpPr>
+        <p:cNvPr id="1" name="Shape 213">
+          <a:extLst>
+            <a:ext uri="{FF2B5EF4-FFF2-40B4-BE49-F238E27FC236}">
+              <a16:creationId xmlns:a16="http://schemas.microsoft.com/office/drawing/2014/main" id="{8F9DB9EE-7D43-E9C2-629D-30DAAFF125DB}"/>
+            </a:ext>
+          </a:extLst>
+        </p:cNvPr>
+        <p:cNvGrpSpPr/>
+        <p:nvPr/>
+      </p:nvGrpSpPr>
+      <p:grpSpPr>
+        <a:xfrm>
+          <a:off x="0" y="0"/>
+          <a:ext cx="0" cy="0"/>
+          <a:chOff x="0" y="0"/>
+          <a:chExt cx="0" cy="0"/>
+        </a:xfrm>
+      </p:grpSpPr>
+      <p:sp>
+        <p:nvSpPr>
+          <p:cNvPr id="214" name="Google Shape;214;p41">
+            <a:extLst>
+              <a:ext uri="{FF2B5EF4-FFF2-40B4-BE49-F238E27FC236}">
+                <a16:creationId xmlns:a16="http://schemas.microsoft.com/office/drawing/2014/main" id="{D297AE8D-08A1-BD34-0CB1-F007B3F15138}"/>
+              </a:ext>
+            </a:extLst>
+          </p:cNvPr>
+          <p:cNvSpPr txBox="1">
+            <a:spLocks noGrp="1"/>
+          </p:cNvSpPr>
+          <p:nvPr>
+            <p:ph type="ctrTitle"/>
+          </p:nvPr>
+        </p:nvSpPr>
+        <p:spPr>
+          <a:xfrm>
+            <a:off x="3695838" y="824344"/>
+            <a:ext cx="5157216" cy="3545231"/>
+          </a:xfrm>
+          <a:prstGeom prst="rect">
+            <a:avLst/>
+          </a:prstGeom>
+        </p:spPr>
+        <p:txBody>
+          <a:bodyPr spcFirstLastPara="1" wrap="square" lIns="91425" tIns="91425" rIns="91425" bIns="91425" anchor="b" anchorCtr="0">
+            <a:noAutofit/>
+          </a:bodyPr>
+          <a:lstStyle/>
+          <a:p>
+            <a:pPr marL="0" lvl="0" indent="0" algn="l" rtl="0">
+              <a:spcBef>
+                <a:spcPts val="0"/>
+              </a:spcBef>
+              <a:spcAft>
+                <a:spcPts val="0"/>
+              </a:spcAft>
+              <a:buNone/>
+            </a:pPr>
+            <a:r>
+              <a:rPr lang="en-US" b="1" dirty="0" err="1">
+                <a:solidFill>
+                  <a:schemeClr val="accent1">
+                    <a:lumMod val="50000"/>
+                  </a:schemeClr>
+                </a:solidFill>
+              </a:rPr>
+              <a:t>Metodo</a:t>
+            </a:r>
+            <a:r>
+              <a:rPr lang="en-US" b="1" dirty="0">
+                <a:solidFill>
+                  <a:schemeClr val="accent1">
+                    <a:lumMod val="50000"/>
+                  </a:schemeClr>
+                </a:solidFill>
+              </a:rPr>
+              <a:t> 2:</a:t>
+            </a:r>
+            <a:br>
+              <a:rPr lang="en-US" b="1" dirty="0">
+                <a:solidFill>
+                  <a:schemeClr val="accent1">
+                    <a:lumMod val="50000"/>
+                  </a:schemeClr>
+                </a:solidFill>
+              </a:rPr>
+            </a:br>
+            <a:r>
+              <a:rPr lang="en-US" b="1" dirty="0" err="1">
+                <a:solidFill>
+                  <a:schemeClr val="accent1">
+                    <a:lumMod val="50000"/>
+                  </a:schemeClr>
+                </a:solidFill>
+              </a:rPr>
+              <a:t>possiamo</a:t>
+            </a:r>
+            <a:r>
+              <a:rPr lang="en-US" b="1" dirty="0">
+                <a:solidFill>
+                  <a:schemeClr val="accent1">
+                    <a:lumMod val="50000"/>
+                  </a:schemeClr>
+                </a:solidFill>
+              </a:rPr>
+              <a:t> fare </a:t>
+            </a:r>
+            <a:r>
+              <a:rPr lang="en-US" b="1" dirty="0" err="1">
+                <a:solidFill>
+                  <a:schemeClr val="accent1">
+                    <a:lumMod val="50000"/>
+                  </a:schemeClr>
+                </a:solidFill>
+              </a:rPr>
+              <a:t>meglio</a:t>
+            </a:r>
+            <a:r>
+              <a:rPr lang="en-US" b="1" dirty="0">
+                <a:solidFill>
+                  <a:schemeClr val="accent1">
+                    <a:lumMod val="50000"/>
+                  </a:schemeClr>
+                </a:solidFill>
+              </a:rPr>
+              <a:t>?</a:t>
+            </a:r>
+            <a:br>
+              <a:rPr lang="en-US" b="1" dirty="0">
+                <a:solidFill>
+                  <a:schemeClr val="accent1">
+                    <a:lumMod val="50000"/>
+                  </a:schemeClr>
+                </a:solidFill>
+              </a:rPr>
+            </a:br>
+            <a:br>
+              <a:rPr lang="en-US" b="1" dirty="0">
+                <a:solidFill>
+                  <a:schemeClr val="accent1">
+                    <a:lumMod val="50000"/>
+                  </a:schemeClr>
+                </a:solidFill>
+              </a:rPr>
+            </a:br>
+            <a:r>
+              <a:rPr lang="en-US" b="1" dirty="0" err="1">
+                <a:solidFill>
+                  <a:schemeClr val="accent1">
+                    <a:lumMod val="50000"/>
+                  </a:schemeClr>
+                </a:solidFill>
+              </a:rPr>
+              <a:t>molte</a:t>
+            </a:r>
+            <a:r>
+              <a:rPr lang="en-US" b="1" dirty="0">
+                <a:solidFill>
+                  <a:schemeClr val="accent1">
+                    <a:lumMod val="50000"/>
+                  </a:schemeClr>
+                </a:solidFill>
+              </a:rPr>
+              <a:t> arm</a:t>
+            </a:r>
+            <a:br>
+              <a:rPr lang="en-US" b="1" dirty="0">
+                <a:solidFill>
+                  <a:schemeClr val="accent1">
+                    <a:lumMod val="50000"/>
+                  </a:schemeClr>
+                </a:solidFill>
+              </a:rPr>
+            </a:br>
+            <a:r>
+              <a:rPr lang="en-US" b="1" dirty="0" err="1">
+                <a:solidFill>
+                  <a:schemeClr val="accent1">
+                    <a:lumMod val="50000"/>
+                  </a:schemeClr>
+                </a:solidFill>
+              </a:rPr>
+              <a:t>impara</a:t>
+            </a:r>
+            <a:r>
+              <a:rPr lang="en-US" b="1" dirty="0">
+                <a:solidFill>
+                  <a:schemeClr val="accent1">
+                    <a:lumMod val="50000"/>
+                  </a:schemeClr>
+                </a:solidFill>
+              </a:rPr>
+              <a:t> bene regret Perfetto</a:t>
+            </a:r>
+            <a:br>
+              <a:rPr lang="en-US" b="1" dirty="0">
+                <a:solidFill>
+                  <a:schemeClr val="accent1">
+                    <a:lumMod val="50000"/>
+                  </a:schemeClr>
+                </a:solidFill>
+              </a:rPr>
+            </a:br>
+            <a:r>
+              <a:rPr lang="en-US" b="1" dirty="0">
+                <a:solidFill>
+                  <a:schemeClr val="accent1">
+                    <a:lumMod val="50000"/>
+                  </a:schemeClr>
+                </a:solidFill>
+              </a:rPr>
+              <a:t>tempo </a:t>
+            </a:r>
+            <a:r>
+              <a:rPr lang="en-US" b="1" dirty="0" err="1">
+                <a:solidFill>
+                  <a:schemeClr val="accent1">
+                    <a:lumMod val="50000"/>
+                  </a:schemeClr>
+                </a:solidFill>
+              </a:rPr>
+              <a:t>esponenziale</a:t>
+            </a:r>
+            <a:endParaRPr dirty="0">
+              <a:solidFill>
+                <a:schemeClr val="accent3">
+                  <a:lumMod val="25000"/>
+                </a:schemeClr>
+              </a:solidFill>
+            </a:endParaRPr>
+          </a:p>
+        </p:txBody>
+      </p:sp>
+      <p:pic>
+        <p:nvPicPr>
+          <p:cNvPr id="216" name="Google Shape;216;p41">
+            <a:extLst>
+              <a:ext uri="{FF2B5EF4-FFF2-40B4-BE49-F238E27FC236}">
+                <a16:creationId xmlns:a16="http://schemas.microsoft.com/office/drawing/2014/main" id="{E7C38C27-6843-2D60-ED86-84F8780C476C}"/>
+              </a:ext>
+            </a:extLst>
+          </p:cNvPr>
+          <p:cNvPicPr preferRelativeResize="0"/>
+          <p:nvPr/>
+        </p:nvPicPr>
+        <p:blipFill rotWithShape="1">
+          <a:blip r:embed="rId3">
+            <a:alphaModFix/>
+          </a:blip>
+          <a:srcRect l="13663" t="5545" r="23252" b="6005"/>
+          <a:stretch/>
+        </p:blipFill>
+        <p:spPr>
+          <a:xfrm>
+            <a:off x="758750" y="-125175"/>
+            <a:ext cx="3190148" cy="4494751"/>
+          </a:xfrm>
+          <a:prstGeom prst="rect">
+            <a:avLst/>
+          </a:prstGeom>
+          <a:noFill/>
+          <a:ln>
+            <a:noFill/>
+          </a:ln>
+        </p:spPr>
+      </p:pic>
+    </p:spTree>
+    <p:extLst>
+      <p:ext uri="{BB962C8B-B14F-4D97-AF65-F5344CB8AC3E}">
+        <p14:creationId xmlns:p14="http://schemas.microsoft.com/office/powerpoint/2010/main" val="417762485"/>
+      </p:ext>
+    </p:extLst>
+  </p:cSld>
+  <p:clrMapOvr>
+    <a:masterClrMapping/>
+  </p:clrMapOvr>
+</p:sld>
+</file>
+
+<file path=ppt/slides/slide17.xml><?xml version="1.0" encoding="utf-8"?>
+<p:sld xmlns:a="http://schemas.openxmlformats.org/drawingml/2006/main" xmlns:r="http://schemas.openxmlformats.org/officeDocument/2006/relationships" xmlns:p="http://schemas.openxmlformats.org/presentationml/2006/main">
+  <p:cSld>
+    <p:spTree>
+      <p:nvGrpSpPr>
+        <p:cNvPr id="1" name="">
+          <a:extLst>
+            <a:ext uri="{FF2B5EF4-FFF2-40B4-BE49-F238E27FC236}">
+              <a16:creationId xmlns:a16="http://schemas.microsoft.com/office/drawing/2014/main" id="{75376BFC-35F0-1915-D51F-8E6043768761}"/>
+            </a:ext>
+          </a:extLst>
+        </p:cNvPr>
+        <p:cNvGrpSpPr/>
+        <p:nvPr/>
+      </p:nvGrpSpPr>
+      <p:grpSpPr>
+        <a:xfrm>
+          <a:off x="0" y="0"/>
+          <a:ext cx="0" cy="0"/>
+          <a:chOff x="0" y="0"/>
+          <a:chExt cx="0" cy="0"/>
+        </a:xfrm>
+      </p:grpSpPr>
+      <p:sp>
+        <p:nvSpPr>
+          <p:cNvPr id="2" name="Title 1">
+            <a:extLst>
+              <a:ext uri="{FF2B5EF4-FFF2-40B4-BE49-F238E27FC236}">
+                <a16:creationId xmlns:a16="http://schemas.microsoft.com/office/drawing/2014/main" id="{CEDCD398-4F75-BD5F-50E4-1E694E3BC7C2}"/>
+              </a:ext>
+            </a:extLst>
+          </p:cNvPr>
+          <p:cNvSpPr>
+            <a:spLocks noGrp="1"/>
+          </p:cNvSpPr>
+          <p:nvPr>
+            <p:ph type="title"/>
+          </p:nvPr>
+        </p:nvSpPr>
+        <p:spPr/>
+        <p:txBody>
+          <a:bodyPr/>
+          <a:lstStyle/>
+          <a:p>
+            <a:endParaRPr lang="en-US"/>
+          </a:p>
+        </p:txBody>
+      </p:sp>
+      <p:sp>
+        <p:nvSpPr>
+          <p:cNvPr id="3" name="Title 2">
+            <a:extLst>
+              <a:ext uri="{FF2B5EF4-FFF2-40B4-BE49-F238E27FC236}">
+                <a16:creationId xmlns:a16="http://schemas.microsoft.com/office/drawing/2014/main" id="{4790D3B4-AF2A-7FCE-CB08-25F1C6CB75DA}"/>
+              </a:ext>
+            </a:extLst>
+          </p:cNvPr>
+          <p:cNvSpPr>
+            <a:spLocks noGrp="1"/>
+          </p:cNvSpPr>
+          <p:nvPr>
+            <p:ph type="title" idx="2"/>
+          </p:nvPr>
+        </p:nvSpPr>
+        <p:spPr>
+          <a:xfrm>
+            <a:off x="1985554" y="1062325"/>
+            <a:ext cx="6233896" cy="1234500"/>
+          </a:xfrm>
+        </p:spPr>
+        <p:txBody>
+          <a:bodyPr/>
+          <a:lstStyle/>
+          <a:p>
+            <a:r>
+              <a:rPr lang="en-US" dirty="0"/>
+              <a:t>Sim e res</a:t>
+            </a:r>
+          </a:p>
+        </p:txBody>
+      </p:sp>
+      <p:sp>
+        <p:nvSpPr>
+          <p:cNvPr id="4" name="Subtitle 3">
+            <a:extLst>
+              <a:ext uri="{FF2B5EF4-FFF2-40B4-BE49-F238E27FC236}">
+                <a16:creationId xmlns:a16="http://schemas.microsoft.com/office/drawing/2014/main" id="{AE8C1FF0-C3AC-2D79-11C0-D7C4794F9074}"/>
+              </a:ext>
+            </a:extLst>
+          </p:cNvPr>
+          <p:cNvSpPr>
+            <a:spLocks noGrp="1"/>
+          </p:cNvSpPr>
+          <p:nvPr>
+            <p:ph type="subTitle" idx="1"/>
+          </p:nvPr>
+        </p:nvSpPr>
+        <p:spPr/>
+        <p:txBody>
+          <a:bodyPr/>
+          <a:lstStyle/>
+          <a:p>
+            <a:endParaRPr lang="en-US"/>
+          </a:p>
+        </p:txBody>
+      </p:sp>
+    </p:spTree>
+    <p:extLst>
+      <p:ext uri="{BB962C8B-B14F-4D97-AF65-F5344CB8AC3E}">
+        <p14:creationId xmlns:p14="http://schemas.microsoft.com/office/powerpoint/2010/main" val="2887582637"/>
+      </p:ext>
+    </p:extLst>
+  </p:cSld>
+  <p:clrMapOvr>
+    <a:masterClrMapping/>
+  </p:clrMapOvr>
+</p:sld>
+</file>
+
+<file path=ppt/slides/slide18.xml><?xml version="1.0" encoding="utf-8"?>
+<p:sld xmlns:a="http://schemas.openxmlformats.org/drawingml/2006/main" xmlns:r="http://schemas.openxmlformats.org/officeDocument/2006/relationships" xmlns:p="http://schemas.openxmlformats.org/presentationml/2006/main">
+  <p:cSld>
+    <p:spTree>
+      <p:nvGrpSpPr>
+        <p:cNvPr id="1" name="Shape 213">
+          <a:extLst>
+            <a:ext uri="{FF2B5EF4-FFF2-40B4-BE49-F238E27FC236}">
+              <a16:creationId xmlns:a16="http://schemas.microsoft.com/office/drawing/2014/main" id="{6BE26877-AEA2-7E8D-CB57-449EB92653BE}"/>
+            </a:ext>
+          </a:extLst>
+        </p:cNvPr>
+        <p:cNvGrpSpPr/>
+        <p:nvPr/>
+      </p:nvGrpSpPr>
+      <p:grpSpPr>
+        <a:xfrm>
+          <a:off x="0" y="0"/>
+          <a:ext cx="0" cy="0"/>
+          <a:chOff x="0" y="0"/>
+          <a:chExt cx="0" cy="0"/>
+        </a:xfrm>
+      </p:grpSpPr>
+      <p:sp>
+        <p:nvSpPr>
+          <p:cNvPr id="214" name="Google Shape;214;p41">
+            <a:extLst>
+              <a:ext uri="{FF2B5EF4-FFF2-40B4-BE49-F238E27FC236}">
+                <a16:creationId xmlns:a16="http://schemas.microsoft.com/office/drawing/2014/main" id="{2BCDF18C-8EE0-F9C5-273A-DC19CE860169}"/>
+              </a:ext>
+            </a:extLst>
+          </p:cNvPr>
+          <p:cNvSpPr txBox="1">
+            <a:spLocks noGrp="1"/>
+          </p:cNvSpPr>
+          <p:nvPr>
+            <p:ph type="ctrTitle"/>
+          </p:nvPr>
+        </p:nvSpPr>
+        <p:spPr>
+          <a:xfrm>
+            <a:off x="3695838" y="274320"/>
+            <a:ext cx="5157216" cy="4494751"/>
+          </a:xfrm>
+          <a:prstGeom prst="rect">
+            <a:avLst/>
+          </a:prstGeom>
+        </p:spPr>
+        <p:txBody>
+          <a:bodyPr spcFirstLastPara="1" wrap="square" lIns="91425" tIns="91425" rIns="91425" bIns="91425" anchor="b" anchorCtr="0">
+            <a:noAutofit/>
+          </a:bodyPr>
+          <a:lstStyle/>
+          <a:p>
+            <a:pPr marL="0" lvl="0" indent="0" algn="l" rtl="0">
+              <a:spcBef>
+                <a:spcPts val="0"/>
+              </a:spcBef>
+              <a:spcAft>
+                <a:spcPts val="0"/>
+              </a:spcAft>
+              <a:buNone/>
+            </a:pPr>
+            <a:r>
+              <a:rPr lang="en-US" b="1" dirty="0" err="1">
+                <a:solidFill>
+                  <a:schemeClr val="accent1">
+                    <a:lumMod val="50000"/>
+                  </a:schemeClr>
+                </a:solidFill>
+              </a:rPr>
+              <a:t>Metodo</a:t>
+            </a:r>
+            <a:r>
+              <a:rPr lang="en-US" b="1" dirty="0">
+                <a:solidFill>
+                  <a:schemeClr val="accent1">
+                    <a:lumMod val="50000"/>
+                  </a:schemeClr>
+                </a:solidFill>
+              </a:rPr>
+              <a:t> 3:</a:t>
+            </a:r>
+            <a:br>
+              <a:rPr lang="en-US" b="1" dirty="0">
+                <a:solidFill>
+                  <a:schemeClr val="accent1">
+                    <a:lumMod val="50000"/>
+                  </a:schemeClr>
+                </a:solidFill>
+              </a:rPr>
+            </a:br>
+            <a:br>
+              <a:rPr lang="en-US" b="1" dirty="0">
+                <a:solidFill>
+                  <a:schemeClr val="accent1">
+                    <a:lumMod val="50000"/>
+                  </a:schemeClr>
+                </a:solidFill>
+              </a:rPr>
+            </a:br>
+            <a:r>
+              <a:rPr lang="en-US" b="1" dirty="0" err="1">
+                <a:solidFill>
+                  <a:schemeClr val="accent1">
+                    <a:lumMod val="50000"/>
+                  </a:schemeClr>
+                </a:solidFill>
+              </a:rPr>
+              <a:t>metodo</a:t>
+            </a:r>
+            <a:r>
+              <a:rPr lang="en-US" b="1" dirty="0">
+                <a:solidFill>
+                  <a:schemeClr val="accent1">
+                    <a:lumMod val="50000"/>
+                  </a:schemeClr>
+                </a:solidFill>
+              </a:rPr>
+              <a:t> 2 </a:t>
+            </a:r>
+            <a:r>
+              <a:rPr lang="en-US" b="1" dirty="0" err="1">
+                <a:solidFill>
+                  <a:schemeClr val="accent1">
+                    <a:lumMod val="50000"/>
+                  </a:schemeClr>
+                </a:solidFill>
+              </a:rPr>
+              <a:t>ottimizzato</a:t>
+            </a:r>
+            <a:br>
+              <a:rPr lang="en-US" b="1" dirty="0">
+                <a:solidFill>
+                  <a:schemeClr val="accent1">
+                    <a:lumMod val="50000"/>
+                  </a:schemeClr>
+                </a:solidFill>
+              </a:rPr>
+            </a:br>
+            <a:r>
+              <a:rPr lang="en-US" b="1" dirty="0" err="1">
+                <a:solidFill>
+                  <a:schemeClr val="accent1">
+                    <a:lumMod val="50000"/>
+                  </a:schemeClr>
+                </a:solidFill>
+              </a:rPr>
+              <a:t>togliendo</a:t>
+            </a:r>
+            <a:r>
+              <a:rPr lang="en-US" b="1" dirty="0">
+                <a:solidFill>
+                  <a:schemeClr val="accent1">
+                    <a:lumMod val="50000"/>
+                  </a:schemeClr>
+                </a:solidFill>
+              </a:rPr>
+              <a:t> il LP</a:t>
+            </a:r>
+            <a:br>
+              <a:rPr lang="en-US" b="1" dirty="0">
+                <a:solidFill>
+                  <a:schemeClr val="accent1">
+                    <a:lumMod val="50000"/>
+                  </a:schemeClr>
+                </a:solidFill>
+              </a:rPr>
+            </a:br>
+            <a:br>
+              <a:rPr lang="en-US" b="1" dirty="0">
+                <a:solidFill>
+                  <a:schemeClr val="accent1">
+                    <a:lumMod val="50000"/>
+                  </a:schemeClr>
+                </a:solidFill>
+              </a:rPr>
+            </a:br>
+            <a:r>
+              <a:rPr lang="en-US" b="1" dirty="0">
+                <a:solidFill>
+                  <a:schemeClr val="accent1">
+                    <a:lumMod val="50000"/>
+                  </a:schemeClr>
+                </a:solidFill>
+              </a:rPr>
+              <a:t>1.togli </a:t>
+            </a:r>
+            <a:r>
+              <a:rPr lang="en-US" b="1" dirty="0" err="1">
+                <a:solidFill>
+                  <a:schemeClr val="accent1">
+                    <a:lumMod val="50000"/>
+                  </a:schemeClr>
+                </a:solidFill>
+              </a:rPr>
+              <a:t>quelli</a:t>
+            </a:r>
+            <a:r>
+              <a:rPr lang="en-US" b="1" dirty="0">
+                <a:solidFill>
+                  <a:schemeClr val="accent1">
+                    <a:lumMod val="50000"/>
+                  </a:schemeClr>
+                </a:solidFill>
+              </a:rPr>
+              <a:t> </a:t>
+            </a:r>
+            <a:r>
+              <a:rPr lang="en-US" b="1" dirty="0" err="1">
+                <a:solidFill>
+                  <a:schemeClr val="accent1">
+                    <a:lumMod val="50000"/>
+                  </a:schemeClr>
+                </a:solidFill>
+              </a:rPr>
+              <a:t>che</a:t>
+            </a:r>
+            <a:r>
+              <a:rPr lang="en-US" b="1" dirty="0">
+                <a:solidFill>
+                  <a:schemeClr val="accent1">
+                    <a:lumMod val="50000"/>
+                  </a:schemeClr>
+                </a:solidFill>
+              </a:rPr>
+              <a:t> non </a:t>
+            </a:r>
+            <a:r>
+              <a:rPr lang="en-US" b="1" dirty="0" err="1">
+                <a:solidFill>
+                  <a:schemeClr val="accent1">
+                    <a:lumMod val="50000"/>
+                  </a:schemeClr>
+                </a:solidFill>
+              </a:rPr>
+              <a:t>rientrano</a:t>
+            </a:r>
+            <a:r>
+              <a:rPr lang="en-US" b="1" dirty="0">
+                <a:solidFill>
+                  <a:schemeClr val="accent1">
+                    <a:lumMod val="50000"/>
+                  </a:schemeClr>
+                </a:solidFill>
+              </a:rPr>
+              <a:t> </a:t>
+            </a:r>
+            <a:r>
+              <a:rPr lang="en-US" b="1" dirty="0" err="1">
+                <a:solidFill>
+                  <a:schemeClr val="accent1">
+                    <a:lumMod val="50000"/>
+                  </a:schemeClr>
+                </a:solidFill>
+              </a:rPr>
+              <a:t>nel</a:t>
+            </a:r>
+            <a:r>
+              <a:rPr lang="en-US" b="1" dirty="0">
+                <a:solidFill>
+                  <a:schemeClr val="accent1">
+                    <a:lumMod val="50000"/>
+                  </a:schemeClr>
+                </a:solidFill>
+              </a:rPr>
+              <a:t> budget</a:t>
+            </a:r>
+            <a:br>
+              <a:rPr lang="en-US" b="1" dirty="0">
+                <a:solidFill>
+                  <a:schemeClr val="accent1">
+                    <a:lumMod val="50000"/>
+                  </a:schemeClr>
+                </a:solidFill>
+              </a:rPr>
+            </a:br>
+            <a:r>
+              <a:rPr lang="en-US" b="1" dirty="0">
+                <a:solidFill>
+                  <a:schemeClr val="accent1">
+                    <a:lumMod val="50000"/>
+                  </a:schemeClr>
+                </a:solidFill>
+              </a:rPr>
+              <a:t>2.utility </a:t>
+            </a:r>
+            <a:r>
+              <a:rPr lang="en-US" b="1" dirty="0" err="1">
+                <a:solidFill>
+                  <a:schemeClr val="accent1">
+                    <a:lumMod val="50000"/>
+                  </a:schemeClr>
+                </a:solidFill>
+              </a:rPr>
+              <a:t>migliore</a:t>
+            </a:r>
+            <a:endParaRPr dirty="0">
+              <a:solidFill>
+                <a:schemeClr val="accent3">
+                  <a:lumMod val="25000"/>
+                </a:schemeClr>
+              </a:solidFill>
+            </a:endParaRPr>
+          </a:p>
+        </p:txBody>
+      </p:sp>
+      <p:pic>
+        <p:nvPicPr>
+          <p:cNvPr id="216" name="Google Shape;216;p41">
+            <a:extLst>
+              <a:ext uri="{FF2B5EF4-FFF2-40B4-BE49-F238E27FC236}">
+                <a16:creationId xmlns:a16="http://schemas.microsoft.com/office/drawing/2014/main" id="{6723DEE6-82A7-BF05-1F9F-C13ED7511BB5}"/>
+              </a:ext>
+            </a:extLst>
+          </p:cNvPr>
+          <p:cNvPicPr preferRelativeResize="0"/>
+          <p:nvPr/>
+        </p:nvPicPr>
+        <p:blipFill rotWithShape="1">
+          <a:blip r:embed="rId3">
+            <a:alphaModFix/>
+          </a:blip>
+          <a:srcRect l="13663" t="5545" r="23252" b="6005"/>
+          <a:stretch/>
+        </p:blipFill>
+        <p:spPr>
+          <a:xfrm>
+            <a:off x="758750" y="-125175"/>
+            <a:ext cx="3190148" cy="4494751"/>
+          </a:xfrm>
+          <a:prstGeom prst="rect">
+            <a:avLst/>
+          </a:prstGeom>
+          <a:noFill/>
+          <a:ln>
+            <a:noFill/>
+          </a:ln>
+        </p:spPr>
+      </p:pic>
+    </p:spTree>
+    <p:extLst>
+      <p:ext uri="{BB962C8B-B14F-4D97-AF65-F5344CB8AC3E}">
+        <p14:creationId xmlns:p14="http://schemas.microsoft.com/office/powerpoint/2010/main" val="1603769938"/>
+      </p:ext>
+    </p:extLst>
+  </p:cSld>
+  <p:clrMapOvr>
+    <a:masterClrMapping/>
+  </p:clrMapOvr>
+</p:sld>
+</file>
+
+<file path=ppt/slides/slide19.xml><?xml version="1.0" encoding="utf-8"?>
+<p:sld xmlns:a="http://schemas.openxmlformats.org/drawingml/2006/main" xmlns:r="http://schemas.openxmlformats.org/officeDocument/2006/relationships" xmlns:p="http://schemas.openxmlformats.org/presentationml/2006/main">
+  <p:cSld>
+    <p:spTree>
+      <p:nvGrpSpPr>
+        <p:cNvPr id="1" name="">
+          <a:extLst>
+            <a:ext uri="{FF2B5EF4-FFF2-40B4-BE49-F238E27FC236}">
+              <a16:creationId xmlns:a16="http://schemas.microsoft.com/office/drawing/2014/main" id="{C9F32C52-9C46-9170-C758-E15173F01671}"/>
+            </a:ext>
+          </a:extLst>
+        </p:cNvPr>
+        <p:cNvGrpSpPr/>
+        <p:nvPr/>
+      </p:nvGrpSpPr>
+      <p:grpSpPr>
+        <a:xfrm>
+          <a:off x="0" y="0"/>
+          <a:ext cx="0" cy="0"/>
+          <a:chOff x="0" y="0"/>
+          <a:chExt cx="0" cy="0"/>
+        </a:xfrm>
+      </p:grpSpPr>
+      <p:sp>
+        <p:nvSpPr>
+          <p:cNvPr id="2" name="Title 1">
+            <a:extLst>
+              <a:ext uri="{FF2B5EF4-FFF2-40B4-BE49-F238E27FC236}">
+                <a16:creationId xmlns:a16="http://schemas.microsoft.com/office/drawing/2014/main" id="{50E48AF0-8AF4-F94A-5A18-696E3182AD26}"/>
+              </a:ext>
+            </a:extLst>
+          </p:cNvPr>
+          <p:cNvSpPr>
+            <a:spLocks noGrp="1"/>
+          </p:cNvSpPr>
+          <p:nvPr>
+            <p:ph type="title"/>
+          </p:nvPr>
+        </p:nvSpPr>
+        <p:spPr/>
+        <p:txBody>
+          <a:bodyPr/>
+          <a:lstStyle/>
+          <a:p>
+            <a:endParaRPr lang="en-US"/>
+          </a:p>
+        </p:txBody>
+      </p:sp>
+      <p:sp>
+        <p:nvSpPr>
+          <p:cNvPr id="3" name="Title 2">
+            <a:extLst>
+              <a:ext uri="{FF2B5EF4-FFF2-40B4-BE49-F238E27FC236}">
+                <a16:creationId xmlns:a16="http://schemas.microsoft.com/office/drawing/2014/main" id="{45133A20-FEA5-DCA7-08B6-AF03C2025A14}"/>
+              </a:ext>
+            </a:extLst>
+          </p:cNvPr>
+          <p:cNvSpPr>
+            <a:spLocks noGrp="1"/>
+          </p:cNvSpPr>
+          <p:nvPr>
+            <p:ph type="title" idx="2"/>
+          </p:nvPr>
+        </p:nvSpPr>
+        <p:spPr>
+          <a:xfrm>
+            <a:off x="1985554" y="1062325"/>
+            <a:ext cx="6233896" cy="1234500"/>
+          </a:xfrm>
+        </p:spPr>
+        <p:txBody>
+          <a:bodyPr/>
+          <a:lstStyle/>
+          <a:p>
+            <a:r>
+              <a:rPr lang="en-US" dirty="0"/>
+              <a:t>Sim e res</a:t>
+            </a:r>
+          </a:p>
+        </p:txBody>
+      </p:sp>
+      <p:sp>
+        <p:nvSpPr>
+          <p:cNvPr id="4" name="Subtitle 3">
+            <a:extLst>
+              <a:ext uri="{FF2B5EF4-FFF2-40B4-BE49-F238E27FC236}">
+                <a16:creationId xmlns:a16="http://schemas.microsoft.com/office/drawing/2014/main" id="{16D41E06-B476-34DA-0B1B-EDA20AAD5D43}"/>
+              </a:ext>
+            </a:extLst>
+          </p:cNvPr>
+          <p:cNvSpPr>
+            <a:spLocks noGrp="1"/>
+          </p:cNvSpPr>
+          <p:nvPr>
+            <p:ph type="subTitle" idx="1"/>
+          </p:nvPr>
+        </p:nvSpPr>
+        <p:spPr/>
+        <p:txBody>
+          <a:bodyPr/>
+          <a:lstStyle/>
+          <a:p>
+            <a:endParaRPr lang="en-US"/>
+          </a:p>
+        </p:txBody>
+      </p:sp>
+    </p:spTree>
+    <p:extLst>
+      <p:ext uri="{BB962C8B-B14F-4D97-AF65-F5344CB8AC3E}">
+        <p14:creationId xmlns:p14="http://schemas.microsoft.com/office/powerpoint/2010/main" val="1267153303"/>
+      </p:ext>
+    </p:extLst>
+  </p:cSld>
+  <p:clrMapOvr>
+    <a:masterClrMapping/>
+  </p:clrMapOvr>
+</p:sld>
+</file>
+
 <file path=ppt/slides/slide2.xml><?xml version="1.0" encoding="utf-8"?>
 <p:sld xmlns:a="http://schemas.openxmlformats.org/drawingml/2006/main" xmlns:r="http://schemas.openxmlformats.org/officeDocument/2006/relationships" xmlns:p="http://schemas.openxmlformats.org/presentationml/2006/main">
   <p:cSld>
@@ -8430,6 +12420,1639 @@
         </p:txBody>
       </p:sp>
     </p:spTree>
+  </p:cSld>
+  <p:clrMapOvr>
+    <a:masterClrMapping/>
+  </p:clrMapOvr>
+</p:sld>
+</file>
+
+<file path=ppt/slides/slide20.xml><?xml version="1.0" encoding="utf-8"?>
+<p:sld xmlns:a="http://schemas.openxmlformats.org/drawingml/2006/main" xmlns:r="http://schemas.openxmlformats.org/officeDocument/2006/relationships" xmlns:p="http://schemas.openxmlformats.org/presentationml/2006/main">
+  <p:cSld>
+    <p:spTree>
+      <p:nvGrpSpPr>
+        <p:cNvPr id="1" name="Shape 249">
+          <a:extLst>
+            <a:ext uri="{FF2B5EF4-FFF2-40B4-BE49-F238E27FC236}">
+              <a16:creationId xmlns:a16="http://schemas.microsoft.com/office/drawing/2014/main" id="{4C1ED64D-5FB8-09AD-ABAD-9EA3C7C634A4}"/>
+            </a:ext>
+          </a:extLst>
+        </p:cNvPr>
+        <p:cNvGrpSpPr/>
+        <p:nvPr/>
+      </p:nvGrpSpPr>
+      <p:grpSpPr>
+        <a:xfrm>
+          <a:off x="0" y="0"/>
+          <a:ext cx="0" cy="0"/>
+          <a:chOff x="0" y="0"/>
+          <a:chExt cx="0" cy="0"/>
+        </a:xfrm>
+      </p:grpSpPr>
+      <p:sp>
+        <p:nvSpPr>
+          <p:cNvPr id="250" name="Google Shape;250;p45">
+            <a:extLst>
+              <a:ext uri="{FF2B5EF4-FFF2-40B4-BE49-F238E27FC236}">
+                <a16:creationId xmlns:a16="http://schemas.microsoft.com/office/drawing/2014/main" id="{E79C34AA-C145-D299-0400-4269A738E8E3}"/>
+              </a:ext>
+            </a:extLst>
+          </p:cNvPr>
+          <p:cNvSpPr txBox="1">
+            <a:spLocks noGrp="1"/>
+          </p:cNvSpPr>
+          <p:nvPr>
+            <p:ph type="title"/>
+          </p:nvPr>
+        </p:nvSpPr>
+        <p:spPr>
+          <a:xfrm>
+            <a:off x="3859250" y="2380050"/>
+            <a:ext cx="4360200" cy="841800"/>
+          </a:xfrm>
+          <a:prstGeom prst="rect">
+            <a:avLst/>
+          </a:prstGeom>
+        </p:spPr>
+        <p:txBody>
+          <a:bodyPr spcFirstLastPara="1" wrap="square" lIns="91425" tIns="91425" rIns="91425" bIns="91425" anchor="b" anchorCtr="0">
+            <a:noAutofit/>
+          </a:bodyPr>
+          <a:lstStyle/>
+          <a:p>
+            <a:pPr lvl="0"/>
+            <a:r>
+              <a:rPr lang="en-US" sz="2800" b="1" dirty="0">
+                <a:solidFill>
+                  <a:schemeClr val="accent3">
+                    <a:lumMod val="25000"/>
+                  </a:schemeClr>
+                </a:solidFill>
+              </a:rPr>
+              <a:t>Single product and</a:t>
+            </a:r>
+            <a:br>
+              <a:rPr lang="en-US" sz="2800" b="1" dirty="0">
+                <a:solidFill>
+                  <a:schemeClr val="accent3">
+                    <a:lumMod val="25000"/>
+                  </a:schemeClr>
+                </a:solidFill>
+              </a:rPr>
+            </a:br>
+            <a:r>
+              <a:rPr lang="en-US" sz="2800" b="1" dirty="0">
+                <a:solidFill>
+                  <a:schemeClr val="accent3">
+                    <a:lumMod val="25000"/>
+                  </a:schemeClr>
+                </a:solidFill>
+              </a:rPr>
+              <a:t>Adversarial environment</a:t>
+            </a:r>
+          </a:p>
+        </p:txBody>
+      </p:sp>
+      <p:sp>
+        <p:nvSpPr>
+          <p:cNvPr id="251" name="Google Shape;251;p45">
+            <a:extLst>
+              <a:ext uri="{FF2B5EF4-FFF2-40B4-BE49-F238E27FC236}">
+                <a16:creationId xmlns:a16="http://schemas.microsoft.com/office/drawing/2014/main" id="{5DD2046D-03C6-AD06-2A75-D35F08C74266}"/>
+              </a:ext>
+            </a:extLst>
+          </p:cNvPr>
+          <p:cNvSpPr txBox="1">
+            <a:spLocks noGrp="1"/>
+          </p:cNvSpPr>
+          <p:nvPr>
+            <p:ph type="title" idx="2"/>
+          </p:nvPr>
+        </p:nvSpPr>
+        <p:spPr>
+          <a:xfrm>
+            <a:off x="3859250" y="1062325"/>
+            <a:ext cx="4360200" cy="1234500"/>
+          </a:xfrm>
+          <a:prstGeom prst="rect">
+            <a:avLst/>
+          </a:prstGeom>
+        </p:spPr>
+        <p:txBody>
+          <a:bodyPr spcFirstLastPara="1" wrap="square" lIns="91425" tIns="91425" rIns="91425" bIns="91425" anchor="t" anchorCtr="0">
+            <a:noAutofit/>
+          </a:bodyPr>
+          <a:lstStyle/>
+          <a:p>
+            <a:pPr marL="0" lvl="0" indent="0" algn="ctr" rtl="0">
+              <a:spcBef>
+                <a:spcPts val="0"/>
+              </a:spcBef>
+              <a:spcAft>
+                <a:spcPts val="0"/>
+              </a:spcAft>
+              <a:buNone/>
+            </a:pPr>
+            <a:r>
+              <a:rPr lang="en" dirty="0">
+                <a:solidFill>
+                  <a:schemeClr val="accent1">
+                    <a:lumMod val="50000"/>
+                  </a:schemeClr>
+                </a:solidFill>
+              </a:rPr>
+              <a:t>03</a:t>
+            </a:r>
+            <a:endParaRPr dirty="0">
+              <a:solidFill>
+                <a:schemeClr val="accent1">
+                  <a:lumMod val="50000"/>
+                </a:schemeClr>
+              </a:solidFill>
+            </a:endParaRPr>
+          </a:p>
+        </p:txBody>
+      </p:sp>
+      <p:pic>
+        <p:nvPicPr>
+          <p:cNvPr id="253" name="Google Shape;253;p45">
+            <a:extLst>
+              <a:ext uri="{FF2B5EF4-FFF2-40B4-BE49-F238E27FC236}">
+                <a16:creationId xmlns:a16="http://schemas.microsoft.com/office/drawing/2014/main" id="{BB835142-0B96-3499-087B-7AF086DA2F52}"/>
+              </a:ext>
+            </a:extLst>
+          </p:cNvPr>
+          <p:cNvPicPr preferRelativeResize="0"/>
+          <p:nvPr/>
+        </p:nvPicPr>
+        <p:blipFill rotWithShape="1">
+          <a:blip r:embed="rId3">
+            <a:alphaModFix/>
+          </a:blip>
+          <a:srcRect l="14335" r="14342"/>
+          <a:stretch/>
+        </p:blipFill>
+        <p:spPr>
+          <a:xfrm>
+            <a:off x="793150" y="348250"/>
+            <a:ext cx="3023699" cy="4260250"/>
+          </a:xfrm>
+          <a:prstGeom prst="rect">
+            <a:avLst/>
+          </a:prstGeom>
+          <a:noFill/>
+          <a:ln>
+            <a:noFill/>
+          </a:ln>
+        </p:spPr>
+      </p:pic>
+    </p:spTree>
+    <p:extLst>
+      <p:ext uri="{BB962C8B-B14F-4D97-AF65-F5344CB8AC3E}">
+        <p14:creationId xmlns:p14="http://schemas.microsoft.com/office/powerpoint/2010/main" val="1695129146"/>
+      </p:ext>
+    </p:extLst>
+  </p:cSld>
+  <p:clrMapOvr>
+    <a:masterClrMapping/>
+  </p:clrMapOvr>
+</p:sld>
+</file>
+
+<file path=ppt/slides/slide21.xml><?xml version="1.0" encoding="utf-8"?>
+<p:sld xmlns:a="http://schemas.openxmlformats.org/drawingml/2006/main" xmlns:r="http://schemas.openxmlformats.org/officeDocument/2006/relationships" xmlns:p="http://schemas.openxmlformats.org/presentationml/2006/main">
+  <p:cSld>
+    <p:spTree>
+      <p:nvGrpSpPr>
+        <p:cNvPr id="1" name="Shape 213">
+          <a:extLst>
+            <a:ext uri="{FF2B5EF4-FFF2-40B4-BE49-F238E27FC236}">
+              <a16:creationId xmlns:a16="http://schemas.microsoft.com/office/drawing/2014/main" id="{50606DC9-63DC-943D-B476-0EEB8320DDA9}"/>
+            </a:ext>
+          </a:extLst>
+        </p:cNvPr>
+        <p:cNvGrpSpPr/>
+        <p:nvPr/>
+      </p:nvGrpSpPr>
+      <p:grpSpPr>
+        <a:xfrm>
+          <a:off x="0" y="0"/>
+          <a:ext cx="0" cy="0"/>
+          <a:chOff x="0" y="0"/>
+          <a:chExt cx="0" cy="0"/>
+        </a:xfrm>
+      </p:grpSpPr>
+      <p:sp>
+        <p:nvSpPr>
+          <p:cNvPr id="214" name="Google Shape;214;p41">
+            <a:extLst>
+              <a:ext uri="{FF2B5EF4-FFF2-40B4-BE49-F238E27FC236}">
+                <a16:creationId xmlns:a16="http://schemas.microsoft.com/office/drawing/2014/main" id="{53D8E6F3-0E82-713E-D8B2-665361E56494}"/>
+              </a:ext>
+            </a:extLst>
+          </p:cNvPr>
+          <p:cNvSpPr txBox="1">
+            <a:spLocks noGrp="1"/>
+          </p:cNvSpPr>
+          <p:nvPr>
+            <p:ph type="ctrTitle"/>
+          </p:nvPr>
+        </p:nvSpPr>
+        <p:spPr>
+          <a:xfrm>
+            <a:off x="3695838" y="824345"/>
+            <a:ext cx="5157216" cy="690125"/>
+          </a:xfrm>
+          <a:prstGeom prst="rect">
+            <a:avLst/>
+          </a:prstGeom>
+        </p:spPr>
+        <p:txBody>
+          <a:bodyPr spcFirstLastPara="1" wrap="square" lIns="91425" tIns="91425" rIns="91425" bIns="91425" anchor="b" anchorCtr="0">
+            <a:noAutofit/>
+          </a:bodyPr>
+          <a:lstStyle/>
+          <a:p>
+            <a:pPr marL="0" lvl="0" indent="0" algn="l" rtl="0">
+              <a:spcBef>
+                <a:spcPts val="0"/>
+              </a:spcBef>
+              <a:spcAft>
+                <a:spcPts val="0"/>
+              </a:spcAft>
+              <a:buNone/>
+            </a:pPr>
+            <a:r>
+              <a:rPr lang="en-US" b="1" dirty="0">
+                <a:solidFill>
+                  <a:schemeClr val="accent1">
+                    <a:lumMod val="50000"/>
+                  </a:schemeClr>
+                </a:solidFill>
+              </a:rPr>
+              <a:t>S</a:t>
+            </a:r>
+            <a:r>
+              <a:rPr lang="en" b="1" dirty="0">
+                <a:solidFill>
+                  <a:schemeClr val="accent1">
+                    <a:lumMod val="50000"/>
+                  </a:schemeClr>
+                </a:solidFill>
+              </a:rPr>
+              <a:t>piegazione r3:</a:t>
+            </a:r>
+            <a:endParaRPr dirty="0">
+              <a:solidFill>
+                <a:schemeClr val="accent3">
+                  <a:lumMod val="25000"/>
+                </a:schemeClr>
+              </a:solidFill>
+            </a:endParaRPr>
+          </a:p>
+        </p:txBody>
+      </p:sp>
+      <p:pic>
+        <p:nvPicPr>
+          <p:cNvPr id="216" name="Google Shape;216;p41">
+            <a:extLst>
+              <a:ext uri="{FF2B5EF4-FFF2-40B4-BE49-F238E27FC236}">
+                <a16:creationId xmlns:a16="http://schemas.microsoft.com/office/drawing/2014/main" id="{FCF84131-3158-29B6-A5AD-61F7D60189B9}"/>
+              </a:ext>
+            </a:extLst>
+          </p:cNvPr>
+          <p:cNvPicPr preferRelativeResize="0"/>
+          <p:nvPr/>
+        </p:nvPicPr>
+        <p:blipFill rotWithShape="1">
+          <a:blip r:embed="rId3">
+            <a:alphaModFix/>
+          </a:blip>
+          <a:srcRect l="13663" t="5545" r="23252" b="6005"/>
+          <a:stretch/>
+        </p:blipFill>
+        <p:spPr>
+          <a:xfrm>
+            <a:off x="758750" y="-125175"/>
+            <a:ext cx="3190148" cy="4494751"/>
+          </a:xfrm>
+          <a:prstGeom prst="rect">
+            <a:avLst/>
+          </a:prstGeom>
+          <a:noFill/>
+          <a:ln>
+            <a:noFill/>
+          </a:ln>
+        </p:spPr>
+      </p:pic>
+    </p:spTree>
+    <p:extLst>
+      <p:ext uri="{BB962C8B-B14F-4D97-AF65-F5344CB8AC3E}">
+        <p14:creationId xmlns:p14="http://schemas.microsoft.com/office/powerpoint/2010/main" val="3435219931"/>
+      </p:ext>
+    </p:extLst>
+  </p:cSld>
+  <p:clrMapOvr>
+    <a:masterClrMapping/>
+  </p:clrMapOvr>
+</p:sld>
+</file>
+
+<file path=ppt/slides/slide22.xml><?xml version="1.0" encoding="utf-8"?>
+<p:sld xmlns:a="http://schemas.openxmlformats.org/drawingml/2006/main" xmlns:r="http://schemas.openxmlformats.org/officeDocument/2006/relationships" xmlns:p="http://schemas.openxmlformats.org/presentationml/2006/main">
+  <p:cSld>
+    <p:spTree>
+      <p:nvGrpSpPr>
+        <p:cNvPr id="1" name="Shape 213">
+          <a:extLst>
+            <a:ext uri="{FF2B5EF4-FFF2-40B4-BE49-F238E27FC236}">
+              <a16:creationId xmlns:a16="http://schemas.microsoft.com/office/drawing/2014/main" id="{70A6DD42-E711-356C-DBD6-B5537664161F}"/>
+            </a:ext>
+          </a:extLst>
+        </p:cNvPr>
+        <p:cNvGrpSpPr/>
+        <p:nvPr/>
+      </p:nvGrpSpPr>
+      <p:grpSpPr>
+        <a:xfrm>
+          <a:off x="0" y="0"/>
+          <a:ext cx="0" cy="0"/>
+          <a:chOff x="0" y="0"/>
+          <a:chExt cx="0" cy="0"/>
+        </a:xfrm>
+      </p:grpSpPr>
+      <p:sp>
+        <p:nvSpPr>
+          <p:cNvPr id="214" name="Google Shape;214;p41">
+            <a:extLst>
+              <a:ext uri="{FF2B5EF4-FFF2-40B4-BE49-F238E27FC236}">
+                <a16:creationId xmlns:a16="http://schemas.microsoft.com/office/drawing/2014/main" id="{3F29DAB4-D662-25ED-9062-63C9E9C1649E}"/>
+              </a:ext>
+            </a:extLst>
+          </p:cNvPr>
+          <p:cNvSpPr txBox="1">
+            <a:spLocks noGrp="1"/>
+          </p:cNvSpPr>
+          <p:nvPr>
+            <p:ph type="ctrTitle"/>
+          </p:nvPr>
+        </p:nvSpPr>
+        <p:spPr>
+          <a:xfrm>
+            <a:off x="3695838" y="824345"/>
+            <a:ext cx="5157216" cy="3159826"/>
+          </a:xfrm>
+          <a:prstGeom prst="rect">
+            <a:avLst/>
+          </a:prstGeom>
+        </p:spPr>
+        <p:txBody>
+          <a:bodyPr spcFirstLastPara="1" wrap="square" lIns="91425" tIns="91425" rIns="91425" bIns="91425" anchor="b" anchorCtr="0">
+            <a:noAutofit/>
+          </a:bodyPr>
+          <a:lstStyle/>
+          <a:p>
+            <a:pPr marL="0" lvl="0" indent="0" algn="l" rtl="0">
+              <a:spcBef>
+                <a:spcPts val="0"/>
+              </a:spcBef>
+              <a:spcAft>
+                <a:spcPts val="0"/>
+              </a:spcAft>
+              <a:buNone/>
+            </a:pPr>
+            <a:r>
+              <a:rPr lang="en-US" b="1" dirty="0" err="1">
+                <a:solidFill>
+                  <a:schemeClr val="accent1">
+                    <a:lumMod val="50000"/>
+                  </a:schemeClr>
+                </a:solidFill>
+              </a:rPr>
+              <a:t>Nouvo</a:t>
+            </a:r>
+            <a:r>
+              <a:rPr lang="en-US" b="1" dirty="0">
+                <a:solidFill>
+                  <a:schemeClr val="accent1">
+                    <a:lumMod val="50000"/>
+                  </a:schemeClr>
+                </a:solidFill>
+              </a:rPr>
+              <a:t> buyer</a:t>
+            </a:r>
+            <a:br>
+              <a:rPr lang="en-US" b="1" dirty="0">
+                <a:solidFill>
+                  <a:schemeClr val="accent1">
+                    <a:lumMod val="50000"/>
+                  </a:schemeClr>
+                </a:solidFill>
+              </a:rPr>
+            </a:br>
+            <a:r>
+              <a:rPr lang="en-US" b="1" dirty="0">
+                <a:solidFill>
+                  <a:schemeClr val="accent1">
+                    <a:lumMod val="50000"/>
+                  </a:schemeClr>
+                </a:solidFill>
+              </a:rPr>
+              <a:t>adversarial!!!!</a:t>
+            </a:r>
+            <a:br>
+              <a:rPr lang="en-US" b="1" dirty="0">
+                <a:solidFill>
+                  <a:schemeClr val="accent1">
+                    <a:lumMod val="50000"/>
+                  </a:schemeClr>
+                </a:solidFill>
+              </a:rPr>
+            </a:br>
+            <a:br>
+              <a:rPr lang="en-US" b="1" dirty="0">
+                <a:solidFill>
+                  <a:schemeClr val="accent1">
+                    <a:lumMod val="50000"/>
+                  </a:schemeClr>
+                </a:solidFill>
+              </a:rPr>
+            </a:br>
+            <a:br>
+              <a:rPr lang="en-US" b="1" dirty="0">
+                <a:solidFill>
+                  <a:schemeClr val="accent1">
+                    <a:lumMod val="50000"/>
+                  </a:schemeClr>
+                </a:solidFill>
+              </a:rPr>
+            </a:br>
+            <a:r>
+              <a:rPr lang="en-US" b="1" dirty="0">
+                <a:solidFill>
+                  <a:schemeClr val="accent1">
+                    <a:lumMod val="50000"/>
+                  </a:schemeClr>
+                </a:solidFill>
+              </a:rPr>
+              <a:t>highly non  stationary</a:t>
+            </a:r>
+            <a:endParaRPr dirty="0">
+              <a:solidFill>
+                <a:schemeClr val="accent3">
+                  <a:lumMod val="25000"/>
+                </a:schemeClr>
+              </a:solidFill>
+            </a:endParaRPr>
+          </a:p>
+        </p:txBody>
+      </p:sp>
+      <p:pic>
+        <p:nvPicPr>
+          <p:cNvPr id="216" name="Google Shape;216;p41">
+            <a:extLst>
+              <a:ext uri="{FF2B5EF4-FFF2-40B4-BE49-F238E27FC236}">
+                <a16:creationId xmlns:a16="http://schemas.microsoft.com/office/drawing/2014/main" id="{E832595F-B5C0-60E7-A4DB-CD52DC4FB1CC}"/>
+              </a:ext>
+            </a:extLst>
+          </p:cNvPr>
+          <p:cNvPicPr preferRelativeResize="0"/>
+          <p:nvPr/>
+        </p:nvPicPr>
+        <p:blipFill rotWithShape="1">
+          <a:blip r:embed="rId3">
+            <a:alphaModFix/>
+          </a:blip>
+          <a:srcRect l="13663" t="5545" r="23252" b="6005"/>
+          <a:stretch/>
+        </p:blipFill>
+        <p:spPr>
+          <a:xfrm>
+            <a:off x="758750" y="-125175"/>
+            <a:ext cx="3190148" cy="4494751"/>
+          </a:xfrm>
+          <a:prstGeom prst="rect">
+            <a:avLst/>
+          </a:prstGeom>
+          <a:noFill/>
+          <a:ln>
+            <a:noFill/>
+          </a:ln>
+        </p:spPr>
+      </p:pic>
+    </p:spTree>
+    <p:extLst>
+      <p:ext uri="{BB962C8B-B14F-4D97-AF65-F5344CB8AC3E}">
+        <p14:creationId xmlns:p14="http://schemas.microsoft.com/office/powerpoint/2010/main" val="414453782"/>
+      </p:ext>
+    </p:extLst>
+  </p:cSld>
+  <p:clrMapOvr>
+    <a:masterClrMapping/>
+  </p:clrMapOvr>
+</p:sld>
+</file>
+
+<file path=ppt/slides/slide23.xml><?xml version="1.0" encoding="utf-8"?>
+<p:sld xmlns:a="http://schemas.openxmlformats.org/drawingml/2006/main" xmlns:r="http://schemas.openxmlformats.org/officeDocument/2006/relationships" xmlns:p="http://schemas.openxmlformats.org/presentationml/2006/main">
+  <p:cSld>
+    <p:spTree>
+      <p:nvGrpSpPr>
+        <p:cNvPr id="1" name="Shape 213">
+          <a:extLst>
+            <a:ext uri="{FF2B5EF4-FFF2-40B4-BE49-F238E27FC236}">
+              <a16:creationId xmlns:a16="http://schemas.microsoft.com/office/drawing/2014/main" id="{FB6B07FE-4587-EE2A-FF6B-F616EA914A20}"/>
+            </a:ext>
+          </a:extLst>
+        </p:cNvPr>
+        <p:cNvGrpSpPr/>
+        <p:nvPr/>
+      </p:nvGrpSpPr>
+      <p:grpSpPr>
+        <a:xfrm>
+          <a:off x="0" y="0"/>
+          <a:ext cx="0" cy="0"/>
+          <a:chOff x="0" y="0"/>
+          <a:chExt cx="0" cy="0"/>
+        </a:xfrm>
+      </p:grpSpPr>
+      <p:sp>
+        <p:nvSpPr>
+          <p:cNvPr id="214" name="Google Shape;214;p41">
+            <a:extLst>
+              <a:ext uri="{FF2B5EF4-FFF2-40B4-BE49-F238E27FC236}">
+                <a16:creationId xmlns:a16="http://schemas.microsoft.com/office/drawing/2014/main" id="{DE947646-5E5E-BA5E-525F-A6F30FEBEDF4}"/>
+              </a:ext>
+            </a:extLst>
+          </p:cNvPr>
+          <p:cNvSpPr txBox="1">
+            <a:spLocks noGrp="1"/>
+          </p:cNvSpPr>
+          <p:nvPr>
+            <p:ph type="ctrTitle"/>
+          </p:nvPr>
+        </p:nvSpPr>
+        <p:spPr>
+          <a:xfrm>
+            <a:off x="3695838" y="824345"/>
+            <a:ext cx="5157216" cy="3159826"/>
+          </a:xfrm>
+          <a:prstGeom prst="rect">
+            <a:avLst/>
+          </a:prstGeom>
+        </p:spPr>
+        <p:txBody>
+          <a:bodyPr spcFirstLastPara="1" wrap="square" lIns="91425" tIns="91425" rIns="91425" bIns="91425" anchor="b" anchorCtr="0">
+            <a:noAutofit/>
+          </a:bodyPr>
+          <a:lstStyle/>
+          <a:p>
+            <a:pPr marL="0" lvl="0" indent="0" algn="l" rtl="0">
+              <a:spcBef>
+                <a:spcPts val="0"/>
+              </a:spcBef>
+              <a:spcAft>
+                <a:spcPts val="0"/>
+              </a:spcAft>
+              <a:buNone/>
+            </a:pPr>
+            <a:r>
+              <a:rPr lang="en-US" b="1" dirty="0" err="1">
+                <a:solidFill>
+                  <a:schemeClr val="accent1">
+                    <a:lumMod val="50000"/>
+                  </a:schemeClr>
+                </a:solidFill>
+              </a:rPr>
+              <a:t>Metodo</a:t>
+            </a:r>
+            <a:r>
+              <a:rPr lang="en-US" b="1" dirty="0">
+                <a:solidFill>
+                  <a:schemeClr val="accent1">
+                    <a:lumMod val="50000"/>
+                  </a:schemeClr>
+                </a:solidFill>
+              </a:rPr>
+              <a:t> 1</a:t>
+            </a:r>
+            <a:br>
+              <a:rPr lang="en-US" b="1" dirty="0">
+                <a:solidFill>
+                  <a:schemeClr val="accent1">
+                    <a:lumMod val="50000"/>
+                  </a:schemeClr>
+                </a:solidFill>
+              </a:rPr>
+            </a:br>
+            <a:r>
+              <a:rPr lang="en-US" b="1" dirty="0">
+                <a:solidFill>
+                  <a:schemeClr val="accent1">
+                    <a:lumMod val="50000"/>
+                  </a:schemeClr>
+                </a:solidFill>
+              </a:rPr>
+              <a:t>multiplicative pacing</a:t>
+            </a:r>
+            <a:br>
+              <a:rPr lang="en-US" b="1" dirty="0">
+                <a:solidFill>
+                  <a:schemeClr val="accent1">
+                    <a:lumMod val="50000"/>
+                  </a:schemeClr>
+                </a:solidFill>
+              </a:rPr>
+            </a:br>
+            <a:r>
+              <a:rPr lang="en-US" b="1" dirty="0">
+                <a:solidFill>
+                  <a:schemeClr val="accent1">
+                    <a:lumMod val="50000"/>
+                  </a:schemeClr>
+                </a:solidFill>
+              </a:rPr>
+              <a:t>+ exp3</a:t>
+            </a:r>
+            <a:endParaRPr dirty="0">
+              <a:solidFill>
+                <a:schemeClr val="accent3">
+                  <a:lumMod val="25000"/>
+                </a:schemeClr>
+              </a:solidFill>
+            </a:endParaRPr>
+          </a:p>
+        </p:txBody>
+      </p:sp>
+      <p:pic>
+        <p:nvPicPr>
+          <p:cNvPr id="216" name="Google Shape;216;p41">
+            <a:extLst>
+              <a:ext uri="{FF2B5EF4-FFF2-40B4-BE49-F238E27FC236}">
+                <a16:creationId xmlns:a16="http://schemas.microsoft.com/office/drawing/2014/main" id="{CEC413B1-7FF7-71F3-4D03-EAE49CCC0A23}"/>
+              </a:ext>
+            </a:extLst>
+          </p:cNvPr>
+          <p:cNvPicPr preferRelativeResize="0"/>
+          <p:nvPr/>
+        </p:nvPicPr>
+        <p:blipFill rotWithShape="1">
+          <a:blip r:embed="rId3">
+            <a:alphaModFix/>
+          </a:blip>
+          <a:srcRect l="13663" t="5545" r="23252" b="6005"/>
+          <a:stretch/>
+        </p:blipFill>
+        <p:spPr>
+          <a:xfrm>
+            <a:off x="758750" y="-125175"/>
+            <a:ext cx="3190148" cy="4494751"/>
+          </a:xfrm>
+          <a:prstGeom prst="rect">
+            <a:avLst/>
+          </a:prstGeom>
+          <a:noFill/>
+          <a:ln>
+            <a:noFill/>
+          </a:ln>
+        </p:spPr>
+      </p:pic>
+    </p:spTree>
+    <p:extLst>
+      <p:ext uri="{BB962C8B-B14F-4D97-AF65-F5344CB8AC3E}">
+        <p14:creationId xmlns:p14="http://schemas.microsoft.com/office/powerpoint/2010/main" val="1235198460"/>
+      </p:ext>
+    </p:extLst>
+  </p:cSld>
+  <p:clrMapOvr>
+    <a:masterClrMapping/>
+  </p:clrMapOvr>
+</p:sld>
+</file>
+
+<file path=ppt/slides/slide24.xml><?xml version="1.0" encoding="utf-8"?>
+<p:sld xmlns:a="http://schemas.openxmlformats.org/drawingml/2006/main" xmlns:r="http://schemas.openxmlformats.org/officeDocument/2006/relationships" xmlns:p="http://schemas.openxmlformats.org/presentationml/2006/main">
+  <p:cSld>
+    <p:spTree>
+      <p:nvGrpSpPr>
+        <p:cNvPr id="1" name="Shape 213">
+          <a:extLst>
+            <a:ext uri="{FF2B5EF4-FFF2-40B4-BE49-F238E27FC236}">
+              <a16:creationId xmlns:a16="http://schemas.microsoft.com/office/drawing/2014/main" id="{C209FB31-9BB7-A339-3243-34E4DFCF5D3D}"/>
+            </a:ext>
+          </a:extLst>
+        </p:cNvPr>
+        <p:cNvGrpSpPr/>
+        <p:nvPr/>
+      </p:nvGrpSpPr>
+      <p:grpSpPr>
+        <a:xfrm>
+          <a:off x="0" y="0"/>
+          <a:ext cx="0" cy="0"/>
+          <a:chOff x="0" y="0"/>
+          <a:chExt cx="0" cy="0"/>
+        </a:xfrm>
+      </p:grpSpPr>
+      <p:sp>
+        <p:nvSpPr>
+          <p:cNvPr id="214" name="Google Shape;214;p41">
+            <a:extLst>
+              <a:ext uri="{FF2B5EF4-FFF2-40B4-BE49-F238E27FC236}">
+                <a16:creationId xmlns:a16="http://schemas.microsoft.com/office/drawing/2014/main" id="{436A93EF-3D10-287B-354C-C46CF886389F}"/>
+              </a:ext>
+            </a:extLst>
+          </p:cNvPr>
+          <p:cNvSpPr txBox="1">
+            <a:spLocks noGrp="1"/>
+          </p:cNvSpPr>
+          <p:nvPr>
+            <p:ph type="ctrTitle"/>
+          </p:nvPr>
+        </p:nvSpPr>
+        <p:spPr>
+          <a:xfrm>
+            <a:off x="3695838" y="824345"/>
+            <a:ext cx="5157216" cy="3159826"/>
+          </a:xfrm>
+          <a:prstGeom prst="rect">
+            <a:avLst/>
+          </a:prstGeom>
+        </p:spPr>
+        <p:txBody>
+          <a:bodyPr spcFirstLastPara="1" wrap="square" lIns="91425" tIns="91425" rIns="91425" bIns="91425" anchor="b" anchorCtr="0">
+            <a:noAutofit/>
+          </a:bodyPr>
+          <a:lstStyle/>
+          <a:p>
+            <a:pPr marL="0" lvl="0" indent="0" algn="l" rtl="0">
+              <a:spcBef>
+                <a:spcPts val="0"/>
+              </a:spcBef>
+              <a:spcAft>
+                <a:spcPts val="0"/>
+              </a:spcAft>
+              <a:buNone/>
+            </a:pPr>
+            <a:r>
+              <a:rPr lang="en-US" b="1" dirty="0" err="1">
+                <a:solidFill>
+                  <a:schemeClr val="accent1">
+                    <a:lumMod val="50000"/>
+                  </a:schemeClr>
+                </a:solidFill>
+              </a:rPr>
+              <a:t>Metodo</a:t>
+            </a:r>
+            <a:r>
+              <a:rPr lang="en-US" b="1" dirty="0">
+                <a:solidFill>
+                  <a:schemeClr val="accent1">
+                    <a:lumMod val="50000"/>
+                  </a:schemeClr>
+                </a:solidFill>
+              </a:rPr>
+              <a:t> 1</a:t>
+            </a:r>
+            <a:br>
+              <a:rPr lang="en-US" b="1" dirty="0">
+                <a:solidFill>
+                  <a:schemeClr val="accent1">
+                    <a:lumMod val="50000"/>
+                  </a:schemeClr>
+                </a:solidFill>
+              </a:rPr>
+            </a:br>
+            <a:r>
+              <a:rPr lang="en-US" b="1" dirty="0">
+                <a:solidFill>
+                  <a:schemeClr val="accent1">
+                    <a:lumMod val="50000"/>
+                  </a:schemeClr>
+                </a:solidFill>
+              </a:rPr>
+              <a:t>multiplicative pacing</a:t>
+            </a:r>
+            <a:br>
+              <a:rPr lang="en-US" b="1" dirty="0">
+                <a:solidFill>
+                  <a:schemeClr val="accent1">
+                    <a:lumMod val="50000"/>
+                  </a:schemeClr>
+                </a:solidFill>
+              </a:rPr>
+            </a:br>
+            <a:r>
+              <a:rPr lang="en-US" b="1" dirty="0">
+                <a:solidFill>
+                  <a:schemeClr val="accent1">
+                    <a:lumMod val="50000"/>
+                  </a:schemeClr>
+                </a:solidFill>
+              </a:rPr>
+              <a:t>+ exp3</a:t>
+            </a:r>
+            <a:endParaRPr dirty="0">
+              <a:solidFill>
+                <a:schemeClr val="accent3">
+                  <a:lumMod val="25000"/>
+                </a:schemeClr>
+              </a:solidFill>
+            </a:endParaRPr>
+          </a:p>
+        </p:txBody>
+      </p:sp>
+      <p:pic>
+        <p:nvPicPr>
+          <p:cNvPr id="216" name="Google Shape;216;p41">
+            <a:extLst>
+              <a:ext uri="{FF2B5EF4-FFF2-40B4-BE49-F238E27FC236}">
+                <a16:creationId xmlns:a16="http://schemas.microsoft.com/office/drawing/2014/main" id="{23F40B7E-6E18-0B22-91CE-9D4BEB340453}"/>
+              </a:ext>
+            </a:extLst>
+          </p:cNvPr>
+          <p:cNvPicPr preferRelativeResize="0"/>
+          <p:nvPr/>
+        </p:nvPicPr>
+        <p:blipFill rotWithShape="1">
+          <a:blip r:embed="rId3">
+            <a:alphaModFix/>
+          </a:blip>
+          <a:srcRect l="13663" t="5545" r="23252" b="6005"/>
+          <a:stretch/>
+        </p:blipFill>
+        <p:spPr>
+          <a:xfrm>
+            <a:off x="758750" y="-125175"/>
+            <a:ext cx="3190148" cy="4494751"/>
+          </a:xfrm>
+          <a:prstGeom prst="rect">
+            <a:avLst/>
+          </a:prstGeom>
+          <a:noFill/>
+          <a:ln>
+            <a:noFill/>
+          </a:ln>
+        </p:spPr>
+      </p:pic>
+    </p:spTree>
+    <p:extLst>
+      <p:ext uri="{BB962C8B-B14F-4D97-AF65-F5344CB8AC3E}">
+        <p14:creationId xmlns:p14="http://schemas.microsoft.com/office/powerpoint/2010/main" val="3513442760"/>
+      </p:ext>
+    </p:extLst>
+  </p:cSld>
+  <p:clrMapOvr>
+    <a:masterClrMapping/>
+  </p:clrMapOvr>
+</p:sld>
+</file>
+
+<file path=ppt/slides/slide25.xml><?xml version="1.0" encoding="utf-8"?>
+<p:sld xmlns:a="http://schemas.openxmlformats.org/drawingml/2006/main" xmlns:r="http://schemas.openxmlformats.org/officeDocument/2006/relationships" xmlns:p="http://schemas.openxmlformats.org/presentationml/2006/main">
+  <p:cSld>
+    <p:spTree>
+      <p:nvGrpSpPr>
+        <p:cNvPr id="1" name="">
+          <a:extLst>
+            <a:ext uri="{FF2B5EF4-FFF2-40B4-BE49-F238E27FC236}">
+              <a16:creationId xmlns:a16="http://schemas.microsoft.com/office/drawing/2014/main" id="{4E92CE84-F326-FCB2-1DE9-D983E1163108}"/>
+            </a:ext>
+          </a:extLst>
+        </p:cNvPr>
+        <p:cNvGrpSpPr/>
+        <p:nvPr/>
+      </p:nvGrpSpPr>
+      <p:grpSpPr>
+        <a:xfrm>
+          <a:off x="0" y="0"/>
+          <a:ext cx="0" cy="0"/>
+          <a:chOff x="0" y="0"/>
+          <a:chExt cx="0" cy="0"/>
+        </a:xfrm>
+      </p:grpSpPr>
+      <p:sp>
+        <p:nvSpPr>
+          <p:cNvPr id="2" name="Title 1">
+            <a:extLst>
+              <a:ext uri="{FF2B5EF4-FFF2-40B4-BE49-F238E27FC236}">
+                <a16:creationId xmlns:a16="http://schemas.microsoft.com/office/drawing/2014/main" id="{AA37537B-21C2-A964-E28D-AF5709E75086}"/>
+              </a:ext>
+            </a:extLst>
+          </p:cNvPr>
+          <p:cNvSpPr>
+            <a:spLocks noGrp="1"/>
+          </p:cNvSpPr>
+          <p:nvPr>
+            <p:ph type="title"/>
+          </p:nvPr>
+        </p:nvSpPr>
+        <p:spPr/>
+        <p:txBody>
+          <a:bodyPr/>
+          <a:lstStyle/>
+          <a:p>
+            <a:endParaRPr lang="en-US"/>
+          </a:p>
+        </p:txBody>
+      </p:sp>
+      <p:sp>
+        <p:nvSpPr>
+          <p:cNvPr id="3" name="Title 2">
+            <a:extLst>
+              <a:ext uri="{FF2B5EF4-FFF2-40B4-BE49-F238E27FC236}">
+                <a16:creationId xmlns:a16="http://schemas.microsoft.com/office/drawing/2014/main" id="{C47CE9DD-C40B-8021-C740-73C2AAA83D7E}"/>
+              </a:ext>
+            </a:extLst>
+          </p:cNvPr>
+          <p:cNvSpPr>
+            <a:spLocks noGrp="1"/>
+          </p:cNvSpPr>
+          <p:nvPr>
+            <p:ph type="title" idx="2"/>
+          </p:nvPr>
+        </p:nvSpPr>
+        <p:spPr>
+          <a:xfrm>
+            <a:off x="1933303" y="1062325"/>
+            <a:ext cx="6286147" cy="1234500"/>
+          </a:xfrm>
+        </p:spPr>
+        <p:txBody>
+          <a:bodyPr/>
+          <a:lstStyle/>
+          <a:p>
+            <a:r>
+              <a:rPr lang="en-US" dirty="0"/>
+              <a:t>Sim e res</a:t>
+            </a:r>
+          </a:p>
+        </p:txBody>
+      </p:sp>
+      <p:sp>
+        <p:nvSpPr>
+          <p:cNvPr id="4" name="Subtitle 3">
+            <a:extLst>
+              <a:ext uri="{FF2B5EF4-FFF2-40B4-BE49-F238E27FC236}">
+                <a16:creationId xmlns:a16="http://schemas.microsoft.com/office/drawing/2014/main" id="{CEDC9C04-F021-1DCC-1504-C5D98510FE7C}"/>
+              </a:ext>
+            </a:extLst>
+          </p:cNvPr>
+          <p:cNvSpPr>
+            <a:spLocks noGrp="1"/>
+          </p:cNvSpPr>
+          <p:nvPr>
+            <p:ph type="subTitle" idx="1"/>
+          </p:nvPr>
+        </p:nvSpPr>
+        <p:spPr/>
+        <p:txBody>
+          <a:bodyPr/>
+          <a:lstStyle/>
+          <a:p>
+            <a:endParaRPr lang="en-US"/>
+          </a:p>
+        </p:txBody>
+      </p:sp>
+    </p:spTree>
+    <p:extLst>
+      <p:ext uri="{BB962C8B-B14F-4D97-AF65-F5344CB8AC3E}">
+        <p14:creationId xmlns:p14="http://schemas.microsoft.com/office/powerpoint/2010/main" val="1117101092"/>
+      </p:ext>
+    </p:extLst>
+  </p:cSld>
+  <p:clrMapOvr>
+    <a:masterClrMapping/>
+  </p:clrMapOvr>
+</p:sld>
+</file>
+
+<file path=ppt/slides/slide26.xml><?xml version="1.0" encoding="utf-8"?>
+<p:sld xmlns:a="http://schemas.openxmlformats.org/drawingml/2006/main" xmlns:r="http://schemas.openxmlformats.org/officeDocument/2006/relationships" xmlns:p="http://schemas.openxmlformats.org/presentationml/2006/main">
+  <p:cSld>
+    <p:spTree>
+      <p:nvGrpSpPr>
+        <p:cNvPr id="1" name="Shape 213">
+          <a:extLst>
+            <a:ext uri="{FF2B5EF4-FFF2-40B4-BE49-F238E27FC236}">
+              <a16:creationId xmlns:a16="http://schemas.microsoft.com/office/drawing/2014/main" id="{1A0A82F2-CF1A-9249-1975-476DCC739958}"/>
+            </a:ext>
+          </a:extLst>
+        </p:cNvPr>
+        <p:cNvGrpSpPr/>
+        <p:nvPr/>
+      </p:nvGrpSpPr>
+      <p:grpSpPr>
+        <a:xfrm>
+          <a:off x="0" y="0"/>
+          <a:ext cx="0" cy="0"/>
+          <a:chOff x="0" y="0"/>
+          <a:chExt cx="0" cy="0"/>
+        </a:xfrm>
+      </p:grpSpPr>
+      <p:sp>
+        <p:nvSpPr>
+          <p:cNvPr id="214" name="Google Shape;214;p41">
+            <a:extLst>
+              <a:ext uri="{FF2B5EF4-FFF2-40B4-BE49-F238E27FC236}">
+                <a16:creationId xmlns:a16="http://schemas.microsoft.com/office/drawing/2014/main" id="{41B6D9F5-6F92-0899-91BB-0A00DC27A725}"/>
+              </a:ext>
+            </a:extLst>
+          </p:cNvPr>
+          <p:cNvSpPr txBox="1">
+            <a:spLocks noGrp="1"/>
+          </p:cNvSpPr>
+          <p:nvPr>
+            <p:ph type="ctrTitle"/>
+          </p:nvPr>
+        </p:nvSpPr>
+        <p:spPr>
+          <a:xfrm>
+            <a:off x="3695838" y="824345"/>
+            <a:ext cx="5157216" cy="3159826"/>
+          </a:xfrm>
+          <a:prstGeom prst="rect">
+            <a:avLst/>
+          </a:prstGeom>
+        </p:spPr>
+        <p:txBody>
+          <a:bodyPr spcFirstLastPara="1" wrap="square" lIns="91425" tIns="91425" rIns="91425" bIns="91425" anchor="b" anchorCtr="0">
+            <a:noAutofit/>
+          </a:bodyPr>
+          <a:lstStyle/>
+          <a:p>
+            <a:pPr marL="0" lvl="0" indent="0" algn="l" rtl="0">
+              <a:spcBef>
+                <a:spcPts val="0"/>
+              </a:spcBef>
+              <a:spcAft>
+                <a:spcPts val="0"/>
+              </a:spcAft>
+              <a:buNone/>
+            </a:pPr>
+            <a:r>
+              <a:rPr lang="en-US" b="1" dirty="0" err="1">
+                <a:solidFill>
+                  <a:schemeClr val="accent1">
+                    <a:lumMod val="50000"/>
+                  </a:schemeClr>
+                </a:solidFill>
+              </a:rPr>
+              <a:t>Metodo</a:t>
+            </a:r>
+            <a:r>
+              <a:rPr lang="en-US" b="1" dirty="0">
+                <a:solidFill>
+                  <a:schemeClr val="accent1">
+                    <a:lumMod val="50000"/>
+                  </a:schemeClr>
+                </a:solidFill>
+              </a:rPr>
+              <a:t> 2</a:t>
+            </a:r>
+            <a:br>
+              <a:rPr lang="en-US" b="1" dirty="0">
+                <a:solidFill>
+                  <a:schemeClr val="accent1">
+                    <a:lumMod val="50000"/>
+                  </a:schemeClr>
+                </a:solidFill>
+              </a:rPr>
+            </a:br>
+            <a:r>
+              <a:rPr lang="en-US" b="1" dirty="0" err="1">
+                <a:solidFill>
+                  <a:schemeClr val="accent1">
+                    <a:lumMod val="50000"/>
+                  </a:schemeClr>
+                </a:solidFill>
+              </a:rPr>
+              <a:t>modificare</a:t>
+            </a:r>
+            <a:r>
+              <a:rPr lang="en-US" b="1" dirty="0">
+                <a:solidFill>
+                  <a:schemeClr val="accent1">
+                    <a:lumMod val="50000"/>
+                  </a:schemeClr>
+                </a:solidFill>
+              </a:rPr>
+              <a:t> </a:t>
+            </a:r>
+            <a:r>
+              <a:rPr lang="en-US" b="1" dirty="0" err="1">
+                <a:solidFill>
+                  <a:schemeClr val="accent1">
+                    <a:lumMod val="50000"/>
+                  </a:schemeClr>
+                </a:solidFill>
+              </a:rPr>
+              <a:t>direttamente</a:t>
+            </a:r>
+            <a:r>
+              <a:rPr lang="en-US" b="1" dirty="0">
+                <a:solidFill>
+                  <a:schemeClr val="accent1">
+                    <a:lumMod val="50000"/>
+                  </a:schemeClr>
+                </a:solidFill>
+              </a:rPr>
+              <a:t> </a:t>
+            </a:r>
+            <a:r>
+              <a:rPr lang="en-US" b="1" dirty="0" err="1">
+                <a:solidFill>
+                  <a:schemeClr val="accent1">
+                    <a:lumMod val="50000"/>
+                  </a:schemeClr>
+                </a:solidFill>
+              </a:rPr>
+              <a:t>l’algoritmo</a:t>
+            </a:r>
+            <a:r>
+              <a:rPr lang="en-US" b="1" dirty="0">
+                <a:solidFill>
+                  <a:schemeClr val="accent1">
+                    <a:lumMod val="50000"/>
+                  </a:schemeClr>
+                </a:solidFill>
+              </a:rPr>
+              <a:t> di exp3</a:t>
+            </a:r>
+            <a:br>
+              <a:rPr lang="en-US" b="1" dirty="0">
+                <a:solidFill>
+                  <a:schemeClr val="accent1">
+                    <a:lumMod val="50000"/>
+                  </a:schemeClr>
+                </a:solidFill>
+              </a:rPr>
+            </a:br>
+            <a:r>
+              <a:rPr lang="en-US" b="1" dirty="0">
+                <a:solidFill>
+                  <a:schemeClr val="accent1">
+                    <a:lumMod val="50000"/>
+                  </a:schemeClr>
+                </a:solidFill>
+              </a:rPr>
+              <a:t>v2 non </a:t>
+            </a:r>
+            <a:r>
+              <a:rPr lang="en-US" b="1" dirty="0" err="1">
+                <a:solidFill>
+                  <a:schemeClr val="accent1">
+                    <a:lumMod val="50000"/>
+                  </a:schemeClr>
+                </a:solidFill>
+              </a:rPr>
+              <a:t>funziona</a:t>
+            </a:r>
+            <a:endParaRPr dirty="0">
+              <a:solidFill>
+                <a:schemeClr val="accent3">
+                  <a:lumMod val="25000"/>
+                </a:schemeClr>
+              </a:solidFill>
+            </a:endParaRPr>
+          </a:p>
+        </p:txBody>
+      </p:sp>
+      <p:pic>
+        <p:nvPicPr>
+          <p:cNvPr id="216" name="Google Shape;216;p41">
+            <a:extLst>
+              <a:ext uri="{FF2B5EF4-FFF2-40B4-BE49-F238E27FC236}">
+                <a16:creationId xmlns:a16="http://schemas.microsoft.com/office/drawing/2014/main" id="{88FA312F-B989-91B4-1B1A-16F3C5F38DFA}"/>
+              </a:ext>
+            </a:extLst>
+          </p:cNvPr>
+          <p:cNvPicPr preferRelativeResize="0"/>
+          <p:nvPr/>
+        </p:nvPicPr>
+        <p:blipFill rotWithShape="1">
+          <a:blip r:embed="rId3">
+            <a:alphaModFix/>
+          </a:blip>
+          <a:srcRect l="13663" t="5545" r="23252" b="6005"/>
+          <a:stretch/>
+        </p:blipFill>
+        <p:spPr>
+          <a:xfrm>
+            <a:off x="758750" y="-125175"/>
+            <a:ext cx="3190148" cy="4494751"/>
+          </a:xfrm>
+          <a:prstGeom prst="rect">
+            <a:avLst/>
+          </a:prstGeom>
+          <a:noFill/>
+          <a:ln>
+            <a:noFill/>
+          </a:ln>
+        </p:spPr>
+      </p:pic>
+    </p:spTree>
+    <p:extLst>
+      <p:ext uri="{BB962C8B-B14F-4D97-AF65-F5344CB8AC3E}">
+        <p14:creationId xmlns:p14="http://schemas.microsoft.com/office/powerpoint/2010/main" val="3539865183"/>
+      </p:ext>
+    </p:extLst>
+  </p:cSld>
+  <p:clrMapOvr>
+    <a:masterClrMapping/>
+  </p:clrMapOvr>
+</p:sld>
+</file>
+
+<file path=ppt/slides/slide27.xml><?xml version="1.0" encoding="utf-8"?>
+<p:sld xmlns:a="http://schemas.openxmlformats.org/drawingml/2006/main" xmlns:r="http://schemas.openxmlformats.org/officeDocument/2006/relationships" xmlns:p="http://schemas.openxmlformats.org/presentationml/2006/main">
+  <p:cSld>
+    <p:spTree>
+      <p:nvGrpSpPr>
+        <p:cNvPr id="1" name="">
+          <a:extLst>
+            <a:ext uri="{FF2B5EF4-FFF2-40B4-BE49-F238E27FC236}">
+              <a16:creationId xmlns:a16="http://schemas.microsoft.com/office/drawing/2014/main" id="{C424BCE4-CA62-08D1-FD52-962C2BD95C18}"/>
+            </a:ext>
+          </a:extLst>
+        </p:cNvPr>
+        <p:cNvGrpSpPr/>
+        <p:nvPr/>
+      </p:nvGrpSpPr>
+      <p:grpSpPr>
+        <a:xfrm>
+          <a:off x="0" y="0"/>
+          <a:ext cx="0" cy="0"/>
+          <a:chOff x="0" y="0"/>
+          <a:chExt cx="0" cy="0"/>
+        </a:xfrm>
+      </p:grpSpPr>
+      <p:sp>
+        <p:nvSpPr>
+          <p:cNvPr id="2" name="Title 1">
+            <a:extLst>
+              <a:ext uri="{FF2B5EF4-FFF2-40B4-BE49-F238E27FC236}">
+                <a16:creationId xmlns:a16="http://schemas.microsoft.com/office/drawing/2014/main" id="{462008E7-DBB7-55E2-9B37-91046C005B0B}"/>
+              </a:ext>
+            </a:extLst>
+          </p:cNvPr>
+          <p:cNvSpPr>
+            <a:spLocks noGrp="1"/>
+          </p:cNvSpPr>
+          <p:nvPr>
+            <p:ph type="title"/>
+          </p:nvPr>
+        </p:nvSpPr>
+        <p:spPr/>
+        <p:txBody>
+          <a:bodyPr/>
+          <a:lstStyle/>
+          <a:p>
+            <a:endParaRPr lang="en-US"/>
+          </a:p>
+        </p:txBody>
+      </p:sp>
+      <p:sp>
+        <p:nvSpPr>
+          <p:cNvPr id="3" name="Title 2">
+            <a:extLst>
+              <a:ext uri="{FF2B5EF4-FFF2-40B4-BE49-F238E27FC236}">
+                <a16:creationId xmlns:a16="http://schemas.microsoft.com/office/drawing/2014/main" id="{4A94BC80-E36F-DF5F-F0A4-8EEE0F8C40DB}"/>
+              </a:ext>
+            </a:extLst>
+          </p:cNvPr>
+          <p:cNvSpPr>
+            <a:spLocks noGrp="1"/>
+          </p:cNvSpPr>
+          <p:nvPr>
+            <p:ph type="title" idx="2"/>
+          </p:nvPr>
+        </p:nvSpPr>
+        <p:spPr>
+          <a:xfrm>
+            <a:off x="1933303" y="1062325"/>
+            <a:ext cx="6286147" cy="1234500"/>
+          </a:xfrm>
+        </p:spPr>
+        <p:txBody>
+          <a:bodyPr/>
+          <a:lstStyle/>
+          <a:p>
+            <a:r>
+              <a:rPr lang="en-US" dirty="0"/>
+              <a:t>Sim e res</a:t>
+            </a:r>
+          </a:p>
+        </p:txBody>
+      </p:sp>
+      <p:sp>
+        <p:nvSpPr>
+          <p:cNvPr id="4" name="Subtitle 3">
+            <a:extLst>
+              <a:ext uri="{FF2B5EF4-FFF2-40B4-BE49-F238E27FC236}">
+                <a16:creationId xmlns:a16="http://schemas.microsoft.com/office/drawing/2014/main" id="{90233099-5820-3DDD-CF1A-4D55423E4A3B}"/>
+              </a:ext>
+            </a:extLst>
+          </p:cNvPr>
+          <p:cNvSpPr>
+            <a:spLocks noGrp="1"/>
+          </p:cNvSpPr>
+          <p:nvPr>
+            <p:ph type="subTitle" idx="1"/>
+          </p:nvPr>
+        </p:nvSpPr>
+        <p:spPr/>
+        <p:txBody>
+          <a:bodyPr/>
+          <a:lstStyle/>
+          <a:p>
+            <a:endParaRPr lang="en-US"/>
+          </a:p>
+        </p:txBody>
+      </p:sp>
+    </p:spTree>
+    <p:extLst>
+      <p:ext uri="{BB962C8B-B14F-4D97-AF65-F5344CB8AC3E}">
+        <p14:creationId xmlns:p14="http://schemas.microsoft.com/office/powerpoint/2010/main" val="4201988631"/>
+      </p:ext>
+    </p:extLst>
+  </p:cSld>
+  <p:clrMapOvr>
+    <a:masterClrMapping/>
+  </p:clrMapOvr>
+</p:sld>
+</file>
+
+<file path=ppt/slides/slide28.xml><?xml version="1.0" encoding="utf-8"?>
+<p:sld xmlns:a="http://schemas.openxmlformats.org/drawingml/2006/main" xmlns:r="http://schemas.openxmlformats.org/officeDocument/2006/relationships" xmlns:p="http://schemas.openxmlformats.org/presentationml/2006/main">
+  <p:cSld>
+    <p:spTree>
+      <p:nvGrpSpPr>
+        <p:cNvPr id="1" name="Shape 213">
+          <a:extLst>
+            <a:ext uri="{FF2B5EF4-FFF2-40B4-BE49-F238E27FC236}">
+              <a16:creationId xmlns:a16="http://schemas.microsoft.com/office/drawing/2014/main" id="{C3FA39D1-C988-E47A-EFE4-1BE01699618A}"/>
+            </a:ext>
+          </a:extLst>
+        </p:cNvPr>
+        <p:cNvGrpSpPr/>
+        <p:nvPr/>
+      </p:nvGrpSpPr>
+      <p:grpSpPr>
+        <a:xfrm>
+          <a:off x="0" y="0"/>
+          <a:ext cx="0" cy="0"/>
+          <a:chOff x="0" y="0"/>
+          <a:chExt cx="0" cy="0"/>
+        </a:xfrm>
+      </p:grpSpPr>
+      <p:sp>
+        <p:nvSpPr>
+          <p:cNvPr id="214" name="Google Shape;214;p41">
+            <a:extLst>
+              <a:ext uri="{FF2B5EF4-FFF2-40B4-BE49-F238E27FC236}">
+                <a16:creationId xmlns:a16="http://schemas.microsoft.com/office/drawing/2014/main" id="{22897740-4E8D-3607-F85B-84EAA2F3F88B}"/>
+              </a:ext>
+            </a:extLst>
+          </p:cNvPr>
+          <p:cNvSpPr txBox="1">
+            <a:spLocks noGrp="1"/>
+          </p:cNvSpPr>
+          <p:nvPr>
+            <p:ph type="ctrTitle"/>
+          </p:nvPr>
+        </p:nvSpPr>
+        <p:spPr>
+          <a:xfrm>
+            <a:off x="3695838" y="824345"/>
+            <a:ext cx="5157216" cy="3159826"/>
+          </a:xfrm>
+          <a:prstGeom prst="rect">
+            <a:avLst/>
+          </a:prstGeom>
+        </p:spPr>
+        <p:txBody>
+          <a:bodyPr spcFirstLastPara="1" wrap="square" lIns="91425" tIns="91425" rIns="91425" bIns="91425" anchor="b" anchorCtr="0">
+            <a:noAutofit/>
+          </a:bodyPr>
+          <a:lstStyle/>
+          <a:p>
+            <a:pPr marL="0" lvl="0" indent="0" algn="l" rtl="0">
+              <a:spcBef>
+                <a:spcPts val="0"/>
+              </a:spcBef>
+              <a:spcAft>
+                <a:spcPts val="0"/>
+              </a:spcAft>
+              <a:buNone/>
+            </a:pPr>
+            <a:r>
+              <a:rPr lang="en-US" b="1" dirty="0" err="1">
+                <a:solidFill>
+                  <a:schemeClr val="accent1">
+                    <a:lumMod val="50000"/>
+                  </a:schemeClr>
+                </a:solidFill>
+              </a:rPr>
+              <a:t>Metodo</a:t>
+            </a:r>
+            <a:r>
+              <a:rPr lang="en-US" b="1" dirty="0">
+                <a:solidFill>
+                  <a:schemeClr val="accent1">
+                    <a:lumMod val="50000"/>
+                  </a:schemeClr>
+                </a:solidFill>
+              </a:rPr>
+              <a:t> 3</a:t>
+            </a:r>
+            <a:br>
+              <a:rPr lang="en-US" b="1" dirty="0">
+                <a:solidFill>
+                  <a:schemeClr val="accent1">
+                    <a:lumMod val="50000"/>
+                  </a:schemeClr>
+                </a:solidFill>
+              </a:rPr>
+            </a:br>
+            <a:r>
+              <a:rPr lang="en-US" b="1" dirty="0">
+                <a:solidFill>
+                  <a:schemeClr val="accent1">
+                    <a:lumMod val="50000"/>
+                  </a:schemeClr>
+                </a:solidFill>
+              </a:rPr>
+              <a:t>full feedback</a:t>
+            </a:r>
+            <a:endParaRPr dirty="0">
+              <a:solidFill>
+                <a:schemeClr val="accent3">
+                  <a:lumMod val="25000"/>
+                </a:schemeClr>
+              </a:solidFill>
+            </a:endParaRPr>
+          </a:p>
+        </p:txBody>
+      </p:sp>
+      <p:pic>
+        <p:nvPicPr>
+          <p:cNvPr id="216" name="Google Shape;216;p41">
+            <a:extLst>
+              <a:ext uri="{FF2B5EF4-FFF2-40B4-BE49-F238E27FC236}">
+                <a16:creationId xmlns:a16="http://schemas.microsoft.com/office/drawing/2014/main" id="{FB2925AF-26B8-F478-BAC7-DBA2F27395D6}"/>
+              </a:ext>
+            </a:extLst>
+          </p:cNvPr>
+          <p:cNvPicPr preferRelativeResize="0"/>
+          <p:nvPr/>
+        </p:nvPicPr>
+        <p:blipFill rotWithShape="1">
+          <a:blip r:embed="rId3">
+            <a:alphaModFix/>
+          </a:blip>
+          <a:srcRect l="13663" t="5545" r="23252" b="6005"/>
+          <a:stretch/>
+        </p:blipFill>
+        <p:spPr>
+          <a:xfrm>
+            <a:off x="758750" y="-125175"/>
+            <a:ext cx="3190148" cy="4494751"/>
+          </a:xfrm>
+          <a:prstGeom prst="rect">
+            <a:avLst/>
+          </a:prstGeom>
+          <a:noFill/>
+          <a:ln>
+            <a:noFill/>
+          </a:ln>
+        </p:spPr>
+      </p:pic>
+    </p:spTree>
+    <p:extLst>
+      <p:ext uri="{BB962C8B-B14F-4D97-AF65-F5344CB8AC3E}">
+        <p14:creationId xmlns:p14="http://schemas.microsoft.com/office/powerpoint/2010/main" val="2099555550"/>
+      </p:ext>
+    </p:extLst>
+  </p:cSld>
+  <p:clrMapOvr>
+    <a:masterClrMapping/>
+  </p:clrMapOvr>
+</p:sld>
+</file>
+
+<file path=ppt/slides/slide29.xml><?xml version="1.0" encoding="utf-8"?>
+<p:sld xmlns:a="http://schemas.openxmlformats.org/drawingml/2006/main" xmlns:r="http://schemas.openxmlformats.org/officeDocument/2006/relationships" xmlns:p="http://schemas.openxmlformats.org/presentationml/2006/main">
+  <p:cSld>
+    <p:spTree>
+      <p:nvGrpSpPr>
+        <p:cNvPr id="1" name="">
+          <a:extLst>
+            <a:ext uri="{FF2B5EF4-FFF2-40B4-BE49-F238E27FC236}">
+              <a16:creationId xmlns:a16="http://schemas.microsoft.com/office/drawing/2014/main" id="{431D822C-4F6B-B051-54E4-B2AD4151C51D}"/>
+            </a:ext>
+          </a:extLst>
+        </p:cNvPr>
+        <p:cNvGrpSpPr/>
+        <p:nvPr/>
+      </p:nvGrpSpPr>
+      <p:grpSpPr>
+        <a:xfrm>
+          <a:off x="0" y="0"/>
+          <a:ext cx="0" cy="0"/>
+          <a:chOff x="0" y="0"/>
+          <a:chExt cx="0" cy="0"/>
+        </a:xfrm>
+      </p:grpSpPr>
+      <p:sp>
+        <p:nvSpPr>
+          <p:cNvPr id="2" name="Title 1">
+            <a:extLst>
+              <a:ext uri="{FF2B5EF4-FFF2-40B4-BE49-F238E27FC236}">
+                <a16:creationId xmlns:a16="http://schemas.microsoft.com/office/drawing/2014/main" id="{F9CC9313-9C24-3384-773A-B186B3C03723}"/>
+              </a:ext>
+            </a:extLst>
+          </p:cNvPr>
+          <p:cNvSpPr>
+            <a:spLocks noGrp="1"/>
+          </p:cNvSpPr>
+          <p:nvPr>
+            <p:ph type="title"/>
+          </p:nvPr>
+        </p:nvSpPr>
+        <p:spPr/>
+        <p:txBody>
+          <a:bodyPr/>
+          <a:lstStyle/>
+          <a:p>
+            <a:endParaRPr lang="en-US"/>
+          </a:p>
+        </p:txBody>
+      </p:sp>
+      <p:sp>
+        <p:nvSpPr>
+          <p:cNvPr id="3" name="Title 2">
+            <a:extLst>
+              <a:ext uri="{FF2B5EF4-FFF2-40B4-BE49-F238E27FC236}">
+                <a16:creationId xmlns:a16="http://schemas.microsoft.com/office/drawing/2014/main" id="{4885B734-B528-C53C-D396-6A3620B8E0F9}"/>
+              </a:ext>
+            </a:extLst>
+          </p:cNvPr>
+          <p:cNvSpPr>
+            <a:spLocks noGrp="1"/>
+          </p:cNvSpPr>
+          <p:nvPr>
+            <p:ph type="title" idx="2"/>
+          </p:nvPr>
+        </p:nvSpPr>
+        <p:spPr>
+          <a:xfrm>
+            <a:off x="1933303" y="1062325"/>
+            <a:ext cx="6286147" cy="1234500"/>
+          </a:xfrm>
+        </p:spPr>
+        <p:txBody>
+          <a:bodyPr/>
+          <a:lstStyle/>
+          <a:p>
+            <a:r>
+              <a:rPr lang="en-US" dirty="0"/>
+              <a:t>Sim e res</a:t>
+            </a:r>
+          </a:p>
+        </p:txBody>
+      </p:sp>
+      <p:sp>
+        <p:nvSpPr>
+          <p:cNvPr id="4" name="Subtitle 3">
+            <a:extLst>
+              <a:ext uri="{FF2B5EF4-FFF2-40B4-BE49-F238E27FC236}">
+                <a16:creationId xmlns:a16="http://schemas.microsoft.com/office/drawing/2014/main" id="{3FCBB6D2-A814-215E-168C-E2C281D0F2D3}"/>
+              </a:ext>
+            </a:extLst>
+          </p:cNvPr>
+          <p:cNvSpPr>
+            <a:spLocks noGrp="1"/>
+          </p:cNvSpPr>
+          <p:nvPr>
+            <p:ph type="subTitle" idx="1"/>
+          </p:nvPr>
+        </p:nvSpPr>
+        <p:spPr/>
+        <p:txBody>
+          <a:bodyPr/>
+          <a:lstStyle/>
+          <a:p>
+            <a:endParaRPr lang="en-US"/>
+          </a:p>
+        </p:txBody>
+      </p:sp>
+    </p:spTree>
+    <p:extLst>
+      <p:ext uri="{BB962C8B-B14F-4D97-AF65-F5344CB8AC3E}">
+        <p14:creationId xmlns:p14="http://schemas.microsoft.com/office/powerpoint/2010/main" val="1472404522"/>
+      </p:ext>
+    </p:extLst>
   </p:cSld>
   <p:clrMapOvr>
     <a:masterClrMapping/>
@@ -8612,6 +14235,1221 @@
         </p:txBody>
       </p:sp>
     </p:spTree>
+  </p:cSld>
+  <p:clrMapOvr>
+    <a:masterClrMapping/>
+  </p:clrMapOvr>
+</p:sld>
+</file>
+
+<file path=ppt/slides/slide30.xml><?xml version="1.0" encoding="utf-8"?>
+<p:sld xmlns:a="http://schemas.openxmlformats.org/drawingml/2006/main" xmlns:r="http://schemas.openxmlformats.org/officeDocument/2006/relationships" xmlns:p="http://schemas.openxmlformats.org/presentationml/2006/main">
+  <p:cSld>
+    <p:spTree>
+      <p:nvGrpSpPr>
+        <p:cNvPr id="1" name="Shape 249">
+          <a:extLst>
+            <a:ext uri="{FF2B5EF4-FFF2-40B4-BE49-F238E27FC236}">
+              <a16:creationId xmlns:a16="http://schemas.microsoft.com/office/drawing/2014/main" id="{30F9CE9B-1905-6F28-D0F0-208C6E9E9B36}"/>
+            </a:ext>
+          </a:extLst>
+        </p:cNvPr>
+        <p:cNvGrpSpPr/>
+        <p:nvPr/>
+      </p:nvGrpSpPr>
+      <p:grpSpPr>
+        <a:xfrm>
+          <a:off x="0" y="0"/>
+          <a:ext cx="0" cy="0"/>
+          <a:chOff x="0" y="0"/>
+          <a:chExt cx="0" cy="0"/>
+        </a:xfrm>
+      </p:grpSpPr>
+      <p:sp>
+        <p:nvSpPr>
+          <p:cNvPr id="250" name="Google Shape;250;p45">
+            <a:extLst>
+              <a:ext uri="{FF2B5EF4-FFF2-40B4-BE49-F238E27FC236}">
+                <a16:creationId xmlns:a16="http://schemas.microsoft.com/office/drawing/2014/main" id="{520AB179-D9AB-20D8-AF45-5066F68986A0}"/>
+              </a:ext>
+            </a:extLst>
+          </p:cNvPr>
+          <p:cNvSpPr txBox="1">
+            <a:spLocks noGrp="1"/>
+          </p:cNvSpPr>
+          <p:nvPr>
+            <p:ph type="title"/>
+          </p:nvPr>
+        </p:nvSpPr>
+        <p:spPr>
+          <a:xfrm>
+            <a:off x="3859250" y="2380050"/>
+            <a:ext cx="4360200" cy="841800"/>
+          </a:xfrm>
+          <a:prstGeom prst="rect">
+            <a:avLst/>
+          </a:prstGeom>
+        </p:spPr>
+        <p:txBody>
+          <a:bodyPr spcFirstLastPara="1" wrap="square" lIns="91425" tIns="91425" rIns="91425" bIns="91425" anchor="b" anchorCtr="0">
+            <a:noAutofit/>
+          </a:bodyPr>
+          <a:lstStyle/>
+          <a:p>
+            <a:pPr lvl="0"/>
+            <a:r>
+              <a:rPr lang="en-US" sz="2800" b="1" dirty="0">
+                <a:solidFill>
+                  <a:schemeClr val="accent3">
+                    <a:lumMod val="25000"/>
+                  </a:schemeClr>
+                </a:solidFill>
+              </a:rPr>
+              <a:t>Multiple products and</a:t>
+            </a:r>
+            <a:br>
+              <a:rPr lang="en-US" sz="2800" b="1" dirty="0">
+                <a:solidFill>
+                  <a:schemeClr val="accent3">
+                    <a:lumMod val="25000"/>
+                  </a:schemeClr>
+                </a:solidFill>
+              </a:rPr>
+            </a:br>
+            <a:r>
+              <a:rPr lang="en-US" sz="2800" b="1" dirty="0">
+                <a:solidFill>
+                  <a:schemeClr val="accent3">
+                    <a:lumMod val="25000"/>
+                  </a:schemeClr>
+                </a:solidFill>
+              </a:rPr>
+              <a:t>Adversarial environment</a:t>
+            </a:r>
+          </a:p>
+        </p:txBody>
+      </p:sp>
+      <p:sp>
+        <p:nvSpPr>
+          <p:cNvPr id="251" name="Google Shape;251;p45">
+            <a:extLst>
+              <a:ext uri="{FF2B5EF4-FFF2-40B4-BE49-F238E27FC236}">
+                <a16:creationId xmlns:a16="http://schemas.microsoft.com/office/drawing/2014/main" id="{37B1BE82-9525-8B6E-45E1-C903BCE0DC4E}"/>
+              </a:ext>
+            </a:extLst>
+          </p:cNvPr>
+          <p:cNvSpPr txBox="1">
+            <a:spLocks noGrp="1"/>
+          </p:cNvSpPr>
+          <p:nvPr>
+            <p:ph type="title" idx="2"/>
+          </p:nvPr>
+        </p:nvSpPr>
+        <p:spPr>
+          <a:xfrm>
+            <a:off x="3859250" y="1062325"/>
+            <a:ext cx="4360200" cy="1234500"/>
+          </a:xfrm>
+          <a:prstGeom prst="rect">
+            <a:avLst/>
+          </a:prstGeom>
+        </p:spPr>
+        <p:txBody>
+          <a:bodyPr spcFirstLastPara="1" wrap="square" lIns="91425" tIns="91425" rIns="91425" bIns="91425" anchor="t" anchorCtr="0">
+            <a:noAutofit/>
+          </a:bodyPr>
+          <a:lstStyle/>
+          <a:p>
+            <a:pPr marL="0" lvl="0" indent="0" algn="ctr" rtl="0">
+              <a:spcBef>
+                <a:spcPts val="0"/>
+              </a:spcBef>
+              <a:spcAft>
+                <a:spcPts val="0"/>
+              </a:spcAft>
+              <a:buNone/>
+            </a:pPr>
+            <a:r>
+              <a:rPr lang="en" dirty="0">
+                <a:solidFill>
+                  <a:schemeClr val="accent1">
+                    <a:lumMod val="50000"/>
+                  </a:schemeClr>
+                </a:solidFill>
+              </a:rPr>
+              <a:t>04</a:t>
+            </a:r>
+            <a:endParaRPr dirty="0">
+              <a:solidFill>
+                <a:schemeClr val="accent1">
+                  <a:lumMod val="50000"/>
+                </a:schemeClr>
+              </a:solidFill>
+            </a:endParaRPr>
+          </a:p>
+        </p:txBody>
+      </p:sp>
+      <p:pic>
+        <p:nvPicPr>
+          <p:cNvPr id="253" name="Google Shape;253;p45">
+            <a:extLst>
+              <a:ext uri="{FF2B5EF4-FFF2-40B4-BE49-F238E27FC236}">
+                <a16:creationId xmlns:a16="http://schemas.microsoft.com/office/drawing/2014/main" id="{2F90024F-E880-2F40-D846-811ED083D1D1}"/>
+              </a:ext>
+            </a:extLst>
+          </p:cNvPr>
+          <p:cNvPicPr preferRelativeResize="0"/>
+          <p:nvPr/>
+        </p:nvPicPr>
+        <p:blipFill rotWithShape="1">
+          <a:blip r:embed="rId3">
+            <a:alphaModFix/>
+          </a:blip>
+          <a:srcRect l="14335" r="14342"/>
+          <a:stretch/>
+        </p:blipFill>
+        <p:spPr>
+          <a:xfrm>
+            <a:off x="793150" y="348250"/>
+            <a:ext cx="3023699" cy="4260250"/>
+          </a:xfrm>
+          <a:prstGeom prst="rect">
+            <a:avLst/>
+          </a:prstGeom>
+          <a:noFill/>
+          <a:ln>
+            <a:noFill/>
+          </a:ln>
+        </p:spPr>
+      </p:pic>
+    </p:spTree>
+    <p:extLst>
+      <p:ext uri="{BB962C8B-B14F-4D97-AF65-F5344CB8AC3E}">
+        <p14:creationId xmlns:p14="http://schemas.microsoft.com/office/powerpoint/2010/main" val="4093930356"/>
+      </p:ext>
+    </p:extLst>
+  </p:cSld>
+  <p:clrMapOvr>
+    <a:masterClrMapping/>
+  </p:clrMapOvr>
+</p:sld>
+</file>
+
+<file path=ppt/slides/slide31.xml><?xml version="1.0" encoding="utf-8"?>
+<p:sld xmlns:a="http://schemas.openxmlformats.org/drawingml/2006/main" xmlns:r="http://schemas.openxmlformats.org/officeDocument/2006/relationships" xmlns:p="http://schemas.openxmlformats.org/presentationml/2006/main">
+  <p:cSld>
+    <p:spTree>
+      <p:nvGrpSpPr>
+        <p:cNvPr id="1" name="Shape 213">
+          <a:extLst>
+            <a:ext uri="{FF2B5EF4-FFF2-40B4-BE49-F238E27FC236}">
+              <a16:creationId xmlns:a16="http://schemas.microsoft.com/office/drawing/2014/main" id="{1403DFFD-B993-406E-636E-240C99844048}"/>
+            </a:ext>
+          </a:extLst>
+        </p:cNvPr>
+        <p:cNvGrpSpPr/>
+        <p:nvPr/>
+      </p:nvGrpSpPr>
+      <p:grpSpPr>
+        <a:xfrm>
+          <a:off x="0" y="0"/>
+          <a:ext cx="0" cy="0"/>
+          <a:chOff x="0" y="0"/>
+          <a:chExt cx="0" cy="0"/>
+        </a:xfrm>
+      </p:grpSpPr>
+      <p:sp>
+        <p:nvSpPr>
+          <p:cNvPr id="214" name="Google Shape;214;p41">
+            <a:extLst>
+              <a:ext uri="{FF2B5EF4-FFF2-40B4-BE49-F238E27FC236}">
+                <a16:creationId xmlns:a16="http://schemas.microsoft.com/office/drawing/2014/main" id="{169588BF-0D8D-826C-12BD-2F7AC52C45B7}"/>
+              </a:ext>
+            </a:extLst>
+          </p:cNvPr>
+          <p:cNvSpPr txBox="1">
+            <a:spLocks noGrp="1"/>
+          </p:cNvSpPr>
+          <p:nvPr>
+            <p:ph type="ctrTitle"/>
+          </p:nvPr>
+        </p:nvSpPr>
+        <p:spPr>
+          <a:xfrm>
+            <a:off x="3695838" y="824345"/>
+            <a:ext cx="5157216" cy="3159826"/>
+          </a:xfrm>
+          <a:prstGeom prst="rect">
+            <a:avLst/>
+          </a:prstGeom>
+        </p:spPr>
+        <p:txBody>
+          <a:bodyPr spcFirstLastPara="1" wrap="square" lIns="91425" tIns="91425" rIns="91425" bIns="91425" anchor="b" anchorCtr="0">
+            <a:noAutofit/>
+          </a:bodyPr>
+          <a:lstStyle/>
+          <a:p>
+            <a:pPr marL="0" lvl="0" indent="0" algn="l" rtl="0">
+              <a:spcBef>
+                <a:spcPts val="0"/>
+              </a:spcBef>
+              <a:spcAft>
+                <a:spcPts val="0"/>
+              </a:spcAft>
+              <a:buNone/>
+            </a:pPr>
+            <a:r>
+              <a:rPr lang="en-US" b="1" dirty="0">
+                <a:solidFill>
+                  <a:schemeClr val="accent1">
+                    <a:lumMod val="50000"/>
+                  </a:schemeClr>
+                </a:solidFill>
+              </a:rPr>
+              <a:t>Buyer ( </a:t>
+            </a:r>
+            <a:r>
+              <a:rPr lang="en-US" b="1" dirty="0" err="1">
+                <a:solidFill>
+                  <a:schemeClr val="accent1">
+                    <a:lumMod val="50000"/>
+                  </a:schemeClr>
+                </a:solidFill>
+              </a:rPr>
+              <a:t>unito</a:t>
+            </a:r>
+            <a:r>
+              <a:rPr lang="en-US" b="1" dirty="0">
+                <a:solidFill>
+                  <a:schemeClr val="accent1">
+                    <a:lumMod val="50000"/>
+                  </a:schemeClr>
+                </a:solidFill>
+              </a:rPr>
+              <a:t> r2 e r3)</a:t>
+            </a:r>
+            <a:endParaRPr dirty="0">
+              <a:solidFill>
+                <a:schemeClr val="accent3">
+                  <a:lumMod val="25000"/>
+                </a:schemeClr>
+              </a:solidFill>
+            </a:endParaRPr>
+          </a:p>
+        </p:txBody>
+      </p:sp>
+      <p:pic>
+        <p:nvPicPr>
+          <p:cNvPr id="216" name="Google Shape;216;p41">
+            <a:extLst>
+              <a:ext uri="{FF2B5EF4-FFF2-40B4-BE49-F238E27FC236}">
+                <a16:creationId xmlns:a16="http://schemas.microsoft.com/office/drawing/2014/main" id="{9DDC5A83-C23A-BFA0-F18A-89DCD3240D5E}"/>
+              </a:ext>
+            </a:extLst>
+          </p:cNvPr>
+          <p:cNvPicPr preferRelativeResize="0"/>
+          <p:nvPr/>
+        </p:nvPicPr>
+        <p:blipFill rotWithShape="1">
+          <a:blip r:embed="rId3">
+            <a:alphaModFix/>
+          </a:blip>
+          <a:srcRect l="13663" t="5545" r="23252" b="6005"/>
+          <a:stretch/>
+        </p:blipFill>
+        <p:spPr>
+          <a:xfrm>
+            <a:off x="758750" y="-125175"/>
+            <a:ext cx="3190148" cy="4494751"/>
+          </a:xfrm>
+          <a:prstGeom prst="rect">
+            <a:avLst/>
+          </a:prstGeom>
+          <a:noFill/>
+          <a:ln>
+            <a:noFill/>
+          </a:ln>
+        </p:spPr>
+      </p:pic>
+    </p:spTree>
+    <p:extLst>
+      <p:ext uri="{BB962C8B-B14F-4D97-AF65-F5344CB8AC3E}">
+        <p14:creationId xmlns:p14="http://schemas.microsoft.com/office/powerpoint/2010/main" val="1884572905"/>
+      </p:ext>
+    </p:extLst>
+  </p:cSld>
+  <p:clrMapOvr>
+    <a:masterClrMapping/>
+  </p:clrMapOvr>
+</p:sld>
+</file>
+
+<file path=ppt/slides/slide32.xml><?xml version="1.0" encoding="utf-8"?>
+<p:sld xmlns:a="http://schemas.openxmlformats.org/drawingml/2006/main" xmlns:r="http://schemas.openxmlformats.org/officeDocument/2006/relationships" xmlns:p="http://schemas.openxmlformats.org/presentationml/2006/main">
+  <p:cSld>
+    <p:spTree>
+      <p:nvGrpSpPr>
+        <p:cNvPr id="1" name=""/>
+        <p:cNvGrpSpPr/>
+        <p:nvPr/>
+      </p:nvGrpSpPr>
+      <p:grpSpPr>
+        <a:xfrm>
+          <a:off x="0" y="0"/>
+          <a:ext cx="0" cy="0"/>
+          <a:chOff x="0" y="0"/>
+          <a:chExt cx="0" cy="0"/>
+        </a:xfrm>
+      </p:grpSpPr>
+      <p:sp>
+        <p:nvSpPr>
+          <p:cNvPr id="2" name="Title 1">
+            <a:extLst>
+              <a:ext uri="{FF2B5EF4-FFF2-40B4-BE49-F238E27FC236}">
+                <a16:creationId xmlns:a16="http://schemas.microsoft.com/office/drawing/2014/main" id="{D63035D0-358F-50DA-A40D-8907CFC316C3}"/>
+              </a:ext>
+            </a:extLst>
+          </p:cNvPr>
+          <p:cNvSpPr>
+            <a:spLocks noGrp="1"/>
+          </p:cNvSpPr>
+          <p:nvPr>
+            <p:ph type="title"/>
+          </p:nvPr>
+        </p:nvSpPr>
+        <p:spPr/>
+        <p:txBody>
+          <a:bodyPr/>
+          <a:lstStyle/>
+          <a:p>
+            <a:endParaRPr lang="en-US"/>
+          </a:p>
+        </p:txBody>
+      </p:sp>
+      <p:sp>
+        <p:nvSpPr>
+          <p:cNvPr id="3" name="Title 2">
+            <a:extLst>
+              <a:ext uri="{FF2B5EF4-FFF2-40B4-BE49-F238E27FC236}">
+                <a16:creationId xmlns:a16="http://schemas.microsoft.com/office/drawing/2014/main" id="{192C43DF-7A1D-0975-62CA-9CDC36B8C675}"/>
+              </a:ext>
+            </a:extLst>
+          </p:cNvPr>
+          <p:cNvSpPr>
+            <a:spLocks noGrp="1"/>
+          </p:cNvSpPr>
+          <p:nvPr>
+            <p:ph type="title" idx="2"/>
+          </p:nvPr>
+        </p:nvSpPr>
+        <p:spPr>
+          <a:xfrm>
+            <a:off x="457200" y="1062325"/>
+            <a:ext cx="7762250" cy="1234500"/>
+          </a:xfrm>
+        </p:spPr>
+        <p:txBody>
+          <a:bodyPr/>
+          <a:lstStyle/>
+          <a:p>
+            <a:r>
+              <a:rPr lang="en-US" dirty="0" err="1"/>
+              <a:t>Metodo</a:t>
+            </a:r>
+            <a:r>
+              <a:rPr lang="en-US" dirty="0"/>
+              <a:t> 1 del r3</a:t>
+            </a:r>
+          </a:p>
+        </p:txBody>
+      </p:sp>
+      <p:sp>
+        <p:nvSpPr>
+          <p:cNvPr id="4" name="Subtitle 3">
+            <a:extLst>
+              <a:ext uri="{FF2B5EF4-FFF2-40B4-BE49-F238E27FC236}">
+                <a16:creationId xmlns:a16="http://schemas.microsoft.com/office/drawing/2014/main" id="{E0D0286D-4107-153B-92D3-B8928957D838}"/>
+              </a:ext>
+            </a:extLst>
+          </p:cNvPr>
+          <p:cNvSpPr>
+            <a:spLocks noGrp="1"/>
+          </p:cNvSpPr>
+          <p:nvPr>
+            <p:ph type="subTitle" idx="1"/>
+          </p:nvPr>
+        </p:nvSpPr>
+        <p:spPr/>
+        <p:txBody>
+          <a:bodyPr/>
+          <a:lstStyle/>
+          <a:p>
+            <a:endParaRPr lang="en-US"/>
+          </a:p>
+        </p:txBody>
+      </p:sp>
+    </p:spTree>
+    <p:extLst>
+      <p:ext uri="{BB962C8B-B14F-4D97-AF65-F5344CB8AC3E}">
+        <p14:creationId xmlns:p14="http://schemas.microsoft.com/office/powerpoint/2010/main" val="3716589404"/>
+      </p:ext>
+    </p:extLst>
+  </p:cSld>
+  <p:clrMapOvr>
+    <a:masterClrMapping/>
+  </p:clrMapOvr>
+</p:sld>
+</file>
+
+<file path=ppt/slides/slide33.xml><?xml version="1.0" encoding="utf-8"?>
+<p:sld xmlns:a="http://schemas.openxmlformats.org/drawingml/2006/main" xmlns:r="http://schemas.openxmlformats.org/officeDocument/2006/relationships" xmlns:p="http://schemas.openxmlformats.org/presentationml/2006/main">
+  <p:cSld>
+    <p:spTree>
+      <p:nvGrpSpPr>
+        <p:cNvPr id="1" name=""/>
+        <p:cNvGrpSpPr/>
+        <p:nvPr/>
+      </p:nvGrpSpPr>
+      <p:grpSpPr>
+        <a:xfrm>
+          <a:off x="0" y="0"/>
+          <a:ext cx="0" cy="0"/>
+          <a:chOff x="0" y="0"/>
+          <a:chExt cx="0" cy="0"/>
+        </a:xfrm>
+      </p:grpSpPr>
+      <p:sp>
+        <p:nvSpPr>
+          <p:cNvPr id="2" name="Title 1">
+            <a:extLst>
+              <a:ext uri="{FF2B5EF4-FFF2-40B4-BE49-F238E27FC236}">
+                <a16:creationId xmlns:a16="http://schemas.microsoft.com/office/drawing/2014/main" id="{43579F3D-35A5-A59D-0A82-2168BB96D494}"/>
+              </a:ext>
+            </a:extLst>
+          </p:cNvPr>
+          <p:cNvSpPr>
+            <a:spLocks noGrp="1"/>
+          </p:cNvSpPr>
+          <p:nvPr>
+            <p:ph type="title"/>
+          </p:nvPr>
+        </p:nvSpPr>
+        <p:spPr/>
+        <p:txBody>
+          <a:bodyPr/>
+          <a:lstStyle/>
+          <a:p>
+            <a:endParaRPr lang="en-US"/>
+          </a:p>
+        </p:txBody>
+      </p:sp>
+      <p:sp>
+        <p:nvSpPr>
+          <p:cNvPr id="3" name="Title 2">
+            <a:extLst>
+              <a:ext uri="{FF2B5EF4-FFF2-40B4-BE49-F238E27FC236}">
+                <a16:creationId xmlns:a16="http://schemas.microsoft.com/office/drawing/2014/main" id="{580BCF41-3FCB-96E3-CDBE-75CC42901836}"/>
+              </a:ext>
+            </a:extLst>
+          </p:cNvPr>
+          <p:cNvSpPr>
+            <a:spLocks noGrp="1"/>
+          </p:cNvSpPr>
+          <p:nvPr>
+            <p:ph type="title" idx="2"/>
+          </p:nvPr>
+        </p:nvSpPr>
+        <p:spPr>
+          <a:xfrm>
+            <a:off x="1933303" y="1062325"/>
+            <a:ext cx="6286147" cy="1234500"/>
+          </a:xfrm>
+        </p:spPr>
+        <p:txBody>
+          <a:bodyPr/>
+          <a:lstStyle/>
+          <a:p>
+            <a:r>
+              <a:rPr lang="en-US" dirty="0"/>
+              <a:t>Sim e res</a:t>
+            </a:r>
+          </a:p>
+        </p:txBody>
+      </p:sp>
+      <p:sp>
+        <p:nvSpPr>
+          <p:cNvPr id="4" name="Subtitle 3">
+            <a:extLst>
+              <a:ext uri="{FF2B5EF4-FFF2-40B4-BE49-F238E27FC236}">
+                <a16:creationId xmlns:a16="http://schemas.microsoft.com/office/drawing/2014/main" id="{2034EDA2-E24D-7A73-E32F-A63A31AB51D4}"/>
+              </a:ext>
+            </a:extLst>
+          </p:cNvPr>
+          <p:cNvSpPr>
+            <a:spLocks noGrp="1"/>
+          </p:cNvSpPr>
+          <p:nvPr>
+            <p:ph type="subTitle" idx="1"/>
+          </p:nvPr>
+        </p:nvSpPr>
+        <p:spPr/>
+        <p:txBody>
+          <a:bodyPr/>
+          <a:lstStyle/>
+          <a:p>
+            <a:endParaRPr lang="en-US"/>
+          </a:p>
+        </p:txBody>
+      </p:sp>
+    </p:spTree>
+    <p:extLst>
+      <p:ext uri="{BB962C8B-B14F-4D97-AF65-F5344CB8AC3E}">
+        <p14:creationId xmlns:p14="http://schemas.microsoft.com/office/powerpoint/2010/main" val="3594217511"/>
+      </p:ext>
+    </p:extLst>
+  </p:cSld>
+  <p:clrMapOvr>
+    <a:masterClrMapping/>
+  </p:clrMapOvr>
+</p:sld>
+</file>
+
+<file path=ppt/slides/slide34.xml><?xml version="1.0" encoding="utf-8"?>
+<p:sld xmlns:a="http://schemas.openxmlformats.org/drawingml/2006/main" xmlns:r="http://schemas.openxmlformats.org/officeDocument/2006/relationships" xmlns:p="http://schemas.openxmlformats.org/presentationml/2006/main">
+  <p:cSld>
+    <p:spTree>
+      <p:nvGrpSpPr>
+        <p:cNvPr id="1" name="Shape 249">
+          <a:extLst>
+            <a:ext uri="{FF2B5EF4-FFF2-40B4-BE49-F238E27FC236}">
+              <a16:creationId xmlns:a16="http://schemas.microsoft.com/office/drawing/2014/main" id="{5B49A04D-F7B1-5C3C-19DD-C9A76B6E7612}"/>
+            </a:ext>
+          </a:extLst>
+        </p:cNvPr>
+        <p:cNvGrpSpPr/>
+        <p:nvPr/>
+      </p:nvGrpSpPr>
+      <p:grpSpPr>
+        <a:xfrm>
+          <a:off x="0" y="0"/>
+          <a:ext cx="0" cy="0"/>
+          <a:chOff x="0" y="0"/>
+          <a:chExt cx="0" cy="0"/>
+        </a:xfrm>
+      </p:grpSpPr>
+      <p:sp>
+        <p:nvSpPr>
+          <p:cNvPr id="250" name="Google Shape;250;p45">
+            <a:extLst>
+              <a:ext uri="{FF2B5EF4-FFF2-40B4-BE49-F238E27FC236}">
+                <a16:creationId xmlns:a16="http://schemas.microsoft.com/office/drawing/2014/main" id="{2595C63D-5269-0CE0-6F64-A33EF609F371}"/>
+              </a:ext>
+            </a:extLst>
+          </p:cNvPr>
+          <p:cNvSpPr txBox="1">
+            <a:spLocks noGrp="1"/>
+          </p:cNvSpPr>
+          <p:nvPr>
+            <p:ph type="title"/>
+          </p:nvPr>
+        </p:nvSpPr>
+        <p:spPr>
+          <a:xfrm>
+            <a:off x="3859250" y="2380050"/>
+            <a:ext cx="4360200" cy="841800"/>
+          </a:xfrm>
+          <a:prstGeom prst="rect">
+            <a:avLst/>
+          </a:prstGeom>
+        </p:spPr>
+        <p:txBody>
+          <a:bodyPr spcFirstLastPara="1" wrap="square" lIns="91425" tIns="91425" rIns="91425" bIns="91425" anchor="b" anchorCtr="0">
+            <a:noAutofit/>
+          </a:bodyPr>
+          <a:lstStyle/>
+          <a:p>
+            <a:r>
+              <a:rPr lang="en-US" sz="2800" b="1" dirty="0">
+                <a:solidFill>
+                  <a:schemeClr val="accent3">
+                    <a:lumMod val="25000"/>
+                  </a:schemeClr>
+                </a:solidFill>
+              </a:rPr>
+              <a:t>Slightly non-stationary environment</a:t>
+            </a:r>
+          </a:p>
+        </p:txBody>
+      </p:sp>
+      <p:sp>
+        <p:nvSpPr>
+          <p:cNvPr id="251" name="Google Shape;251;p45">
+            <a:extLst>
+              <a:ext uri="{FF2B5EF4-FFF2-40B4-BE49-F238E27FC236}">
+                <a16:creationId xmlns:a16="http://schemas.microsoft.com/office/drawing/2014/main" id="{DE6655AA-75A0-9F60-558F-95A2061CB7D0}"/>
+              </a:ext>
+            </a:extLst>
+          </p:cNvPr>
+          <p:cNvSpPr txBox="1">
+            <a:spLocks noGrp="1"/>
+          </p:cNvSpPr>
+          <p:nvPr>
+            <p:ph type="title" idx="2"/>
+          </p:nvPr>
+        </p:nvSpPr>
+        <p:spPr>
+          <a:xfrm>
+            <a:off x="3859250" y="1062325"/>
+            <a:ext cx="4360200" cy="1234500"/>
+          </a:xfrm>
+          <a:prstGeom prst="rect">
+            <a:avLst/>
+          </a:prstGeom>
+        </p:spPr>
+        <p:txBody>
+          <a:bodyPr spcFirstLastPara="1" wrap="square" lIns="91425" tIns="91425" rIns="91425" bIns="91425" anchor="t" anchorCtr="0">
+            <a:noAutofit/>
+          </a:bodyPr>
+          <a:lstStyle/>
+          <a:p>
+            <a:pPr marL="0" lvl="0" indent="0" algn="ctr" rtl="0">
+              <a:spcBef>
+                <a:spcPts val="0"/>
+              </a:spcBef>
+              <a:spcAft>
+                <a:spcPts val="0"/>
+              </a:spcAft>
+              <a:buNone/>
+            </a:pPr>
+            <a:r>
+              <a:rPr lang="en" dirty="0">
+                <a:solidFill>
+                  <a:schemeClr val="accent1">
+                    <a:lumMod val="50000"/>
+                  </a:schemeClr>
+                </a:solidFill>
+              </a:rPr>
+              <a:t>05</a:t>
+            </a:r>
+            <a:endParaRPr dirty="0">
+              <a:solidFill>
+                <a:schemeClr val="accent1">
+                  <a:lumMod val="50000"/>
+                </a:schemeClr>
+              </a:solidFill>
+            </a:endParaRPr>
+          </a:p>
+        </p:txBody>
+      </p:sp>
+      <p:pic>
+        <p:nvPicPr>
+          <p:cNvPr id="253" name="Google Shape;253;p45">
+            <a:extLst>
+              <a:ext uri="{FF2B5EF4-FFF2-40B4-BE49-F238E27FC236}">
+                <a16:creationId xmlns:a16="http://schemas.microsoft.com/office/drawing/2014/main" id="{96272E6F-E329-65EB-3662-466417EAD38B}"/>
+              </a:ext>
+            </a:extLst>
+          </p:cNvPr>
+          <p:cNvPicPr preferRelativeResize="0"/>
+          <p:nvPr/>
+        </p:nvPicPr>
+        <p:blipFill rotWithShape="1">
+          <a:blip r:embed="rId3">
+            <a:alphaModFix/>
+          </a:blip>
+          <a:srcRect l="14335" r="14342"/>
+          <a:stretch/>
+        </p:blipFill>
+        <p:spPr>
+          <a:xfrm>
+            <a:off x="793150" y="348250"/>
+            <a:ext cx="3023699" cy="4260250"/>
+          </a:xfrm>
+          <a:prstGeom prst="rect">
+            <a:avLst/>
+          </a:prstGeom>
+          <a:noFill/>
+          <a:ln>
+            <a:noFill/>
+          </a:ln>
+        </p:spPr>
+      </p:pic>
+    </p:spTree>
+    <p:extLst>
+      <p:ext uri="{BB962C8B-B14F-4D97-AF65-F5344CB8AC3E}">
+        <p14:creationId xmlns:p14="http://schemas.microsoft.com/office/powerpoint/2010/main" val="2097398197"/>
+      </p:ext>
+    </p:extLst>
+  </p:cSld>
+  <p:clrMapOvr>
+    <a:masterClrMapping/>
+  </p:clrMapOvr>
+</p:sld>
+</file>
+
+<file path=ppt/slides/slide35.xml><?xml version="1.0" encoding="utf-8"?>
+<p:sld xmlns:a="http://schemas.openxmlformats.org/drawingml/2006/main" xmlns:r="http://schemas.openxmlformats.org/officeDocument/2006/relationships" xmlns:p="http://schemas.openxmlformats.org/presentationml/2006/main">
+  <p:cSld>
+    <p:spTree>
+      <p:nvGrpSpPr>
+        <p:cNvPr id="1" name="">
+          <a:extLst>
+            <a:ext uri="{FF2B5EF4-FFF2-40B4-BE49-F238E27FC236}">
+              <a16:creationId xmlns:a16="http://schemas.microsoft.com/office/drawing/2014/main" id="{0F0C6DB8-E309-598D-5908-2D138AE9AB7B}"/>
+            </a:ext>
+          </a:extLst>
+        </p:cNvPr>
+        <p:cNvGrpSpPr/>
+        <p:nvPr/>
+      </p:nvGrpSpPr>
+      <p:grpSpPr>
+        <a:xfrm>
+          <a:off x="0" y="0"/>
+          <a:ext cx="0" cy="0"/>
+          <a:chOff x="0" y="0"/>
+          <a:chExt cx="0" cy="0"/>
+        </a:xfrm>
+      </p:grpSpPr>
+      <p:sp>
+        <p:nvSpPr>
+          <p:cNvPr id="2" name="Title 1">
+            <a:extLst>
+              <a:ext uri="{FF2B5EF4-FFF2-40B4-BE49-F238E27FC236}">
+                <a16:creationId xmlns:a16="http://schemas.microsoft.com/office/drawing/2014/main" id="{09177223-F0CD-FC1C-6E31-0387493E6E92}"/>
+              </a:ext>
+            </a:extLst>
+          </p:cNvPr>
+          <p:cNvSpPr>
+            <a:spLocks noGrp="1"/>
+          </p:cNvSpPr>
+          <p:nvPr>
+            <p:ph type="title"/>
+          </p:nvPr>
+        </p:nvSpPr>
+        <p:spPr>
+          <a:xfrm>
+            <a:off x="587829" y="2380050"/>
+            <a:ext cx="7631621" cy="1342864"/>
+          </a:xfrm>
+        </p:spPr>
+        <p:txBody>
+          <a:bodyPr/>
+          <a:lstStyle/>
+          <a:p>
+            <a:r>
+              <a:rPr lang="en-US" dirty="0"/>
+              <a:t>Media </a:t>
+            </a:r>
+            <a:r>
+              <a:rPr lang="en-US" dirty="0" err="1"/>
+              <a:t>che</a:t>
+            </a:r>
+            <a:r>
+              <a:rPr lang="en-US" dirty="0"/>
+              <a:t> cambia poco </a:t>
+            </a:r>
+            <a:r>
+              <a:rPr lang="en-US" dirty="0" err="1"/>
+              <a:t>nel</a:t>
+            </a:r>
+            <a:r>
+              <a:rPr lang="en-US" dirty="0"/>
+              <a:t> tempo</a:t>
+            </a:r>
+          </a:p>
+        </p:txBody>
+      </p:sp>
+      <p:sp>
+        <p:nvSpPr>
+          <p:cNvPr id="3" name="Title 2">
+            <a:extLst>
+              <a:ext uri="{FF2B5EF4-FFF2-40B4-BE49-F238E27FC236}">
+                <a16:creationId xmlns:a16="http://schemas.microsoft.com/office/drawing/2014/main" id="{AA10D8D2-BC70-EFC7-8C77-707DA4C4850F}"/>
+              </a:ext>
+            </a:extLst>
+          </p:cNvPr>
+          <p:cNvSpPr>
+            <a:spLocks noGrp="1"/>
+          </p:cNvSpPr>
+          <p:nvPr>
+            <p:ph type="title" idx="2"/>
+          </p:nvPr>
+        </p:nvSpPr>
+        <p:spPr>
+          <a:xfrm>
+            <a:off x="1933303" y="1062325"/>
+            <a:ext cx="6286147" cy="1234500"/>
+          </a:xfrm>
+        </p:spPr>
+        <p:txBody>
+          <a:bodyPr/>
+          <a:lstStyle/>
+          <a:p>
+            <a:r>
+              <a:rPr lang="en-US" dirty="0"/>
+              <a:t>buyer</a:t>
+            </a:r>
+          </a:p>
+        </p:txBody>
+      </p:sp>
+    </p:spTree>
+    <p:extLst>
+      <p:ext uri="{BB962C8B-B14F-4D97-AF65-F5344CB8AC3E}">
+        <p14:creationId xmlns:p14="http://schemas.microsoft.com/office/powerpoint/2010/main" val="749360561"/>
+      </p:ext>
+    </p:extLst>
+  </p:cSld>
+  <p:clrMapOvr>
+    <a:masterClrMapping/>
+  </p:clrMapOvr>
+</p:sld>
+</file>
+
+<file path=ppt/slides/slide36.xml><?xml version="1.0" encoding="utf-8"?>
+<p:sld xmlns:a="http://schemas.openxmlformats.org/drawingml/2006/main" xmlns:r="http://schemas.openxmlformats.org/officeDocument/2006/relationships" xmlns:p="http://schemas.openxmlformats.org/presentationml/2006/main">
+  <p:cSld>
+    <p:spTree>
+      <p:nvGrpSpPr>
+        <p:cNvPr id="1" name="">
+          <a:extLst>
+            <a:ext uri="{FF2B5EF4-FFF2-40B4-BE49-F238E27FC236}">
+              <a16:creationId xmlns:a16="http://schemas.microsoft.com/office/drawing/2014/main" id="{2E64036F-BEEF-D3F2-174B-8C9FD70A699B}"/>
+            </a:ext>
+          </a:extLst>
+        </p:cNvPr>
+        <p:cNvGrpSpPr/>
+        <p:nvPr/>
+      </p:nvGrpSpPr>
+      <p:grpSpPr>
+        <a:xfrm>
+          <a:off x="0" y="0"/>
+          <a:ext cx="0" cy="0"/>
+          <a:chOff x="0" y="0"/>
+          <a:chExt cx="0" cy="0"/>
+        </a:xfrm>
+      </p:grpSpPr>
+      <p:sp>
+        <p:nvSpPr>
+          <p:cNvPr id="2" name="Title 1">
+            <a:extLst>
+              <a:ext uri="{FF2B5EF4-FFF2-40B4-BE49-F238E27FC236}">
+                <a16:creationId xmlns:a16="http://schemas.microsoft.com/office/drawing/2014/main" id="{FFC42B55-B429-4163-DAB7-7D3C6552C058}"/>
+              </a:ext>
+            </a:extLst>
+          </p:cNvPr>
+          <p:cNvSpPr>
+            <a:spLocks noGrp="1"/>
+          </p:cNvSpPr>
+          <p:nvPr>
+            <p:ph type="title"/>
+          </p:nvPr>
+        </p:nvSpPr>
+        <p:spPr/>
+        <p:txBody>
+          <a:bodyPr/>
+          <a:lstStyle/>
+          <a:p>
+            <a:endParaRPr lang="en-US"/>
+          </a:p>
+        </p:txBody>
+      </p:sp>
+      <p:sp>
+        <p:nvSpPr>
+          <p:cNvPr id="3" name="Title 2">
+            <a:extLst>
+              <a:ext uri="{FF2B5EF4-FFF2-40B4-BE49-F238E27FC236}">
+                <a16:creationId xmlns:a16="http://schemas.microsoft.com/office/drawing/2014/main" id="{1F43F192-0B68-7B93-2576-C994AB55353D}"/>
+              </a:ext>
+            </a:extLst>
+          </p:cNvPr>
+          <p:cNvSpPr>
+            <a:spLocks noGrp="1"/>
+          </p:cNvSpPr>
+          <p:nvPr>
+            <p:ph type="title" idx="2"/>
+          </p:nvPr>
+        </p:nvSpPr>
+        <p:spPr>
+          <a:xfrm>
+            <a:off x="1933303" y="1062325"/>
+            <a:ext cx="6286147" cy="1234500"/>
+          </a:xfrm>
+        </p:spPr>
+        <p:txBody>
+          <a:bodyPr/>
+          <a:lstStyle/>
+          <a:p>
+            <a:r>
+              <a:rPr lang="en-US" dirty="0" err="1"/>
+              <a:t>Metodo</a:t>
+            </a:r>
+            <a:r>
+              <a:rPr lang="en-US" dirty="0"/>
+              <a:t> SW</a:t>
+            </a:r>
+          </a:p>
+        </p:txBody>
+      </p:sp>
+      <p:sp>
+        <p:nvSpPr>
+          <p:cNvPr id="4" name="Subtitle 3">
+            <a:extLst>
+              <a:ext uri="{FF2B5EF4-FFF2-40B4-BE49-F238E27FC236}">
+                <a16:creationId xmlns:a16="http://schemas.microsoft.com/office/drawing/2014/main" id="{DAF711A0-68ED-0029-A206-D8E7E22911E9}"/>
+              </a:ext>
+            </a:extLst>
+          </p:cNvPr>
+          <p:cNvSpPr>
+            <a:spLocks noGrp="1"/>
+          </p:cNvSpPr>
+          <p:nvPr>
+            <p:ph type="subTitle" idx="1"/>
+          </p:nvPr>
+        </p:nvSpPr>
+        <p:spPr/>
+        <p:txBody>
+          <a:bodyPr/>
+          <a:lstStyle/>
+          <a:p>
+            <a:endParaRPr lang="en-US"/>
+          </a:p>
+        </p:txBody>
+      </p:sp>
+    </p:spTree>
+    <p:extLst>
+      <p:ext uri="{BB962C8B-B14F-4D97-AF65-F5344CB8AC3E}">
+        <p14:creationId xmlns:p14="http://schemas.microsoft.com/office/powerpoint/2010/main" val="1625514703"/>
+      </p:ext>
+    </p:extLst>
+  </p:cSld>
+  <p:clrMapOvr>
+    <a:masterClrMapping/>
+  </p:clrMapOvr>
+</p:sld>
+</file>
+
+<file path=ppt/slides/slide37.xml><?xml version="1.0" encoding="utf-8"?>
+<p:sld xmlns:a="http://schemas.openxmlformats.org/drawingml/2006/main" xmlns:r="http://schemas.openxmlformats.org/officeDocument/2006/relationships" xmlns:p="http://schemas.openxmlformats.org/presentationml/2006/main">
+  <p:cSld>
+    <p:spTree>
+      <p:nvGrpSpPr>
+        <p:cNvPr id="1" name="">
+          <a:extLst>
+            <a:ext uri="{FF2B5EF4-FFF2-40B4-BE49-F238E27FC236}">
+              <a16:creationId xmlns:a16="http://schemas.microsoft.com/office/drawing/2014/main" id="{8C38B411-292C-1012-11F9-56F1B72C4DB7}"/>
+            </a:ext>
+          </a:extLst>
+        </p:cNvPr>
+        <p:cNvGrpSpPr/>
+        <p:nvPr/>
+      </p:nvGrpSpPr>
+      <p:grpSpPr>
+        <a:xfrm>
+          <a:off x="0" y="0"/>
+          <a:ext cx="0" cy="0"/>
+          <a:chOff x="0" y="0"/>
+          <a:chExt cx="0" cy="0"/>
+        </a:xfrm>
+      </p:grpSpPr>
+      <p:sp>
+        <p:nvSpPr>
+          <p:cNvPr id="3" name="Title 2">
+            <a:extLst>
+              <a:ext uri="{FF2B5EF4-FFF2-40B4-BE49-F238E27FC236}">
+                <a16:creationId xmlns:a16="http://schemas.microsoft.com/office/drawing/2014/main" id="{D602595E-A049-5DCB-0A42-8DC0B7C7F051}"/>
+              </a:ext>
+            </a:extLst>
+          </p:cNvPr>
+          <p:cNvSpPr>
+            <a:spLocks noGrp="1"/>
+          </p:cNvSpPr>
+          <p:nvPr>
+            <p:ph type="title" idx="2"/>
+          </p:nvPr>
+        </p:nvSpPr>
+        <p:spPr>
+          <a:xfrm>
+            <a:off x="1933303" y="1062325"/>
+            <a:ext cx="6286147" cy="1234500"/>
+          </a:xfrm>
+        </p:spPr>
+        <p:txBody>
+          <a:bodyPr/>
+          <a:lstStyle/>
+          <a:p>
+            <a:r>
+              <a:rPr lang="en-US" dirty="0"/>
+              <a:t>Sim e res </a:t>
+            </a:r>
+            <a:br>
+              <a:rPr lang="en-US" dirty="0"/>
+            </a:br>
+            <a:r>
+              <a:rPr lang="en-US" dirty="0"/>
+              <a:t>opt a priori</a:t>
+            </a:r>
+          </a:p>
+        </p:txBody>
+      </p:sp>
+    </p:spTree>
+    <p:extLst>
+      <p:ext uri="{BB962C8B-B14F-4D97-AF65-F5344CB8AC3E}">
+        <p14:creationId xmlns:p14="http://schemas.microsoft.com/office/powerpoint/2010/main" val="3403192206"/>
+      </p:ext>
+    </p:extLst>
+  </p:cSld>
+  <p:clrMapOvr>
+    <a:masterClrMapping/>
+  </p:clrMapOvr>
+</p:sld>
+</file>
+
+<file path=ppt/slides/slide38.xml><?xml version="1.0" encoding="utf-8"?>
+<p:sld xmlns:a="http://schemas.openxmlformats.org/drawingml/2006/main" xmlns:r="http://schemas.openxmlformats.org/officeDocument/2006/relationships" xmlns:p="http://schemas.openxmlformats.org/presentationml/2006/main">
+  <p:cSld>
+    <p:spTree>
+      <p:nvGrpSpPr>
+        <p:cNvPr id="1" name="">
+          <a:extLst>
+            <a:ext uri="{FF2B5EF4-FFF2-40B4-BE49-F238E27FC236}">
+              <a16:creationId xmlns:a16="http://schemas.microsoft.com/office/drawing/2014/main" id="{8547A43E-CD71-6341-0481-9C922CAC78CF}"/>
+            </a:ext>
+          </a:extLst>
+        </p:cNvPr>
+        <p:cNvGrpSpPr/>
+        <p:nvPr/>
+      </p:nvGrpSpPr>
+      <p:grpSpPr>
+        <a:xfrm>
+          <a:off x="0" y="0"/>
+          <a:ext cx="0" cy="0"/>
+          <a:chOff x="0" y="0"/>
+          <a:chExt cx="0" cy="0"/>
+        </a:xfrm>
+      </p:grpSpPr>
+      <p:sp>
+        <p:nvSpPr>
+          <p:cNvPr id="3" name="Title 2">
+            <a:extLst>
+              <a:ext uri="{FF2B5EF4-FFF2-40B4-BE49-F238E27FC236}">
+                <a16:creationId xmlns:a16="http://schemas.microsoft.com/office/drawing/2014/main" id="{1D490524-9E9C-B387-1F81-02872777AA97}"/>
+              </a:ext>
+            </a:extLst>
+          </p:cNvPr>
+          <p:cNvSpPr>
+            <a:spLocks noGrp="1"/>
+          </p:cNvSpPr>
+          <p:nvPr>
+            <p:ph type="title" idx="2"/>
+          </p:nvPr>
+        </p:nvSpPr>
+        <p:spPr>
+          <a:xfrm>
+            <a:off x="1933303" y="1062325"/>
+            <a:ext cx="6286147" cy="1234500"/>
+          </a:xfrm>
+        </p:spPr>
+        <p:txBody>
+          <a:bodyPr/>
+          <a:lstStyle/>
+          <a:p>
+            <a:r>
+              <a:rPr lang="en-US" dirty="0"/>
+              <a:t>Sim e res </a:t>
+            </a:r>
+            <a:br>
+              <a:rPr lang="en-US" dirty="0"/>
+            </a:br>
+            <a:r>
+              <a:rPr lang="en-US" dirty="0"/>
+              <a:t>opt a posteriori</a:t>
+            </a:r>
+          </a:p>
+        </p:txBody>
+      </p:sp>
+    </p:spTree>
+    <p:extLst>
+      <p:ext uri="{BB962C8B-B14F-4D97-AF65-F5344CB8AC3E}">
+        <p14:creationId xmlns:p14="http://schemas.microsoft.com/office/powerpoint/2010/main" val="4291357397"/>
+      </p:ext>
+    </p:extLst>
+  </p:cSld>
+  <p:clrMapOvr>
+    <a:masterClrMapping/>
+  </p:clrMapOvr>
+</p:sld>
+</file>
+
+<file path=ppt/slides/slide39.xml><?xml version="1.0" encoding="utf-8"?>
+<p:sld xmlns:a="http://schemas.openxmlformats.org/drawingml/2006/main" xmlns:r="http://schemas.openxmlformats.org/officeDocument/2006/relationships" xmlns:p="http://schemas.openxmlformats.org/presentationml/2006/main">
+  <p:cSld>
+    <p:spTree>
+      <p:nvGrpSpPr>
+        <p:cNvPr id="1" name="">
+          <a:extLst>
+            <a:ext uri="{FF2B5EF4-FFF2-40B4-BE49-F238E27FC236}">
+              <a16:creationId xmlns:a16="http://schemas.microsoft.com/office/drawing/2014/main" id="{D9B4E0F4-FC13-C6EB-C03E-4B4A8CF43644}"/>
+            </a:ext>
+          </a:extLst>
+        </p:cNvPr>
+        <p:cNvGrpSpPr/>
+        <p:nvPr/>
+      </p:nvGrpSpPr>
+      <p:grpSpPr>
+        <a:xfrm>
+          <a:off x="0" y="0"/>
+          <a:ext cx="0" cy="0"/>
+          <a:chOff x="0" y="0"/>
+          <a:chExt cx="0" cy="0"/>
+        </a:xfrm>
+      </p:grpSpPr>
+      <p:sp>
+        <p:nvSpPr>
+          <p:cNvPr id="3" name="Title 2">
+            <a:extLst>
+              <a:ext uri="{FF2B5EF4-FFF2-40B4-BE49-F238E27FC236}">
+                <a16:creationId xmlns:a16="http://schemas.microsoft.com/office/drawing/2014/main" id="{C11A88C4-BFEF-46C0-6BEB-A205684FC5CD}"/>
+              </a:ext>
+            </a:extLst>
+          </p:cNvPr>
+          <p:cNvSpPr>
+            <a:spLocks noGrp="1"/>
+          </p:cNvSpPr>
+          <p:nvPr>
+            <p:ph type="title" idx="2"/>
+          </p:nvPr>
+        </p:nvSpPr>
+        <p:spPr>
+          <a:xfrm>
+            <a:off x="1933303" y="1062325"/>
+            <a:ext cx="6286147" cy="1234500"/>
+          </a:xfrm>
+        </p:spPr>
+        <p:txBody>
+          <a:bodyPr/>
+          <a:lstStyle/>
+          <a:p>
+            <a:r>
+              <a:rPr lang="en-US" dirty="0" err="1"/>
+              <a:t>Riassunto</a:t>
+            </a:r>
+            <a:br>
+              <a:rPr lang="en-US" dirty="0"/>
+            </a:br>
+            <a:r>
+              <a:rPr lang="en-US" dirty="0" err="1"/>
+              <a:t>conclusione</a:t>
+            </a:r>
+            <a:endParaRPr lang="en-US" dirty="0"/>
+          </a:p>
+        </p:txBody>
+      </p:sp>
+    </p:spTree>
+    <p:extLst>
+      <p:ext uri="{BB962C8B-B14F-4D97-AF65-F5344CB8AC3E}">
+        <p14:creationId xmlns:p14="http://schemas.microsoft.com/office/powerpoint/2010/main" val="2146916150"/>
+      </p:ext>
+    </p:extLst>
   </p:cSld>
   <p:clrMapOvr>
     <a:masterClrMapping/>
@@ -8927,14 +15765,24 @@
               <a:buNone/>
             </a:pPr>
             <a:r>
-              <a:rPr lang="en" b="1" dirty="0">
+              <a:rPr lang="en-US" b="1" dirty="0">
                 <a:solidFill>
                   <a:schemeClr val="accent1">
                     <a:lumMod val="50000"/>
                   </a:schemeClr>
                 </a:solidFill>
               </a:rPr>
-              <a:t>REMARKS:</a:t>
+              <a:t>S</a:t>
+            </a:r>
+            <a:r>
+              <a:rPr lang="en" b="1" dirty="0">
+                <a:solidFill>
+                  <a:schemeClr val="accent1">
+                    <a:lumMod val="50000"/>
+                  </a:schemeClr>
+                </a:solidFill>
+              </a:rPr>
+              <a:t>piegazione r1:</a:t>
             </a:r>
             <a:endParaRPr dirty="0">
               <a:solidFill>
@@ -8997,10 +15845,10 @@
   <p:cSld>
     <p:spTree>
       <p:nvGrpSpPr>
-        <p:cNvPr id="1" name="Shape 249">
+        <p:cNvPr id="1" name="Shape 213">
           <a:extLst>
             <a:ext uri="{FF2B5EF4-FFF2-40B4-BE49-F238E27FC236}">
-              <a16:creationId xmlns:a16="http://schemas.microsoft.com/office/drawing/2014/main" id="{72B3B4AF-7BE2-C3BF-CB0D-A782BA6C104D}"/>
+              <a16:creationId xmlns:a16="http://schemas.microsoft.com/office/drawing/2014/main" id="{2B6E9C98-C317-5572-C237-D4693C05E60B}"/>
             </a:ext>
           </a:extLst>
         </p:cNvPr>
@@ -9017,10 +15865,10 @@
       </p:grpSpPr>
       <p:sp>
         <p:nvSpPr>
-          <p:cNvPr id="250" name="Google Shape;250;p45">
+          <p:cNvPr id="214" name="Google Shape;214;p41">
             <a:extLst>
               <a:ext uri="{FF2B5EF4-FFF2-40B4-BE49-F238E27FC236}">
-                <a16:creationId xmlns:a16="http://schemas.microsoft.com/office/drawing/2014/main" id="{C02B05CD-1974-FE70-CD51-3CACD638918D}"/>
+                <a16:creationId xmlns:a16="http://schemas.microsoft.com/office/drawing/2014/main" id="{5BEF429C-E99F-BCE6-5F60-B6560B80A2CE}"/>
               </a:ext>
             </a:extLst>
           </p:cNvPr>
@@ -9028,13 +15876,13 @@
             <a:spLocks noGrp="1"/>
           </p:cNvSpPr>
           <p:nvPr>
-            <p:ph type="title"/>
+            <p:ph type="ctrTitle"/>
           </p:nvPr>
         </p:nvSpPr>
         <p:spPr>
           <a:xfrm>
-            <a:off x="3859250" y="2380050"/>
-            <a:ext cx="4360200" cy="841800"/>
+            <a:off x="3695838" y="824345"/>
+            <a:ext cx="5157216" cy="690125"/>
           </a:xfrm>
           <a:prstGeom prst="rect">
             <a:avLst/>
@@ -9046,71 +15894,7 @@
           </a:bodyPr>
           <a:lstStyle/>
           <a:p>
-            <a:pPr lvl="0"/>
-            <a:r>
-              <a:rPr lang="en-US" sz="2800" b="1" dirty="0">
-                <a:solidFill>
-                  <a:schemeClr val="accent3">
-                    <a:lumMod val="25000"/>
-                  </a:schemeClr>
-                </a:solidFill>
-              </a:rPr>
-              <a:t>Multiple products and</a:t>
-            </a:r>
-            <a:br>
-              <a:rPr lang="en-US" sz="2800" b="1" dirty="0">
-                <a:solidFill>
-                  <a:schemeClr val="accent3">
-                    <a:lumMod val="25000"/>
-                  </a:schemeClr>
-                </a:solidFill>
-              </a:rPr>
-            </a:br>
-            <a:r>
-              <a:rPr lang="en-US" sz="2800" b="1" dirty="0">
-                <a:solidFill>
-                  <a:schemeClr val="accent3">
-                    <a:lumMod val="25000"/>
-                  </a:schemeClr>
-                </a:solidFill>
-              </a:rPr>
-              <a:t>Stochastic environment</a:t>
-            </a:r>
-          </a:p>
-        </p:txBody>
-      </p:sp>
-      <p:sp>
-        <p:nvSpPr>
-          <p:cNvPr id="251" name="Google Shape;251;p45">
-            <a:extLst>
-              <a:ext uri="{FF2B5EF4-FFF2-40B4-BE49-F238E27FC236}">
-                <a16:creationId xmlns:a16="http://schemas.microsoft.com/office/drawing/2014/main" id="{8005F1A7-C9DB-A1C9-3156-0FD99EC8A5CB}"/>
-              </a:ext>
-            </a:extLst>
-          </p:cNvPr>
-          <p:cNvSpPr txBox="1">
-            <a:spLocks noGrp="1"/>
-          </p:cNvSpPr>
-          <p:nvPr>
-            <p:ph type="title" idx="2"/>
-          </p:nvPr>
-        </p:nvSpPr>
-        <p:spPr>
-          <a:xfrm>
-            <a:off x="3859250" y="1062325"/>
-            <a:ext cx="4360200" cy="1234500"/>
-          </a:xfrm>
-          <a:prstGeom prst="rect">
-            <a:avLst/>
-          </a:prstGeom>
-        </p:spPr>
-        <p:txBody>
-          <a:bodyPr spcFirstLastPara="1" wrap="square" lIns="91425" tIns="91425" rIns="91425" bIns="91425" anchor="t" anchorCtr="0">
-            <a:noAutofit/>
-          </a:bodyPr>
-          <a:lstStyle/>
-          <a:p>
-            <a:pPr marL="0" lvl="0" indent="0" algn="ctr" rtl="0">
+            <a:pPr marL="0" lvl="0" indent="0" algn="l" rtl="0">
               <a:spcBef>
                 <a:spcPts val="0"/>
               </a:spcBef>
@@ -9120,19 +15904,68 @@
               <a:buNone/>
             </a:pPr>
             <a:r>
-              <a:rPr lang="en" dirty="0">
+              <a:rPr lang="en-US" b="1" dirty="0">
                 <a:solidFill>
                   <a:schemeClr val="accent1">
                     <a:lumMod val="50000"/>
                   </a:schemeClr>
                 </a:solidFill>
               </a:rPr>
-              <a:t>02</a:t>
+              <a:t>B</a:t>
+            </a:r>
+            <a:r>
+              <a:rPr lang="en" b="1" dirty="0">
+                <a:solidFill>
+                  <a:schemeClr val="accent1">
+                    <a:lumMod val="50000"/>
+                  </a:schemeClr>
+                </a:solidFill>
+              </a:rPr>
+              <a:t>uyer </a:t>
+            </a:r>
+            <a:br>
+              <a:rPr lang="en" b="1" dirty="0">
+                <a:solidFill>
+                  <a:schemeClr val="accent1">
+                    <a:lumMod val="50000"/>
+                  </a:schemeClr>
+                </a:solidFill>
+              </a:rPr>
+            </a:br>
+            <a:r>
+              <a:rPr lang="en" b="1" dirty="0">
+                <a:solidFill>
+                  <a:schemeClr val="accent1">
+                    <a:lumMod val="50000"/>
+                  </a:schemeClr>
+                </a:solidFill>
+              </a:rPr>
+              <a:t>com</a:t>
+            </a:r>
+            <a:r>
+              <a:rPr lang="en-US" b="1" dirty="0">
+                <a:solidFill>
+                  <a:schemeClr val="accent1">
+                    <a:lumMod val="50000"/>
+                  </a:schemeClr>
+                </a:solidFill>
+              </a:rPr>
+              <a:t>p</a:t>
+            </a:r>
+            <a:r>
+              <a:rPr lang="en" b="1" dirty="0">
+                <a:solidFill>
+                  <a:schemeClr val="accent1">
+                    <a:lumMod val="50000"/>
+                  </a:schemeClr>
+                </a:solidFill>
+              </a:rPr>
+              <a:t>any nO budget</a:t>
             </a:r>
             <a:endParaRPr dirty="0">
               <a:solidFill>
-                <a:schemeClr val="accent1">
-                  <a:lumMod val="50000"/>
+                <a:schemeClr val="accent3">
+                  <a:lumMod val="25000"/>
                 </a:schemeClr>
               </a:solidFill>
             </a:endParaRPr>
@@ -9141,10 +15974,10 @@
       </p:sp>
       <p:pic>
         <p:nvPicPr>
-          <p:cNvPr id="253" name="Google Shape;253;p45">
+          <p:cNvPr id="216" name="Google Shape;216;p41">
             <a:extLst>
               <a:ext uri="{FF2B5EF4-FFF2-40B4-BE49-F238E27FC236}">
-                <a16:creationId xmlns:a16="http://schemas.microsoft.com/office/drawing/2014/main" id="{4F6AE319-BFA4-CAAD-1E82-3B000E090F5C}"/>
+                <a16:creationId xmlns:a16="http://schemas.microsoft.com/office/drawing/2014/main" id="{BB9F0D22-CB6E-6D04-ADC6-6E5E0C6DCF81}"/>
               </a:ext>
             </a:extLst>
           </p:cNvPr>
@@ -9155,13 +15988,13 @@
           <a:blip r:embed="rId3">
             <a:alphaModFix/>
           </a:blip>
-          <a:srcRect l="14335" r="14342"/>
+          <a:srcRect l="13663" t="5545" r="23252" b="6005"/>
           <a:stretch/>
         </p:blipFill>
         <p:spPr>
           <a:xfrm>
-            <a:off x="793150" y="348250"/>
-            <a:ext cx="3023699" cy="4260250"/>
+            <a:off x="758750" y="-125175"/>
+            <a:ext cx="3190148" cy="4494751"/>
           </a:xfrm>
           <a:prstGeom prst="rect">
             <a:avLst/>
@@ -9175,7 +16008,7 @@
     </p:spTree>
     <p:extLst>
       <p:ext uri="{BB962C8B-B14F-4D97-AF65-F5344CB8AC3E}">
-        <p14:creationId xmlns:p14="http://schemas.microsoft.com/office/powerpoint/2010/main" val="671471192"/>
+        <p14:creationId xmlns:p14="http://schemas.microsoft.com/office/powerpoint/2010/main" val="3514316574"/>
       </p:ext>
     </p:extLst>
   </p:cSld>
@@ -9190,10 +16023,10 @@
   <p:cSld>
     <p:spTree>
       <p:nvGrpSpPr>
-        <p:cNvPr id="1" name="Shape 249">
+        <p:cNvPr id="1" name="Shape 213">
           <a:extLst>
             <a:ext uri="{FF2B5EF4-FFF2-40B4-BE49-F238E27FC236}">
-              <a16:creationId xmlns:a16="http://schemas.microsoft.com/office/drawing/2014/main" id="{4C1ED64D-5FB8-09AD-ABAD-9EA3C7C634A4}"/>
+              <a16:creationId xmlns:a16="http://schemas.microsoft.com/office/drawing/2014/main" id="{DADF722D-A606-AABA-0058-0D21FFDB3AED}"/>
             </a:ext>
           </a:extLst>
         </p:cNvPr>
@@ -9210,10 +16043,10 @@
       </p:grpSpPr>
       <p:sp>
         <p:nvSpPr>
-          <p:cNvPr id="250" name="Google Shape;250;p45">
+          <p:cNvPr id="214" name="Google Shape;214;p41">
             <a:extLst>
               <a:ext uri="{FF2B5EF4-FFF2-40B4-BE49-F238E27FC236}">
-                <a16:creationId xmlns:a16="http://schemas.microsoft.com/office/drawing/2014/main" id="{E79C34AA-C145-D299-0400-4269A738E8E3}"/>
+                <a16:creationId xmlns:a16="http://schemas.microsoft.com/office/drawing/2014/main" id="{3A261D6E-CBBB-CD55-6048-0C2865C1E457}"/>
               </a:ext>
             </a:extLst>
           </p:cNvPr>
@@ -9221,13 +16054,13 @@
             <a:spLocks noGrp="1"/>
           </p:cNvSpPr>
           <p:nvPr>
-            <p:ph type="title"/>
+            <p:ph type="ctrTitle"/>
           </p:nvPr>
         </p:nvSpPr>
         <p:spPr>
           <a:xfrm>
-            <a:off x="3859250" y="2380050"/>
-            <a:ext cx="4360200" cy="841800"/>
+            <a:off x="3695838" y="824345"/>
+            <a:ext cx="5157216" cy="690125"/>
           </a:xfrm>
           <a:prstGeom prst="rect">
             <a:avLst/>
@@ -9239,71 +16072,7 @@
           </a:bodyPr>
           <a:lstStyle/>
           <a:p>
-            <a:pPr lvl="0"/>
-            <a:r>
-              <a:rPr lang="en-US" sz="2800" b="1" dirty="0">
-                <a:solidFill>
-                  <a:schemeClr val="accent3">
-                    <a:lumMod val="25000"/>
-                  </a:schemeClr>
-                </a:solidFill>
-              </a:rPr>
-              <a:t>Single product and</a:t>
-            </a:r>
-            <a:br>
-              <a:rPr lang="en-US" sz="2800" b="1" dirty="0">
-                <a:solidFill>
-                  <a:schemeClr val="accent3">
-                    <a:lumMod val="25000"/>
-                  </a:schemeClr>
-                </a:solidFill>
-              </a:rPr>
-            </a:br>
-            <a:r>
-              <a:rPr lang="en-US" sz="2800" b="1" dirty="0">
-                <a:solidFill>
-                  <a:schemeClr val="accent3">
-                    <a:lumMod val="25000"/>
-                  </a:schemeClr>
-                </a:solidFill>
-              </a:rPr>
-              <a:t>Adversarial environment</a:t>
-            </a:r>
-          </a:p>
-        </p:txBody>
-      </p:sp>
-      <p:sp>
-        <p:nvSpPr>
-          <p:cNvPr id="251" name="Google Shape;251;p45">
-            <a:extLst>
-              <a:ext uri="{FF2B5EF4-FFF2-40B4-BE49-F238E27FC236}">
-                <a16:creationId xmlns:a16="http://schemas.microsoft.com/office/drawing/2014/main" id="{5DD2046D-03C6-AD06-2A75-D35F08C74266}"/>
-              </a:ext>
-            </a:extLst>
-          </p:cNvPr>
-          <p:cNvSpPr txBox="1">
-            <a:spLocks noGrp="1"/>
-          </p:cNvSpPr>
-          <p:nvPr>
-            <p:ph type="title" idx="2"/>
-          </p:nvPr>
-        </p:nvSpPr>
-        <p:spPr>
-          <a:xfrm>
-            <a:off x="3859250" y="1062325"/>
-            <a:ext cx="4360200" cy="1234500"/>
-          </a:xfrm>
-          <a:prstGeom prst="rect">
-            <a:avLst/>
-          </a:prstGeom>
-        </p:spPr>
-        <p:txBody>
-          <a:bodyPr spcFirstLastPara="1" wrap="square" lIns="91425" tIns="91425" rIns="91425" bIns="91425" anchor="t" anchorCtr="0">
-            <a:noAutofit/>
-          </a:bodyPr>
-          <a:lstStyle/>
-          <a:p>
-            <a:pPr marL="0" lvl="0" indent="0" algn="ctr" rtl="0">
+            <a:pPr marL="0" lvl="0" indent="0" algn="l" rtl="0">
               <a:spcBef>
                 <a:spcPts val="0"/>
               </a:spcBef>
@@ -9313,19 +16082,19 @@
               <a:buNone/>
             </a:pPr>
             <a:r>
-              <a:rPr lang="en" dirty="0">
+              <a:rPr lang="en-US" b="1" dirty="0">
                 <a:solidFill>
                   <a:schemeClr val="accent1">
                     <a:lumMod val="50000"/>
                   </a:schemeClr>
                 </a:solidFill>
               </a:rPr>
-              <a:t>03</a:t>
+              <a:t>Simulation </a:t>
             </a:r>
             <a:endParaRPr dirty="0">
               <a:solidFill>
-                <a:schemeClr val="accent1">
-                  <a:lumMod val="50000"/>
+                <a:schemeClr val="accent3">
+                  <a:lumMod val="25000"/>
                 </a:schemeClr>
               </a:solidFill>
             </a:endParaRPr>
@@ -9334,10 +16103,10 @@
       </p:sp>
       <p:pic>
         <p:nvPicPr>
-          <p:cNvPr id="253" name="Google Shape;253;p45">
+          <p:cNvPr id="216" name="Google Shape;216;p41">
             <a:extLst>
               <a:ext uri="{FF2B5EF4-FFF2-40B4-BE49-F238E27FC236}">
-                <a16:creationId xmlns:a16="http://schemas.microsoft.com/office/drawing/2014/main" id="{BB835142-0B96-3499-087B-7AF086DA2F52}"/>
+                <a16:creationId xmlns:a16="http://schemas.microsoft.com/office/drawing/2014/main" id="{D73E3727-7568-B784-858A-08B171462AD2}"/>
               </a:ext>
             </a:extLst>
           </p:cNvPr>
@@ -9348,13 +16117,13 @@
           <a:blip r:embed="rId3">
             <a:alphaModFix/>
           </a:blip>
-          <a:srcRect l="14335" r="14342"/>
+          <a:srcRect l="13663" t="5545" r="23252" b="6005"/>
           <a:stretch/>
         </p:blipFill>
         <p:spPr>
           <a:xfrm>
-            <a:off x="793150" y="348250"/>
-            <a:ext cx="3023699" cy="4260250"/>
+            <a:off x="758750" y="-125175"/>
+            <a:ext cx="3190148" cy="4494751"/>
           </a:xfrm>
           <a:prstGeom prst="rect">
             <a:avLst/>
@@ -9368,7 +16137,7 @@
     </p:spTree>
     <p:extLst>
       <p:ext uri="{BB962C8B-B14F-4D97-AF65-F5344CB8AC3E}">
-        <p14:creationId xmlns:p14="http://schemas.microsoft.com/office/powerpoint/2010/main" val="1695129146"/>
+        <p14:creationId xmlns:p14="http://schemas.microsoft.com/office/powerpoint/2010/main" val="2045387302"/>
       </p:ext>
     </p:extLst>
   </p:cSld>
@@ -9383,10 +16152,10 @@
   <p:cSld>
     <p:spTree>
       <p:nvGrpSpPr>
-        <p:cNvPr id="1" name="Shape 249">
+        <p:cNvPr id="1" name="Shape 213">
           <a:extLst>
             <a:ext uri="{FF2B5EF4-FFF2-40B4-BE49-F238E27FC236}">
-              <a16:creationId xmlns:a16="http://schemas.microsoft.com/office/drawing/2014/main" id="{30F9CE9B-1905-6F28-D0F0-208C6E9E9B36}"/>
+              <a16:creationId xmlns:a16="http://schemas.microsoft.com/office/drawing/2014/main" id="{0931DDDC-2795-BD9B-0880-899CA88D4F03}"/>
             </a:ext>
           </a:extLst>
         </p:cNvPr>
@@ -9403,10 +16172,10 @@
       </p:grpSpPr>
       <p:sp>
         <p:nvSpPr>
-          <p:cNvPr id="250" name="Google Shape;250;p45">
+          <p:cNvPr id="214" name="Google Shape;214;p41">
             <a:extLst>
               <a:ext uri="{FF2B5EF4-FFF2-40B4-BE49-F238E27FC236}">
-                <a16:creationId xmlns:a16="http://schemas.microsoft.com/office/drawing/2014/main" id="{520AB179-D9AB-20D8-AF45-5066F68986A0}"/>
+                <a16:creationId xmlns:a16="http://schemas.microsoft.com/office/drawing/2014/main" id="{652CD1CC-7047-A591-43D7-E7258CD2C11A}"/>
               </a:ext>
             </a:extLst>
           </p:cNvPr>
@@ -9414,13 +16183,13 @@
             <a:spLocks noGrp="1"/>
           </p:cNvSpPr>
           <p:nvPr>
-            <p:ph type="title"/>
+            <p:ph type="ctrTitle"/>
           </p:nvPr>
         </p:nvSpPr>
         <p:spPr>
           <a:xfrm>
-            <a:off x="3859250" y="2380050"/>
-            <a:ext cx="4360200" cy="841800"/>
+            <a:off x="3695838" y="824345"/>
+            <a:ext cx="5157216" cy="690125"/>
           </a:xfrm>
           <a:prstGeom prst="rect">
             <a:avLst/>
@@ -9432,71 +16201,7 @@
           </a:bodyPr>
           <a:lstStyle/>
           <a:p>
-            <a:pPr lvl="0"/>
-            <a:r>
-              <a:rPr lang="en-US" sz="2800" b="1" dirty="0">
-                <a:solidFill>
-                  <a:schemeClr val="accent3">
-                    <a:lumMod val="25000"/>
-                  </a:schemeClr>
-                </a:solidFill>
-              </a:rPr>
-              <a:t>Multiple products and</a:t>
-            </a:r>
-            <a:br>
-              <a:rPr lang="en-US" sz="2800" b="1" dirty="0">
-                <a:solidFill>
-                  <a:schemeClr val="accent3">
-                    <a:lumMod val="25000"/>
-                  </a:schemeClr>
-                </a:solidFill>
-              </a:rPr>
-            </a:br>
-            <a:r>
-              <a:rPr lang="en-US" sz="2800" b="1" dirty="0">
-                <a:solidFill>
-                  <a:schemeClr val="accent3">
-                    <a:lumMod val="25000"/>
-                  </a:schemeClr>
-                </a:solidFill>
-              </a:rPr>
-              <a:t>Adversarial environment</a:t>
-            </a:r>
-          </a:p>
-        </p:txBody>
-      </p:sp>
-      <p:sp>
-        <p:nvSpPr>
-          <p:cNvPr id="251" name="Google Shape;251;p45">
-            <a:extLst>
-              <a:ext uri="{FF2B5EF4-FFF2-40B4-BE49-F238E27FC236}">
-                <a16:creationId xmlns:a16="http://schemas.microsoft.com/office/drawing/2014/main" id="{37B1BE82-9525-8B6E-45E1-C903BCE0DC4E}"/>
-              </a:ext>
-            </a:extLst>
-          </p:cNvPr>
-          <p:cNvSpPr txBox="1">
-            <a:spLocks noGrp="1"/>
-          </p:cNvSpPr>
-          <p:nvPr>
-            <p:ph type="title" idx="2"/>
-          </p:nvPr>
-        </p:nvSpPr>
-        <p:spPr>
-          <a:xfrm>
-            <a:off x="3859250" y="1062325"/>
-            <a:ext cx="4360200" cy="1234500"/>
-          </a:xfrm>
-          <a:prstGeom prst="rect">
-            <a:avLst/>
-          </a:prstGeom>
-        </p:spPr>
-        <p:txBody>
-          <a:bodyPr spcFirstLastPara="1" wrap="square" lIns="91425" tIns="91425" rIns="91425" bIns="91425" anchor="t" anchorCtr="0">
-            <a:noAutofit/>
-          </a:bodyPr>
-          <a:lstStyle/>
-          <a:p>
-            <a:pPr marL="0" lvl="0" indent="0" algn="ctr" rtl="0">
+            <a:pPr marL="0" lvl="0" indent="0" algn="l" rtl="0">
               <a:spcBef>
                 <a:spcPts val="0"/>
               </a:spcBef>
@@ -9506,19 +16211,19 @@
               <a:buNone/>
             </a:pPr>
             <a:r>
-              <a:rPr lang="en" dirty="0">
+              <a:rPr lang="en-US" b="1" dirty="0">
                 <a:solidFill>
                   <a:schemeClr val="accent1">
                     <a:lumMod val="50000"/>
                   </a:schemeClr>
                 </a:solidFill>
               </a:rPr>
-              <a:t>04</a:t>
+              <a:t>res</a:t>
             </a:r>
             <a:endParaRPr dirty="0">
               <a:solidFill>
-                <a:schemeClr val="accent1">
-                  <a:lumMod val="50000"/>
+                <a:schemeClr val="accent3">
+                  <a:lumMod val="25000"/>
                 </a:schemeClr>
               </a:solidFill>
             </a:endParaRPr>
@@ -9527,10 +16232,10 @@
       </p:sp>
       <p:pic>
         <p:nvPicPr>
-          <p:cNvPr id="253" name="Google Shape;253;p45">
+          <p:cNvPr id="216" name="Google Shape;216;p41">
             <a:extLst>
               <a:ext uri="{FF2B5EF4-FFF2-40B4-BE49-F238E27FC236}">
-                <a16:creationId xmlns:a16="http://schemas.microsoft.com/office/drawing/2014/main" id="{2F90024F-E880-2F40-D846-811ED083D1D1}"/>
+                <a16:creationId xmlns:a16="http://schemas.microsoft.com/office/drawing/2014/main" id="{2875F5FC-30E2-4061-252D-FC80B47BF8AE}"/>
               </a:ext>
             </a:extLst>
           </p:cNvPr>
@@ -9541,13 +16246,13 @@
           <a:blip r:embed="rId3">
             <a:alphaModFix/>
           </a:blip>
-          <a:srcRect l="14335" r="14342"/>
+          <a:srcRect l="13663" t="5545" r="23252" b="6005"/>
           <a:stretch/>
         </p:blipFill>
         <p:spPr>
           <a:xfrm>
-            <a:off x="793150" y="348250"/>
-            <a:ext cx="3023699" cy="4260250"/>
+            <a:off x="758750" y="-125175"/>
+            <a:ext cx="3190148" cy="4494751"/>
           </a:xfrm>
           <a:prstGeom prst="rect">
             <a:avLst/>
@@ -9561,7 +16266,7 @@
     </p:spTree>
     <p:extLst>
       <p:ext uri="{BB962C8B-B14F-4D97-AF65-F5344CB8AC3E}">
-        <p14:creationId xmlns:p14="http://schemas.microsoft.com/office/powerpoint/2010/main" val="4093930356"/>
+        <p14:creationId xmlns:p14="http://schemas.microsoft.com/office/powerpoint/2010/main" val="3867412915"/>
       </p:ext>
     </p:extLst>
   </p:cSld>
@@ -9576,10 +16281,10 @@
   <p:cSld>
     <p:spTree>
       <p:nvGrpSpPr>
-        <p:cNvPr id="1" name="Shape 249">
+        <p:cNvPr id="1" name="Shape 213">
           <a:extLst>
             <a:ext uri="{FF2B5EF4-FFF2-40B4-BE49-F238E27FC236}">
-              <a16:creationId xmlns:a16="http://schemas.microsoft.com/office/drawing/2014/main" id="{5B49A04D-F7B1-5C3C-19DD-C9A76B6E7612}"/>
+              <a16:creationId xmlns:a16="http://schemas.microsoft.com/office/drawing/2014/main" id="{66567FEA-5866-0169-7086-513CB98AC1DF}"/>
             </a:ext>
           </a:extLst>
         </p:cNvPr>
@@ -9596,10 +16301,10 @@
       </p:grpSpPr>
       <p:sp>
         <p:nvSpPr>
-          <p:cNvPr id="250" name="Google Shape;250;p45">
+          <p:cNvPr id="214" name="Google Shape;214;p41">
             <a:extLst>
               <a:ext uri="{FF2B5EF4-FFF2-40B4-BE49-F238E27FC236}">
-                <a16:creationId xmlns:a16="http://schemas.microsoft.com/office/drawing/2014/main" id="{2595C63D-5269-0CE0-6F64-A33EF609F371}"/>
+                <a16:creationId xmlns:a16="http://schemas.microsoft.com/office/drawing/2014/main" id="{9CF46BA5-DE93-2752-8050-E4F9949A9E4E}"/>
               </a:ext>
             </a:extLst>
           </p:cNvPr>
@@ -9607,13 +16312,13 @@
             <a:spLocks noGrp="1"/>
           </p:cNvSpPr>
           <p:nvPr>
-            <p:ph type="title"/>
+            <p:ph type="ctrTitle"/>
           </p:nvPr>
         </p:nvSpPr>
         <p:spPr>
           <a:xfrm>
-            <a:off x="3859250" y="2380050"/>
-            <a:ext cx="4360200" cy="841800"/>
+            <a:off x="3695838" y="824345"/>
+            <a:ext cx="5157216" cy="690125"/>
           </a:xfrm>
           <a:prstGeom prst="rect">
             <a:avLst/>
@@ -9625,51 +16330,7 @@
           </a:bodyPr>
           <a:lstStyle/>
           <a:p>
-            <a:r>
-              <a:rPr lang="en-US" sz="2800" b="1" dirty="0">
-                <a:solidFill>
-                  <a:schemeClr val="accent3">
-                    <a:lumMod val="25000"/>
-                  </a:schemeClr>
-                </a:solidFill>
-              </a:rPr>
-              <a:t>Slightly non-stationary environment</a:t>
-            </a:r>
-          </a:p>
-        </p:txBody>
-      </p:sp>
-      <p:sp>
-        <p:nvSpPr>
-          <p:cNvPr id="251" name="Google Shape;251;p45">
-            <a:extLst>
-              <a:ext uri="{FF2B5EF4-FFF2-40B4-BE49-F238E27FC236}">
-                <a16:creationId xmlns:a16="http://schemas.microsoft.com/office/drawing/2014/main" id="{DE6655AA-75A0-9F60-558F-95A2061CB7D0}"/>
-              </a:ext>
-            </a:extLst>
-          </p:cNvPr>
-          <p:cNvSpPr txBox="1">
-            <a:spLocks noGrp="1"/>
-          </p:cNvSpPr>
-          <p:nvPr>
-            <p:ph type="title" idx="2"/>
-          </p:nvPr>
-        </p:nvSpPr>
-        <p:spPr>
-          <a:xfrm>
-            <a:off x="3859250" y="1062325"/>
-            <a:ext cx="4360200" cy="1234500"/>
-          </a:xfrm>
-          <a:prstGeom prst="rect">
-            <a:avLst/>
-          </a:prstGeom>
-        </p:spPr>
-        <p:txBody>
-          <a:bodyPr spcFirstLastPara="1" wrap="square" lIns="91425" tIns="91425" rIns="91425" bIns="91425" anchor="t" anchorCtr="0">
-            <a:noAutofit/>
-          </a:bodyPr>
-          <a:lstStyle/>
-          <a:p>
-            <a:pPr marL="0" lvl="0" indent="0" algn="ctr" rtl="0">
+            <a:pPr marL="0" lvl="0" indent="0" algn="l" rtl="0">
               <a:spcBef>
                 <a:spcPts val="0"/>
               </a:spcBef>
@@ -9678,20 +16339,68 @@
               </a:spcAft>
               <a:buNone/>
             </a:pPr>
-            <a:r>
-              <a:rPr lang="en" dirty="0">
+            <a:br>
+              <a:rPr lang="en" b="1" dirty="0">
                 <a:solidFill>
                   <a:schemeClr val="accent1">
                     <a:lumMod val="50000"/>
                   </a:schemeClr>
                 </a:solidFill>
               </a:rPr>
-              <a:t>05</a:t>
+            </a:br>
+            <a:r>
+              <a:rPr lang="en" b="1" dirty="0">
+                <a:solidFill>
+                  <a:schemeClr val="accent1">
+                    <a:lumMod val="50000"/>
+                  </a:schemeClr>
+                </a:solidFill>
+              </a:rPr>
+              <a:t>com</a:t>
+            </a:r>
+            <a:r>
+              <a:rPr lang="en-US" b="1" dirty="0">
+                <a:solidFill>
+                  <a:schemeClr val="accent1">
+                    <a:lumMod val="50000"/>
+                  </a:schemeClr>
+                </a:solidFill>
+              </a:rPr>
+              <a:t>p</a:t>
+            </a:r>
+            <a:r>
+              <a:rPr lang="en" b="1" dirty="0">
+                <a:solidFill>
+                  <a:schemeClr val="accent1">
+                    <a:lumMod val="50000"/>
+                  </a:schemeClr>
+                </a:solidFill>
+              </a:rPr>
+              <a:t>any budget</a:t>
+            </a:r>
+            <a:br>
+              <a:rPr lang="en" b="1" dirty="0">
+                <a:solidFill>
+                  <a:schemeClr val="accent1">
+                    <a:lumMod val="50000"/>
+                  </a:schemeClr>
+                </a:solidFill>
+              </a:rPr>
+            </a:br>
+            <a:r>
+              <a:rPr lang="en" b="1" dirty="0">
+                <a:solidFill>
+                  <a:schemeClr val="accent1">
+                    <a:lumMod val="50000"/>
+                  </a:schemeClr>
+                </a:solidFill>
+              </a:rPr>
+              <a:t>spiegazione budget</a:t>
             </a:r>
             <a:endParaRPr dirty="0">
               <a:solidFill>
-                <a:schemeClr val="accent1">
-                  <a:lumMod val="50000"/>
+                <a:schemeClr val="accent3">
+                  <a:lumMod val="25000"/>
                 </a:schemeClr>
               </a:solidFill>
             </a:endParaRPr>
@@ -9700,10 +16409,10 @@
       </p:sp>
       <p:pic>
         <p:nvPicPr>
-          <p:cNvPr id="253" name="Google Shape;253;p45">
+          <p:cNvPr id="216" name="Google Shape;216;p41">
             <a:extLst>
               <a:ext uri="{FF2B5EF4-FFF2-40B4-BE49-F238E27FC236}">
-                <a16:creationId xmlns:a16="http://schemas.microsoft.com/office/drawing/2014/main" id="{96272E6F-E329-65EB-3662-466417EAD38B}"/>
+                <a16:creationId xmlns:a16="http://schemas.microsoft.com/office/drawing/2014/main" id="{E623E845-792A-7ADA-6ED2-121991F2A4CE}"/>
               </a:ext>
             </a:extLst>
           </p:cNvPr>
@@ -9714,13 +16423,13 @@
           <a:blip r:embed="rId3">
             <a:alphaModFix/>
           </a:blip>
-          <a:srcRect l="14335" r="14342"/>
+          <a:srcRect l="13663" t="5545" r="23252" b="6005"/>
           <a:stretch/>
         </p:blipFill>
         <p:spPr>
           <a:xfrm>
-            <a:off x="793150" y="348250"/>
-            <a:ext cx="3023699" cy="4260250"/>
+            <a:off x="758750" y="-125175"/>
+            <a:ext cx="3190148" cy="4494751"/>
           </a:xfrm>
           <a:prstGeom prst="rect">
             <a:avLst/>
@@ -9734,7 +16443,7 @@
     </p:spTree>
     <p:extLst>
       <p:ext uri="{BB962C8B-B14F-4D97-AF65-F5344CB8AC3E}">
-        <p14:creationId xmlns:p14="http://schemas.microsoft.com/office/powerpoint/2010/main" val="2097398197"/>
+        <p14:creationId xmlns:p14="http://schemas.microsoft.com/office/powerpoint/2010/main" val="1573063527"/>
       </p:ext>
     </p:extLst>
   </p:cSld>
